--- a/Tesi Emanuele Orfanelli 1383726.pptx
+++ b/Tesi Emanuele Orfanelli 1383726.pptx
@@ -34,7 +34,7 @@
     <p:sldId id="296" r:id="rId22"/>
     <p:sldId id="297" r:id="rId23"/>
     <p:sldId id="298" r:id="rId24"/>
-    <p:sldId id="309" r:id="rId25"/>
+    <p:sldId id="311" r:id="rId25"/>
     <p:sldId id="310" r:id="rId26"/>
   </p:sldIdLst>
   <p:sldSz cx="9144000" cy="6858000" type="screen4x3"/>
@@ -1766,11 +1766,7 @@
             </a:r>
             <a:r>
               <a:rPr lang="en-US" baseline="0" dirty="0" smtClean="0"/>
-              <a:t> it better? How much to talk about it</a:t>
-            </a:r>
-            <a:r>
-              <a:rPr lang="en-US" baseline="0" dirty="0" smtClean="0"/>
-              <a:t>?</a:t>
+              <a:t> it better? How much to talk about it?</a:t>
             </a:r>
             <a:endParaRPr lang="en-US" dirty="0"/>
           </a:p>
@@ -2298,6 +2294,10 @@
           <a:bodyPr/>
           <a:lstStyle/>
           <a:p>
+            <a:r>
+              <a:rPr lang="en-US" dirty="0" smtClean="0"/>
+              <a:t>Add confusion matrix?</a:t>
+            </a:r>
             <a:endParaRPr lang="en-US" dirty="0"/>
           </a:p>
         </p:txBody>
@@ -2325,7 +2325,7 @@
               <a:pPr>
                 <a:defRPr/>
               </a:pPr>
-              <a:t>25</a:t>
+              <a:t>22</a:t>
             </a:fld>
             <a:endParaRPr lang="it-IT" altLang="it-IT"/>
           </a:p>
@@ -2334,7 +2334,7 @@
     </p:spTree>
     <p:extLst>
       <p:ext uri="{BB962C8B-B14F-4D97-AF65-F5344CB8AC3E}">
-        <p14:creationId xmlns:p14="http://schemas.microsoft.com/office/powerpoint/2010/main" val="2395757075"/>
+        <p14:creationId xmlns:p14="http://schemas.microsoft.com/office/powerpoint/2010/main" val="1832073229"/>
       </p:ext>
     </p:extLst>
   </p:cSld>
@@ -2435,6 +2435,96 @@
     <p:extLst>
       <p:ext uri="{BB962C8B-B14F-4D97-AF65-F5344CB8AC3E}">
         <p14:creationId xmlns:p14="http://schemas.microsoft.com/office/powerpoint/2010/main" val="3544566829"/>
+      </p:ext>
+    </p:extLst>
+  </p:cSld>
+  <p:clrMapOvr>
+    <a:masterClrMapping/>
+  </p:clrMapOvr>
+</p:notes>
+</file>
+
+<file path=ppt/notesSlides/notesSlide20.xml><?xml version="1.0" encoding="utf-8"?>
+<p:notes xmlns:a="http://schemas.openxmlformats.org/drawingml/2006/main" xmlns:r="http://schemas.openxmlformats.org/officeDocument/2006/relationships" xmlns:p="http://schemas.openxmlformats.org/presentationml/2006/main">
+  <p:cSld>
+    <p:spTree>
+      <p:nvGrpSpPr>
+        <p:cNvPr id="1" name=""/>
+        <p:cNvGrpSpPr/>
+        <p:nvPr/>
+      </p:nvGrpSpPr>
+      <p:grpSpPr>
+        <a:xfrm>
+          <a:off x="0" y="0"/>
+          <a:ext cx="0" cy="0"/>
+          <a:chOff x="0" y="0"/>
+          <a:chExt cx="0" cy="0"/>
+        </a:xfrm>
+      </p:grpSpPr>
+      <p:sp>
+        <p:nvSpPr>
+          <p:cNvPr id="2" name="Slide Image Placeholder 1"/>
+          <p:cNvSpPr>
+            <a:spLocks noGrp="1" noRot="1" noChangeAspect="1"/>
+          </p:cNvSpPr>
+          <p:nvPr>
+            <p:ph type="sldImg"/>
+          </p:nvPr>
+        </p:nvSpPr>
+        <p:spPr/>
+      </p:sp>
+      <p:sp>
+        <p:nvSpPr>
+          <p:cNvPr id="3" name="Notes Placeholder 2"/>
+          <p:cNvSpPr>
+            <a:spLocks noGrp="1"/>
+          </p:cNvSpPr>
+          <p:nvPr>
+            <p:ph type="body" idx="1"/>
+          </p:nvPr>
+        </p:nvSpPr>
+        <p:spPr/>
+        <p:txBody>
+          <a:bodyPr/>
+          <a:lstStyle/>
+          <a:p>
+            <a:endParaRPr lang="en-US" dirty="0"/>
+          </a:p>
+        </p:txBody>
+      </p:sp>
+      <p:sp>
+        <p:nvSpPr>
+          <p:cNvPr id="4" name="Slide Number Placeholder 3"/>
+          <p:cNvSpPr>
+            <a:spLocks noGrp="1"/>
+          </p:cNvSpPr>
+          <p:nvPr>
+            <p:ph type="sldNum" sz="quarter" idx="10"/>
+          </p:nvPr>
+        </p:nvSpPr>
+        <p:spPr/>
+        <p:txBody>
+          <a:bodyPr/>
+          <a:lstStyle/>
+          <a:p>
+            <a:pPr>
+              <a:defRPr/>
+            </a:pPr>
+            <a:fld id="{0BD935CA-3C3B-47B5-B52B-F13E37D8C3A5}" type="slidenum">
+              <a:rPr lang="it-IT" altLang="it-IT" smtClean="0"/>
+              <a:pPr>
+                <a:defRPr/>
+              </a:pPr>
+              <a:t>25</a:t>
+            </a:fld>
+            <a:endParaRPr lang="it-IT" altLang="it-IT"/>
+          </a:p>
+        </p:txBody>
+      </p:sp>
+    </p:spTree>
+    <p:extLst>
+      <p:ext uri="{BB962C8B-B14F-4D97-AF65-F5344CB8AC3E}">
+        <p14:creationId xmlns:p14="http://schemas.microsoft.com/office/powerpoint/2010/main" val="2395757075"/>
       </p:ext>
     </p:extLst>
   </p:cSld>
@@ -3267,7 +3357,7 @@
               <a:pPr>
                 <a:defRPr/>
               </a:pPr>
-              <a:t>30/12/2018</a:t>
+              <a:t>01/01/2019</a:t>
             </a:fld>
             <a:endParaRPr lang="it-IT" altLang="it-IT"/>
           </a:p>
@@ -3494,7 +3584,7 @@
               <a:pPr>
                 <a:defRPr/>
               </a:pPr>
-              <a:t>30/12/2018</a:t>
+              <a:t>01/01/2019</a:t>
             </a:fld>
             <a:endParaRPr lang="it-IT" altLang="it-IT"/>
           </a:p>
@@ -3731,7 +3821,7 @@
               <a:pPr>
                 <a:defRPr/>
               </a:pPr>
-              <a:t>30/12/2018</a:t>
+              <a:t>01/01/2019</a:t>
             </a:fld>
             <a:endParaRPr lang="it-IT" altLang="it-IT"/>
           </a:p>
@@ -4024,7 +4114,7 @@
               <a:pPr>
                 <a:defRPr/>
               </a:pPr>
-              <a:t>30/12/2018</a:t>
+              <a:t>01/01/2019</a:t>
             </a:fld>
             <a:endParaRPr lang="it-IT" altLang="it-IT"/>
           </a:p>
@@ -4230,7 +4320,7 @@
               <a:pPr>
                 <a:defRPr/>
               </a:pPr>
-              <a:t>30/12/2018</a:t>
+              <a:t>01/01/2019</a:t>
             </a:fld>
             <a:endParaRPr lang="it-IT" altLang="it-IT"/>
           </a:p>
@@ -4436,7 +4526,7 @@
               <a:pPr>
                 <a:defRPr/>
               </a:pPr>
-              <a:t>30/12/2018</a:t>
+              <a:t>01/01/2019</a:t>
             </a:fld>
             <a:endParaRPr lang="it-IT" altLang="it-IT"/>
           </a:p>
@@ -4663,7 +4753,7 @@
               <a:pPr>
                 <a:defRPr/>
               </a:pPr>
-              <a:t>30/12/2018</a:t>
+              <a:t>01/01/2019</a:t>
             </a:fld>
             <a:endParaRPr lang="it-IT" altLang="it-IT"/>
           </a:p>
@@ -4913,7 +5003,7 @@
               <a:pPr>
                 <a:defRPr/>
               </a:pPr>
-              <a:t>30/12/2018</a:t>
+              <a:t>01/01/2019</a:t>
             </a:fld>
             <a:endParaRPr lang="it-IT" altLang="it-IT"/>
           </a:p>
@@ -5201,7 +5291,7 @@
               <a:pPr>
                 <a:defRPr/>
               </a:pPr>
-              <a:t>30/12/2018</a:t>
+              <a:t>01/01/2019</a:t>
             </a:fld>
             <a:endParaRPr lang="it-IT" altLang="it-IT"/>
           </a:p>
@@ -5624,7 +5714,7 @@
               <a:pPr>
                 <a:defRPr/>
               </a:pPr>
-              <a:t>30/12/2018</a:t>
+              <a:t>01/01/2019</a:t>
             </a:fld>
             <a:endParaRPr lang="it-IT" altLang="it-IT"/>
           </a:p>
@@ -5800,7 +5890,7 @@
               <a:pPr>
                 <a:defRPr/>
               </a:pPr>
-              <a:t>30/12/2018</a:t>
+              <a:t>01/01/2019</a:t>
             </a:fld>
             <a:endParaRPr lang="it-IT" altLang="it-IT"/>
           </a:p>
@@ -5954,7 +6044,7 @@
               <a:pPr>
                 <a:defRPr/>
               </a:pPr>
-              <a:t>30/12/2018</a:t>
+              <a:t>01/01/2019</a:t>
             </a:fld>
             <a:endParaRPr lang="it-IT" altLang="it-IT"/>
           </a:p>
@@ -6288,7 +6378,7 @@
               <a:pPr>
                 <a:defRPr/>
               </a:pPr>
-              <a:t>30/12/2018</a:t>
+              <a:t>01/01/2019</a:t>
             </a:fld>
             <a:endParaRPr lang="it-IT" altLang="it-IT"/>
           </a:p>
@@ -6600,7 +6690,7 @@
               <a:pPr>
                 <a:defRPr/>
               </a:pPr>
-              <a:t>30/12/2018</a:t>
+              <a:t>01/01/2019</a:t>
             </a:fld>
             <a:endParaRPr lang="it-IT" altLang="it-IT"/>
           </a:p>
@@ -7272,7 +7362,7 @@
               <a:pPr>
                 <a:defRPr/>
               </a:pPr>
-              <a:t>30/12/2018</a:t>
+              <a:t>01/01/2019</a:t>
             </a:fld>
             <a:endParaRPr lang="it-IT" altLang="it-IT"/>
           </a:p>
@@ -8462,7 +8552,7 @@
               <a:pPr>
                 <a:defRPr/>
               </a:pPr>
-              <a:t>30/12/2018</a:t>
+              <a:t>01/01/2019</a:t>
             </a:fld>
             <a:endParaRPr lang="it-IT" altLang="it-IT"/>
           </a:p>
@@ -8703,7 +8793,7 @@
               <a:pPr>
                 <a:defRPr/>
               </a:pPr>
-              <a:t>30/12/2018</a:t>
+              <a:t>01/01/2019</a:t>
             </a:fld>
             <a:endParaRPr lang="it-IT" altLang="it-IT"/>
           </a:p>
@@ -8921,7 +9011,7 @@
               <a:pPr>
                 <a:defRPr/>
               </a:pPr>
-              <a:t>30/12/2018</a:t>
+              <a:t>01/01/2019</a:t>
             </a:fld>
             <a:endParaRPr lang="it-IT" altLang="it-IT" dirty="0"/>
           </a:p>
@@ -9165,7 +9255,7 @@
               <a:pPr>
                 <a:defRPr/>
               </a:pPr>
-              <a:t>30/12/2018</a:t>
+              <a:t>01/01/2019</a:t>
             </a:fld>
             <a:endParaRPr lang="it-IT" altLang="it-IT"/>
           </a:p>
@@ -9376,7 +9466,7 @@
               <a:pPr>
                 <a:defRPr/>
               </a:pPr>
-              <a:t>30/12/2018</a:t>
+              <a:t>01/01/2019</a:t>
             </a:fld>
             <a:endParaRPr lang="it-IT" altLang="it-IT"/>
           </a:p>
@@ -9578,7 +9668,7 @@
               <a:pPr>
                 <a:defRPr/>
               </a:pPr>
-              <a:t>30/12/2018</a:t>
+              <a:t>01/01/2019</a:t>
             </a:fld>
             <a:endParaRPr lang="it-IT" altLang="it-IT"/>
           </a:p>
@@ -9756,7 +9846,7 @@
               <a:pPr>
                 <a:defRPr/>
               </a:pPr>
-              <a:t>30/12/2018</a:t>
+              <a:t>01/01/2019</a:t>
             </a:fld>
             <a:endParaRPr lang="it-IT" altLang="it-IT"/>
           </a:p>
@@ -10012,7 +10102,7 @@
               <a:pPr>
                 <a:defRPr/>
               </a:pPr>
-              <a:t>30/12/2018</a:t>
+              <a:t>01/01/2019</a:t>
             </a:fld>
             <a:endParaRPr lang="it-IT" altLang="it-IT"/>
           </a:p>
@@ -10237,7 +10327,7 @@
               <a:pPr>
                 <a:defRPr/>
               </a:pPr>
-              <a:t>30/12/2018</a:t>
+              <a:t>01/01/2019</a:t>
             </a:fld>
             <a:endParaRPr lang="it-IT" altLang="it-IT"/>
           </a:p>
@@ -10422,7 +10512,6 @@
               <a:rPr lang="en-US" dirty="0" smtClean="0"/>
               <a:t>~86.000 total frames</a:t>
             </a:r>
-            <a:endParaRPr lang="en-US" dirty="0" smtClean="0"/>
           </a:p>
           <a:p>
             <a:r>
@@ -10433,15 +10522,7 @@
           <a:p>
             <a:r>
               <a:rPr lang="en-US" dirty="0" smtClean="0"/>
-              <a:t>~14.000 </a:t>
-            </a:r>
-            <a:r>
-              <a:rPr lang="en-US" dirty="0" smtClean="0"/>
-              <a:t>frame </a:t>
-            </a:r>
-            <a:r>
-              <a:rPr lang="en-US" dirty="0" smtClean="0"/>
-              <a:t>test set</a:t>
+              <a:t>~14.000 frame test set</a:t>
             </a:r>
           </a:p>
           <a:p>
@@ -10449,7 +10530,6 @@
               <a:rPr lang="en-US" dirty="0" smtClean="0"/>
               <a:t>Person specific division due to overfitting</a:t>
             </a:r>
-            <a:endParaRPr lang="en-US" dirty="0" smtClean="0"/>
           </a:p>
         </p:txBody>
       </p:sp>
@@ -10476,7 +10556,7 @@
               <a:pPr>
                 <a:defRPr/>
               </a:pPr>
-              <a:t>30/12/2018</a:t>
+              <a:t>01/01/2019</a:t>
             </a:fld>
             <a:endParaRPr lang="it-IT" altLang="it-IT"/>
           </a:p>
@@ -10683,7 +10763,7 @@
               <a:pPr>
                 <a:defRPr/>
               </a:pPr>
-              <a:t>30/12/2018</a:t>
+              <a:t>01/01/2019</a:t>
             </a:fld>
             <a:endParaRPr lang="it-IT" altLang="it-IT" dirty="0"/>
           </a:p>
@@ -10908,7 +10988,7 @@
               <a:pPr>
                 <a:defRPr/>
               </a:pPr>
-              <a:t>30/12/2018</a:t>
+              <a:t>01/01/2019</a:t>
             </a:fld>
             <a:endParaRPr lang="it-IT" altLang="it-IT"/>
           </a:p>
@@ -11115,7 +11195,7 @@
               <a:pPr>
                 <a:defRPr/>
               </a:pPr>
-              <a:t>30/12/2018</a:t>
+              <a:t>01/01/2019</a:t>
             </a:fld>
             <a:endParaRPr lang="it-IT" altLang="it-IT"/>
           </a:p>
@@ -11333,7 +11413,7 @@
               <a:pPr>
                 <a:defRPr/>
               </a:pPr>
-              <a:t>30/12/2018</a:t>
+              <a:t>01/01/2019</a:t>
             </a:fld>
             <a:endParaRPr lang="it-IT" altLang="it-IT"/>
           </a:p>
@@ -11398,6 +11478,30 @@
           </a:p>
         </p:txBody>
       </p:sp>
+      <p:pic>
+        <p:nvPicPr>
+          <p:cNvPr id="7" name="Picture 6"/>
+          <p:cNvPicPr>
+            <a:picLocks noChangeAspect="1"/>
+          </p:cNvPicPr>
+          <p:nvPr/>
+        </p:nvPicPr>
+        <p:blipFill>
+          <a:blip r:embed="rId3"/>
+          <a:stretch>
+            <a:fillRect/>
+          </a:stretch>
+        </p:blipFill>
+        <p:spPr>
+          <a:xfrm>
+            <a:off x="5652120" y="2636912"/>
+            <a:ext cx="2625080" cy="2614322"/>
+          </a:xfrm>
+          <a:prstGeom prst="rect">
+            <a:avLst/>
+          </a:prstGeom>
+        </p:spPr>
+      </p:pic>
     </p:spTree>
     <p:extLst>
       <p:ext uri="{BB962C8B-B14F-4D97-AF65-F5344CB8AC3E}">
@@ -11552,7 +11656,7 @@
               <a:pPr>
                 <a:defRPr/>
               </a:pPr>
-              <a:t>30/12/2018</a:t>
+              <a:t>01/01/2019</a:t>
             </a:fld>
             <a:endParaRPr lang="it-IT" altLang="it-IT"/>
           </a:p>
@@ -11656,50 +11760,290 @@
       </p:grpSpPr>
       <p:sp>
         <p:nvSpPr>
-          <p:cNvPr id="2" name="Title 1"/>
-          <p:cNvSpPr>
-            <a:spLocks noGrp="1"/>
-          </p:cNvSpPr>
-          <p:nvPr>
-            <p:ph type="ctrTitle"/>
-          </p:nvPr>
-        </p:nvSpPr>
-        <p:spPr/>
-        <p:txBody>
-          <a:bodyPr/>
-          <a:lstStyle/>
-          <a:p>
+          <p:cNvPr id="4" name="Date Placeholder 3"/>
+          <p:cNvSpPr>
+            <a:spLocks noGrp="1"/>
+          </p:cNvSpPr>
+          <p:nvPr>
+            <p:ph type="dt" sz="half" idx="10"/>
+          </p:nvPr>
+        </p:nvSpPr>
+        <p:spPr/>
+        <p:txBody>
+          <a:bodyPr/>
+          <a:lstStyle/>
+          <a:p>
+            <a:pPr>
+              <a:defRPr/>
+            </a:pPr>
+            <a:fld id="{B730D388-5B29-4126-AC54-A0FD22452F77}" type="datetime1">
+              <a:rPr lang="it-IT" altLang="it-IT" smtClean="0"/>
+              <a:pPr>
+                <a:defRPr/>
+              </a:pPr>
+              <a:t>01/01/2019</a:t>
+            </a:fld>
+            <a:endParaRPr lang="it-IT" altLang="it-IT"/>
+          </a:p>
+        </p:txBody>
+      </p:sp>
+      <p:sp>
+        <p:nvSpPr>
+          <p:cNvPr id="5" name="Footer Placeholder 4"/>
+          <p:cNvSpPr>
+            <a:spLocks noGrp="1"/>
+          </p:cNvSpPr>
+          <p:nvPr>
+            <p:ph type="ftr" sz="quarter" idx="11"/>
+          </p:nvPr>
+        </p:nvSpPr>
+        <p:spPr/>
+        <p:txBody>
+          <a:bodyPr/>
+          <a:lstStyle/>
+          <a:p>
+            <a:pPr>
+              <a:defRPr/>
+            </a:pPr>
+            <a:r>
+              <a:rPr lang="en-US" altLang="it-IT" dirty="0" smtClean="0"/>
+              <a:t>Deception Detection using Facial Action Units</a:t>
+            </a:r>
+            <a:endParaRPr lang="it-IT" altLang="it-IT" dirty="0"/>
+          </a:p>
+        </p:txBody>
+      </p:sp>
+      <p:sp>
+        <p:nvSpPr>
+          <p:cNvPr id="6" name="Slide Number Placeholder 5"/>
+          <p:cNvSpPr>
+            <a:spLocks noGrp="1"/>
+          </p:cNvSpPr>
+          <p:nvPr>
+            <p:ph type="sldNum" sz="quarter" idx="12"/>
+          </p:nvPr>
+        </p:nvSpPr>
+        <p:spPr/>
+        <p:txBody>
+          <a:bodyPr/>
+          <a:lstStyle/>
+          <a:p>
+            <a:pPr>
+              <a:defRPr/>
+            </a:pPr>
+            <a:r>
+              <a:rPr lang="it-IT" altLang="it-IT" smtClean="0"/>
+              <a:t>Pagina </a:t>
+            </a:r>
+            <a:fld id="{A5888ACF-FC31-4A35-9932-E1138572A9AA}" type="slidenum">
+              <a:rPr lang="it-IT" altLang="it-IT" smtClean="0"/>
+              <a:pPr>
+                <a:defRPr/>
+              </a:pPr>
+              <a:t>24</a:t>
+            </a:fld>
+            <a:endParaRPr lang="it-IT" altLang="it-IT"/>
+          </a:p>
+        </p:txBody>
+      </p:sp>
+      <p:sp>
+        <p:nvSpPr>
+          <p:cNvPr id="9" name="Title 1"/>
+          <p:cNvSpPr txBox="1">
+            <a:spLocks/>
+          </p:cNvSpPr>
+          <p:nvPr/>
+        </p:nvSpPr>
+        <p:spPr bwMode="auto">
+          <a:xfrm>
+            <a:off x="0" y="2636912"/>
+            <a:ext cx="9144000" cy="2387600"/>
+          </a:xfrm>
+          <a:prstGeom prst="rect">
+            <a:avLst/>
+          </a:prstGeom>
+          <a:noFill/>
+          <a:ln>
+            <a:noFill/>
+          </a:ln>
+          <a:extLst>
+            <a:ext uri="{909E8E84-426E-40DD-AFC4-6F175D3DCCD1}">
+              <a14:hiddenFill xmlns:a14="http://schemas.microsoft.com/office/drawing/2010/main">
+                <a:solidFill>
+                  <a:schemeClr val="accent1"/>
+                </a:solidFill>
+              </a14:hiddenFill>
+            </a:ext>
+            <a:ext uri="{91240B29-F687-4F45-9708-019B960494DF}">
+              <a14:hiddenLine xmlns:a14="http://schemas.microsoft.com/office/drawing/2010/main" w="9525">
+                <a:solidFill>
+                  <a:schemeClr val="tx1"/>
+                </a:solidFill>
+                <a:miter lim="800000"/>
+                <a:headEnd/>
+                <a:tailEnd/>
+              </a14:hiddenLine>
+            </a:ext>
+          </a:extLst>
+        </p:spPr>
+        <p:txBody>
+          <a:bodyPr vert="horz" wrap="square" lIns="91440" tIns="45720" rIns="91440" bIns="45720" numCol="1" anchor="t" anchorCtr="0" compatLnSpc="1">
+            <a:prstTxWarp prst="textNoShape">
+              <a:avLst/>
+            </a:prstTxWarp>
+          </a:bodyPr>
+          <a:lstStyle>
+            <a:lvl1pPr algn="l" rtl="0" eaLnBrk="0" fontAlgn="base" hangingPunct="0">
+              <a:spcBef>
+                <a:spcPct val="0"/>
+              </a:spcBef>
+              <a:spcAft>
+                <a:spcPct val="0"/>
+              </a:spcAft>
+              <a:defRPr sz="2400" b="1" kern="1200">
+                <a:solidFill>
+                  <a:srgbClr val="822433"/>
+                </a:solidFill>
+                <a:latin typeface="+mj-lt"/>
+                <a:ea typeface="+mj-ea"/>
+                <a:cs typeface="+mj-cs"/>
+              </a:defRPr>
+            </a:lvl1pPr>
+            <a:lvl2pPr algn="l" rtl="0" eaLnBrk="0" fontAlgn="base" hangingPunct="0">
+              <a:spcBef>
+                <a:spcPct val="0"/>
+              </a:spcBef>
+              <a:spcAft>
+                <a:spcPct val="0"/>
+              </a:spcAft>
+              <a:defRPr sz="2400" b="1">
+                <a:solidFill>
+                  <a:srgbClr val="822433"/>
+                </a:solidFill>
+                <a:latin typeface="Arial" panose="020B0604020202020204" pitchFamily="34" charset="0"/>
+                <a:ea typeface="ＭＳ Ｐゴシック" panose="020B0600070205080204" pitchFamily="34" charset="-128"/>
+              </a:defRPr>
+            </a:lvl2pPr>
+            <a:lvl3pPr algn="l" rtl="0" eaLnBrk="0" fontAlgn="base" hangingPunct="0">
+              <a:spcBef>
+                <a:spcPct val="0"/>
+              </a:spcBef>
+              <a:spcAft>
+                <a:spcPct val="0"/>
+              </a:spcAft>
+              <a:defRPr sz="2400" b="1">
+                <a:solidFill>
+                  <a:srgbClr val="822433"/>
+                </a:solidFill>
+                <a:latin typeface="Arial" panose="020B0604020202020204" pitchFamily="34" charset="0"/>
+                <a:ea typeface="ＭＳ Ｐゴシック" panose="020B0600070205080204" pitchFamily="34" charset="-128"/>
+              </a:defRPr>
+            </a:lvl3pPr>
+            <a:lvl4pPr algn="l" rtl="0" eaLnBrk="0" fontAlgn="base" hangingPunct="0">
+              <a:spcBef>
+                <a:spcPct val="0"/>
+              </a:spcBef>
+              <a:spcAft>
+                <a:spcPct val="0"/>
+              </a:spcAft>
+              <a:defRPr sz="2400" b="1">
+                <a:solidFill>
+                  <a:srgbClr val="822433"/>
+                </a:solidFill>
+                <a:latin typeface="Arial" panose="020B0604020202020204" pitchFamily="34" charset="0"/>
+                <a:ea typeface="ＭＳ Ｐゴシック" panose="020B0600070205080204" pitchFamily="34" charset="-128"/>
+              </a:defRPr>
+            </a:lvl4pPr>
+            <a:lvl5pPr algn="l" rtl="0" eaLnBrk="0" fontAlgn="base" hangingPunct="0">
+              <a:spcBef>
+                <a:spcPct val="0"/>
+              </a:spcBef>
+              <a:spcAft>
+                <a:spcPct val="0"/>
+              </a:spcAft>
+              <a:defRPr sz="2400" b="1">
+                <a:solidFill>
+                  <a:srgbClr val="822433"/>
+                </a:solidFill>
+                <a:latin typeface="Arial" panose="020B0604020202020204" pitchFamily="34" charset="0"/>
+                <a:ea typeface="ＭＳ Ｐゴシック" panose="020B0600070205080204" pitchFamily="34" charset="-128"/>
+              </a:defRPr>
+            </a:lvl5pPr>
+            <a:lvl6pPr marL="457200" algn="l" rtl="0" fontAlgn="base">
+              <a:spcBef>
+                <a:spcPct val="0"/>
+              </a:spcBef>
+              <a:spcAft>
+                <a:spcPct val="0"/>
+              </a:spcAft>
+              <a:defRPr sz="2400" b="1">
+                <a:solidFill>
+                  <a:srgbClr val="822433"/>
+                </a:solidFill>
+                <a:latin typeface="Arial" panose="020B0604020202020204" pitchFamily="34" charset="0"/>
+                <a:ea typeface="ＭＳ Ｐゴシック" panose="020B0600070205080204" pitchFamily="34" charset="-128"/>
+              </a:defRPr>
+            </a:lvl6pPr>
+            <a:lvl7pPr marL="914400" algn="l" rtl="0" fontAlgn="base">
+              <a:spcBef>
+                <a:spcPct val="0"/>
+              </a:spcBef>
+              <a:spcAft>
+                <a:spcPct val="0"/>
+              </a:spcAft>
+              <a:defRPr sz="2400" b="1">
+                <a:solidFill>
+                  <a:srgbClr val="822433"/>
+                </a:solidFill>
+                <a:latin typeface="Arial" panose="020B0604020202020204" pitchFamily="34" charset="0"/>
+                <a:ea typeface="ＭＳ Ｐゴシック" panose="020B0600070205080204" pitchFamily="34" charset="-128"/>
+              </a:defRPr>
+            </a:lvl7pPr>
+            <a:lvl8pPr marL="1371600" algn="l" rtl="0" fontAlgn="base">
+              <a:spcBef>
+                <a:spcPct val="0"/>
+              </a:spcBef>
+              <a:spcAft>
+                <a:spcPct val="0"/>
+              </a:spcAft>
+              <a:defRPr sz="2400" b="1">
+                <a:solidFill>
+                  <a:srgbClr val="822433"/>
+                </a:solidFill>
+                <a:latin typeface="Arial" panose="020B0604020202020204" pitchFamily="34" charset="0"/>
+                <a:ea typeface="ＭＳ Ｐゴシック" panose="020B0600070205080204" pitchFamily="34" charset="-128"/>
+              </a:defRPr>
+            </a:lvl8pPr>
+            <a:lvl9pPr marL="1828800" algn="l" rtl="0" fontAlgn="base">
+              <a:spcBef>
+                <a:spcPct val="0"/>
+              </a:spcBef>
+              <a:spcAft>
+                <a:spcPct val="0"/>
+              </a:spcAft>
+              <a:defRPr sz="2400" b="1">
+                <a:solidFill>
+                  <a:srgbClr val="822433"/>
+                </a:solidFill>
+                <a:latin typeface="Arial" panose="020B0604020202020204" pitchFamily="34" charset="0"/>
+                <a:ea typeface="ＭＳ Ｐゴシック" panose="020B0600070205080204" pitchFamily="34" charset="-128"/>
+              </a:defRPr>
+            </a:lvl9pPr>
+          </a:lstStyle>
+          <a:p>
+            <a:pPr algn="ctr"/>
             <a:r>
               <a:rPr lang="en-US" sz="4000" dirty="0" smtClean="0"/>
               <a:t>Thank you</a:t>
             </a:r>
             <a:endParaRPr lang="en-US" sz="4000" dirty="0"/>
-          </a:p>
-        </p:txBody>
-      </p:sp>
-      <p:sp>
-        <p:nvSpPr>
-          <p:cNvPr id="3" name="Subtitle 2"/>
-          <p:cNvSpPr>
-            <a:spLocks noGrp="1"/>
-          </p:cNvSpPr>
-          <p:nvPr>
-            <p:ph type="subTitle" idx="1"/>
-          </p:nvPr>
-        </p:nvSpPr>
-        <p:spPr/>
-        <p:txBody>
-          <a:bodyPr/>
-          <a:lstStyle/>
-          <a:p>
-            <a:endParaRPr lang="en-US"/>
           </a:p>
         </p:txBody>
       </p:sp>
     </p:spTree>
     <p:extLst>
       <p:ext uri="{BB962C8B-B14F-4D97-AF65-F5344CB8AC3E}">
-        <p14:creationId xmlns:p14="http://schemas.microsoft.com/office/powerpoint/2010/main" val="3915860507"/>
+        <p14:creationId xmlns:p14="http://schemas.microsoft.com/office/powerpoint/2010/main" val="4199381054"/>
       </p:ext>
     </p:extLst>
   </p:cSld>
@@ -11780,7 +12124,7 @@
               <a:pPr>
                 <a:defRPr/>
               </a:pPr>
-              <a:t>30/12/2018</a:t>
+              <a:t>01/01/2019</a:t>
             </a:fld>
             <a:endParaRPr lang="it-IT" altLang="it-IT"/>
           </a:p>
@@ -12008,7 +12352,7 @@
               <a:pPr>
                 <a:defRPr/>
               </a:pPr>
-              <a:t>30/12/2018</a:t>
+              <a:t>01/01/2019</a:t>
             </a:fld>
             <a:endParaRPr lang="it-IT" altLang="it-IT"/>
           </a:p>
@@ -12234,7 +12578,7 @@
               <a:pPr>
                 <a:defRPr/>
               </a:pPr>
-              <a:t>30/12/2018</a:t>
+              <a:t>01/01/2019</a:t>
             </a:fld>
             <a:endParaRPr lang="it-IT" altLang="it-IT"/>
           </a:p>
@@ -12463,7 +12807,6 @@
               <a:rPr lang="en-US" dirty="0" smtClean="0"/>
               <a:t>Thermal Imaging</a:t>
             </a:r>
-            <a:endParaRPr lang="en-US" dirty="0" smtClean="0"/>
           </a:p>
           <a:p>
             <a:r>
@@ -12505,7 +12848,7 @@
               <a:pPr>
                 <a:defRPr/>
               </a:pPr>
-              <a:t>30/12/2018</a:t>
+              <a:t>01/01/2019</a:t>
             </a:fld>
             <a:endParaRPr lang="it-IT" altLang="it-IT"/>
           </a:p>
@@ -12732,7 +13075,7 @@
               <a:pPr>
                 <a:defRPr/>
               </a:pPr>
-              <a:t>30/12/2018</a:t>
+              <a:t>01/01/2019</a:t>
             </a:fld>
             <a:endParaRPr lang="it-IT" altLang="it-IT"/>
           </a:p>
@@ -12946,7 +13289,7 @@
               <a:pPr>
                 <a:defRPr/>
               </a:pPr>
-              <a:t>30/12/2018</a:t>
+              <a:t>01/01/2019</a:t>
             </a:fld>
             <a:endParaRPr lang="it-IT" altLang="it-IT"/>
           </a:p>
@@ -13178,7 +13521,7 @@
               <a:pPr>
                 <a:defRPr/>
               </a:pPr>
-              <a:t>30/12/2018</a:t>
+              <a:t>01/01/2019</a:t>
             </a:fld>
             <a:endParaRPr lang="it-IT" altLang="it-IT"/>
           </a:p>
@@ -13356,7 +13699,7 @@
               <a:pPr>
                 <a:defRPr/>
               </a:pPr>
-              <a:t>30/12/2018</a:t>
+              <a:t>01/01/2019</a:t>
             </a:fld>
             <a:endParaRPr lang="it-IT" altLang="it-IT"/>
           </a:p>

--- a/Tesi Emanuele Orfanelli 1383726.pptx
+++ b/Tesi Emanuele Orfanelli 1383726.pptx
@@ -19,8 +19,8 @@
     <p:sldId id="289" r:id="rId7"/>
     <p:sldId id="290" r:id="rId8"/>
     <p:sldId id="292" r:id="rId9"/>
-    <p:sldId id="299" r:id="rId10"/>
-    <p:sldId id="294" r:id="rId11"/>
+    <p:sldId id="294" r:id="rId10"/>
+    <p:sldId id="312" r:id="rId11"/>
     <p:sldId id="300" r:id="rId12"/>
     <p:sldId id="301" r:id="rId13"/>
     <p:sldId id="302" r:id="rId14"/>
@@ -1295,7 +1295,7 @@
           <a:lstStyle/>
           <a:p>
             <a:pPr eaLnBrk="1" hangingPunct="1"/>
-            <a:endParaRPr lang="it-IT" altLang="it-IT" smtClean="0"/>
+            <a:endParaRPr lang="it-IT" altLang="it-IT" dirty="0" smtClean="0"/>
           </a:p>
         </p:txBody>
       </p:sp>
@@ -1353,7 +1353,7 @@
           <a:p>
             <a:r>
               <a:rPr lang="en-US" dirty="0" smtClean="0"/>
-              <a:t>There are two kind of features: appearance and geometry….</a:t>
+              <a:t>NEW SLIDE MAYBE LIKE THIS</a:t>
             </a:r>
             <a:endParaRPr lang="en-US" dirty="0"/>
           </a:p>
@@ -1382,7 +1382,7 @@
               <a:pPr>
                 <a:defRPr/>
               </a:pPr>
-              <a:t>13</a:t>
+              <a:t>10</a:t>
             </a:fld>
             <a:endParaRPr lang="it-IT" altLang="it-IT"/>
           </a:p>
@@ -1391,7 +1391,7 @@
     </p:spTree>
     <p:extLst>
       <p:ext uri="{BB962C8B-B14F-4D97-AF65-F5344CB8AC3E}">
-        <p14:creationId xmlns:p14="http://schemas.microsoft.com/office/powerpoint/2010/main" val="3980058859"/>
+        <p14:creationId xmlns:p14="http://schemas.microsoft.com/office/powerpoint/2010/main" val="342468761"/>
       </p:ext>
     </p:extLst>
   </p:cSld>
@@ -1445,6 +1445,14 @@
           <a:bodyPr/>
           <a:lstStyle/>
           <a:p>
+            <a:r>
+              <a:rPr lang="en-US" dirty="0" smtClean="0"/>
+              <a:t>Is this too much? Should I</a:t>
+            </a:r>
+            <a:r>
+              <a:rPr lang="en-US" baseline="0" dirty="0" smtClean="0"/>
+              <a:t> skip it since I don’t know too much about this? Maybe just reduce it. </a:t>
+            </a:r>
             <a:endParaRPr lang="en-US" dirty="0"/>
           </a:p>
         </p:txBody>
@@ -1472,7 +1480,7 @@
               <a:pPr>
                 <a:defRPr/>
               </a:pPr>
-              <a:t>14</a:t>
+              <a:t>11</a:t>
             </a:fld>
             <a:endParaRPr lang="it-IT" altLang="it-IT"/>
           </a:p>
@@ -1481,7 +1489,7 @@
     </p:spTree>
     <p:extLst>
       <p:ext uri="{BB962C8B-B14F-4D97-AF65-F5344CB8AC3E}">
-        <p14:creationId xmlns:p14="http://schemas.microsoft.com/office/powerpoint/2010/main" val="2662183680"/>
+        <p14:creationId xmlns:p14="http://schemas.microsoft.com/office/powerpoint/2010/main" val="4207373225"/>
       </p:ext>
     </p:extLst>
   </p:cSld>
@@ -1536,50 +1544,35 @@
           <a:lstStyle/>
           <a:p>
             <a:r>
+              <a:rPr lang="en-US" dirty="0" err="1" smtClean="0"/>
+              <a:t>Una</a:t>
+            </a:r>
+            <a:r>
               <a:rPr lang="en-US" dirty="0" smtClean="0"/>
-              <a:t>What are those dataset?</a:t>
-            </a:r>
-            <a:r>
-              <a:rPr lang="en-US" baseline="0" dirty="0" smtClean="0"/>
-              <a:t> Use full names:</a:t>
-            </a:r>
-          </a:p>
-          <a:p>
-            <a:r>
-              <a:rPr lang="en-US" baseline="0" dirty="0" smtClean="0"/>
-              <a:t>- </a:t>
-            </a:r>
-          </a:p>
-          <a:p>
-            <a:r>
-              <a:rPr lang="en-US" baseline="0" dirty="0" smtClean="0"/>
-              <a:t>- </a:t>
-            </a:r>
-          </a:p>
-          <a:p>
-            <a:r>
-              <a:rPr lang="en-US" baseline="0" dirty="0" smtClean="0"/>
-              <a:t>- </a:t>
-            </a:r>
-          </a:p>
-          <a:p>
-            <a:endParaRPr lang="en-US" baseline="0" dirty="0" smtClean="0"/>
-          </a:p>
-          <a:p>
-            <a:r>
-              <a:rPr lang="en-US" baseline="0" dirty="0" smtClean="0"/>
-              <a:t>Probably too detailed with the </a:t>
-            </a:r>
-            <a:r>
-              <a:rPr lang="en-US" baseline="0" dirty="0" err="1" smtClean="0"/>
-              <a:t>Aus</a:t>
-            </a:r>
-            <a:r>
-              <a:rPr lang="en-US" baseline="0" dirty="0" smtClean="0"/>
-              <a:t> in common?</a:t>
-            </a:r>
-          </a:p>
-          <a:p>
+              <a:t> </a:t>
+            </a:r>
+            <a:r>
+              <a:rPr lang="en-US" dirty="0" err="1" smtClean="0"/>
+              <a:t>volta</a:t>
+            </a:r>
+            <a:r>
+              <a:rPr lang="en-US" dirty="0" smtClean="0"/>
+              <a:t> </a:t>
+            </a:r>
+            <a:r>
+              <a:rPr lang="en-US" dirty="0" err="1" smtClean="0"/>
+              <a:t>estratti</a:t>
+            </a:r>
+            <a:r>
+              <a:rPr lang="en-US" dirty="0" smtClean="0"/>
+              <a:t> I landmark…</a:t>
+            </a:r>
+          </a:p>
+          <a:p>
+            <a:r>
+              <a:rPr lang="en-US" smtClean="0"/>
+              <a:t>REVIEW THIS SLIDE</a:t>
+            </a:r>
             <a:endParaRPr lang="en-US" dirty="0"/>
           </a:p>
         </p:txBody>
@@ -1607,7 +1600,7 @@
               <a:pPr>
                 <a:defRPr/>
               </a:pPr>
-              <a:t>15</a:t>
+              <a:t>12</a:t>
             </a:fld>
             <a:endParaRPr lang="it-IT" altLang="it-IT"/>
           </a:p>
@@ -1616,7 +1609,7 @@
     </p:spTree>
     <p:extLst>
       <p:ext uri="{BB962C8B-B14F-4D97-AF65-F5344CB8AC3E}">
-        <p14:creationId xmlns:p14="http://schemas.microsoft.com/office/powerpoint/2010/main" val="3049789509"/>
+        <p14:creationId xmlns:p14="http://schemas.microsoft.com/office/powerpoint/2010/main" val="2990312428"/>
       </p:ext>
     </p:extLst>
   </p:cSld>
@@ -1670,6 +1663,10 @@
           <a:bodyPr/>
           <a:lstStyle/>
           <a:p>
+            <a:r>
+              <a:rPr lang="en-US" dirty="0" smtClean="0"/>
+              <a:t>There are two kind of features: appearance and geometry….</a:t>
+            </a:r>
             <a:endParaRPr lang="en-US" dirty="0"/>
           </a:p>
         </p:txBody>
@@ -1697,7 +1694,7 @@
               <a:pPr>
                 <a:defRPr/>
               </a:pPr>
-              <a:t>16</a:t>
+              <a:t>13</a:t>
             </a:fld>
             <a:endParaRPr lang="it-IT" altLang="it-IT"/>
           </a:p>
@@ -1706,7 +1703,7 @@
     </p:spTree>
     <p:extLst>
       <p:ext uri="{BB962C8B-B14F-4D97-AF65-F5344CB8AC3E}">
-        <p14:creationId xmlns:p14="http://schemas.microsoft.com/office/powerpoint/2010/main" val="1223252139"/>
+        <p14:creationId xmlns:p14="http://schemas.microsoft.com/office/powerpoint/2010/main" val="3980058859"/>
       </p:ext>
     </p:extLst>
   </p:cSld>
@@ -1760,14 +1757,6 @@
           <a:bodyPr/>
           <a:lstStyle/>
           <a:p>
-            <a:r>
-              <a:rPr lang="en-US" dirty="0" smtClean="0"/>
-              <a:t>“Work on cutting…” keep it? Say</a:t>
-            </a:r>
-            <a:r>
-              <a:rPr lang="en-US" baseline="0" dirty="0" smtClean="0"/>
-              <a:t> it better? How much to talk about it?</a:t>
-            </a:r>
             <a:endParaRPr lang="en-US" dirty="0"/>
           </a:p>
         </p:txBody>
@@ -1795,7 +1784,7 @@
               <a:pPr>
                 <a:defRPr/>
               </a:pPr>
-              <a:t>17</a:t>
+              <a:t>14</a:t>
             </a:fld>
             <a:endParaRPr lang="it-IT" altLang="it-IT"/>
           </a:p>
@@ -1804,7 +1793,7 @@
     </p:spTree>
     <p:extLst>
       <p:ext uri="{BB962C8B-B14F-4D97-AF65-F5344CB8AC3E}">
-        <p14:creationId xmlns:p14="http://schemas.microsoft.com/office/powerpoint/2010/main" val="3827456040"/>
+        <p14:creationId xmlns:p14="http://schemas.microsoft.com/office/powerpoint/2010/main" val="2662183680"/>
       </p:ext>
     </p:extLst>
   </p:cSld>
@@ -1858,6 +1847,51 @@
           <a:bodyPr/>
           <a:lstStyle/>
           <a:p>
+            <a:r>
+              <a:rPr lang="en-US" dirty="0" smtClean="0"/>
+              <a:t>What are those dataset?</a:t>
+            </a:r>
+            <a:r>
+              <a:rPr lang="en-US" baseline="0" dirty="0" smtClean="0"/>
+              <a:t> Use full names:</a:t>
+            </a:r>
+          </a:p>
+          <a:p>
+            <a:r>
+              <a:rPr lang="en-US" baseline="0" dirty="0" smtClean="0"/>
+              <a:t>- </a:t>
+            </a:r>
+          </a:p>
+          <a:p>
+            <a:r>
+              <a:rPr lang="en-US" baseline="0" dirty="0" smtClean="0"/>
+              <a:t>- </a:t>
+            </a:r>
+          </a:p>
+          <a:p>
+            <a:r>
+              <a:rPr lang="en-US" baseline="0" dirty="0" smtClean="0"/>
+              <a:t>- </a:t>
+            </a:r>
+          </a:p>
+          <a:p>
+            <a:endParaRPr lang="en-US" baseline="0" dirty="0" smtClean="0"/>
+          </a:p>
+          <a:p>
+            <a:r>
+              <a:rPr lang="en-US" baseline="0" dirty="0" smtClean="0"/>
+              <a:t>Probably too detailed with the </a:t>
+            </a:r>
+            <a:r>
+              <a:rPr lang="en-US" baseline="0" dirty="0" err="1" smtClean="0"/>
+              <a:t>Aus</a:t>
+            </a:r>
+            <a:r>
+              <a:rPr lang="en-US" baseline="0" dirty="0" smtClean="0"/>
+              <a:t> in common?</a:t>
+            </a:r>
+          </a:p>
+          <a:p>
             <a:endParaRPr lang="en-US" dirty="0"/>
           </a:p>
         </p:txBody>
@@ -1885,7 +1919,7 @@
               <a:pPr>
                 <a:defRPr/>
               </a:pPr>
-              <a:t>18</a:t>
+              <a:t>15</a:t>
             </a:fld>
             <a:endParaRPr lang="it-IT" altLang="it-IT"/>
           </a:p>
@@ -1894,7 +1928,7 @@
     </p:spTree>
     <p:extLst>
       <p:ext uri="{BB962C8B-B14F-4D97-AF65-F5344CB8AC3E}">
-        <p14:creationId xmlns:p14="http://schemas.microsoft.com/office/powerpoint/2010/main" val="3758801608"/>
+        <p14:creationId xmlns:p14="http://schemas.microsoft.com/office/powerpoint/2010/main" val="3049789509"/>
       </p:ext>
     </p:extLst>
   </p:cSld>
@@ -1948,74 +1982,6 @@
           <a:bodyPr/>
           <a:lstStyle/>
           <a:p>
-            <a:r>
-              <a:rPr lang="en-US" dirty="0" err="1" smtClean="0"/>
-              <a:t>Dico</a:t>
-            </a:r>
-            <a:r>
-              <a:rPr lang="en-US" dirty="0" smtClean="0"/>
-              <a:t> </a:t>
-            </a:r>
-            <a:r>
-              <a:rPr lang="en-US" dirty="0" err="1" smtClean="0"/>
-              <a:t>che</a:t>
-            </a:r>
-            <a:r>
-              <a:rPr lang="en-US" dirty="0" smtClean="0"/>
-              <a:t> </a:t>
-            </a:r>
-            <a:r>
-              <a:rPr lang="en-US" dirty="0" err="1" smtClean="0"/>
-              <a:t>abbiamo</a:t>
-            </a:r>
-            <a:r>
-              <a:rPr lang="en-US" dirty="0" smtClean="0"/>
-              <a:t> </a:t>
-            </a:r>
-            <a:r>
-              <a:rPr lang="en-US" dirty="0" err="1" smtClean="0"/>
-              <a:t>visto</a:t>
-            </a:r>
-            <a:r>
-              <a:rPr lang="en-US" dirty="0" smtClean="0"/>
-              <a:t> </a:t>
-            </a:r>
-            <a:r>
-              <a:rPr lang="en-US" dirty="0" err="1" smtClean="0"/>
-              <a:t>che</a:t>
-            </a:r>
-            <a:r>
-              <a:rPr lang="en-US" dirty="0" smtClean="0"/>
-              <a:t> la </a:t>
-            </a:r>
-            <a:r>
-              <a:rPr lang="en-US" dirty="0" err="1" smtClean="0"/>
-              <a:t>divisione</a:t>
-            </a:r>
-            <a:r>
-              <a:rPr lang="en-US" dirty="0" smtClean="0"/>
-              <a:t> in</a:t>
-            </a:r>
-            <a:r>
-              <a:rPr lang="en-US" baseline="0" dirty="0" smtClean="0"/>
-              <a:t> test e train </a:t>
-            </a:r>
-            <a:r>
-              <a:rPr lang="en-US" baseline="0" dirty="0" err="1" smtClean="0"/>
-              <a:t>normale</a:t>
-            </a:r>
-            <a:r>
-              <a:rPr lang="en-US" baseline="0" dirty="0" smtClean="0"/>
-              <a:t> </a:t>
-            </a:r>
-            <a:r>
-              <a:rPr lang="en-US" baseline="0" dirty="0" err="1" smtClean="0"/>
-              <a:t>overfittava</a:t>
-            </a:r>
-            <a:r>
-              <a:rPr lang="en-US" baseline="0" dirty="0" smtClean="0"/>
-              <a:t>?</a:t>
-            </a:r>
             <a:endParaRPr lang="en-US" dirty="0"/>
           </a:p>
         </p:txBody>
@@ -2043,7 +2009,7 @@
               <a:pPr>
                 <a:defRPr/>
               </a:pPr>
-              <a:t>19</a:t>
+              <a:t>16</a:t>
             </a:fld>
             <a:endParaRPr lang="it-IT" altLang="it-IT"/>
           </a:p>
@@ -2052,7 +2018,7 @@
     </p:spTree>
     <p:extLst>
       <p:ext uri="{BB962C8B-B14F-4D97-AF65-F5344CB8AC3E}">
-        <p14:creationId xmlns:p14="http://schemas.microsoft.com/office/powerpoint/2010/main" val="3101048908"/>
+        <p14:creationId xmlns:p14="http://schemas.microsoft.com/office/powerpoint/2010/main" val="1223252139"/>
       </p:ext>
     </p:extLst>
   </p:cSld>
@@ -2106,6 +2072,14 @@
           <a:bodyPr/>
           <a:lstStyle/>
           <a:p>
+            <a:r>
+              <a:rPr lang="en-US" dirty="0" smtClean="0"/>
+              <a:t>“Work on cutting…” keep it? Say</a:t>
+            </a:r>
+            <a:r>
+              <a:rPr lang="en-US" baseline="0" dirty="0" smtClean="0"/>
+              <a:t> it better? How much to talk about it?</a:t>
+            </a:r>
             <a:endParaRPr lang="en-US" dirty="0"/>
           </a:p>
         </p:txBody>
@@ -2133,7 +2107,7 @@
               <a:pPr>
                 <a:defRPr/>
               </a:pPr>
-              <a:t>20</a:t>
+              <a:t>17</a:t>
             </a:fld>
             <a:endParaRPr lang="it-IT" altLang="it-IT"/>
           </a:p>
@@ -2142,7 +2116,7 @@
     </p:spTree>
     <p:extLst>
       <p:ext uri="{BB962C8B-B14F-4D97-AF65-F5344CB8AC3E}">
-        <p14:creationId xmlns:p14="http://schemas.microsoft.com/office/powerpoint/2010/main" val="3357361556"/>
+        <p14:creationId xmlns:p14="http://schemas.microsoft.com/office/powerpoint/2010/main" val="3827456040"/>
       </p:ext>
     </p:extLst>
   </p:cSld>
@@ -2196,14 +2170,6 @@
           <a:bodyPr/>
           <a:lstStyle/>
           <a:p>
-            <a:r>
-              <a:rPr lang="en-US" dirty="0" smtClean="0"/>
-              <a:t>Don’t have</a:t>
-            </a:r>
-            <a:r>
-              <a:rPr lang="en-US" baseline="0" dirty="0" smtClean="0"/>
-              <a:t> much to say about this</a:t>
-            </a:r>
             <a:endParaRPr lang="en-US" dirty="0"/>
           </a:p>
         </p:txBody>
@@ -2231,7 +2197,7 @@
               <a:pPr>
                 <a:defRPr/>
               </a:pPr>
-              <a:t>21</a:t>
+              <a:t>18</a:t>
             </a:fld>
             <a:endParaRPr lang="it-IT" altLang="it-IT"/>
           </a:p>
@@ -2240,7 +2206,7 @@
     </p:spTree>
     <p:extLst>
       <p:ext uri="{BB962C8B-B14F-4D97-AF65-F5344CB8AC3E}">
-        <p14:creationId xmlns:p14="http://schemas.microsoft.com/office/powerpoint/2010/main" val="3241693039"/>
+        <p14:creationId xmlns:p14="http://schemas.microsoft.com/office/powerpoint/2010/main" val="3758801608"/>
       </p:ext>
     </p:extLst>
   </p:cSld>
@@ -2295,8 +2261,72 @@
           <a:lstStyle/>
           <a:p>
             <a:r>
+              <a:rPr lang="en-US" dirty="0" err="1" smtClean="0"/>
+              <a:t>Dico</a:t>
+            </a:r>
+            <a:r>
               <a:rPr lang="en-US" dirty="0" smtClean="0"/>
-              <a:t>Add confusion matrix?</a:t>
+              <a:t> </a:t>
+            </a:r>
+            <a:r>
+              <a:rPr lang="en-US" dirty="0" err="1" smtClean="0"/>
+              <a:t>che</a:t>
+            </a:r>
+            <a:r>
+              <a:rPr lang="en-US" dirty="0" smtClean="0"/>
+              <a:t> </a:t>
+            </a:r>
+            <a:r>
+              <a:rPr lang="en-US" dirty="0" err="1" smtClean="0"/>
+              <a:t>abbiamo</a:t>
+            </a:r>
+            <a:r>
+              <a:rPr lang="en-US" dirty="0" smtClean="0"/>
+              <a:t> </a:t>
+            </a:r>
+            <a:r>
+              <a:rPr lang="en-US" dirty="0" err="1" smtClean="0"/>
+              <a:t>visto</a:t>
+            </a:r>
+            <a:r>
+              <a:rPr lang="en-US" dirty="0" smtClean="0"/>
+              <a:t> </a:t>
+            </a:r>
+            <a:r>
+              <a:rPr lang="en-US" dirty="0" err="1" smtClean="0"/>
+              <a:t>che</a:t>
+            </a:r>
+            <a:r>
+              <a:rPr lang="en-US" dirty="0" smtClean="0"/>
+              <a:t> la </a:t>
+            </a:r>
+            <a:r>
+              <a:rPr lang="en-US" dirty="0" err="1" smtClean="0"/>
+              <a:t>divisione</a:t>
+            </a:r>
+            <a:r>
+              <a:rPr lang="en-US" dirty="0" smtClean="0"/>
+              <a:t> in</a:t>
+            </a:r>
+            <a:r>
+              <a:rPr lang="en-US" baseline="0" dirty="0" smtClean="0"/>
+              <a:t> test e train </a:t>
+            </a:r>
+            <a:r>
+              <a:rPr lang="en-US" baseline="0" dirty="0" err="1" smtClean="0"/>
+              <a:t>normale</a:t>
+            </a:r>
+            <a:r>
+              <a:rPr lang="en-US" baseline="0" dirty="0" smtClean="0"/>
+              <a:t> </a:t>
+            </a:r>
+            <a:r>
+              <a:rPr lang="en-US" baseline="0" dirty="0" err="1" smtClean="0"/>
+              <a:t>overfittava</a:t>
+            </a:r>
+            <a:r>
+              <a:rPr lang="en-US" baseline="0" dirty="0" smtClean="0"/>
+              <a:t>?</a:t>
             </a:r>
             <a:endParaRPr lang="en-US" dirty="0"/>
           </a:p>
@@ -2325,7 +2355,7 @@
               <a:pPr>
                 <a:defRPr/>
               </a:pPr>
-              <a:t>22</a:t>
+              <a:t>19</a:t>
             </a:fld>
             <a:endParaRPr lang="it-IT" altLang="it-IT"/>
           </a:p>
@@ -2334,7 +2364,7 @@
     </p:spTree>
     <p:extLst>
       <p:ext uri="{BB962C8B-B14F-4D97-AF65-F5344CB8AC3E}">
-        <p14:creationId xmlns:p14="http://schemas.microsoft.com/office/powerpoint/2010/main" val="1832073229"/>
+        <p14:creationId xmlns:p14="http://schemas.microsoft.com/office/powerpoint/2010/main" val="3101048908"/>
       </p:ext>
     </p:extLst>
   </p:cSld>
@@ -2390,14 +2420,55 @@
           <a:p>
             <a:r>
               <a:rPr lang="en-US" dirty="0" smtClean="0"/>
-              <a:t>- Talk about</a:t>
+              <a:t>Durante </a:t>
+            </a:r>
+            <a:r>
+              <a:rPr lang="en-US" dirty="0" err="1" smtClean="0"/>
+              <a:t>questa</a:t>
+            </a:r>
+            <a:r>
+              <a:rPr lang="en-US" dirty="0" smtClean="0"/>
+              <a:t> </a:t>
+            </a:r>
+            <a:r>
+              <a:rPr lang="en-US" dirty="0" err="1" smtClean="0"/>
+              <a:t>presentazione</a:t>
             </a:r>
             <a:r>
               <a:rPr lang="en-US" baseline="0" dirty="0" smtClean="0"/>
-              <a:t> contact and non contact, invasiveness.</a:t>
-            </a:r>
-          </a:p>
-          <a:p>
+              <a:t> vi </a:t>
+            </a:r>
+            <a:r>
+              <a:rPr lang="en-US" baseline="0" dirty="0" err="1" smtClean="0"/>
+              <a:t>parlero</a:t>
+            </a:r>
+            <a:r>
+              <a:rPr lang="en-US" baseline="0" dirty="0" smtClean="0"/>
+              <a:t>’ </a:t>
+            </a:r>
+            <a:r>
+              <a:rPr lang="en-US" baseline="0" dirty="0" err="1" smtClean="0"/>
+              <a:t>dell’obiettivo</a:t>
+            </a:r>
+            <a:endParaRPr lang="en-US" baseline="0" dirty="0" smtClean="0"/>
+          </a:p>
+          <a:p>
+            <a:r>
+              <a:rPr lang="en-US" baseline="0" dirty="0" err="1" smtClean="0"/>
+              <a:t>Inizialmente</a:t>
+            </a:r>
+            <a:r>
+              <a:rPr lang="en-US" baseline="0" dirty="0" smtClean="0"/>
+              <a:t> vi </a:t>
+            </a:r>
+            <a:r>
+              <a:rPr lang="en-US" baseline="0" dirty="0" err="1" smtClean="0"/>
+              <a:t>esporro</a:t>
+            </a:r>
+            <a:r>
+              <a:rPr lang="en-US" baseline="0" dirty="0" smtClean="0"/>
+              <a:t>’..</a:t>
+            </a:r>
             <a:endParaRPr lang="en-US" dirty="0"/>
           </a:p>
         </p:txBody>
@@ -2425,7 +2496,7 @@
               <a:pPr>
                 <a:defRPr/>
               </a:pPr>
-              <a:t>5</a:t>
+              <a:t>2</a:t>
             </a:fld>
             <a:endParaRPr lang="it-IT" altLang="it-IT"/>
           </a:p>
@@ -2434,7 +2505,7 @@
     </p:spTree>
     <p:extLst>
       <p:ext uri="{BB962C8B-B14F-4D97-AF65-F5344CB8AC3E}">
-        <p14:creationId xmlns:p14="http://schemas.microsoft.com/office/powerpoint/2010/main" val="3544566829"/>
+        <p14:creationId xmlns:p14="http://schemas.microsoft.com/office/powerpoint/2010/main" val="1174311613"/>
       </p:ext>
     </p:extLst>
   </p:cSld>
@@ -2445,6 +2516,288 @@
 </file>
 
 <file path=ppt/notesSlides/notesSlide20.xml><?xml version="1.0" encoding="utf-8"?>
+<p:notes xmlns:a="http://schemas.openxmlformats.org/drawingml/2006/main" xmlns:r="http://schemas.openxmlformats.org/officeDocument/2006/relationships" xmlns:p="http://schemas.openxmlformats.org/presentationml/2006/main">
+  <p:cSld>
+    <p:spTree>
+      <p:nvGrpSpPr>
+        <p:cNvPr id="1" name=""/>
+        <p:cNvGrpSpPr/>
+        <p:nvPr/>
+      </p:nvGrpSpPr>
+      <p:grpSpPr>
+        <a:xfrm>
+          <a:off x="0" y="0"/>
+          <a:ext cx="0" cy="0"/>
+          <a:chOff x="0" y="0"/>
+          <a:chExt cx="0" cy="0"/>
+        </a:xfrm>
+      </p:grpSpPr>
+      <p:sp>
+        <p:nvSpPr>
+          <p:cNvPr id="2" name="Slide Image Placeholder 1"/>
+          <p:cNvSpPr>
+            <a:spLocks noGrp="1" noRot="1" noChangeAspect="1"/>
+          </p:cNvSpPr>
+          <p:nvPr>
+            <p:ph type="sldImg"/>
+          </p:nvPr>
+        </p:nvSpPr>
+        <p:spPr/>
+      </p:sp>
+      <p:sp>
+        <p:nvSpPr>
+          <p:cNvPr id="3" name="Notes Placeholder 2"/>
+          <p:cNvSpPr>
+            <a:spLocks noGrp="1"/>
+          </p:cNvSpPr>
+          <p:nvPr>
+            <p:ph type="body" idx="1"/>
+          </p:nvPr>
+        </p:nvSpPr>
+        <p:spPr/>
+        <p:txBody>
+          <a:bodyPr/>
+          <a:lstStyle/>
+          <a:p>
+            <a:endParaRPr lang="en-US" dirty="0"/>
+          </a:p>
+        </p:txBody>
+      </p:sp>
+      <p:sp>
+        <p:nvSpPr>
+          <p:cNvPr id="4" name="Slide Number Placeholder 3"/>
+          <p:cNvSpPr>
+            <a:spLocks noGrp="1"/>
+          </p:cNvSpPr>
+          <p:nvPr>
+            <p:ph type="sldNum" sz="quarter" idx="10"/>
+          </p:nvPr>
+        </p:nvSpPr>
+        <p:spPr/>
+        <p:txBody>
+          <a:bodyPr/>
+          <a:lstStyle/>
+          <a:p>
+            <a:pPr>
+              <a:defRPr/>
+            </a:pPr>
+            <a:fld id="{0BD935CA-3C3B-47B5-B52B-F13E37D8C3A5}" type="slidenum">
+              <a:rPr lang="it-IT" altLang="it-IT" smtClean="0"/>
+              <a:pPr>
+                <a:defRPr/>
+              </a:pPr>
+              <a:t>20</a:t>
+            </a:fld>
+            <a:endParaRPr lang="it-IT" altLang="it-IT"/>
+          </a:p>
+        </p:txBody>
+      </p:sp>
+    </p:spTree>
+    <p:extLst>
+      <p:ext uri="{BB962C8B-B14F-4D97-AF65-F5344CB8AC3E}">
+        <p14:creationId xmlns:p14="http://schemas.microsoft.com/office/powerpoint/2010/main" val="3357361556"/>
+      </p:ext>
+    </p:extLst>
+  </p:cSld>
+  <p:clrMapOvr>
+    <a:masterClrMapping/>
+  </p:clrMapOvr>
+</p:notes>
+</file>
+
+<file path=ppt/notesSlides/notesSlide21.xml><?xml version="1.0" encoding="utf-8"?>
+<p:notes xmlns:a="http://schemas.openxmlformats.org/drawingml/2006/main" xmlns:r="http://schemas.openxmlformats.org/officeDocument/2006/relationships" xmlns:p="http://schemas.openxmlformats.org/presentationml/2006/main">
+  <p:cSld>
+    <p:spTree>
+      <p:nvGrpSpPr>
+        <p:cNvPr id="1" name=""/>
+        <p:cNvGrpSpPr/>
+        <p:nvPr/>
+      </p:nvGrpSpPr>
+      <p:grpSpPr>
+        <a:xfrm>
+          <a:off x="0" y="0"/>
+          <a:ext cx="0" cy="0"/>
+          <a:chOff x="0" y="0"/>
+          <a:chExt cx="0" cy="0"/>
+        </a:xfrm>
+      </p:grpSpPr>
+      <p:sp>
+        <p:nvSpPr>
+          <p:cNvPr id="2" name="Slide Image Placeholder 1"/>
+          <p:cNvSpPr>
+            <a:spLocks noGrp="1" noRot="1" noChangeAspect="1"/>
+          </p:cNvSpPr>
+          <p:nvPr>
+            <p:ph type="sldImg"/>
+          </p:nvPr>
+        </p:nvSpPr>
+        <p:spPr/>
+      </p:sp>
+      <p:sp>
+        <p:nvSpPr>
+          <p:cNvPr id="3" name="Notes Placeholder 2"/>
+          <p:cNvSpPr>
+            <a:spLocks noGrp="1"/>
+          </p:cNvSpPr>
+          <p:nvPr>
+            <p:ph type="body" idx="1"/>
+          </p:nvPr>
+        </p:nvSpPr>
+        <p:spPr/>
+        <p:txBody>
+          <a:bodyPr/>
+          <a:lstStyle/>
+          <a:p>
+            <a:r>
+              <a:rPr lang="en-US" dirty="0" smtClean="0"/>
+              <a:t>Don’t have</a:t>
+            </a:r>
+            <a:r>
+              <a:rPr lang="en-US" baseline="0" dirty="0" smtClean="0"/>
+              <a:t> much to say about this</a:t>
+            </a:r>
+            <a:endParaRPr lang="en-US" dirty="0"/>
+          </a:p>
+        </p:txBody>
+      </p:sp>
+      <p:sp>
+        <p:nvSpPr>
+          <p:cNvPr id="4" name="Slide Number Placeholder 3"/>
+          <p:cNvSpPr>
+            <a:spLocks noGrp="1"/>
+          </p:cNvSpPr>
+          <p:nvPr>
+            <p:ph type="sldNum" sz="quarter" idx="10"/>
+          </p:nvPr>
+        </p:nvSpPr>
+        <p:spPr/>
+        <p:txBody>
+          <a:bodyPr/>
+          <a:lstStyle/>
+          <a:p>
+            <a:pPr>
+              <a:defRPr/>
+            </a:pPr>
+            <a:fld id="{0BD935CA-3C3B-47B5-B52B-F13E37D8C3A5}" type="slidenum">
+              <a:rPr lang="it-IT" altLang="it-IT" smtClean="0"/>
+              <a:pPr>
+                <a:defRPr/>
+              </a:pPr>
+              <a:t>21</a:t>
+            </a:fld>
+            <a:endParaRPr lang="it-IT" altLang="it-IT"/>
+          </a:p>
+        </p:txBody>
+      </p:sp>
+    </p:spTree>
+    <p:extLst>
+      <p:ext uri="{BB962C8B-B14F-4D97-AF65-F5344CB8AC3E}">
+        <p14:creationId xmlns:p14="http://schemas.microsoft.com/office/powerpoint/2010/main" val="3241693039"/>
+      </p:ext>
+    </p:extLst>
+  </p:cSld>
+  <p:clrMapOvr>
+    <a:masterClrMapping/>
+  </p:clrMapOvr>
+</p:notes>
+</file>
+
+<file path=ppt/notesSlides/notesSlide22.xml><?xml version="1.0" encoding="utf-8"?>
+<p:notes xmlns:a="http://schemas.openxmlformats.org/drawingml/2006/main" xmlns:r="http://schemas.openxmlformats.org/officeDocument/2006/relationships" xmlns:p="http://schemas.openxmlformats.org/presentationml/2006/main">
+  <p:cSld>
+    <p:spTree>
+      <p:nvGrpSpPr>
+        <p:cNvPr id="1" name=""/>
+        <p:cNvGrpSpPr/>
+        <p:nvPr/>
+      </p:nvGrpSpPr>
+      <p:grpSpPr>
+        <a:xfrm>
+          <a:off x="0" y="0"/>
+          <a:ext cx="0" cy="0"/>
+          <a:chOff x="0" y="0"/>
+          <a:chExt cx="0" cy="0"/>
+        </a:xfrm>
+      </p:grpSpPr>
+      <p:sp>
+        <p:nvSpPr>
+          <p:cNvPr id="2" name="Slide Image Placeholder 1"/>
+          <p:cNvSpPr>
+            <a:spLocks noGrp="1" noRot="1" noChangeAspect="1"/>
+          </p:cNvSpPr>
+          <p:nvPr>
+            <p:ph type="sldImg"/>
+          </p:nvPr>
+        </p:nvSpPr>
+        <p:spPr/>
+      </p:sp>
+      <p:sp>
+        <p:nvSpPr>
+          <p:cNvPr id="3" name="Notes Placeholder 2"/>
+          <p:cNvSpPr>
+            <a:spLocks noGrp="1"/>
+          </p:cNvSpPr>
+          <p:nvPr>
+            <p:ph type="body" idx="1"/>
+          </p:nvPr>
+        </p:nvSpPr>
+        <p:spPr/>
+        <p:txBody>
+          <a:bodyPr/>
+          <a:lstStyle/>
+          <a:p>
+            <a:r>
+              <a:rPr lang="en-US" dirty="0" smtClean="0"/>
+              <a:t>Add confusion matrix?</a:t>
+            </a:r>
+            <a:endParaRPr lang="en-US" dirty="0"/>
+          </a:p>
+        </p:txBody>
+      </p:sp>
+      <p:sp>
+        <p:nvSpPr>
+          <p:cNvPr id="4" name="Slide Number Placeholder 3"/>
+          <p:cNvSpPr>
+            <a:spLocks noGrp="1"/>
+          </p:cNvSpPr>
+          <p:nvPr>
+            <p:ph type="sldNum" sz="quarter" idx="10"/>
+          </p:nvPr>
+        </p:nvSpPr>
+        <p:spPr/>
+        <p:txBody>
+          <a:bodyPr/>
+          <a:lstStyle/>
+          <a:p>
+            <a:pPr>
+              <a:defRPr/>
+            </a:pPr>
+            <a:fld id="{0BD935CA-3C3B-47B5-B52B-F13E37D8C3A5}" type="slidenum">
+              <a:rPr lang="it-IT" altLang="it-IT" smtClean="0"/>
+              <a:pPr>
+                <a:defRPr/>
+              </a:pPr>
+              <a:t>22</a:t>
+            </a:fld>
+            <a:endParaRPr lang="it-IT" altLang="it-IT"/>
+          </a:p>
+        </p:txBody>
+      </p:sp>
+    </p:spTree>
+    <p:extLst>
+      <p:ext uri="{BB962C8B-B14F-4D97-AF65-F5344CB8AC3E}">
+        <p14:creationId xmlns:p14="http://schemas.microsoft.com/office/powerpoint/2010/main" val="1832073229"/>
+      </p:ext>
+    </p:extLst>
+  </p:cSld>
+  <p:clrMapOvr>
+    <a:masterClrMapping/>
+  </p:clrMapOvr>
+</p:notes>
+</file>
+
+<file path=ppt/notesSlides/notesSlide23.xml><?xml version="1.0" encoding="utf-8"?>
 <p:notes xmlns:a="http://schemas.openxmlformats.org/drawingml/2006/main" xmlns:r="http://schemas.openxmlformats.org/officeDocument/2006/relationships" xmlns:p="http://schemas.openxmlformats.org/presentationml/2006/main">
   <p:cSld>
     <p:spTree>
@@ -2579,12 +2932,180 @@
           <a:lstStyle/>
           <a:p>
             <a:r>
-              <a:rPr lang="en-US" dirty="0" smtClean="0"/>
-              <a:t>- Can we identify</a:t>
+              <a:rPr lang="en-US" baseline="0" dirty="0" err="1" smtClean="0"/>
+              <a:t>L’obiettivo</a:t>
             </a:r>
             <a:r>
               <a:rPr lang="en-US" baseline="0" dirty="0" smtClean="0"/>
-              <a:t> a pattern for truth and lies by decomposing them into their fundamental muscle movements?</a:t>
+              <a:t> di </a:t>
+            </a:r>
+            <a:r>
+              <a:rPr lang="en-US" baseline="0" dirty="0" err="1" smtClean="0"/>
+              <a:t>questa</a:t>
+            </a:r>
+            <a:r>
+              <a:rPr lang="en-US" baseline="0" dirty="0" smtClean="0"/>
+              <a:t> </a:t>
+            </a:r>
+            <a:r>
+              <a:rPr lang="en-US" baseline="0" dirty="0" err="1" smtClean="0"/>
+              <a:t>tesi</a:t>
+            </a:r>
+            <a:r>
+              <a:rPr lang="en-US" baseline="0" dirty="0" smtClean="0"/>
+              <a:t> e’ </a:t>
+            </a:r>
+            <a:r>
+              <a:rPr lang="en-US" baseline="0" dirty="0" err="1" smtClean="0"/>
+              <a:t>capire</a:t>
+            </a:r>
+            <a:r>
+              <a:rPr lang="en-US" baseline="0" dirty="0" smtClean="0"/>
+              <a:t> se e’ </a:t>
+            </a:r>
+            <a:r>
+              <a:rPr lang="en-US" baseline="0" dirty="0" err="1" smtClean="0"/>
+              <a:t>possibile</a:t>
+            </a:r>
+            <a:r>
+              <a:rPr lang="en-US" baseline="0" dirty="0" smtClean="0"/>
+              <a:t> </a:t>
+            </a:r>
+            <a:r>
+              <a:rPr lang="en-US" baseline="0" dirty="0" err="1" smtClean="0"/>
+              <a:t>classificare</a:t>
+            </a:r>
+            <a:r>
+              <a:rPr lang="en-US" baseline="0" dirty="0" smtClean="0"/>
+              <a:t> </a:t>
+            </a:r>
+            <a:r>
+              <a:rPr lang="en-US" baseline="0" dirty="0" err="1" smtClean="0"/>
+              <a:t>correttamente</a:t>
+            </a:r>
+            <a:r>
+              <a:rPr lang="en-US" baseline="0" dirty="0" smtClean="0"/>
+              <a:t> video in cui </a:t>
+            </a:r>
+            <a:r>
+              <a:rPr lang="en-US" baseline="0" dirty="0" err="1" smtClean="0"/>
+              <a:t>appaiono</a:t>
+            </a:r>
+            <a:r>
+              <a:rPr lang="en-US" baseline="0" dirty="0" smtClean="0"/>
+              <a:t> </a:t>
+            </a:r>
+            <a:r>
+              <a:rPr lang="en-US" baseline="0" dirty="0" err="1" smtClean="0"/>
+              <a:t>soggetti</a:t>
+            </a:r>
+            <a:r>
+              <a:rPr lang="en-US" baseline="0" dirty="0" smtClean="0"/>
+              <a:t> </a:t>
+            </a:r>
+            <a:r>
+              <a:rPr lang="en-US" baseline="0" dirty="0" err="1" smtClean="0"/>
+              <a:t>che</a:t>
+            </a:r>
+            <a:r>
+              <a:rPr lang="en-US" baseline="0" dirty="0" smtClean="0"/>
+              <a:t> </a:t>
+            </a:r>
+            <a:r>
+              <a:rPr lang="en-US" baseline="0" dirty="0" err="1" smtClean="0"/>
+              <a:t>dicono</a:t>
+            </a:r>
+            <a:r>
+              <a:rPr lang="en-US" baseline="0" dirty="0" smtClean="0"/>
+              <a:t> </a:t>
+            </a:r>
+            <a:r>
+              <a:rPr lang="en-US" baseline="0" dirty="0" err="1" smtClean="0"/>
+              <a:t>bugie</a:t>
+            </a:r>
+            <a:r>
+              <a:rPr lang="en-US" baseline="0" dirty="0" smtClean="0"/>
+              <a:t> o </a:t>
+            </a:r>
+            <a:r>
+              <a:rPr lang="en-US" baseline="0" dirty="0" err="1" smtClean="0"/>
+              <a:t>verita</a:t>
+            </a:r>
+            <a:r>
+              <a:rPr lang="en-US" baseline="0" dirty="0" smtClean="0"/>
+              <a:t>’, in </a:t>
+            </a:r>
+            <a:r>
+              <a:rPr lang="en-US" baseline="0" dirty="0" err="1" smtClean="0"/>
+              <a:t>particolare</a:t>
+            </a:r>
+            <a:r>
+              <a:rPr lang="en-US" baseline="0" dirty="0" smtClean="0"/>
+              <a:t> </a:t>
+            </a:r>
+            <a:r>
+              <a:rPr lang="en-US" baseline="0" dirty="0" err="1" smtClean="0"/>
+              <a:t>analizzandone</a:t>
+            </a:r>
+            <a:r>
+              <a:rPr lang="en-US" baseline="0" dirty="0" smtClean="0"/>
+              <a:t> </a:t>
+            </a:r>
+            <a:r>
+              <a:rPr lang="en-US" baseline="0" dirty="0" err="1" smtClean="0"/>
+              <a:t>i</a:t>
+            </a:r>
+            <a:r>
+              <a:rPr lang="en-US" baseline="0" dirty="0" smtClean="0"/>
+              <a:t> </a:t>
+            </a:r>
+            <a:r>
+              <a:rPr lang="en-US" baseline="0" dirty="0" err="1" smtClean="0"/>
+              <a:t>movimenti</a:t>
+            </a:r>
+            <a:r>
+              <a:rPr lang="en-US" baseline="0" dirty="0" smtClean="0"/>
+              <a:t> </a:t>
+            </a:r>
+            <a:r>
+              <a:rPr lang="en-US" baseline="0" dirty="0" err="1" smtClean="0"/>
+              <a:t>dei</a:t>
+            </a:r>
+            <a:r>
+              <a:rPr lang="en-US" baseline="0" dirty="0" smtClean="0"/>
+              <a:t> </a:t>
+            </a:r>
+            <a:r>
+              <a:rPr lang="en-US" baseline="0" dirty="0" err="1" smtClean="0"/>
+              <a:t>muscoli</a:t>
+            </a:r>
+            <a:r>
+              <a:rPr lang="en-US" baseline="0" dirty="0" smtClean="0"/>
+              <a:t> </a:t>
+            </a:r>
+            <a:r>
+              <a:rPr lang="en-US" baseline="0" dirty="0" err="1" smtClean="0"/>
+              <a:t>facciali</a:t>
+            </a:r>
+            <a:r>
+              <a:rPr lang="en-US" baseline="0" dirty="0" smtClean="0"/>
+              <a:t> </a:t>
+            </a:r>
+            <a:r>
+              <a:rPr lang="en-US" baseline="0" dirty="0" err="1" smtClean="0"/>
+              <a:t>durante</a:t>
+            </a:r>
+            <a:r>
+              <a:rPr lang="en-US" baseline="0" dirty="0" smtClean="0"/>
+              <a:t> </a:t>
+            </a:r>
+            <a:r>
+              <a:rPr lang="en-US" baseline="0" dirty="0" err="1" smtClean="0"/>
+              <a:t>il</a:t>
+            </a:r>
+            <a:r>
+              <a:rPr lang="en-US" baseline="0" dirty="0" smtClean="0"/>
+              <a:t> video.</a:t>
             </a:r>
             <a:endParaRPr lang="en-US" dirty="0"/>
           </a:p>
@@ -2613,7 +3134,7 @@
               <a:pPr>
                 <a:defRPr/>
               </a:pPr>
-              <a:t>6</a:t>
+              <a:t>3</a:t>
             </a:fld>
             <a:endParaRPr lang="it-IT" altLang="it-IT"/>
           </a:p>
@@ -2622,7 +3143,7 @@
     </p:spTree>
     <p:extLst>
       <p:ext uri="{BB962C8B-B14F-4D97-AF65-F5344CB8AC3E}">
-        <p14:creationId xmlns:p14="http://schemas.microsoft.com/office/powerpoint/2010/main" val="3223487759"/>
+        <p14:creationId xmlns:p14="http://schemas.microsoft.com/office/powerpoint/2010/main" val="575801949"/>
       </p:ext>
     </p:extLst>
   </p:cSld>
@@ -2676,6 +3197,136 @@
           <a:bodyPr/>
           <a:lstStyle/>
           <a:p>
+            <a:r>
+              <a:rPr lang="en-US" dirty="0" smtClean="0"/>
+              <a:t>Security checks</a:t>
+            </a:r>
+            <a:r>
+              <a:rPr lang="en-US" baseline="0" dirty="0" smtClean="0"/>
+              <a:t> = </a:t>
+            </a:r>
+            <a:r>
+              <a:rPr lang="en-US" baseline="0" dirty="0" err="1" smtClean="0"/>
+              <a:t>controlli</a:t>
+            </a:r>
+            <a:r>
+              <a:rPr lang="en-US" baseline="0" dirty="0" smtClean="0"/>
+              <a:t> di </a:t>
+            </a:r>
+            <a:r>
+              <a:rPr lang="en-US" baseline="0" dirty="0" err="1" smtClean="0"/>
+              <a:t>sicurezza</a:t>
+            </a:r>
+            <a:endParaRPr lang="en-US" baseline="0" dirty="0" smtClean="0"/>
+          </a:p>
+          <a:p>
+            <a:r>
+              <a:rPr lang="en-US" baseline="0" dirty="0" err="1" smtClean="0"/>
+              <a:t>Usato</a:t>
+            </a:r>
+            <a:r>
+              <a:rPr lang="en-US" baseline="0" dirty="0" smtClean="0"/>
+              <a:t> </a:t>
+            </a:r>
+            <a:r>
+              <a:rPr lang="en-US" baseline="0" dirty="0" err="1" smtClean="0"/>
+              <a:t>dalla</a:t>
+            </a:r>
+            <a:r>
+              <a:rPr lang="en-US" baseline="0" dirty="0" smtClean="0"/>
+              <a:t> </a:t>
+            </a:r>
+            <a:r>
+              <a:rPr lang="en-US" baseline="0" dirty="0" err="1" smtClean="0"/>
+              <a:t>polizia</a:t>
+            </a:r>
+            <a:r>
+              <a:rPr lang="en-US" baseline="0" dirty="0" smtClean="0"/>
+              <a:t> come </a:t>
+            </a:r>
+            <a:r>
+              <a:rPr lang="en-US" baseline="0" dirty="0" err="1" smtClean="0"/>
+              <a:t>aiuto</a:t>
+            </a:r>
+            <a:r>
+              <a:rPr lang="en-US" baseline="0" dirty="0" smtClean="0"/>
+              <a:t> per </a:t>
+            </a:r>
+            <a:r>
+              <a:rPr lang="en-US" baseline="0" dirty="0" err="1" smtClean="0"/>
+              <a:t>gli</a:t>
+            </a:r>
+            <a:r>
+              <a:rPr lang="en-US" baseline="0" dirty="0" smtClean="0"/>
+              <a:t> </a:t>
+            </a:r>
+            <a:r>
+              <a:rPr lang="en-US" baseline="0" dirty="0" err="1" smtClean="0"/>
+              <a:t>interrogatori</a:t>
+            </a:r>
+            <a:r>
+              <a:rPr lang="en-US" baseline="0" dirty="0" smtClean="0"/>
+              <a:t> a </a:t>
+            </a:r>
+            <a:r>
+              <a:rPr lang="en-US" baseline="0" dirty="0" err="1" smtClean="0"/>
+              <a:t>criminali</a:t>
+            </a:r>
+            <a:r>
+              <a:rPr lang="en-US" baseline="0" dirty="0" smtClean="0"/>
+              <a:t> o </a:t>
+            </a:r>
+            <a:r>
+              <a:rPr lang="en-US" baseline="0" dirty="0" err="1" smtClean="0"/>
+              <a:t>sospettati</a:t>
+            </a:r>
+            <a:endParaRPr lang="en-US" baseline="0" dirty="0" smtClean="0"/>
+          </a:p>
+          <a:p>
+            <a:r>
+              <a:rPr lang="en-US" baseline="0" dirty="0" err="1" smtClean="0"/>
+              <a:t>Analisi</a:t>
+            </a:r>
+            <a:r>
+              <a:rPr lang="en-US" baseline="0" dirty="0" smtClean="0"/>
+              <a:t> </a:t>
+            </a:r>
+            <a:r>
+              <a:rPr lang="en-US" baseline="0" dirty="0" err="1" smtClean="0"/>
+              <a:t>dei</a:t>
+            </a:r>
+            <a:r>
+              <a:rPr lang="en-US" baseline="0" dirty="0" smtClean="0"/>
+              <a:t> </a:t>
+            </a:r>
+            <a:r>
+              <a:rPr lang="en-US" baseline="0" dirty="0" err="1" smtClean="0"/>
+              <a:t>discorsi</a:t>
+            </a:r>
+            <a:r>
+              <a:rPr lang="en-US" baseline="0" dirty="0" smtClean="0"/>
+              <a:t> di </a:t>
+            </a:r>
+            <a:r>
+              <a:rPr lang="en-US" baseline="0" dirty="0" err="1" smtClean="0"/>
+              <a:t>candidati</a:t>
+            </a:r>
+            <a:r>
+              <a:rPr lang="en-US" baseline="0" dirty="0" smtClean="0"/>
+              <a:t> a </a:t>
+            </a:r>
+            <a:r>
+              <a:rPr lang="en-US" baseline="0" dirty="0" err="1" smtClean="0"/>
+              <a:t>ruoli</a:t>
+            </a:r>
+            <a:r>
+              <a:rPr lang="en-US" baseline="0" dirty="0" smtClean="0"/>
+              <a:t> </a:t>
+            </a:r>
+            <a:r>
+              <a:rPr lang="en-US" baseline="0" dirty="0" err="1" smtClean="0"/>
+              <a:t>politici</a:t>
+            </a:r>
             <a:endParaRPr lang="en-US" dirty="0"/>
           </a:p>
         </p:txBody>
@@ -2703,7 +3354,7 @@
               <a:pPr>
                 <a:defRPr/>
               </a:pPr>
-              <a:t>7</a:t>
+              <a:t>4</a:t>
             </a:fld>
             <a:endParaRPr lang="it-IT" altLang="it-IT"/>
           </a:p>
@@ -2712,7 +3363,7 @@
     </p:spTree>
     <p:extLst>
       <p:ext uri="{BB962C8B-B14F-4D97-AF65-F5344CB8AC3E}">
-        <p14:creationId xmlns:p14="http://schemas.microsoft.com/office/powerpoint/2010/main" val="522313456"/>
+        <p14:creationId xmlns:p14="http://schemas.microsoft.com/office/powerpoint/2010/main" val="2424447062"/>
       </p:ext>
     </p:extLst>
   </p:cSld>
@@ -2766,6 +3417,133 @@
           <a:bodyPr/>
           <a:lstStyle/>
           <a:p>
+            <a:r>
+              <a:rPr lang="en-US" dirty="0" smtClean="0"/>
+              <a:t>- Talk about</a:t>
+            </a:r>
+            <a:r>
+              <a:rPr lang="en-US" baseline="0" dirty="0" smtClean="0"/>
+              <a:t> contact and non contact, invasiveness.</a:t>
+            </a:r>
+          </a:p>
+          <a:p>
+            <a:endParaRPr lang="en-US" dirty="0" smtClean="0"/>
+          </a:p>
+          <a:p>
+            <a:r>
+              <a:rPr lang="en-US" dirty="0" smtClean="0"/>
+              <a:t>La </a:t>
+            </a:r>
+            <a:r>
+              <a:rPr lang="en-US" dirty="0" err="1" smtClean="0"/>
+              <a:t>letteratura</a:t>
+            </a:r>
+            <a:r>
+              <a:rPr lang="en-US" dirty="0" smtClean="0"/>
+              <a:t> </a:t>
+            </a:r>
+            <a:r>
+              <a:rPr lang="en-US" dirty="0" err="1" smtClean="0"/>
+              <a:t>fornisce</a:t>
+            </a:r>
+            <a:r>
+              <a:rPr lang="en-US" baseline="0" dirty="0" smtClean="0"/>
+              <a:t> </a:t>
+            </a:r>
+            <a:r>
+              <a:rPr lang="en-US" baseline="0" dirty="0" err="1" smtClean="0"/>
+              <a:t>diversi</a:t>
+            </a:r>
+            <a:r>
+              <a:rPr lang="en-US" baseline="0" dirty="0" smtClean="0"/>
+              <a:t> </a:t>
+            </a:r>
+            <a:r>
+              <a:rPr lang="en-US" baseline="0" dirty="0" err="1" smtClean="0"/>
+              <a:t>metodi</a:t>
+            </a:r>
+            <a:r>
+              <a:rPr lang="en-US" baseline="0" dirty="0" smtClean="0"/>
+              <a:t> per </a:t>
+            </a:r>
+            <a:r>
+              <a:rPr lang="en-US" baseline="0" dirty="0" err="1" smtClean="0"/>
+              <a:t>capire</a:t>
+            </a:r>
+            <a:r>
+              <a:rPr lang="en-US" baseline="0" dirty="0" smtClean="0"/>
+              <a:t> se un </a:t>
+            </a:r>
+            <a:r>
+              <a:rPr lang="en-US" baseline="0" dirty="0" err="1" smtClean="0"/>
+              <a:t>soggetto</a:t>
+            </a:r>
+            <a:r>
+              <a:rPr lang="en-US" baseline="0" dirty="0" smtClean="0"/>
+              <a:t> </a:t>
+            </a:r>
+            <a:r>
+              <a:rPr lang="en-US" baseline="0" dirty="0" err="1" smtClean="0"/>
+              <a:t>mente</a:t>
+            </a:r>
+            <a:r>
+              <a:rPr lang="en-US" baseline="0" dirty="0" smtClean="0"/>
+              <a:t> o dice la </a:t>
+            </a:r>
+            <a:r>
+              <a:rPr lang="en-US" baseline="0" dirty="0" err="1" smtClean="0"/>
+              <a:t>verita</a:t>
+            </a:r>
+            <a:r>
+              <a:rPr lang="en-US" baseline="0" dirty="0" smtClean="0"/>
+              <a:t>’:</a:t>
+            </a:r>
+          </a:p>
+          <a:p>
+            <a:r>
+              <a:rPr lang="en-US" dirty="0" err="1" smtClean="0"/>
+              <a:t>Psicologici</a:t>
+            </a:r>
+            <a:r>
+              <a:rPr lang="en-US" dirty="0" smtClean="0"/>
+              <a:t>:</a:t>
+            </a:r>
+          </a:p>
+          <a:p>
+            <a:r>
+              <a:rPr lang="en-US" dirty="0" err="1" smtClean="0"/>
+              <a:t>Analisi</a:t>
+            </a:r>
+            <a:r>
+              <a:rPr lang="en-US" baseline="0" dirty="0" smtClean="0"/>
+              <a:t> del </a:t>
+            </a:r>
+            <a:r>
+              <a:rPr lang="en-US" baseline="0" dirty="0" err="1" smtClean="0"/>
+              <a:t>discorso</a:t>
+            </a:r>
+            <a:endParaRPr lang="en-US" baseline="0" dirty="0" smtClean="0"/>
+          </a:p>
+          <a:p>
+            <a:r>
+              <a:rPr lang="en-US" baseline="0" dirty="0" err="1" smtClean="0"/>
+              <a:t>Neuroscientifici</a:t>
+            </a:r>
+            <a:endParaRPr lang="en-US" baseline="0" dirty="0" smtClean="0"/>
+          </a:p>
+          <a:p>
+            <a:r>
+              <a:rPr lang="en-US" baseline="0" dirty="0" err="1" smtClean="0"/>
+              <a:t>Immagini</a:t>
+            </a:r>
+            <a:r>
+              <a:rPr lang="en-US" baseline="0" dirty="0" smtClean="0"/>
+              <a:t> </a:t>
+            </a:r>
+            <a:r>
+              <a:rPr lang="en-US" baseline="0" dirty="0" err="1" smtClean="0"/>
+              <a:t>termiche</a:t>
+            </a:r>
             <a:endParaRPr lang="en-US" dirty="0"/>
           </a:p>
         </p:txBody>
@@ -2793,7 +3571,7 @@
               <a:pPr>
                 <a:defRPr/>
               </a:pPr>
-              <a:t>8</a:t>
+              <a:t>5</a:t>
             </a:fld>
             <a:endParaRPr lang="it-IT" altLang="it-IT"/>
           </a:p>
@@ -2802,7 +3580,7 @@
     </p:spTree>
     <p:extLst>
       <p:ext uri="{BB962C8B-B14F-4D97-AF65-F5344CB8AC3E}">
-        <p14:creationId xmlns:p14="http://schemas.microsoft.com/office/powerpoint/2010/main" val="3172319316"/>
+        <p14:creationId xmlns:p14="http://schemas.microsoft.com/office/powerpoint/2010/main" val="3544566829"/>
       </p:ext>
     </p:extLst>
   </p:cSld>
@@ -2856,9 +3634,46 @@
           <a:bodyPr/>
           <a:lstStyle/>
           <a:p>
-            <a:r>
-              <a:rPr lang="en-US" dirty="0" err="1" smtClean="0"/>
-              <a:t>Slde</a:t>
+            <a:pPr marL="171450" indent="-171450">
+              <a:buFontTx/>
+              <a:buChar char="-"/>
+            </a:pPr>
+            <a:r>
+              <a:rPr lang="en-US" dirty="0" smtClean="0"/>
+              <a:t>Can </a:t>
+            </a:r>
+            <a:r>
+              <a:rPr lang="en-US" dirty="0" smtClean="0"/>
+              <a:t>we identify</a:t>
+            </a:r>
+            <a:r>
+              <a:rPr lang="en-US" baseline="0" dirty="0" smtClean="0"/>
+              <a:t> a pattern for truth and lies by decomposing them into their fundamental muscle </a:t>
+            </a:r>
+            <a:r>
+              <a:rPr lang="en-US" baseline="0" dirty="0" smtClean="0"/>
+              <a:t>movements?</a:t>
+            </a:r>
+          </a:p>
+          <a:p>
+            <a:pPr marL="0" indent="0">
+              <a:buFontTx/>
+              <a:buNone/>
+            </a:pPr>
+            <a:endParaRPr lang="en-US" baseline="0" dirty="0" smtClean="0"/>
+          </a:p>
+          <a:p>
+            <a:pPr marL="0" indent="0">
+              <a:buFontTx/>
+              <a:buNone/>
+            </a:pPr>
+            <a:r>
+              <a:rPr lang="en-US" baseline="0" dirty="0" smtClean="0"/>
+              <a:t>Le AU </a:t>
+            </a:r>
+            <a:r>
+              <a:rPr lang="en-US" baseline="0" dirty="0" err="1" smtClean="0"/>
+              <a:t>possono</a:t>
             </a:r>
             <a:r>
               <a:rPr lang="en-US" baseline="0" dirty="0" smtClean="0"/>
@@ -2866,17 +3681,129 @@
             </a:r>
             <a:r>
               <a:rPr lang="en-US" baseline="0" dirty="0" err="1" smtClean="0"/>
-              <a:t>kinda</a:t>
+              <a:t>essere</a:t>
             </a:r>
             <a:r>
               <a:rPr lang="en-US" baseline="0" dirty="0" smtClean="0"/>
-              <a:t> like this? Needed?</a:t>
-            </a:r>
-          </a:p>
-          <a:p>
+              <a:t> </a:t>
+            </a:r>
+            <a:r>
+              <a:rPr lang="en-US" baseline="0" dirty="0" err="1" smtClean="0"/>
+              <a:t>utilizzate</a:t>
+            </a:r>
             <a:r>
               <a:rPr lang="en-US" baseline="0" dirty="0" smtClean="0"/>
-              <a:t>If not DELETE this slide</a:t>
+              <a:t> per </a:t>
+            </a:r>
+            <a:r>
+              <a:rPr lang="en-US" baseline="0" dirty="0" err="1" smtClean="0"/>
+              <a:t>codificare</a:t>
+            </a:r>
+            <a:r>
+              <a:rPr lang="en-US" baseline="0" dirty="0" smtClean="0"/>
+              <a:t> le </a:t>
+            </a:r>
+            <a:r>
+              <a:rPr lang="en-US" baseline="0" dirty="0" err="1" smtClean="0"/>
+              <a:t>emozioni</a:t>
+            </a:r>
+            <a:r>
+              <a:rPr lang="en-US" baseline="0" dirty="0" smtClean="0"/>
+              <a:t> </a:t>
+            </a:r>
+            <a:r>
+              <a:rPr lang="en-US" baseline="0" dirty="0" err="1" smtClean="0"/>
+              <a:t>attraverso</a:t>
+            </a:r>
+            <a:r>
+              <a:rPr lang="en-US" baseline="0" dirty="0" smtClean="0"/>
+              <a:t> lo studio </a:t>
+            </a:r>
+            <a:r>
+              <a:rPr lang="en-US" baseline="0" dirty="0" err="1" smtClean="0"/>
+              <a:t>dei</a:t>
+            </a:r>
+            <a:r>
+              <a:rPr lang="en-US" baseline="0" dirty="0" smtClean="0"/>
+              <a:t> </a:t>
+            </a:r>
+            <a:r>
+              <a:rPr lang="en-US" baseline="0" dirty="0" err="1" smtClean="0"/>
+              <a:t>movimenti</a:t>
+            </a:r>
+            <a:r>
+              <a:rPr lang="en-US" baseline="0" dirty="0" smtClean="0"/>
+              <a:t> </a:t>
+            </a:r>
+            <a:r>
+              <a:rPr lang="en-US" baseline="0" dirty="0" err="1" smtClean="0"/>
+              <a:t>muscolari</a:t>
+            </a:r>
+            <a:r>
+              <a:rPr lang="en-US" baseline="0" dirty="0" smtClean="0"/>
+              <a:t> </a:t>
+            </a:r>
+            <a:r>
+              <a:rPr lang="en-US" baseline="0" dirty="0" err="1" smtClean="0"/>
+              <a:t>dei</a:t>
+            </a:r>
+            <a:r>
+              <a:rPr lang="en-US" baseline="0" dirty="0" smtClean="0"/>
+              <a:t> </a:t>
+            </a:r>
+            <a:r>
+              <a:rPr lang="en-US" baseline="0" dirty="0" err="1" smtClean="0"/>
+              <a:t>soggetti</a:t>
+            </a:r>
+            <a:r>
+              <a:rPr lang="en-US" baseline="0" dirty="0" smtClean="0"/>
+              <a:t> e </a:t>
+            </a:r>
+            <a:r>
+              <a:rPr lang="en-US" baseline="0" dirty="0" err="1" smtClean="0"/>
+              <a:t>delle</a:t>
+            </a:r>
+            <a:r>
+              <a:rPr lang="en-US" baseline="0" dirty="0" smtClean="0"/>
+              <a:t> </a:t>
+            </a:r>
+            <a:r>
+              <a:rPr lang="en-US" baseline="0" dirty="0" err="1" smtClean="0"/>
+              <a:t>loro</a:t>
+            </a:r>
+            <a:r>
+              <a:rPr lang="en-US" baseline="0" dirty="0" smtClean="0"/>
+              <a:t> </a:t>
+            </a:r>
+            <a:r>
+              <a:rPr lang="en-US" baseline="0" dirty="0" err="1" smtClean="0"/>
+              <a:t>intensita</a:t>
+            </a:r>
+            <a:r>
+              <a:rPr lang="en-US" baseline="0" dirty="0" smtClean="0"/>
+              <a:t>’.</a:t>
+            </a:r>
+          </a:p>
+          <a:p>
+            <a:pPr marL="0" indent="0">
+              <a:buFontTx/>
+              <a:buNone/>
+            </a:pPr>
+            <a:r>
+              <a:rPr lang="en-US" dirty="0" smtClean="0"/>
+              <a:t>Breve</a:t>
+            </a:r>
+            <a:r>
+              <a:rPr lang="en-US" baseline="0" dirty="0" smtClean="0"/>
+              <a:t> </a:t>
+            </a:r>
+            <a:r>
+              <a:rPr lang="en-US" baseline="0" dirty="0" err="1" smtClean="0"/>
+              <a:t>accenno</a:t>
+            </a:r>
+            <a:r>
+              <a:rPr lang="en-US" baseline="0" dirty="0" smtClean="0"/>
+              <a:t> a FACS</a:t>
             </a:r>
             <a:endParaRPr lang="en-US" dirty="0"/>
           </a:p>
@@ -2905,7 +3832,7 @@
               <a:pPr>
                 <a:defRPr/>
               </a:pPr>
-              <a:t>9</a:t>
+              <a:t>6</a:t>
             </a:fld>
             <a:endParaRPr lang="it-IT" altLang="it-IT"/>
           </a:p>
@@ -2914,7 +3841,7 @@
     </p:spTree>
     <p:extLst>
       <p:ext uri="{BB962C8B-B14F-4D97-AF65-F5344CB8AC3E}">
-        <p14:creationId xmlns:p14="http://schemas.microsoft.com/office/powerpoint/2010/main" val="1560405146"/>
+        <p14:creationId xmlns:p14="http://schemas.microsoft.com/office/powerpoint/2010/main" val="3223487759"/>
       </p:ext>
     </p:extLst>
   </p:cSld>
@@ -2969,12 +3896,100 @@
           <a:lstStyle/>
           <a:p>
             <a:r>
-              <a:rPr lang="en-US" dirty="0" smtClean="0"/>
-              <a:t>Is this too much? Should I</a:t>
+              <a:rPr lang="en-US" dirty="0" err="1" smtClean="0"/>
+              <a:t>Decomporre</a:t>
             </a:r>
             <a:r>
               <a:rPr lang="en-US" baseline="0" dirty="0" smtClean="0"/>
-              <a:t> skip it since I don’t know too much about this?</a:t>
+              <a:t> </a:t>
+            </a:r>
+            <a:r>
+              <a:rPr lang="en-US" baseline="0" dirty="0" err="1" smtClean="0"/>
+              <a:t>menzogne</a:t>
+            </a:r>
+            <a:r>
+              <a:rPr lang="en-US" baseline="0" dirty="0" smtClean="0"/>
+              <a:t> e </a:t>
+            </a:r>
+            <a:r>
+              <a:rPr lang="en-US" baseline="0" dirty="0" err="1" smtClean="0"/>
+              <a:t>verita</a:t>
+            </a:r>
+            <a:r>
+              <a:rPr lang="en-US" baseline="0" dirty="0" smtClean="0"/>
+              <a:t>’ </a:t>
+            </a:r>
+            <a:r>
+              <a:rPr lang="en-US" baseline="0" dirty="0" err="1" smtClean="0"/>
+              <a:t>che</a:t>
+            </a:r>
+            <a:r>
+              <a:rPr lang="en-US" baseline="0" dirty="0" smtClean="0"/>
+              <a:t> </a:t>
+            </a:r>
+            <a:r>
+              <a:rPr lang="en-US" baseline="0" dirty="0" err="1" smtClean="0"/>
+              <a:t>troviamo</a:t>
+            </a:r>
+            <a:r>
+              <a:rPr lang="en-US" baseline="0" dirty="0" smtClean="0"/>
+              <a:t> </a:t>
+            </a:r>
+            <a:r>
+              <a:rPr lang="en-US" baseline="0" dirty="0" err="1" smtClean="0"/>
+              <a:t>nei</a:t>
+            </a:r>
+            <a:r>
+              <a:rPr lang="en-US" baseline="0" dirty="0" smtClean="0"/>
+              <a:t> video </a:t>
+            </a:r>
+            <a:r>
+              <a:rPr lang="en-US" baseline="0" dirty="0" err="1" smtClean="0"/>
+              <a:t>nelle</a:t>
+            </a:r>
+            <a:r>
+              <a:rPr lang="en-US" baseline="0" dirty="0" smtClean="0"/>
+              <a:t> Action Units </a:t>
+            </a:r>
+            <a:r>
+              <a:rPr lang="en-US" baseline="0" dirty="0" err="1" smtClean="0"/>
+              <a:t>utilizzate</a:t>
+            </a:r>
+            <a:r>
+              <a:rPr lang="en-US" baseline="0" dirty="0" smtClean="0"/>
+              <a:t> </a:t>
+            </a:r>
+            <a:r>
+              <a:rPr lang="en-US" baseline="0" dirty="0" err="1" smtClean="0"/>
+              <a:t>dai</a:t>
+            </a:r>
+            <a:r>
+              <a:rPr lang="en-US" baseline="0" dirty="0" smtClean="0"/>
+              <a:t> </a:t>
+            </a:r>
+            <a:r>
+              <a:rPr lang="en-US" baseline="0" dirty="0" err="1" smtClean="0"/>
+              <a:t>soggetti</a:t>
+            </a:r>
+            <a:r>
+              <a:rPr lang="en-US" baseline="0" dirty="0" smtClean="0"/>
+              <a:t> </a:t>
+            </a:r>
+            <a:r>
+              <a:rPr lang="en-US" baseline="0" dirty="0" err="1" smtClean="0"/>
+              <a:t>mentre</a:t>
+            </a:r>
+            <a:r>
+              <a:rPr lang="en-US" baseline="0" dirty="0" smtClean="0"/>
+              <a:t> le </a:t>
+            </a:r>
+            <a:r>
+              <a:rPr lang="en-US" baseline="0" dirty="0" err="1" smtClean="0"/>
+              <a:t>dicono</a:t>
+            </a:r>
+            <a:r>
+              <a:rPr lang="en-US" baseline="0" dirty="0" smtClean="0"/>
+              <a:t>.</a:t>
             </a:r>
             <a:endParaRPr lang="en-US" dirty="0"/>
           </a:p>
@@ -3003,7 +4018,7 @@
               <a:pPr>
                 <a:defRPr/>
               </a:pPr>
-              <a:t>10</a:t>
+              <a:t>7</a:t>
             </a:fld>
             <a:endParaRPr lang="it-IT" altLang="it-IT"/>
           </a:p>
@@ -3012,7 +4027,7 @@
     </p:spTree>
     <p:extLst>
       <p:ext uri="{BB962C8B-B14F-4D97-AF65-F5344CB8AC3E}">
-        <p14:creationId xmlns:p14="http://schemas.microsoft.com/office/powerpoint/2010/main" val="513174094"/>
+        <p14:creationId xmlns:p14="http://schemas.microsoft.com/office/powerpoint/2010/main" val="522313456"/>
       </p:ext>
     </p:extLst>
   </p:cSld>
@@ -3068,11 +4083,63 @@
           <a:p>
             <a:r>
               <a:rPr lang="en-US" dirty="0" smtClean="0"/>
-              <a:t>Is this too much? Should I</a:t>
+              <a:t>Ad alto </a:t>
+            </a:r>
+            <a:r>
+              <a:rPr lang="en-US" dirty="0" err="1" smtClean="0"/>
+              <a:t>livello</a:t>
             </a:r>
             <a:r>
               <a:rPr lang="en-US" baseline="0" dirty="0" smtClean="0"/>
-              <a:t> skip it since I don’t know too much about this? Maybe just reduce it. </a:t>
+              <a:t> </a:t>
+            </a:r>
+            <a:r>
+              <a:rPr lang="en-US" baseline="0" dirty="0" err="1" smtClean="0"/>
+              <a:t>il</a:t>
+            </a:r>
+            <a:r>
+              <a:rPr lang="en-US" baseline="0" dirty="0" smtClean="0"/>
+              <a:t> </a:t>
+            </a:r>
+            <a:r>
+              <a:rPr lang="en-US" baseline="0" dirty="0" err="1" smtClean="0"/>
+              <a:t>nostro</a:t>
+            </a:r>
+            <a:r>
+              <a:rPr lang="en-US" baseline="0" dirty="0" smtClean="0"/>
+              <a:t> Sistema </a:t>
+            </a:r>
+            <a:r>
+              <a:rPr lang="en-US" baseline="0" dirty="0" err="1" smtClean="0"/>
+              <a:t>funziona</a:t>
+            </a:r>
+            <a:r>
+              <a:rPr lang="en-US" baseline="0" dirty="0" smtClean="0"/>
+              <a:t> </a:t>
+            </a:r>
+            <a:r>
+              <a:rPr lang="en-US" baseline="0" dirty="0" err="1" smtClean="0"/>
+              <a:t>nel</a:t>
+            </a:r>
+            <a:r>
+              <a:rPr lang="en-US" baseline="0" dirty="0" smtClean="0"/>
+              <a:t> </a:t>
+            </a:r>
+            <a:r>
+              <a:rPr lang="en-US" baseline="0" dirty="0" err="1" smtClean="0"/>
+              <a:t>seguente</a:t>
+            </a:r>
+            <a:r>
+              <a:rPr lang="en-US" baseline="0" dirty="0" smtClean="0"/>
+              <a:t> </a:t>
+            </a:r>
+            <a:r>
+              <a:rPr lang="en-US" baseline="0" dirty="0" err="1" smtClean="0"/>
+              <a:t>modo</a:t>
+            </a:r>
+            <a:r>
+              <a:rPr lang="en-US" baseline="0" dirty="0" smtClean="0"/>
+              <a:t>:</a:t>
             </a:r>
             <a:endParaRPr lang="en-US" dirty="0"/>
           </a:p>
@@ -3101,7 +4168,7 @@
               <a:pPr>
                 <a:defRPr/>
               </a:pPr>
-              <a:t>11</a:t>
+              <a:t>8</a:t>
             </a:fld>
             <a:endParaRPr lang="it-IT" altLang="it-IT"/>
           </a:p>
@@ -3110,7 +4177,7 @@
     </p:spTree>
     <p:extLst>
       <p:ext uri="{BB962C8B-B14F-4D97-AF65-F5344CB8AC3E}">
-        <p14:creationId xmlns:p14="http://schemas.microsoft.com/office/powerpoint/2010/main" val="4207373225"/>
+        <p14:creationId xmlns:p14="http://schemas.microsoft.com/office/powerpoint/2010/main" val="3172319316"/>
       </p:ext>
     </p:extLst>
   </p:cSld>
@@ -3164,6 +4231,82 @@
           <a:bodyPr/>
           <a:lstStyle/>
           <a:p>
+            <a:r>
+              <a:rPr lang="en-US" dirty="0" smtClean="0"/>
+              <a:t>Is this too much? Should I</a:t>
+            </a:r>
+            <a:r>
+              <a:rPr lang="en-US" baseline="0" dirty="0" smtClean="0"/>
+              <a:t> skip it since I don’t know too much about this</a:t>
+            </a:r>
+            <a:r>
+              <a:rPr lang="en-US" baseline="0" dirty="0" smtClean="0"/>
+              <a:t>? Should I say I use OF for this? “we use a library…”</a:t>
+            </a:r>
+          </a:p>
+          <a:p>
+            <a:r>
+              <a:rPr lang="en-US" dirty="0" smtClean="0"/>
+              <a:t>https://ibug.doc.ic.ac.uk/media/uploads/documents/tpami_alignment.pdf – </a:t>
+            </a:r>
+            <a:r>
+              <a:rPr lang="en-US" dirty="0" err="1" smtClean="0"/>
+              <a:t>spiega</a:t>
+            </a:r>
+            <a:r>
+              <a:rPr lang="en-US" dirty="0" smtClean="0"/>
+              <a:t> un </a:t>
+            </a:r>
+            <a:r>
+              <a:rPr lang="en-US" dirty="0" err="1" smtClean="0"/>
+              <a:t>po</a:t>
+            </a:r>
+            <a:r>
+              <a:rPr lang="en-US" dirty="0" smtClean="0"/>
+              <a:t>’ </a:t>
+            </a:r>
+            <a:r>
+              <a:rPr lang="en-US" dirty="0" err="1" smtClean="0"/>
+              <a:t>resp</a:t>
+            </a:r>
+            <a:r>
+              <a:rPr lang="en-US" dirty="0" smtClean="0"/>
+              <a:t> map</a:t>
+            </a:r>
+          </a:p>
+          <a:p>
+            <a:r>
+              <a:rPr lang="en-US" dirty="0" err="1" smtClean="0"/>
+              <a:t>Riorganizzare</a:t>
+            </a:r>
+            <a:r>
+              <a:rPr lang="en-US" baseline="0" dirty="0" smtClean="0"/>
+              <a:t> slides per </a:t>
+            </a:r>
+            <a:r>
+              <a:rPr lang="en-US" baseline="0" dirty="0" err="1" smtClean="0"/>
+              <a:t>spiegare</a:t>
+            </a:r>
+            <a:r>
+              <a:rPr lang="en-US" baseline="0" dirty="0" smtClean="0"/>
+              <a:t> CE CLM </a:t>
+            </a:r>
+            <a:r>
+              <a:rPr lang="en-US" baseline="0" dirty="0" err="1" smtClean="0"/>
+              <a:t>cos’e</a:t>
+            </a:r>
+            <a:r>
+              <a:rPr lang="en-US" baseline="0" dirty="0" smtClean="0"/>
+              <a:t>’ un </a:t>
+            </a:r>
+            <a:r>
+              <a:rPr lang="en-US" baseline="0" dirty="0" err="1" smtClean="0"/>
+              <a:t>minimo</a:t>
+            </a:r>
+            <a:r>
+              <a:rPr lang="en-US" baseline="0" dirty="0" smtClean="0"/>
+              <a:t>?</a:t>
+            </a:r>
             <a:endParaRPr lang="en-US" dirty="0"/>
           </a:p>
         </p:txBody>
@@ -3191,7 +4334,7 @@
               <a:pPr>
                 <a:defRPr/>
               </a:pPr>
-              <a:t>12</a:t>
+              <a:t>9</a:t>
             </a:fld>
             <a:endParaRPr lang="it-IT" altLang="it-IT"/>
           </a:p>
@@ -3200,7 +4343,7 @@
     </p:spTree>
     <p:extLst>
       <p:ext uri="{BB962C8B-B14F-4D97-AF65-F5344CB8AC3E}">
-        <p14:creationId xmlns:p14="http://schemas.microsoft.com/office/powerpoint/2010/main" val="2990312428"/>
+        <p14:creationId xmlns:p14="http://schemas.microsoft.com/office/powerpoint/2010/main" val="513174094"/>
       </p:ext>
     </p:extLst>
   </p:cSld>
@@ -8510,21 +9653,32 @@
           <a:p>
             <a:r>
               <a:rPr lang="en-US" dirty="0" smtClean="0"/>
-              <a:t>Two Phases:</a:t>
+              <a:t>Convolutional </a:t>
+            </a:r>
+            <a:r>
+              <a:rPr lang="en-US" dirty="0"/>
+              <a:t>Experts Constrained Local Model (CE-CLM) </a:t>
             </a:r>
           </a:p>
           <a:p>
             <a:pPr lvl="1"/>
             <a:r>
-              <a:rPr lang="en-US" dirty="0" smtClean="0"/>
-              <a:t>Response map computation using Convolutional Experts Network</a:t>
-            </a:r>
-          </a:p>
-          <a:p>
-            <a:pPr lvl="1"/>
-            <a:r>
-              <a:rPr lang="en-US" dirty="0" smtClean="0"/>
-              <a:t>Shape parameter update</a:t>
+              <a:rPr lang="en-US" dirty="0"/>
+              <a:t>Convolutional Experts Network as local detector</a:t>
+            </a:r>
+          </a:p>
+          <a:p>
+            <a:pPr lvl="2"/>
+            <a:r>
+              <a:rPr lang="en-US" dirty="0"/>
+              <a:t>Computes a response map to accurately localize individual landmarks by evaluating the landmark alignment probability at individual pixel locations. </a:t>
+            </a:r>
+          </a:p>
+          <a:p>
+            <a:pPr lvl="2"/>
+            <a:r>
+              <a:rPr lang="en-US" dirty="0"/>
+              <a:t>Individual landmark alignment is estimated independently of the position of other landmarks. </a:t>
             </a:r>
           </a:p>
         </p:txBody>
@@ -8552,7 +9706,7 @@
               <a:pPr>
                 <a:defRPr/>
               </a:pPr>
-              <a:t>01/01/2019</a:t>
+              <a:t>02/01/2019</a:t>
             </a:fld>
             <a:endParaRPr lang="it-IT" altLang="it-IT"/>
           </a:p>
@@ -8633,8 +9787,8 @@
         </p:blipFill>
         <p:spPr>
           <a:xfrm>
-            <a:off x="1116013" y="3105091"/>
-            <a:ext cx="7342187" cy="2484149"/>
+            <a:off x="2235501" y="3789040"/>
+            <a:ext cx="5320698" cy="1800200"/>
           </a:xfrm>
           <a:prstGeom prst="rect">
             <a:avLst/>
@@ -8644,7 +9798,7 @@
     </p:spTree>
     <p:extLst>
       <p:ext uri="{BB962C8B-B14F-4D97-AF65-F5344CB8AC3E}">
-        <p14:creationId xmlns:p14="http://schemas.microsoft.com/office/powerpoint/2010/main" val="2006325038"/>
+        <p14:creationId xmlns:p14="http://schemas.microsoft.com/office/powerpoint/2010/main" val="3781537407"/>
       </p:ext>
     </p:extLst>
   </p:cSld>
@@ -8751,7 +9905,11 @@
             <a:pPr lvl="1"/>
             <a:r>
               <a:rPr lang="en-US" dirty="0" smtClean="0"/>
-              <a:t>Constrained Local Model for shape parameter update</a:t>
+              <a:t>Constrained </a:t>
+            </a:r>
+            <a:r>
+              <a:rPr lang="en-US" dirty="0" smtClean="0"/>
+              <a:t>Local Model for shape parameter update</a:t>
             </a:r>
           </a:p>
           <a:p>
@@ -8947,15 +10105,40 @@
             <a:pPr lvl="1"/>
             <a:r>
               <a:rPr lang="en-US" dirty="0"/>
-              <a:t>Need for a mapping to a common reference frame.</a:t>
-            </a:r>
+              <a:t>Need for a mapping to a common reference </a:t>
+            </a:r>
+            <a:r>
+              <a:rPr lang="en-US" dirty="0" smtClean="0"/>
+              <a:t>frame to analyze the image.</a:t>
+            </a:r>
+            <a:endParaRPr lang="en-US" dirty="0"/>
           </a:p>
           <a:p>
             <a:pPr lvl="1"/>
             <a:r>
               <a:rPr lang="en-US" dirty="0"/>
-              <a:t>﻿Similarity transform from the currently detected landmarks to a representation of frontal landmarks from a neutral expression</a:t>
-            </a:r>
+              <a:t>﻿Similarity transform from the currently detected landmarks to a representation of frontal landmarks from a neutral </a:t>
+            </a:r>
+            <a:r>
+              <a:rPr lang="en-US" dirty="0" smtClean="0"/>
+              <a:t>expression (</a:t>
+            </a:r>
+            <a:r>
+              <a:rPr lang="en-US" dirty="0"/>
+              <a:t>a projection of mean shape from a 3D</a:t>
+            </a:r>
+            <a:br>
+              <a:rPr lang="en-US" dirty="0"/>
+            </a:br>
+            <a:r>
+              <a:rPr lang="en-US" dirty="0" smtClean="0"/>
+              <a:t>PDM</a:t>
+            </a:r>
+            <a:r>
+              <a:rPr lang="en-US" dirty="0" smtClean="0"/>
+              <a:t>)</a:t>
+            </a:r>
+            <a:endParaRPr lang="en-US" dirty="0"/>
           </a:p>
           <a:p>
             <a:pPr lvl="1"/>
@@ -9011,7 +10194,7 @@
               <a:pPr>
                 <a:defRPr/>
               </a:pPr>
-              <a:t>01/01/2019</a:t>
+              <a:t>02/01/2019</a:t>
             </a:fld>
             <a:endParaRPr lang="it-IT" altLang="it-IT" dirty="0"/>
           </a:p>
@@ -12316,14 +13499,26 @@
             </a:r>
             <a:r>
               <a:rPr lang="en-US" dirty="0" smtClean="0"/>
-              <a:t> understand if it’s possible to classify videos containing truthful or deceptive statements.</a:t>
+              <a:t> understand if it’s </a:t>
+            </a:r>
+            <a:r>
+              <a:rPr lang="en-US" dirty="0" smtClean="0"/>
+              <a:t>possible correctly </a:t>
+            </a:r>
+            <a:r>
+              <a:rPr lang="en-US" dirty="0" smtClean="0"/>
+              <a:t>to classify videos containing truthful or deceptive statements.</a:t>
             </a:r>
           </a:p>
           <a:p>
             <a:pPr lvl="1"/>
             <a:r>
               <a:rPr lang="en-US" dirty="0" smtClean="0"/>
-              <a:t>In particular by performing the analysis of facial muscle movements.</a:t>
+              <a:t>In particular by performing the analysis of facial muscle </a:t>
+            </a:r>
+            <a:r>
+              <a:rPr lang="en-US" dirty="0" smtClean="0"/>
+              <a:t>movements during the video.</a:t>
             </a:r>
             <a:endParaRPr lang="en-US" dirty="0"/>
           </a:p>
@@ -12426,7 +13621,7 @@
           <p:nvPr/>
         </p:nvPicPr>
         <p:blipFill>
-          <a:blip r:embed="rId2" cstate="print">
+          <a:blip r:embed="rId3" cstate="print">
             <a:extLst>
               <a:ext uri="{28A0092B-C50C-407E-A947-70E740481C1C}">
                 <a14:useLocalDpi xmlns:a14="http://schemas.microsoft.com/office/drawing/2010/main" val="0"/>
@@ -12439,8 +13634,8 @@
         </p:blipFill>
         <p:spPr>
           <a:xfrm>
-            <a:off x="1907704" y="2852936"/>
-            <a:ext cx="5788953" cy="2582416"/>
+            <a:off x="1619672" y="2852936"/>
+            <a:ext cx="6624736" cy="2736304"/>
           </a:xfrm>
           <a:prstGeom prst="rect">
             <a:avLst/>
@@ -12652,7 +13847,7 @@
           <p:nvPr/>
         </p:nvPicPr>
         <p:blipFill>
-          <a:blip r:embed="rId2">
+          <a:blip r:embed="rId3">
             <a:extLst>
               <a:ext uri="{28A0092B-C50C-407E-A947-70E740481C1C}">
                 <a14:useLocalDpi xmlns:a14="http://schemas.microsoft.com/office/drawing/2010/main" val="0"/>
@@ -12805,14 +14000,9 @@
           <a:p>
             <a:r>
               <a:rPr lang="en-US" dirty="0" smtClean="0"/>
-              <a:t>Thermal Imaging</a:t>
-            </a:r>
-          </a:p>
-          <a:p>
-            <a:r>
-              <a:rPr lang="en-US" dirty="0" smtClean="0"/>
               <a:t>Polygraph</a:t>
             </a:r>
+            <a:endParaRPr lang="en-US" dirty="0" smtClean="0"/>
           </a:p>
           <a:p>
             <a:pPr marL="0" indent="0">
@@ -12935,8 +14125,8 @@
         </p:blipFill>
         <p:spPr>
           <a:xfrm>
-            <a:off x="4114801" y="2898275"/>
-            <a:ext cx="4343400" cy="2720533"/>
+            <a:off x="3491880" y="2867876"/>
+            <a:ext cx="4752528" cy="2976795"/>
           </a:xfrm>
           <a:prstGeom prst="rect">
             <a:avLst/>
@@ -13016,7 +14206,7 @@
         <p:spPr>
           <a:xfrm>
             <a:off x="1116013" y="1203672"/>
-            <a:ext cx="3816027" cy="4385568"/>
+            <a:ext cx="7342187" cy="4385568"/>
           </a:xfrm>
         </p:spPr>
         <p:txBody>
@@ -13031,23 +14221,20 @@
           <a:p>
             <a:r>
               <a:rPr lang="en-US" dirty="0" smtClean="0"/>
-              <a:t>AUs can be used to codify emotions through the muscles involved and the intensity of the movements.</a:t>
-            </a:r>
-          </a:p>
-          <a:p>
+              <a:t>AUs can be used to codify </a:t>
+            </a:r>
             <a:r>
               <a:rPr lang="en-US" dirty="0" smtClean="0"/>
-              <a:t>Facial Action Coding System manual</a:t>
-            </a:r>
-            <a:br>
+              <a:t>emotions and expressions </a:t>
+            </a:r>
+            <a:r>
               <a:rPr lang="en-US" dirty="0" smtClean="0"/>
-            </a:br>
+              <a:t>through the muscles involved and the intensity of the movements</a:t>
+            </a:r>
             <a:r>
               <a:rPr lang="en-US" dirty="0" smtClean="0"/>
-              <a:t>for such classification</a:t>
-            </a:r>
-          </a:p>
-          <a:p>
+              <a:t>.</a:t>
+            </a:r>
             <a:endParaRPr lang="en-US" dirty="0"/>
           </a:p>
         </p:txBody>
@@ -13148,7 +14335,7 @@
           </p:cNvPicPr>
           <p:nvPr/>
         </p:nvPicPr>
-        <p:blipFill>
+        <p:blipFill rotWithShape="1">
           <a:blip r:embed="rId3">
             <a:extLst>
               <a:ext uri="{28A0092B-C50C-407E-A947-70E740481C1C}">
@@ -13156,14 +14343,13 @@
               </a:ext>
             </a:extLst>
           </a:blip>
-          <a:stretch>
-            <a:fillRect/>
-          </a:stretch>
+          <a:srcRect l="1397" t="7689" r="2180"/>
+          <a:stretch/>
         </p:blipFill>
         <p:spPr>
           <a:xfrm>
-            <a:off x="4932040" y="1153486"/>
-            <a:ext cx="4113702" cy="2242970"/>
+            <a:off x="3491881" y="3212976"/>
+            <a:ext cx="4968552" cy="2593528"/>
           </a:xfrm>
           <a:prstGeom prst="rect">
             <a:avLst/>
@@ -13670,9 +14856,81 @@
           <a:p>
             <a:r>
               <a:rPr lang="en-US" dirty="0" smtClean="0"/>
-              <a:t>Architecture</a:t>
+              <a:t>Facial Landmark Detection</a:t>
             </a:r>
             <a:endParaRPr lang="en-US" dirty="0"/>
+          </a:p>
+        </p:txBody>
+      </p:sp>
+      <p:sp>
+        <p:nvSpPr>
+          <p:cNvPr id="3" name="Content Placeholder 2"/>
+          <p:cNvSpPr>
+            <a:spLocks noGrp="1"/>
+          </p:cNvSpPr>
+          <p:nvPr>
+            <p:ph idx="1"/>
+          </p:nvPr>
+        </p:nvSpPr>
+        <p:spPr>
+          <a:xfrm>
+            <a:off x="1116013" y="1203672"/>
+            <a:ext cx="7559675" cy="4385568"/>
+          </a:xfrm>
+        </p:spPr>
+        <p:txBody>
+          <a:bodyPr/>
+          <a:lstStyle/>
+          <a:p>
+            <a:r>
+              <a:rPr lang="en-US" i="1" dirty="0"/>
+              <a:t>Model based </a:t>
+            </a:r>
+            <a:r>
+              <a:rPr lang="en-US" dirty="0" smtClean="0"/>
+              <a:t>approach models </a:t>
+            </a:r>
+            <a:r>
+              <a:rPr lang="en-US" dirty="0"/>
+              <a:t>both appearance and shape of facial landmarks explicitly with the </a:t>
+            </a:r>
+            <a:r>
+              <a:rPr lang="en-US" dirty="0" smtClean="0"/>
+              <a:t>latter constraining </a:t>
+            </a:r>
+            <a:r>
+              <a:rPr lang="en-US" dirty="0"/>
+              <a:t>the search space and providing a form of </a:t>
+            </a:r>
+            <a:r>
+              <a:rPr lang="en-US" dirty="0" smtClean="0"/>
+              <a:t>regularization</a:t>
+            </a:r>
+            <a:endParaRPr lang="en-US" dirty="0" smtClean="0"/>
+          </a:p>
+          <a:p>
+            <a:r>
+              <a:rPr lang="en-US" dirty="0" smtClean="0"/>
+              <a:t>Two </a:t>
+            </a:r>
+            <a:r>
+              <a:rPr lang="en-US" dirty="0" smtClean="0"/>
+              <a:t>Phases:</a:t>
+            </a:r>
+          </a:p>
+          <a:p>
+            <a:pPr lvl="1"/>
+            <a:r>
+              <a:rPr lang="en-US" dirty="0" smtClean="0"/>
+              <a:t>Response map computation using Convolutional Experts Network</a:t>
+            </a:r>
+          </a:p>
+          <a:p>
+            <a:pPr lvl="1"/>
+            <a:r>
+              <a:rPr lang="en-US" dirty="0" smtClean="0"/>
+              <a:t>Shape parameter update</a:t>
+            </a:r>
           </a:p>
         </p:txBody>
       </p:sp>
@@ -13766,64 +15024,32 @@
       </p:sp>
       <p:pic>
         <p:nvPicPr>
-          <p:cNvPr id="8" name="Immagine 1"/>
+          <p:cNvPr id="7" name="Picture 6"/>
           <p:cNvPicPr>
-            <a:picLocks noGrp="1" noChangeAspect="1"/>
+            <a:picLocks noChangeAspect="1"/>
           </p:cNvPicPr>
-          <p:nvPr>
-            <p:ph idx="1"/>
-          </p:nvPr>
+          <p:nvPr/>
         </p:nvPicPr>
         <p:blipFill>
-          <a:blip r:embed="rId3">
-            <a:extLst>
-              <a:ext uri="{28A0092B-C50C-407E-A947-70E740481C1C}">
-                <a14:useLocalDpi xmlns:a14="http://schemas.microsoft.com/office/drawing/2010/main" val="0"/>
-              </a:ext>
-            </a:extLst>
-          </a:blip>
-          <a:srcRect/>
+          <a:blip r:embed="rId3"/>
           <a:stretch>
             <a:fillRect/>
           </a:stretch>
         </p:blipFill>
-        <p:spPr bwMode="auto">
+        <p:spPr>
           <a:xfrm>
-            <a:off x="1623089" y="1203325"/>
-            <a:ext cx="6545523" cy="4386263"/>
+            <a:off x="2628528" y="4376564"/>
+            <a:ext cx="4534643" cy="1534247"/>
           </a:xfrm>
           <a:prstGeom prst="rect">
             <a:avLst/>
           </a:prstGeom>
-          <a:noFill/>
-          <a:ln>
-            <a:noFill/>
-          </a:ln>
-          <a:extLst>
-            <a:ext uri="{909E8E84-426E-40DD-AFC4-6F175D3DCCD1}">
-              <a14:hiddenFill xmlns:a14="http://schemas.microsoft.com/office/drawing/2010/main">
-                <a:solidFill>
-                  <a:srgbClr val="FFFFFF"/>
-                </a:solidFill>
-              </a14:hiddenFill>
-            </a:ext>
-            <a:ext uri="{91240B29-F687-4F45-9708-019B960494DF}">
-              <a14:hiddenLine xmlns:a14="http://schemas.microsoft.com/office/drawing/2010/main" w="9525">
-                <a:solidFill>
-                  <a:srgbClr val="000000"/>
-                </a:solidFill>
-                <a:miter lim="800000"/>
-                <a:headEnd/>
-                <a:tailEnd/>
-              </a14:hiddenLine>
-            </a:ext>
-          </a:extLst>
         </p:spPr>
       </p:pic>
     </p:spTree>
     <p:extLst>
       <p:ext uri="{BB962C8B-B14F-4D97-AF65-F5344CB8AC3E}">
-        <p14:creationId xmlns:p14="http://schemas.microsoft.com/office/powerpoint/2010/main" val="269233549"/>
+        <p14:creationId xmlns:p14="http://schemas.microsoft.com/office/powerpoint/2010/main" val="2006325038"/>
       </p:ext>
     </p:extLst>
   </p:cSld>

--- a/Tesi Emanuele Orfanelli 1383726.pptx
+++ b/Tesi Emanuele Orfanelli 1383726.pptx
@@ -1565,12 +1565,84 @@
             </a:r>
             <a:r>
               <a:rPr lang="en-US" dirty="0" smtClean="0"/>
-              <a:t> I landmark…</a:t>
-            </a:r>
-          </a:p>
-          <a:p>
-            <a:r>
-              <a:rPr lang="en-US" smtClean="0"/>
+              <a:t> I landmark, per </a:t>
+            </a:r>
+            <a:r>
+              <a:rPr lang="en-US" dirty="0" err="1" smtClean="0"/>
+              <a:t>procedere</a:t>
+            </a:r>
+            <a:r>
+              <a:rPr lang="en-US" baseline="0" dirty="0" smtClean="0"/>
+              <a:t> </a:t>
+            </a:r>
+            <a:r>
+              <a:rPr lang="en-US" baseline="0" dirty="0" err="1" smtClean="0"/>
+              <a:t>alla</a:t>
+            </a:r>
+            <a:r>
+              <a:rPr lang="en-US" baseline="0" dirty="0" smtClean="0"/>
+              <a:t> </a:t>
+            </a:r>
+            <a:r>
+              <a:rPr lang="en-US" baseline="0" dirty="0" err="1" smtClean="0"/>
+              <a:t>fase</a:t>
+            </a:r>
+            <a:r>
+              <a:rPr lang="en-US" baseline="0" dirty="0" smtClean="0"/>
+              <a:t> di </a:t>
+            </a:r>
+            <a:r>
+              <a:rPr lang="en-US" baseline="0" dirty="0" err="1" smtClean="0"/>
+              <a:t>estrazione</a:t>
+            </a:r>
+            <a:r>
+              <a:rPr lang="en-US" baseline="0" dirty="0" smtClean="0"/>
+              <a:t> </a:t>
+            </a:r>
+            <a:r>
+              <a:rPr lang="en-US" baseline="0" dirty="0" err="1" smtClean="0"/>
+              <a:t>delle</a:t>
+            </a:r>
+            <a:r>
+              <a:rPr lang="en-US" baseline="0" dirty="0" smtClean="0"/>
+              <a:t> feature, ci e’ utile </a:t>
+            </a:r>
+            <a:r>
+              <a:rPr lang="en-US" baseline="0" dirty="0" err="1" smtClean="0"/>
+              <a:t>allineare</a:t>
+            </a:r>
+            <a:r>
+              <a:rPr lang="en-US" baseline="0" dirty="0" smtClean="0"/>
+              <a:t> </a:t>
+            </a:r>
+            <a:r>
+              <a:rPr lang="en-US" baseline="0" dirty="0" err="1" smtClean="0"/>
+              <a:t>l’immagine</a:t>
+            </a:r>
+            <a:r>
+              <a:rPr lang="en-US" baseline="0" dirty="0" smtClean="0"/>
+              <a:t> ad </a:t>
+            </a:r>
+            <a:r>
+              <a:rPr lang="en-US" baseline="0" dirty="0" err="1" smtClean="0"/>
+              <a:t>una</a:t>
+            </a:r>
+            <a:r>
+              <a:rPr lang="en-US" baseline="0" dirty="0" smtClean="0"/>
+              <a:t> frame di reference </a:t>
+            </a:r>
+            <a:r>
+              <a:rPr lang="en-US" baseline="0" dirty="0" err="1" smtClean="0"/>
+              <a:t>frontale</a:t>
+            </a:r>
+            <a:r>
+              <a:rPr lang="en-US" dirty="0" smtClean="0"/>
+              <a:t>…</a:t>
+            </a:r>
+          </a:p>
+          <a:p>
+            <a:r>
+              <a:rPr lang="en-US" dirty="0" smtClean="0"/>
               <a:t>REVIEW THIS SLIDE</a:t>
             </a:r>
             <a:endParaRPr lang="en-US" dirty="0"/>
@@ -1664,8 +1736,316 @@
           <a:lstStyle/>
           <a:p>
             <a:r>
+              <a:rPr lang="en-US" dirty="0" err="1" smtClean="0"/>
+              <a:t>Una</a:t>
+            </a:r>
+            <a:r>
               <a:rPr lang="en-US" dirty="0" smtClean="0"/>
-              <a:t>There are two kind of features: appearance and geometry….</a:t>
+              <a:t> </a:t>
+            </a:r>
+            <a:r>
+              <a:rPr lang="en-US" dirty="0" err="1" smtClean="0"/>
+              <a:t>volta</a:t>
+            </a:r>
+            <a:r>
+              <a:rPr lang="en-US" dirty="0" smtClean="0"/>
+              <a:t> </a:t>
+            </a:r>
+            <a:r>
+              <a:rPr lang="en-US" dirty="0" err="1" smtClean="0"/>
+              <a:t>allineata</a:t>
+            </a:r>
+            <a:r>
+              <a:rPr lang="en-US" dirty="0" smtClean="0"/>
+              <a:t> </a:t>
+            </a:r>
+            <a:r>
+              <a:rPr lang="en-US" dirty="0" err="1" smtClean="0"/>
+              <a:t>l’immagine</a:t>
+            </a:r>
+            <a:r>
+              <a:rPr lang="en-US" dirty="0" smtClean="0"/>
+              <a:t> </a:t>
+            </a:r>
+            <a:r>
+              <a:rPr lang="en-US" dirty="0" err="1" smtClean="0"/>
+              <a:t>procediamo</a:t>
+            </a:r>
+            <a:r>
+              <a:rPr lang="en-US" dirty="0" smtClean="0"/>
+              <a:t> </a:t>
+            </a:r>
+            <a:r>
+              <a:rPr lang="en-US" dirty="0" err="1" smtClean="0"/>
+              <a:t>all’estrazione</a:t>
+            </a:r>
+            <a:r>
+              <a:rPr lang="en-US" dirty="0" smtClean="0"/>
+              <a:t> </a:t>
+            </a:r>
+            <a:r>
+              <a:rPr lang="en-US" dirty="0" err="1" smtClean="0"/>
+              <a:t>delle</a:t>
+            </a:r>
+            <a:r>
+              <a:rPr lang="en-US" dirty="0" smtClean="0"/>
+              <a:t> feature.</a:t>
+            </a:r>
+          </a:p>
+          <a:p>
+            <a:r>
+              <a:rPr lang="en-US" dirty="0" smtClean="0"/>
+              <a:t>Ci</a:t>
+            </a:r>
+            <a:r>
+              <a:rPr lang="en-US" baseline="0" dirty="0" smtClean="0"/>
+              <a:t> </a:t>
+            </a:r>
+            <a:r>
+              <a:rPr lang="en-US" baseline="0" dirty="0" err="1" smtClean="0"/>
+              <a:t>sono</a:t>
+            </a:r>
+            <a:r>
+              <a:rPr lang="en-US" baseline="0" dirty="0" smtClean="0"/>
+              <a:t> due tipi di features </a:t>
+            </a:r>
+            <a:r>
+              <a:rPr lang="en-US" baseline="0" dirty="0" err="1" smtClean="0"/>
+              <a:t>che</a:t>
+            </a:r>
+            <a:r>
+              <a:rPr lang="en-US" baseline="0" dirty="0" smtClean="0"/>
+              <a:t> </a:t>
+            </a:r>
+            <a:r>
+              <a:rPr lang="en-US" baseline="0" dirty="0" err="1" smtClean="0"/>
+              <a:t>estraiamo</a:t>
+            </a:r>
+            <a:r>
+              <a:rPr lang="en-US" baseline="0" dirty="0" smtClean="0"/>
+              <a:t>: appearance features e geometry features.</a:t>
+            </a:r>
+          </a:p>
+          <a:p>
+            <a:r>
+              <a:rPr lang="en-US" baseline="0" dirty="0" smtClean="0"/>
+              <a:t>Le </a:t>
+            </a:r>
+            <a:r>
+              <a:rPr lang="en-US" baseline="0" dirty="0" err="1" smtClean="0"/>
+              <a:t>appeareance</a:t>
+            </a:r>
+            <a:r>
+              <a:rPr lang="en-US" baseline="0" dirty="0" smtClean="0"/>
+              <a:t> features </a:t>
+            </a:r>
+            <a:r>
+              <a:rPr lang="en-US" baseline="0" dirty="0" err="1" smtClean="0"/>
+              <a:t>vengono</a:t>
+            </a:r>
+            <a:r>
+              <a:rPr lang="en-US" baseline="0" dirty="0" smtClean="0"/>
+              <a:t> </a:t>
+            </a:r>
+            <a:r>
+              <a:rPr lang="en-US" baseline="0" dirty="0" err="1" smtClean="0"/>
+              <a:t>estratte</a:t>
+            </a:r>
+            <a:r>
+              <a:rPr lang="en-US" baseline="0" dirty="0" smtClean="0"/>
+              <a:t> sotto forma di </a:t>
+            </a:r>
+            <a:r>
+              <a:rPr lang="en-US" baseline="0" dirty="0" err="1" smtClean="0"/>
+              <a:t>HoG</a:t>
+            </a:r>
+            <a:r>
+              <a:rPr lang="en-US" baseline="0" dirty="0" smtClean="0"/>
+              <a:t>, e </a:t>
+            </a:r>
+            <a:r>
+              <a:rPr lang="en-US" baseline="0" dirty="0" err="1" smtClean="0"/>
+              <a:t>utilizzando</a:t>
+            </a:r>
+            <a:r>
+              <a:rPr lang="en-US" baseline="0" dirty="0" smtClean="0"/>
+              <a:t> la PCA </a:t>
+            </a:r>
+            <a:r>
+              <a:rPr lang="en-US" baseline="0" dirty="0" err="1" smtClean="0"/>
+              <a:t>arriviamo</a:t>
+            </a:r>
+            <a:r>
+              <a:rPr lang="en-US" baseline="0" dirty="0" smtClean="0"/>
+              <a:t> ad </a:t>
+            </a:r>
+            <a:r>
+              <a:rPr lang="en-US" baseline="0" dirty="0" err="1" smtClean="0"/>
+              <a:t>avere</a:t>
+            </a:r>
+            <a:r>
+              <a:rPr lang="en-US" baseline="0" dirty="0" smtClean="0"/>
+              <a:t> un </a:t>
+            </a:r>
+            <a:r>
+              <a:rPr lang="en-US" baseline="0" dirty="0" err="1" smtClean="0"/>
+              <a:t>vettore</a:t>
+            </a:r>
+            <a:r>
+              <a:rPr lang="en-US" baseline="0" dirty="0" smtClean="0"/>
+              <a:t> di 1379 features</a:t>
+            </a:r>
+          </a:p>
+          <a:p>
+            <a:r>
+              <a:rPr lang="en-US" baseline="0" dirty="0" smtClean="0"/>
+              <a:t>Le geometry features </a:t>
+            </a:r>
+            <a:r>
+              <a:rPr lang="en-US" baseline="0" dirty="0" err="1" smtClean="0"/>
+              <a:t>invece</a:t>
+            </a:r>
+            <a:r>
+              <a:rPr lang="en-US" baseline="0" dirty="0" smtClean="0"/>
+              <a:t> </a:t>
+            </a:r>
+            <a:r>
+              <a:rPr lang="en-US" baseline="0" dirty="0" err="1" smtClean="0"/>
+              <a:t>dipendono</a:t>
+            </a:r>
+            <a:r>
+              <a:rPr lang="en-US" baseline="0" dirty="0" smtClean="0"/>
+              <a:t> </a:t>
+            </a:r>
+            <a:r>
+              <a:rPr lang="en-US" baseline="0" dirty="0" err="1" smtClean="0"/>
+              <a:t>dalla</a:t>
+            </a:r>
+            <a:r>
+              <a:rPr lang="en-US" baseline="0" dirty="0" smtClean="0"/>
+              <a:t> </a:t>
+            </a:r>
+            <a:r>
+              <a:rPr lang="en-US" baseline="0" dirty="0" err="1" smtClean="0"/>
+              <a:t>posizione</a:t>
+            </a:r>
+            <a:r>
+              <a:rPr lang="en-US" baseline="0" dirty="0" smtClean="0"/>
+              <a:t> </a:t>
+            </a:r>
+            <a:r>
+              <a:rPr lang="en-US" baseline="0" dirty="0" err="1" smtClean="0"/>
+              <a:t>dei</a:t>
+            </a:r>
+            <a:r>
+              <a:rPr lang="en-US" baseline="0" dirty="0" smtClean="0"/>
+              <a:t> landmark e </a:t>
+            </a:r>
+            <a:r>
+              <a:rPr lang="en-US" baseline="0" dirty="0" err="1" smtClean="0"/>
+              <a:t>dai</a:t>
+            </a:r>
+            <a:r>
+              <a:rPr lang="en-US" baseline="0" dirty="0" smtClean="0"/>
+              <a:t> </a:t>
+            </a:r>
+            <a:r>
+              <a:rPr lang="en-US" baseline="0" dirty="0" err="1" smtClean="0"/>
+              <a:t>parametri</a:t>
+            </a:r>
+            <a:r>
+              <a:rPr lang="en-US" baseline="0" dirty="0" smtClean="0"/>
+              <a:t> del PDM </a:t>
+            </a:r>
+            <a:r>
+              <a:rPr lang="en-US" baseline="0" dirty="0" err="1" smtClean="0"/>
+              <a:t>usato</a:t>
+            </a:r>
+            <a:r>
+              <a:rPr lang="en-US" baseline="0" dirty="0" smtClean="0"/>
+              <a:t> </a:t>
+            </a:r>
+            <a:r>
+              <a:rPr lang="en-US" baseline="0" dirty="0" err="1" smtClean="0"/>
+              <a:t>nella</a:t>
+            </a:r>
+            <a:r>
+              <a:rPr lang="en-US" baseline="0" dirty="0" smtClean="0"/>
+              <a:t> </a:t>
+            </a:r>
+            <a:r>
+              <a:rPr lang="en-US" baseline="0" dirty="0" err="1" smtClean="0"/>
+              <a:t>seconda</a:t>
+            </a:r>
+            <a:r>
+              <a:rPr lang="en-US" baseline="0" dirty="0" smtClean="0"/>
+              <a:t> </a:t>
+            </a:r>
+            <a:r>
+              <a:rPr lang="en-US" baseline="0" dirty="0" err="1" smtClean="0"/>
+              <a:t>fase</a:t>
+            </a:r>
+            <a:r>
+              <a:rPr lang="en-US" baseline="0" dirty="0" smtClean="0"/>
+              <a:t> </a:t>
+            </a:r>
+            <a:r>
+              <a:rPr lang="en-US" baseline="0" dirty="0" err="1" smtClean="0"/>
+              <a:t>della</a:t>
+            </a:r>
+            <a:r>
+              <a:rPr lang="en-US" baseline="0" dirty="0" smtClean="0"/>
+              <a:t> landmark detection</a:t>
+            </a:r>
+          </a:p>
+          <a:p>
+            <a:r>
+              <a:rPr lang="en-US" baseline="0" dirty="0" err="1" smtClean="0"/>
+              <a:t>Arriviamo</a:t>
+            </a:r>
+            <a:r>
+              <a:rPr lang="en-US" baseline="0" dirty="0" smtClean="0"/>
+              <a:t> </a:t>
+            </a:r>
+            <a:r>
+              <a:rPr lang="en-US" baseline="0" dirty="0" err="1" smtClean="0"/>
+              <a:t>cosi</a:t>
+            </a:r>
+            <a:r>
+              <a:rPr lang="en-US" baseline="0" dirty="0" smtClean="0"/>
+              <a:t>’ ad un </a:t>
+            </a:r>
+            <a:r>
+              <a:rPr lang="en-US" baseline="0" dirty="0" err="1" smtClean="0"/>
+              <a:t>totale</a:t>
+            </a:r>
+            <a:r>
+              <a:rPr lang="en-US" baseline="0" dirty="0" smtClean="0"/>
+              <a:t> di 1606 features </a:t>
+            </a:r>
+            <a:r>
+              <a:rPr lang="en-US" baseline="0" dirty="0" err="1" smtClean="0"/>
+              <a:t>che</a:t>
+            </a:r>
+            <a:r>
+              <a:rPr lang="en-US" baseline="0" dirty="0" smtClean="0"/>
+              <a:t> </a:t>
+            </a:r>
+            <a:r>
+              <a:rPr lang="en-US" baseline="0" dirty="0" err="1" smtClean="0"/>
+              <a:t>descrivono</a:t>
+            </a:r>
+            <a:r>
+              <a:rPr lang="en-US" baseline="0" dirty="0" smtClean="0"/>
+              <a:t> la </a:t>
+            </a:r>
+            <a:r>
+              <a:rPr lang="en-US" baseline="0" dirty="0" err="1" smtClean="0"/>
+              <a:t>faccia</a:t>
+            </a:r>
+            <a:r>
+              <a:rPr lang="en-US" baseline="0" dirty="0" smtClean="0"/>
+              <a:t>.</a:t>
             </a:r>
             <a:endParaRPr lang="en-US" dirty="0"/>
           </a:p>
@@ -1757,6 +2137,188 @@
           <a:bodyPr/>
           <a:lstStyle/>
           <a:p>
+            <a:r>
+              <a:rPr lang="en-US" dirty="0" err="1" smtClean="0"/>
+              <a:t>Una</a:t>
+            </a:r>
+            <a:r>
+              <a:rPr lang="en-US" baseline="0" dirty="0" smtClean="0"/>
+              <a:t> </a:t>
+            </a:r>
+            <a:r>
+              <a:rPr lang="en-US" baseline="0" dirty="0" err="1" smtClean="0"/>
+              <a:t>volta</a:t>
+            </a:r>
+            <a:r>
+              <a:rPr lang="en-US" baseline="0" dirty="0" smtClean="0"/>
+              <a:t> </a:t>
+            </a:r>
+            <a:r>
+              <a:rPr lang="en-US" baseline="0" dirty="0" err="1" smtClean="0"/>
+              <a:t>che</a:t>
+            </a:r>
+            <a:r>
+              <a:rPr lang="en-US" baseline="0" dirty="0" smtClean="0"/>
+              <a:t> </a:t>
+            </a:r>
+            <a:r>
+              <a:rPr lang="en-US" baseline="0" dirty="0" err="1" smtClean="0"/>
+              <a:t>abbiamo</a:t>
+            </a:r>
+            <a:r>
+              <a:rPr lang="en-US" baseline="0" dirty="0" smtClean="0"/>
+              <a:t> </a:t>
+            </a:r>
+            <a:r>
+              <a:rPr lang="en-US" baseline="0" dirty="0" err="1" smtClean="0"/>
+              <a:t>questo</a:t>
+            </a:r>
+            <a:r>
+              <a:rPr lang="en-US" baseline="0" dirty="0" smtClean="0"/>
+              <a:t> </a:t>
+            </a:r>
+            <a:r>
+              <a:rPr lang="en-US" baseline="0" dirty="0" err="1" smtClean="0"/>
+              <a:t>vettore</a:t>
+            </a:r>
+            <a:r>
+              <a:rPr lang="en-US" baseline="0" dirty="0" smtClean="0"/>
+              <a:t> </a:t>
+            </a:r>
+            <a:r>
+              <a:rPr lang="en-US" baseline="0" dirty="0" err="1" smtClean="0"/>
+              <a:t>il</a:t>
+            </a:r>
+            <a:r>
+              <a:rPr lang="en-US" baseline="0" dirty="0" smtClean="0"/>
+              <a:t> </a:t>
+            </a:r>
+            <a:r>
+              <a:rPr lang="en-US" baseline="0" dirty="0" err="1" smtClean="0"/>
+              <a:t>passo</a:t>
+            </a:r>
+            <a:r>
+              <a:rPr lang="en-US" baseline="0" dirty="0" smtClean="0"/>
+              <a:t> successive e’ </a:t>
+            </a:r>
+            <a:r>
+              <a:rPr lang="en-US" baseline="0" dirty="0" err="1" smtClean="0"/>
+              <a:t>quello</a:t>
+            </a:r>
+            <a:r>
+              <a:rPr lang="en-US" baseline="0" dirty="0" smtClean="0"/>
+              <a:t> di </a:t>
+            </a:r>
+            <a:r>
+              <a:rPr lang="en-US" baseline="0" dirty="0" err="1" smtClean="0"/>
+              <a:t>identificare</a:t>
+            </a:r>
+            <a:r>
+              <a:rPr lang="en-US" baseline="0" dirty="0" smtClean="0"/>
+              <a:t> le AU e la </a:t>
+            </a:r>
+            <a:r>
+              <a:rPr lang="en-US" baseline="0" dirty="0" err="1" smtClean="0"/>
+              <a:t>loro</a:t>
+            </a:r>
+            <a:r>
+              <a:rPr lang="en-US" baseline="0" dirty="0" smtClean="0"/>
+              <a:t> </a:t>
+            </a:r>
+            <a:r>
+              <a:rPr lang="en-US" baseline="0" dirty="0" err="1" smtClean="0"/>
+              <a:t>intensita</a:t>
+            </a:r>
+            <a:r>
+              <a:rPr lang="en-US" baseline="0" dirty="0" smtClean="0"/>
+              <a:t>’.</a:t>
+            </a:r>
+          </a:p>
+          <a:p>
+            <a:r>
+              <a:rPr lang="en-US" baseline="0" dirty="0" smtClean="0"/>
+              <a:t>Per </a:t>
+            </a:r>
+            <a:r>
+              <a:rPr lang="en-US" baseline="0" dirty="0" err="1" smtClean="0"/>
+              <a:t>identificare</a:t>
+            </a:r>
+            <a:r>
+              <a:rPr lang="en-US" baseline="0" dirty="0" smtClean="0"/>
+              <a:t> le </a:t>
+            </a:r>
+            <a:r>
+              <a:rPr lang="en-US" baseline="0" dirty="0" err="1" smtClean="0"/>
+              <a:t>occorrenze</a:t>
+            </a:r>
+            <a:r>
+              <a:rPr lang="en-US" baseline="0" dirty="0" smtClean="0"/>
+              <a:t> </a:t>
+            </a:r>
+            <a:r>
+              <a:rPr lang="en-US" baseline="0" dirty="0" err="1" smtClean="0"/>
+              <a:t>delle</a:t>
+            </a:r>
+            <a:r>
+              <a:rPr lang="en-US" baseline="0" dirty="0" smtClean="0"/>
+              <a:t> AU </a:t>
+            </a:r>
+            <a:r>
+              <a:rPr lang="en-US" baseline="0" dirty="0" err="1" smtClean="0"/>
+              <a:t>utilizziamo</a:t>
+            </a:r>
+            <a:r>
+              <a:rPr lang="en-US" baseline="0" dirty="0" smtClean="0"/>
+              <a:t> un SVM, </a:t>
+            </a:r>
+            <a:r>
+              <a:rPr lang="en-US" baseline="0" dirty="0" err="1" smtClean="0"/>
+              <a:t>mentre</a:t>
+            </a:r>
+            <a:r>
+              <a:rPr lang="en-US" baseline="0" dirty="0" smtClean="0"/>
+              <a:t> per </a:t>
+            </a:r>
+            <a:r>
+              <a:rPr lang="en-US" baseline="0" dirty="0" err="1" smtClean="0"/>
+              <a:t>stimarne</a:t>
+            </a:r>
+            <a:r>
+              <a:rPr lang="en-US" baseline="0" dirty="0" smtClean="0"/>
+              <a:t> </a:t>
+            </a:r>
+            <a:r>
+              <a:rPr lang="en-US" baseline="0" dirty="0" err="1" smtClean="0"/>
+              <a:t>l’intensita</a:t>
+            </a:r>
+            <a:r>
+              <a:rPr lang="en-US" baseline="0" dirty="0" smtClean="0"/>
+              <a:t>’ un SVR. In </a:t>
+            </a:r>
+            <a:r>
+              <a:rPr lang="en-US" baseline="0" dirty="0" err="1" smtClean="0"/>
+              <a:t>ambedue</a:t>
+            </a:r>
+            <a:r>
+              <a:rPr lang="en-US" baseline="0" dirty="0" smtClean="0"/>
+              <a:t> I </a:t>
+            </a:r>
+            <a:r>
+              <a:rPr lang="en-US" baseline="0" dirty="0" err="1" smtClean="0"/>
+              <a:t>casi</a:t>
+            </a:r>
+            <a:r>
+              <a:rPr lang="en-US" baseline="0" dirty="0" smtClean="0"/>
+              <a:t> </a:t>
+            </a:r>
+            <a:r>
+              <a:rPr lang="en-US" baseline="0" dirty="0" err="1" smtClean="0"/>
+              <a:t>utilizzano</a:t>
+            </a:r>
+            <a:r>
+              <a:rPr lang="en-US" baseline="0" dirty="0" smtClean="0"/>
+              <a:t> linear kernel.</a:t>
+            </a:r>
             <a:endParaRPr lang="en-US" dirty="0"/>
           </a:p>
         </p:txBody>
@@ -1848,25 +2410,41 @@
           <a:lstStyle/>
           <a:p>
             <a:r>
-              <a:rPr lang="en-US" dirty="0" smtClean="0"/>
-              <a:t>What are those dataset?</a:t>
-            </a:r>
-            <a:r>
-              <a:rPr lang="en-US" baseline="0" dirty="0" smtClean="0"/>
-              <a:t> Use full names:</a:t>
-            </a:r>
-          </a:p>
-          <a:p>
-            <a:r>
               <a:rPr lang="en-US" baseline="0" dirty="0" smtClean="0"/>
               <a:t>- </a:t>
             </a:r>
+            <a:r>
+              <a:rPr lang="en-US" sz="1200" b="0" i="0" kern="1200" dirty="0" smtClean="0">
+                <a:solidFill>
+                  <a:schemeClr val="tx1"/>
+                </a:solidFill>
+                <a:effectLst/>
+                <a:latin typeface="Arial" panose="020B0604020202020204" pitchFamily="34" charset="0"/>
+                <a:ea typeface="ＭＳ Ｐゴシック" panose="020B0600070205080204" pitchFamily="34" charset="-128"/>
+                <a:cs typeface="+mn-cs"/>
+              </a:rPr>
+              <a:t>Binghamton-Pittsburgh 3D Dynamic Spontaneous Facial Expression Database</a:t>
+            </a:r>
+            <a:endParaRPr lang="en-US" b="0" baseline="0" dirty="0" smtClean="0"/>
           </a:p>
           <a:p>
             <a:r>
               <a:rPr lang="en-US" baseline="0" dirty="0" smtClean="0"/>
               <a:t>- </a:t>
             </a:r>
+            <a:r>
+              <a:rPr lang="en-US" sz="1200" b="0" i="0" kern="1200" dirty="0" smtClean="0">
+                <a:solidFill>
+                  <a:schemeClr val="tx1"/>
+                </a:solidFill>
+                <a:effectLst/>
+                <a:latin typeface="Arial" panose="020B0604020202020204" pitchFamily="34" charset="0"/>
+                <a:ea typeface="ＭＳ Ｐゴシック" panose="020B0600070205080204" pitchFamily="34" charset="-128"/>
+                <a:cs typeface="+mn-cs"/>
+              </a:rPr>
+              <a:t>Denver Intensity of Spontaneous Facial Action Database </a:t>
+            </a:r>
+            <a:endParaRPr lang="en-US" b="0" baseline="0" dirty="0" smtClean="0"/>
           </a:p>
           <a:p>
             <a:r>
@@ -2074,11 +2652,259 @@
           <a:p>
             <a:r>
               <a:rPr lang="en-US" dirty="0" smtClean="0"/>
-              <a:t>“Work on cutting…” keep it? Say</a:t>
-            </a:r>
-            <a:r>
-              <a:rPr lang="en-US" baseline="0" dirty="0" smtClean="0"/>
-              <a:t> it better? How much to talk about it?</a:t>
+              <a:t>Il dataset </a:t>
+            </a:r>
+            <a:r>
+              <a:rPr lang="en-US" dirty="0" err="1" smtClean="0"/>
+              <a:t>che</a:t>
+            </a:r>
+            <a:r>
+              <a:rPr lang="en-US" baseline="0" dirty="0" smtClean="0"/>
+              <a:t> </a:t>
+            </a:r>
+            <a:r>
+              <a:rPr lang="en-US" baseline="0" dirty="0" err="1" smtClean="0"/>
+              <a:t>usiamo</a:t>
+            </a:r>
+            <a:r>
+              <a:rPr lang="en-US" baseline="0" dirty="0" smtClean="0"/>
+              <a:t> in input e’ </a:t>
+            </a:r>
+            <a:r>
+              <a:rPr lang="en-US" baseline="0" dirty="0" err="1" smtClean="0"/>
+              <a:t>composto</a:t>
+            </a:r>
+            <a:r>
+              <a:rPr lang="en-US" baseline="0" dirty="0" smtClean="0"/>
+              <a:t> da video di </a:t>
+            </a:r>
+            <a:r>
+              <a:rPr lang="en-US" baseline="0" dirty="0" err="1" smtClean="0"/>
+              <a:t>veri</a:t>
+            </a:r>
+            <a:r>
+              <a:rPr lang="en-US" baseline="0" dirty="0" smtClean="0"/>
+              <a:t> e </a:t>
+            </a:r>
+            <a:r>
+              <a:rPr lang="en-US" baseline="0" dirty="0" err="1" smtClean="0"/>
+              <a:t>propri</a:t>
+            </a:r>
+            <a:r>
+              <a:rPr lang="en-US" baseline="0" dirty="0" smtClean="0"/>
+              <a:t> </a:t>
+            </a:r>
+            <a:r>
+              <a:rPr lang="en-US" baseline="0" dirty="0" err="1" smtClean="0"/>
+              <a:t>processi</a:t>
+            </a:r>
+            <a:r>
+              <a:rPr lang="en-US" baseline="0" dirty="0" smtClean="0"/>
+              <a:t>. </a:t>
+            </a:r>
+            <a:r>
+              <a:rPr lang="en-US" baseline="0" dirty="0" err="1" smtClean="0"/>
+              <a:t>Questo</a:t>
+            </a:r>
+            <a:r>
+              <a:rPr lang="en-US" baseline="0" dirty="0" smtClean="0"/>
+              <a:t> e’ </a:t>
+            </a:r>
+            <a:r>
+              <a:rPr lang="en-US" baseline="0" dirty="0" err="1" smtClean="0"/>
+              <a:t>fondamentale</a:t>
+            </a:r>
+            <a:r>
+              <a:rPr lang="en-US" baseline="0" dirty="0" smtClean="0"/>
+              <a:t> in </a:t>
+            </a:r>
+            <a:r>
+              <a:rPr lang="en-US" baseline="0" dirty="0" err="1" smtClean="0"/>
+              <a:t>quanto</a:t>
+            </a:r>
+            <a:r>
+              <a:rPr lang="en-US" baseline="0" dirty="0" smtClean="0"/>
+              <a:t> in </a:t>
+            </a:r>
+            <a:r>
+              <a:rPr lang="en-US" baseline="0" dirty="0" err="1" smtClean="0"/>
+              <a:t>molti</a:t>
+            </a:r>
+            <a:r>
+              <a:rPr lang="en-US" baseline="0" dirty="0" smtClean="0"/>
+              <a:t> </a:t>
+            </a:r>
+            <a:r>
+              <a:rPr lang="en-US" baseline="0" dirty="0" err="1" smtClean="0"/>
+              <a:t>studi</a:t>
+            </a:r>
+            <a:r>
+              <a:rPr lang="en-US" baseline="0" dirty="0" smtClean="0"/>
+              <a:t> </a:t>
+            </a:r>
+            <a:r>
+              <a:rPr lang="en-US" baseline="0" dirty="0" err="1" smtClean="0"/>
+              <a:t>sul</a:t>
+            </a:r>
+            <a:r>
+              <a:rPr lang="en-US" baseline="0" dirty="0" smtClean="0"/>
+              <a:t> </a:t>
+            </a:r>
+            <a:r>
+              <a:rPr lang="en-US" baseline="0" dirty="0" err="1" smtClean="0"/>
+              <a:t>riconoscimento</a:t>
+            </a:r>
+            <a:r>
+              <a:rPr lang="en-US" baseline="0" dirty="0" smtClean="0"/>
+              <a:t> </a:t>
+            </a:r>
+            <a:r>
+              <a:rPr lang="en-US" baseline="0" dirty="0" err="1" smtClean="0"/>
+              <a:t>delle</a:t>
+            </a:r>
+            <a:r>
+              <a:rPr lang="en-US" baseline="0" dirty="0" smtClean="0"/>
+              <a:t> </a:t>
+            </a:r>
+            <a:r>
+              <a:rPr lang="en-US" baseline="0" dirty="0" err="1" smtClean="0"/>
+              <a:t>menzogne</a:t>
+            </a:r>
+            <a:r>
+              <a:rPr lang="en-US" baseline="0" dirty="0" smtClean="0"/>
+              <a:t> </a:t>
+            </a:r>
+            <a:r>
+              <a:rPr lang="en-US" baseline="0" dirty="0" err="1" smtClean="0"/>
+              <a:t>i</a:t>
+            </a:r>
+            <a:r>
+              <a:rPr lang="en-US" baseline="0" dirty="0" smtClean="0"/>
+              <a:t> video non </a:t>
+            </a:r>
+            <a:r>
+              <a:rPr lang="en-US" baseline="0" dirty="0" err="1" smtClean="0"/>
+              <a:t>sono</a:t>
+            </a:r>
+            <a:r>
+              <a:rPr lang="en-US" baseline="0" dirty="0" smtClean="0"/>
+              <a:t> </a:t>
+            </a:r>
+            <a:r>
+              <a:rPr lang="en-US" baseline="0" dirty="0" err="1" smtClean="0"/>
+              <a:t>spontanei</a:t>
+            </a:r>
+            <a:r>
+              <a:rPr lang="en-US" baseline="0" dirty="0" smtClean="0"/>
+              <a:t> ma </a:t>
+            </a:r>
+            <a:r>
+              <a:rPr lang="en-US" baseline="0" dirty="0" err="1" smtClean="0"/>
+              <a:t>viene</a:t>
+            </a:r>
+            <a:r>
+              <a:rPr lang="en-US" baseline="0" dirty="0" smtClean="0"/>
+              <a:t> </a:t>
+            </a:r>
+            <a:r>
+              <a:rPr lang="en-US" baseline="0" dirty="0" err="1" smtClean="0"/>
+              <a:t>chiesto</a:t>
+            </a:r>
+            <a:r>
+              <a:rPr lang="en-US" baseline="0" dirty="0" smtClean="0"/>
+              <a:t> </a:t>
+            </a:r>
+            <a:r>
+              <a:rPr lang="en-US" baseline="0" dirty="0" err="1" smtClean="0"/>
+              <a:t>ai</a:t>
+            </a:r>
+            <a:r>
+              <a:rPr lang="en-US" baseline="0" dirty="0" smtClean="0"/>
+              <a:t> </a:t>
+            </a:r>
+            <a:r>
+              <a:rPr lang="en-US" baseline="0" dirty="0" err="1" smtClean="0"/>
+              <a:t>soggetti</a:t>
+            </a:r>
+            <a:r>
+              <a:rPr lang="en-US" baseline="0" dirty="0" smtClean="0"/>
+              <a:t> di </a:t>
+            </a:r>
+            <a:r>
+              <a:rPr lang="en-US" baseline="0" dirty="0" err="1" smtClean="0"/>
+              <a:t>mentire</a:t>
+            </a:r>
+            <a:r>
+              <a:rPr lang="en-US" baseline="0" dirty="0" smtClean="0"/>
+              <a:t> </a:t>
+            </a:r>
+            <a:r>
+              <a:rPr lang="en-US" baseline="0" dirty="0" err="1" smtClean="0"/>
+              <a:t>spesso</a:t>
+            </a:r>
+            <a:r>
+              <a:rPr lang="en-US" baseline="0" dirty="0" smtClean="0"/>
+              <a:t> </a:t>
+            </a:r>
+            <a:r>
+              <a:rPr lang="en-US" baseline="0" dirty="0" err="1" smtClean="0"/>
+              <a:t>senza</a:t>
+            </a:r>
+            <a:r>
+              <a:rPr lang="en-US" baseline="0" dirty="0" smtClean="0"/>
+              <a:t> </a:t>
+            </a:r>
+            <a:r>
+              <a:rPr lang="en-US" baseline="0" dirty="0" err="1" smtClean="0"/>
+              <a:t>una</a:t>
+            </a:r>
+            <a:r>
+              <a:rPr lang="en-US" baseline="0" dirty="0" smtClean="0"/>
+              <a:t> forte </a:t>
+            </a:r>
+            <a:r>
+              <a:rPr lang="en-US" baseline="0" dirty="0" err="1" smtClean="0"/>
+              <a:t>motivazione</a:t>
+            </a:r>
+            <a:r>
+              <a:rPr lang="en-US" baseline="0" dirty="0" smtClean="0"/>
+              <a:t>. </a:t>
+            </a:r>
+            <a:endParaRPr lang="en-US" dirty="0" smtClean="0"/>
+          </a:p>
+          <a:p>
+            <a:endParaRPr lang="en-US" dirty="0" smtClean="0"/>
+          </a:p>
+          <a:p>
+            <a:r>
+              <a:rPr lang="en-US" dirty="0" smtClean="0"/>
+              <a:t>“</a:t>
+            </a:r>
+            <a:r>
+              <a:rPr lang="en-US" dirty="0" smtClean="0"/>
+              <a:t>Work on cutting…” keep it? Say</a:t>
+            </a:r>
+            <a:r>
+              <a:rPr lang="en-US" baseline="0" dirty="0" smtClean="0"/>
+              <a:t> it better? How much to talk about it</a:t>
+            </a:r>
+            <a:r>
+              <a:rPr lang="en-US" baseline="0" dirty="0" smtClean="0"/>
+              <a:t>?</a:t>
+            </a:r>
+          </a:p>
+          <a:p>
+            <a:r>
+              <a:rPr lang="en-US" baseline="0" dirty="0" smtClean="0"/>
+              <a:t>How many </a:t>
+            </a:r>
+            <a:r>
+              <a:rPr lang="en-US" baseline="0" dirty="0" err="1" smtClean="0"/>
+              <a:t>sbj</a:t>
+            </a:r>
+            <a:r>
+              <a:rPr lang="en-US" baseline="0" dirty="0" smtClean="0"/>
+              <a:t> in the train set? How many in the test set?</a:t>
             </a:r>
             <a:endParaRPr lang="en-US" dirty="0"/>
           </a:p>
@@ -3199,12 +4025,55 @@
           <a:p>
             <a:r>
               <a:rPr lang="en-US" dirty="0" smtClean="0"/>
-              <a:t>Security checks</a:t>
-            </a:r>
-            <a:r>
-              <a:rPr lang="en-US" baseline="0" dirty="0" smtClean="0"/>
-              <a:t> = </a:t>
-            </a:r>
+              <a:t>I </a:t>
+            </a:r>
+            <a:r>
+              <a:rPr lang="en-US" dirty="0" err="1" smtClean="0"/>
+              <a:t>possibili</a:t>
+            </a:r>
+            <a:r>
+              <a:rPr lang="en-US" dirty="0" smtClean="0"/>
+              <a:t> </a:t>
+            </a:r>
+            <a:r>
+              <a:rPr lang="en-US" dirty="0" err="1" smtClean="0"/>
+              <a:t>utilizzi</a:t>
+            </a:r>
+            <a:r>
+              <a:rPr lang="en-US" dirty="0" smtClean="0"/>
+              <a:t> per</a:t>
+            </a:r>
+            <a:r>
+              <a:rPr lang="en-US" baseline="0" dirty="0" smtClean="0"/>
+              <a:t> </a:t>
+            </a:r>
+            <a:r>
+              <a:rPr lang="en-US" baseline="0" dirty="0" err="1" smtClean="0"/>
+              <a:t>una</a:t>
+            </a:r>
+            <a:r>
+              <a:rPr lang="en-US" baseline="0" dirty="0" smtClean="0"/>
+              <a:t> tale </a:t>
+            </a:r>
+            <a:r>
+              <a:rPr lang="en-US" baseline="0" dirty="0" err="1" smtClean="0"/>
+              <a:t>tecnologia</a:t>
+            </a:r>
+            <a:r>
+              <a:rPr lang="en-US" baseline="0" dirty="0" smtClean="0"/>
+              <a:t> </a:t>
+            </a:r>
+            <a:r>
+              <a:rPr lang="en-US" baseline="0" dirty="0" err="1" smtClean="0"/>
+              <a:t>sono</a:t>
+            </a:r>
+            <a:r>
+              <a:rPr lang="en-US" baseline="0" dirty="0" smtClean="0"/>
+              <a:t>:</a:t>
+            </a:r>
+            <a:endParaRPr lang="en-US" dirty="0" smtClean="0"/>
+          </a:p>
+          <a:p>
             <a:r>
               <a:rPr lang="en-US" baseline="0" dirty="0" err="1" smtClean="0"/>
               <a:t>controlli</a:t>
@@ -3496,8 +4365,77 @@
             </a:r>
             <a:r>
               <a:rPr lang="en-US" baseline="0" dirty="0" smtClean="0"/>
-              <a:t>’:</a:t>
-            </a:r>
+              <a:t>’, </a:t>
+            </a:r>
+            <a:r>
+              <a:rPr lang="en-US" baseline="0" dirty="0" err="1" smtClean="0"/>
+              <a:t>alcuni</a:t>
+            </a:r>
+            <a:r>
+              <a:rPr lang="en-US" baseline="0" dirty="0" smtClean="0"/>
+              <a:t> </a:t>
+            </a:r>
+            <a:r>
+              <a:rPr lang="en-US" baseline="0" dirty="0" err="1" smtClean="0"/>
+              <a:t>invasivi</a:t>
+            </a:r>
+            <a:r>
+              <a:rPr lang="en-US" baseline="0" dirty="0" smtClean="0"/>
+              <a:t>, </a:t>
+            </a:r>
+            <a:r>
+              <a:rPr lang="en-US" baseline="0" dirty="0" err="1" smtClean="0"/>
+              <a:t>cioe</a:t>
+            </a:r>
+            <a:r>
+              <a:rPr lang="en-US" baseline="0" dirty="0" smtClean="0"/>
+              <a:t>’ in cui </a:t>
+            </a:r>
+            <a:r>
+              <a:rPr lang="en-US" baseline="0" dirty="0" err="1" smtClean="0"/>
+              <a:t>il</a:t>
+            </a:r>
+            <a:r>
+              <a:rPr lang="en-US" baseline="0" dirty="0" smtClean="0"/>
+              <a:t> </a:t>
+            </a:r>
+            <a:r>
+              <a:rPr lang="en-US" baseline="0" dirty="0" err="1" smtClean="0"/>
+              <a:t>soggetto</a:t>
+            </a:r>
+            <a:r>
+              <a:rPr lang="en-US" baseline="0" dirty="0" smtClean="0"/>
+              <a:t> </a:t>
+            </a:r>
+            <a:r>
+              <a:rPr lang="en-US" baseline="0" dirty="0" err="1" smtClean="0"/>
+              <a:t>deve</a:t>
+            </a:r>
+            <a:r>
+              <a:rPr lang="en-US" baseline="0" dirty="0" smtClean="0"/>
+              <a:t> </a:t>
+            </a:r>
+            <a:r>
+              <a:rPr lang="en-US" baseline="0" dirty="0" err="1" smtClean="0"/>
+              <a:t>essere</a:t>
+            </a:r>
+            <a:r>
+              <a:rPr lang="en-US" baseline="0" dirty="0" smtClean="0"/>
+              <a:t> a </a:t>
+            </a:r>
+            <a:r>
+              <a:rPr lang="en-US" baseline="0" dirty="0" err="1" smtClean="0"/>
+              <a:t>conoscenza</a:t>
+            </a:r>
+            <a:r>
+              <a:rPr lang="en-US" baseline="0" dirty="0" smtClean="0"/>
+              <a:t> e </a:t>
+            </a:r>
+            <a:r>
+              <a:rPr lang="en-US" baseline="0" dirty="0" err="1" smtClean="0"/>
+              <a:t>collaborare</a:t>
+            </a:r>
+            <a:endParaRPr lang="en-US" baseline="0" dirty="0" smtClean="0"/>
           </a:p>
           <a:p>
             <a:r>
@@ -3634,33 +4572,74 @@
           <a:bodyPr/>
           <a:lstStyle/>
           <a:p>
-            <a:pPr marL="171450" indent="-171450">
-              <a:buFontTx/>
-              <a:buChar char="-"/>
-            </a:pPr>
-            <a:r>
-              <a:rPr lang="en-US" dirty="0" smtClean="0"/>
-              <a:t>Can </a:t>
-            </a:r>
-            <a:r>
-              <a:rPr lang="en-US" dirty="0" smtClean="0"/>
-              <a:t>we identify</a:t>
-            </a:r>
-            <a:r>
-              <a:rPr lang="en-US" baseline="0" dirty="0" smtClean="0"/>
-              <a:t> a pattern for truth and lies by decomposing them into their fundamental muscle </a:t>
-            </a:r>
-            <a:r>
-              <a:rPr lang="en-US" baseline="0" dirty="0" smtClean="0"/>
-              <a:t>movements?</a:t>
-            </a:r>
-          </a:p>
-          <a:p>
             <a:pPr marL="0" indent="0">
               <a:buFontTx/>
               <a:buNone/>
             </a:pPr>
-            <a:endParaRPr lang="en-US" baseline="0" dirty="0" smtClean="0"/>
+            <a:r>
+              <a:rPr lang="en-US" baseline="0" dirty="0" err="1" smtClean="0"/>
+              <a:t>L’indicatore</a:t>
+            </a:r>
+            <a:r>
+              <a:rPr lang="en-US" baseline="0" dirty="0" smtClean="0"/>
+              <a:t> </a:t>
+            </a:r>
+            <a:r>
+              <a:rPr lang="en-US" baseline="0" dirty="0" err="1" smtClean="0"/>
+              <a:t>che</a:t>
+            </a:r>
+            <a:r>
+              <a:rPr lang="en-US" baseline="0" dirty="0" smtClean="0"/>
+              <a:t> </a:t>
+            </a:r>
+            <a:r>
+              <a:rPr lang="en-US" baseline="0" dirty="0" err="1" smtClean="0"/>
+              <a:t>abbiamo</a:t>
+            </a:r>
+            <a:r>
+              <a:rPr lang="en-US" baseline="0" dirty="0" smtClean="0"/>
+              <a:t> </a:t>
+            </a:r>
+            <a:r>
+              <a:rPr lang="en-US" baseline="0" dirty="0" err="1" smtClean="0"/>
+              <a:t>scelto</a:t>
+            </a:r>
+            <a:r>
+              <a:rPr lang="en-US" baseline="0" dirty="0" smtClean="0"/>
+              <a:t> di </a:t>
+            </a:r>
+            <a:r>
+              <a:rPr lang="en-US" baseline="0" dirty="0" err="1" smtClean="0"/>
+              <a:t>utilizzare</a:t>
+            </a:r>
+            <a:r>
+              <a:rPr lang="en-US" baseline="0" dirty="0" smtClean="0"/>
+              <a:t> per </a:t>
+            </a:r>
+            <a:r>
+              <a:rPr lang="en-US" baseline="0" dirty="0" err="1" smtClean="0"/>
+              <a:t>capire</a:t>
+            </a:r>
+            <a:r>
+              <a:rPr lang="en-US" baseline="0" dirty="0" smtClean="0"/>
+              <a:t> se </a:t>
+            </a:r>
+            <a:r>
+              <a:rPr lang="en-US" baseline="0" dirty="0" err="1" smtClean="0"/>
+              <a:t>una</a:t>
+            </a:r>
+            <a:r>
+              <a:rPr lang="en-US" baseline="0" dirty="0" smtClean="0"/>
+              <a:t> persona </a:t>
+            </a:r>
+            <a:r>
+              <a:rPr lang="en-US" baseline="0" dirty="0" err="1" smtClean="0"/>
+              <a:t>mente</a:t>
+            </a:r>
+            <a:r>
+              <a:rPr lang="en-US" baseline="0" dirty="0" smtClean="0"/>
+              <a:t>…</a:t>
+            </a:r>
           </a:p>
           <a:p>
             <a:pPr marL="0" indent="0">
@@ -3897,15 +4876,159 @@
           <a:p>
             <a:r>
               <a:rPr lang="en-US" dirty="0" err="1" smtClean="0"/>
-              <a:t>Decomporre</a:t>
-            </a:r>
-            <a:r>
-              <a:rPr lang="en-US" baseline="0" dirty="0" smtClean="0"/>
+              <a:t>Prendere</a:t>
+            </a:r>
+            <a:r>
+              <a:rPr lang="en-US" dirty="0" smtClean="0"/>
               <a:t> </a:t>
             </a:r>
             <a:r>
-              <a:rPr lang="en-US" baseline="0" dirty="0" err="1" smtClean="0"/>
-              <a:t>menzogne</a:t>
+              <a:rPr lang="en-US" dirty="0" err="1" smtClean="0"/>
+              <a:t>dei</a:t>
+            </a:r>
+            <a:r>
+              <a:rPr lang="en-US" dirty="0" smtClean="0"/>
+              <a:t> video in cui I </a:t>
+            </a:r>
+            <a:r>
+              <a:rPr lang="en-US" dirty="0" err="1" smtClean="0"/>
+              <a:t>soggetti</a:t>
+            </a:r>
+            <a:r>
+              <a:rPr lang="en-US" baseline="0" dirty="0" smtClean="0"/>
+              <a:t> </a:t>
+            </a:r>
+            <a:r>
+              <a:rPr lang="en-US" baseline="0" dirty="0" err="1" smtClean="0"/>
+              <a:t>mentono</a:t>
+            </a:r>
+            <a:r>
+              <a:rPr lang="en-US" baseline="0" dirty="0" smtClean="0"/>
+              <a:t> o </a:t>
+            </a:r>
+            <a:r>
+              <a:rPr lang="en-US" baseline="0" dirty="0" err="1" smtClean="0"/>
+              <a:t>dicono</a:t>
+            </a:r>
+            <a:r>
+              <a:rPr lang="en-US" baseline="0" dirty="0" smtClean="0"/>
+              <a:t> la </a:t>
+            </a:r>
+            <a:r>
+              <a:rPr lang="en-US" baseline="0" dirty="0" err="1" smtClean="0"/>
+              <a:t>verita</a:t>
+            </a:r>
+            <a:r>
+              <a:rPr lang="en-US" baseline="0" dirty="0" smtClean="0"/>
+              <a:t>’ </a:t>
+            </a:r>
+            <a:r>
+              <a:rPr lang="en-US" baseline="0" dirty="0" err="1" smtClean="0"/>
+              <a:t>ed</a:t>
+            </a:r>
+            <a:r>
+              <a:rPr lang="en-US" baseline="0" dirty="0" smtClean="0"/>
+              <a:t> </a:t>
+            </a:r>
+            <a:r>
+              <a:rPr lang="en-US" baseline="0" dirty="0" err="1" smtClean="0"/>
+              <a:t>estrarre</a:t>
+            </a:r>
+            <a:r>
+              <a:rPr lang="en-US" baseline="0" dirty="0" smtClean="0"/>
+              <a:t> le AU </a:t>
+            </a:r>
+            <a:r>
+              <a:rPr lang="en-US" baseline="0" dirty="0" err="1" smtClean="0"/>
+              <a:t>analizzando</a:t>
+            </a:r>
+            <a:r>
+              <a:rPr lang="en-US" baseline="0" dirty="0" smtClean="0"/>
+              <a:t> le </a:t>
+            </a:r>
+            <a:r>
+              <a:rPr lang="en-US" baseline="0" dirty="0" err="1" smtClean="0"/>
+              <a:t>facce</a:t>
+            </a:r>
+            <a:r>
+              <a:rPr lang="en-US" baseline="0" dirty="0" smtClean="0"/>
+              <a:t> </a:t>
+            </a:r>
+            <a:r>
+              <a:rPr lang="en-US" baseline="0" dirty="0" err="1" smtClean="0"/>
+              <a:t>dei</a:t>
+            </a:r>
+            <a:r>
+              <a:rPr lang="en-US" baseline="0" dirty="0" smtClean="0"/>
+              <a:t> </a:t>
+            </a:r>
+            <a:r>
+              <a:rPr lang="en-US" baseline="0" dirty="0" err="1" smtClean="0"/>
+              <a:t>soggetti</a:t>
+            </a:r>
+            <a:r>
+              <a:rPr lang="en-US" baseline="0" dirty="0" smtClean="0"/>
+              <a:t>, </a:t>
+            </a:r>
+            <a:r>
+              <a:rPr lang="en-US" baseline="0" dirty="0" err="1" smtClean="0"/>
+              <a:t>assumendo</a:t>
+            </a:r>
+            <a:r>
+              <a:rPr lang="en-US" baseline="0" dirty="0" smtClean="0"/>
+              <a:t> </a:t>
+            </a:r>
+            <a:r>
+              <a:rPr lang="en-US" baseline="0" dirty="0" err="1" smtClean="0"/>
+              <a:t>che</a:t>
+            </a:r>
+            <a:r>
+              <a:rPr lang="en-US" baseline="0" dirty="0" smtClean="0"/>
+              <a:t> un </a:t>
+            </a:r>
+            <a:r>
+              <a:rPr lang="en-US" baseline="0" dirty="0" err="1" smtClean="0"/>
+              <a:t>soggetto</a:t>
+            </a:r>
+            <a:r>
+              <a:rPr lang="en-US" baseline="0" dirty="0" smtClean="0"/>
+              <a:t> </a:t>
+            </a:r>
+            <a:r>
+              <a:rPr lang="en-US" baseline="0" dirty="0" err="1" smtClean="0"/>
+              <a:t>che</a:t>
+            </a:r>
+            <a:r>
+              <a:rPr lang="en-US" baseline="0" dirty="0" smtClean="0"/>
+              <a:t> </a:t>
+            </a:r>
+            <a:r>
+              <a:rPr lang="en-US" baseline="0" dirty="0" err="1" smtClean="0"/>
+              <a:t>mente</a:t>
+            </a:r>
+            <a:r>
+              <a:rPr lang="en-US" baseline="0" dirty="0" smtClean="0"/>
+              <a:t> </a:t>
+            </a:r>
+            <a:r>
+              <a:rPr lang="en-US" baseline="0" dirty="0" err="1" smtClean="0"/>
+              <a:t>utilizzi</a:t>
+            </a:r>
+            <a:r>
+              <a:rPr lang="en-US" baseline="0" dirty="0" smtClean="0"/>
+              <a:t> </a:t>
+            </a:r>
+            <a:r>
+              <a:rPr lang="en-US" baseline="0" dirty="0" err="1" smtClean="0"/>
+              <a:t>delle</a:t>
+            </a:r>
+            <a:r>
+              <a:rPr lang="en-US" baseline="0" dirty="0" smtClean="0"/>
+              <a:t> </a:t>
+            </a:r>
+            <a:r>
+              <a:rPr lang="en-US" baseline="0" dirty="0" err="1" smtClean="0"/>
+              <a:t>combinazioni</a:t>
             </a:r>
             <a:r>
               <a:rPr lang="en-US" baseline="0" dirty="0" smtClean="0"/>
@@ -3913,83 +5036,51 @@
             </a:r>
             <a:r>
               <a:rPr lang="en-US" baseline="0" dirty="0" err="1" smtClean="0"/>
+              <a:t>delle</a:t>
+            </a:r>
+            <a:r>
+              <a:rPr lang="en-US" baseline="0" dirty="0" smtClean="0"/>
+              <a:t> </a:t>
+            </a:r>
+            <a:r>
+              <a:rPr lang="en-US" baseline="0" dirty="0" err="1" smtClean="0"/>
+              <a:t>frequenze</a:t>
+            </a:r>
+            <a:r>
+              <a:rPr lang="en-US" baseline="0" dirty="0" smtClean="0"/>
+              <a:t> di AU </a:t>
+            </a:r>
+            <a:r>
+              <a:rPr lang="en-US" baseline="0" dirty="0" err="1" smtClean="0"/>
+              <a:t>differenti</a:t>
+            </a:r>
+            <a:r>
+              <a:rPr lang="en-US" baseline="0" dirty="0" smtClean="0"/>
+              <a:t> da </a:t>
+            </a:r>
+            <a:r>
+              <a:rPr lang="en-US" baseline="0" dirty="0" err="1" smtClean="0"/>
+              <a:t>uno</a:t>
+            </a:r>
+            <a:r>
+              <a:rPr lang="en-US" baseline="0" dirty="0" smtClean="0"/>
+              <a:t> </a:t>
+            </a:r>
+            <a:r>
+              <a:rPr lang="en-US" baseline="0" dirty="0" err="1" smtClean="0"/>
+              <a:t>che</a:t>
+            </a:r>
+            <a:r>
+              <a:rPr lang="en-US" baseline="0" dirty="0" smtClean="0"/>
+              <a:t> dice la </a:t>
+            </a:r>
+            <a:r>
+              <a:rPr lang="en-US" baseline="0" dirty="0" err="1" smtClean="0"/>
               <a:t>verita</a:t>
             </a:r>
             <a:r>
               <a:rPr lang="en-US" baseline="0" dirty="0" smtClean="0"/>
               <a:t>’ </a:t>
-            </a:r>
-            <a:r>
-              <a:rPr lang="en-US" baseline="0" dirty="0" err="1" smtClean="0"/>
-              <a:t>che</a:t>
-            </a:r>
-            <a:r>
-              <a:rPr lang="en-US" baseline="0" dirty="0" smtClean="0"/>
-              <a:t> </a:t>
-            </a:r>
-            <a:r>
-              <a:rPr lang="en-US" baseline="0" dirty="0" err="1" smtClean="0"/>
-              <a:t>troviamo</a:t>
-            </a:r>
-            <a:r>
-              <a:rPr lang="en-US" baseline="0" dirty="0" smtClean="0"/>
-              <a:t> </a:t>
-            </a:r>
-            <a:r>
-              <a:rPr lang="en-US" baseline="0" dirty="0" err="1" smtClean="0"/>
-              <a:t>nei</a:t>
-            </a:r>
-            <a:r>
-              <a:rPr lang="en-US" baseline="0" dirty="0" smtClean="0"/>
-              <a:t> video </a:t>
-            </a:r>
-            <a:r>
-              <a:rPr lang="en-US" baseline="0" dirty="0" err="1" smtClean="0"/>
-              <a:t>nelle</a:t>
-            </a:r>
-            <a:r>
-              <a:rPr lang="en-US" baseline="0" dirty="0" smtClean="0"/>
-              <a:t> Action Units </a:t>
-            </a:r>
-            <a:r>
-              <a:rPr lang="en-US" baseline="0" dirty="0" err="1" smtClean="0"/>
-              <a:t>utilizzate</a:t>
-            </a:r>
-            <a:r>
-              <a:rPr lang="en-US" baseline="0" dirty="0" smtClean="0"/>
-              <a:t> </a:t>
-            </a:r>
-            <a:r>
-              <a:rPr lang="en-US" baseline="0" dirty="0" err="1" smtClean="0"/>
-              <a:t>dai</a:t>
-            </a:r>
-            <a:r>
-              <a:rPr lang="en-US" baseline="0" dirty="0" smtClean="0"/>
-              <a:t> </a:t>
-            </a:r>
-            <a:r>
-              <a:rPr lang="en-US" baseline="0" dirty="0" err="1" smtClean="0"/>
-              <a:t>soggetti</a:t>
-            </a:r>
-            <a:r>
-              <a:rPr lang="en-US" baseline="0" dirty="0" smtClean="0"/>
-              <a:t> </a:t>
-            </a:r>
-            <a:r>
-              <a:rPr lang="en-US" baseline="0" dirty="0" err="1" smtClean="0"/>
-              <a:t>mentre</a:t>
-            </a:r>
-            <a:r>
-              <a:rPr lang="en-US" baseline="0" dirty="0" smtClean="0"/>
-              <a:t> le </a:t>
-            </a:r>
-            <a:r>
-              <a:rPr lang="en-US" baseline="0" dirty="0" err="1" smtClean="0"/>
-              <a:t>dicono</a:t>
-            </a:r>
-            <a:r>
-              <a:rPr lang="en-US" baseline="0" dirty="0" smtClean="0"/>
-              <a:t>.</a:t>
             </a:r>
             <a:endParaRPr lang="en-US" dirty="0"/>
           </a:p>
@@ -4237,11 +5328,7 @@
             </a:r>
             <a:r>
               <a:rPr lang="en-US" baseline="0" dirty="0" smtClean="0"/>
-              <a:t> skip it since I don’t know too much about this</a:t>
-            </a:r>
-            <a:r>
-              <a:rPr lang="en-US" baseline="0" dirty="0" smtClean="0"/>
-              <a:t>? Should I say I use OF for this? “we use a library…”</a:t>
+              <a:t> skip it since I don’t know too much about this? Should I say I use OF for this? “we use a library…”</a:t>
             </a:r>
           </a:p>
           <a:p>
@@ -4500,7 +5587,7 @@
               <a:pPr>
                 <a:defRPr/>
               </a:pPr>
-              <a:t>01/01/2019</a:t>
+              <a:t>05/01/2019</a:t>
             </a:fld>
             <a:endParaRPr lang="it-IT" altLang="it-IT"/>
           </a:p>
@@ -4727,7 +5814,7 @@
               <a:pPr>
                 <a:defRPr/>
               </a:pPr>
-              <a:t>01/01/2019</a:t>
+              <a:t>05/01/2019</a:t>
             </a:fld>
             <a:endParaRPr lang="it-IT" altLang="it-IT"/>
           </a:p>
@@ -4964,7 +6051,7 @@
               <a:pPr>
                 <a:defRPr/>
               </a:pPr>
-              <a:t>01/01/2019</a:t>
+              <a:t>05/01/2019</a:t>
             </a:fld>
             <a:endParaRPr lang="it-IT" altLang="it-IT"/>
           </a:p>
@@ -5257,7 +6344,7 @@
               <a:pPr>
                 <a:defRPr/>
               </a:pPr>
-              <a:t>01/01/2019</a:t>
+              <a:t>05/01/2019</a:t>
             </a:fld>
             <a:endParaRPr lang="it-IT" altLang="it-IT"/>
           </a:p>
@@ -5463,7 +6550,7 @@
               <a:pPr>
                 <a:defRPr/>
               </a:pPr>
-              <a:t>01/01/2019</a:t>
+              <a:t>05/01/2019</a:t>
             </a:fld>
             <a:endParaRPr lang="it-IT" altLang="it-IT"/>
           </a:p>
@@ -5669,7 +6756,7 @@
               <a:pPr>
                 <a:defRPr/>
               </a:pPr>
-              <a:t>01/01/2019</a:t>
+              <a:t>05/01/2019</a:t>
             </a:fld>
             <a:endParaRPr lang="it-IT" altLang="it-IT"/>
           </a:p>
@@ -5896,7 +6983,7 @@
               <a:pPr>
                 <a:defRPr/>
               </a:pPr>
-              <a:t>01/01/2019</a:t>
+              <a:t>05/01/2019</a:t>
             </a:fld>
             <a:endParaRPr lang="it-IT" altLang="it-IT"/>
           </a:p>
@@ -6146,7 +7233,7 @@
               <a:pPr>
                 <a:defRPr/>
               </a:pPr>
-              <a:t>01/01/2019</a:t>
+              <a:t>05/01/2019</a:t>
             </a:fld>
             <a:endParaRPr lang="it-IT" altLang="it-IT"/>
           </a:p>
@@ -6434,7 +7521,7 @@
               <a:pPr>
                 <a:defRPr/>
               </a:pPr>
-              <a:t>01/01/2019</a:t>
+              <a:t>05/01/2019</a:t>
             </a:fld>
             <a:endParaRPr lang="it-IT" altLang="it-IT"/>
           </a:p>
@@ -6857,7 +7944,7 @@
               <a:pPr>
                 <a:defRPr/>
               </a:pPr>
-              <a:t>01/01/2019</a:t>
+              <a:t>05/01/2019</a:t>
             </a:fld>
             <a:endParaRPr lang="it-IT" altLang="it-IT"/>
           </a:p>
@@ -7033,7 +8120,7 @@
               <a:pPr>
                 <a:defRPr/>
               </a:pPr>
-              <a:t>01/01/2019</a:t>
+              <a:t>05/01/2019</a:t>
             </a:fld>
             <a:endParaRPr lang="it-IT" altLang="it-IT"/>
           </a:p>
@@ -7187,7 +8274,7 @@
               <a:pPr>
                 <a:defRPr/>
               </a:pPr>
-              <a:t>01/01/2019</a:t>
+              <a:t>05/01/2019</a:t>
             </a:fld>
             <a:endParaRPr lang="it-IT" altLang="it-IT"/>
           </a:p>
@@ -7521,7 +8608,7 @@
               <a:pPr>
                 <a:defRPr/>
               </a:pPr>
-              <a:t>01/01/2019</a:t>
+              <a:t>05/01/2019</a:t>
             </a:fld>
             <a:endParaRPr lang="it-IT" altLang="it-IT"/>
           </a:p>
@@ -7833,7 +8920,7 @@
               <a:pPr>
                 <a:defRPr/>
               </a:pPr>
-              <a:t>01/01/2019</a:t>
+              <a:t>05/01/2019</a:t>
             </a:fld>
             <a:endParaRPr lang="it-IT" altLang="it-IT"/>
           </a:p>
@@ -8505,7 +9592,7 @@
               <a:pPr>
                 <a:defRPr/>
               </a:pPr>
-              <a:t>01/01/2019</a:t>
+              <a:t>05/01/2019</a:t>
             </a:fld>
             <a:endParaRPr lang="it-IT" altLang="it-IT"/>
           </a:p>
@@ -9706,7 +10793,7 @@
               <a:pPr>
                 <a:defRPr/>
               </a:pPr>
-              <a:t>02/01/2019</a:t>
+              <a:t>05/01/2019</a:t>
             </a:fld>
             <a:endParaRPr lang="it-IT" altLang="it-IT"/>
           </a:p>
@@ -9905,11 +10992,7 @@
             <a:pPr lvl="1"/>
             <a:r>
               <a:rPr lang="en-US" dirty="0" smtClean="0"/>
-              <a:t>Constrained </a:t>
-            </a:r>
-            <a:r>
-              <a:rPr lang="en-US" dirty="0" smtClean="0"/>
-              <a:t>Local Model for shape parameter update</a:t>
+              <a:t>Constrained Local Model for shape parameter update</a:t>
             </a:r>
           </a:p>
           <a:p>
@@ -9951,7 +11034,7 @@
               <a:pPr>
                 <a:defRPr/>
               </a:pPr>
-              <a:t>01/01/2019</a:t>
+              <a:t>05/01/2019</a:t>
             </a:fld>
             <a:endParaRPr lang="it-IT" altLang="it-IT"/>
           </a:p>
@@ -10109,7 +11192,15 @@
             </a:r>
             <a:r>
               <a:rPr lang="en-US" dirty="0" smtClean="0"/>
-              <a:t>frame to analyze the image.</a:t>
+              <a:t>frame to </a:t>
+            </a:r>
+            <a:r>
+              <a:rPr lang="en-US" dirty="0" smtClean="0"/>
+              <a:t>better analyze </a:t>
+            </a:r>
+            <a:r>
+              <a:rPr lang="en-US" dirty="0" smtClean="0"/>
+              <a:t>the image.</a:t>
             </a:r>
             <a:endParaRPr lang="en-US" dirty="0"/>
           </a:p>
@@ -10132,11 +11223,7 @@
             </a:br>
             <a:r>
               <a:rPr lang="en-US" dirty="0" smtClean="0"/>
-              <a:t>PDM</a:t>
-            </a:r>
-            <a:r>
-              <a:rPr lang="en-US" dirty="0" smtClean="0"/>
-              <a:t>)</a:t>
+              <a:t>PDM)</a:t>
             </a:r>
             <a:endParaRPr lang="en-US" dirty="0"/>
           </a:p>
@@ -10194,7 +11281,7 @@
               <a:pPr>
                 <a:defRPr/>
               </a:pPr>
-              <a:t>02/01/2019</a:t>
+              <a:t>05/01/2019</a:t>
             </a:fld>
             <a:endParaRPr lang="it-IT" altLang="it-IT" dirty="0"/>
           </a:p>
@@ -10399,8 +11486,13 @@
             <a:pPr lvl="1"/>
             <a:r>
               <a:rPr lang="en-US" dirty="0" smtClean="0"/>
-              <a:t>Vector of dimension 227 from landmark locations and shape parameters</a:t>
-            </a:r>
+              <a:t>Vector of dimension 227 from landmark locations and shape parameters </a:t>
+            </a:r>
+            <a:r>
+              <a:rPr lang="en-US" smtClean="0"/>
+              <a:t>from the PDM</a:t>
+            </a:r>
+            <a:endParaRPr lang="en-US" dirty="0" smtClean="0"/>
           </a:p>
           <a:p>
             <a:r>
@@ -10438,7 +11530,7 @@
               <a:pPr>
                 <a:defRPr/>
               </a:pPr>
-              <a:t>01/01/2019</a:t>
+              <a:t>05/01/2019</a:t>
             </a:fld>
             <a:endParaRPr lang="it-IT" altLang="it-IT"/>
           </a:p>
@@ -10585,44 +11677,60 @@
           <a:p>
             <a:r>
               <a:rPr lang="en-US" dirty="0" smtClean="0"/>
-              <a:t>Action Unit Classification and Regression.</a:t>
-            </a:r>
-          </a:p>
-          <a:p>
-            <a:pPr lvl="1"/>
+              <a:t>Detect occurrence and intensity of Action Units</a:t>
+            </a:r>
+          </a:p>
+          <a:p>
             <a:r>
               <a:rPr lang="en-US" dirty="0" smtClean="0"/>
+              <a:t>For </a:t>
+            </a:r>
+            <a:r>
+              <a:rPr lang="en-US" dirty="0"/>
+              <a:t>AU </a:t>
+            </a:r>
+            <a:r>
+              <a:rPr lang="en-US" i="1" dirty="0"/>
+              <a:t>occurrence</a:t>
+            </a:r>
+            <a:r>
+              <a:rPr lang="en-US" dirty="0"/>
+              <a:t> detection Support Vector Machines.</a:t>
+            </a:r>
+          </a:p>
+          <a:p>
+            <a:r>
+              <a:rPr lang="en-US" dirty="0"/>
               <a:t>For AU </a:t>
             </a:r>
             <a:r>
-              <a:rPr lang="en-US" i="1" dirty="0" smtClean="0"/>
-              <a:t>occurrence</a:t>
-            </a:r>
+              <a:rPr lang="en-US" i="1" dirty="0"/>
+              <a:t>intensity</a:t>
+            </a:r>
+            <a:r>
+              <a:rPr lang="en-US" dirty="0"/>
+              <a:t> estimation Support Vector Regression.</a:t>
+            </a:r>
+          </a:p>
+          <a:p>
             <a:r>
               <a:rPr lang="en-US" dirty="0" smtClean="0"/>
-              <a:t> detection Support Vector Machines.</a:t>
-            </a:r>
-          </a:p>
-          <a:p>
-            <a:pPr lvl="1"/>
+              <a:t>Linear </a:t>
+            </a:r>
             <a:r>
               <a:rPr lang="en-US" dirty="0" smtClean="0"/>
-              <a:t>For AU </a:t>
-            </a:r>
-            <a:r>
-              <a:rPr lang="en-US" i="1" dirty="0" smtClean="0"/>
-              <a:t>intensity</a:t>
+              <a:t>Kernel in both cases</a:t>
             </a:r>
             <a:r>
               <a:rPr lang="en-US" dirty="0" smtClean="0"/>
-              <a:t> estimation Support Vector Regression.</a:t>
-            </a:r>
-          </a:p>
-          <a:p>
-            <a:r>
-              <a:rPr lang="en-US" dirty="0" smtClean="0"/>
-              <a:t>Linear Kernel in both cases.</a:t>
-            </a:r>
+              <a:t>.</a:t>
+            </a:r>
+          </a:p>
+          <a:p>
+            <a:endParaRPr lang="en-US" dirty="0"/>
+          </a:p>
+          <a:p>
+            <a:endParaRPr lang="en-US" dirty="0" smtClean="0"/>
           </a:p>
         </p:txBody>
       </p:sp>
@@ -10649,7 +11757,7 @@
               <a:pPr>
                 <a:defRPr/>
               </a:pPr>
-              <a:t>01/01/2019</a:t>
+              <a:t>05/01/2019</a:t>
             </a:fld>
             <a:endParaRPr lang="it-IT" altLang="it-IT"/>
           </a:p>
@@ -10796,35 +11904,44 @@
           <a:p>
             <a:r>
               <a:rPr lang="en-US" dirty="0" smtClean="0"/>
-              <a:t>Trained on three dataset: ﻿DISFA, BP4D-Spontaneous and SEMAINE. </a:t>
-            </a:r>
-          </a:p>
-          <a:p>
+              <a:t>Trained on </a:t>
+            </a:r>
             <a:r>
               <a:rPr lang="en-US" dirty="0" smtClean="0"/>
-              <a:t>Datasets consist of videos of people subject to emotion inducing tasks, with AUs annotated.</a:t>
-            </a:r>
-          </a:p>
-          <a:p>
+              <a:t>four </a:t>
+            </a:r>
             <a:r>
               <a:rPr lang="en-US" dirty="0" smtClean="0"/>
-              <a:t>﻿BP4D, SEMAINE and DISFA have three AUs in common: 2, 12, and 17.</a:t>
-            </a:r>
-          </a:p>
-          <a:p>
+              <a:t>dataset: ﻿DISFA, </a:t>
+            </a:r>
             <a:r>
               <a:rPr lang="en-US" dirty="0" smtClean="0"/>
-              <a:t>SEMAINE and DISFA share AUs 2, 12, 17, 25. </a:t>
-            </a:r>
-          </a:p>
-          <a:p>
+              <a:t>BP4D-Spontaneous, SEMAINE and </a:t>
+            </a:r>
+            <a:r>
+              <a:rPr lang="en-US" dirty="0" err="1" smtClean="0"/>
+              <a:t>Bosphorus</a:t>
+            </a:r>
+            <a:r>
+              <a:rPr lang="en-US" dirty="0"/>
+              <a:t> </a:t>
+            </a:r>
             <a:r>
               <a:rPr lang="en-US" dirty="0" smtClean="0"/>
-              <a:t>BP4D and DISFA share AUs 1, 2, 4, 6, 12, 15, 17. </a:t>
-            </a:r>
-          </a:p>
-          <a:p>
-            <a:endParaRPr lang="en-US" dirty="0"/>
+              <a:t>. </a:t>
+            </a:r>
+            <a:endParaRPr lang="en-US" dirty="0" smtClean="0"/>
+          </a:p>
+          <a:p>
+            <a:r>
+              <a:rPr lang="en-US" dirty="0" smtClean="0"/>
+              <a:t>Datasets consist of videos of people subject to emotion inducing tasks, with AUs annotated</a:t>
+            </a:r>
+            <a:r>
+              <a:rPr lang="en-US" dirty="0" smtClean="0"/>
+              <a:t>.</a:t>
+            </a:r>
+            <a:endParaRPr lang="en-US" dirty="0" smtClean="0"/>
           </a:p>
         </p:txBody>
       </p:sp>
@@ -10851,7 +11968,7 @@
               <a:pPr>
                 <a:defRPr/>
               </a:pPr>
-              <a:t>01/01/2019</a:t>
+              <a:t>05/01/2019</a:t>
             </a:fld>
             <a:endParaRPr lang="it-IT" altLang="it-IT"/>
           </a:p>
@@ -10916,6 +12033,54 @@
           </a:p>
         </p:txBody>
       </p:sp>
+      <p:pic>
+        <p:nvPicPr>
+          <p:cNvPr id="9" name="Picture 8"/>
+          <p:cNvPicPr>
+            <a:picLocks noChangeAspect="1"/>
+          </p:cNvPicPr>
+          <p:nvPr/>
+        </p:nvPicPr>
+        <p:blipFill>
+          <a:blip r:embed="rId3"/>
+          <a:stretch>
+            <a:fillRect/>
+          </a:stretch>
+        </p:blipFill>
+        <p:spPr>
+          <a:xfrm>
+            <a:off x="1069121" y="2983504"/>
+            <a:ext cx="7535327" cy="1467055"/>
+          </a:xfrm>
+          <a:prstGeom prst="rect">
+            <a:avLst/>
+          </a:prstGeom>
+        </p:spPr>
+      </p:pic>
+      <p:pic>
+        <p:nvPicPr>
+          <p:cNvPr id="10" name="Picture 9"/>
+          <p:cNvPicPr>
+            <a:picLocks noChangeAspect="1"/>
+          </p:cNvPicPr>
+          <p:nvPr/>
+        </p:nvPicPr>
+        <p:blipFill>
+          <a:blip r:embed="rId4"/>
+          <a:stretch>
+            <a:fillRect/>
+          </a:stretch>
+        </p:blipFill>
+        <p:spPr>
+          <a:xfrm>
+            <a:off x="1078648" y="4419744"/>
+            <a:ext cx="7525800" cy="1457528"/>
+          </a:xfrm>
+          <a:prstGeom prst="rect">
+            <a:avLst/>
+          </a:prstGeom>
+        </p:spPr>
+      </p:pic>
     </p:spTree>
     <p:extLst>
       <p:ext uri="{BB962C8B-B14F-4D97-AF65-F5344CB8AC3E}">
@@ -10998,7 +12163,15 @@
           <a:p>
             <a:r>
               <a:rPr lang="en-US" dirty="0" smtClean="0"/>
-              <a:t>Can recognize the following AUs:</a:t>
+              <a:t>Can recognize the following </a:t>
+            </a:r>
+            <a:r>
+              <a:rPr lang="en-US" dirty="0" smtClean="0"/>
+              <a:t>18 AUs</a:t>
+            </a:r>
+            <a:r>
+              <a:rPr lang="en-US" dirty="0" smtClean="0"/>
+              <a:t>:</a:t>
             </a:r>
           </a:p>
           <a:p>
@@ -11029,7 +12202,7 @@
               <a:pPr>
                 <a:defRPr/>
               </a:pPr>
-              <a:t>01/01/2019</a:t>
+              <a:t>05/01/2019</a:t>
             </a:fld>
             <a:endParaRPr lang="it-IT" altLang="it-IT"/>
           </a:p>
@@ -11178,7 +12351,11 @@
           <a:p>
             <a:r>
               <a:rPr lang="en-US" dirty="0" smtClean="0"/>
-              <a:t>Video Dataset</a:t>
+              <a:t>Training </a:t>
+            </a:r>
+            <a:r>
+              <a:rPr lang="en-US" dirty="0" smtClean="0"/>
+              <a:t>Dataset</a:t>
             </a:r>
             <a:endParaRPr lang="en-US" dirty="0"/>
           </a:p>
@@ -11285,7 +12462,7 @@
               <a:pPr>
                 <a:defRPr/>
               </a:pPr>
-              <a:t>01/01/2019</a:t>
+              <a:t>05/01/2019</a:t>
             </a:fld>
             <a:endParaRPr lang="it-IT" altLang="it-IT"/>
           </a:p>
@@ -11510,7 +12687,7 @@
               <a:pPr>
                 <a:defRPr/>
               </a:pPr>
-              <a:t>01/01/2019</a:t>
+              <a:t>05/01/2019</a:t>
             </a:fld>
             <a:endParaRPr lang="it-IT" altLang="it-IT"/>
           </a:p>
@@ -11739,7 +12916,7 @@
               <a:pPr>
                 <a:defRPr/>
               </a:pPr>
-              <a:t>01/01/2019</a:t>
+              <a:t>05/01/2019</a:t>
             </a:fld>
             <a:endParaRPr lang="it-IT" altLang="it-IT"/>
           </a:p>
@@ -11946,7 +13123,7 @@
               <a:pPr>
                 <a:defRPr/>
               </a:pPr>
-              <a:t>01/01/2019</a:t>
+              <a:t>05/01/2019</a:t>
             </a:fld>
             <a:endParaRPr lang="it-IT" altLang="it-IT" dirty="0"/>
           </a:p>
@@ -12171,7 +13348,7 @@
               <a:pPr>
                 <a:defRPr/>
               </a:pPr>
-              <a:t>01/01/2019</a:t>
+              <a:t>05/01/2019</a:t>
             </a:fld>
             <a:endParaRPr lang="it-IT" altLang="it-IT"/>
           </a:p>
@@ -12378,7 +13555,7 @@
               <a:pPr>
                 <a:defRPr/>
               </a:pPr>
-              <a:t>01/01/2019</a:t>
+              <a:t>05/01/2019</a:t>
             </a:fld>
             <a:endParaRPr lang="it-IT" altLang="it-IT"/>
           </a:p>
@@ -12596,7 +13773,7 @@
               <a:pPr>
                 <a:defRPr/>
               </a:pPr>
-              <a:t>01/01/2019</a:t>
+              <a:t>05/01/2019</a:t>
             </a:fld>
             <a:endParaRPr lang="it-IT" altLang="it-IT"/>
           </a:p>
@@ -12810,7 +13987,21 @@
             </a:r>
             <a:r>
               <a:rPr lang="en-US" dirty="0" smtClean="0"/>
-              <a:t>words).</a:t>
+              <a:t>words);</a:t>
+            </a:r>
+          </a:p>
+          <a:p>
+            <a:r>
+              <a:rPr lang="en-US" dirty="0" smtClean="0"/>
+              <a:t>Implement heuristics based on psychological </a:t>
+            </a:r>
+            <a:r>
+              <a:rPr lang="en-US" dirty="0" err="1" smtClean="0"/>
+              <a:t>stidies</a:t>
+            </a:r>
+            <a:r>
+              <a:rPr lang="en-US" dirty="0" smtClean="0"/>
+              <a:t>.</a:t>
             </a:r>
             <a:endParaRPr lang="en-US" dirty="0"/>
           </a:p>
@@ -12839,7 +14030,7 @@
               <a:pPr>
                 <a:defRPr/>
               </a:pPr>
-              <a:t>01/01/2019</a:t>
+              <a:t>05/01/2019</a:t>
             </a:fld>
             <a:endParaRPr lang="it-IT" altLang="it-IT"/>
           </a:p>
@@ -12964,7 +14155,7 @@
               <a:pPr>
                 <a:defRPr/>
               </a:pPr>
-              <a:t>01/01/2019</a:t>
+              <a:t>05/01/2019</a:t>
             </a:fld>
             <a:endParaRPr lang="it-IT" altLang="it-IT"/>
           </a:p>
@@ -13307,7 +14498,7 @@
               <a:pPr>
                 <a:defRPr/>
               </a:pPr>
-              <a:t>01/01/2019</a:t>
+              <a:t>05/01/2019</a:t>
             </a:fld>
             <a:endParaRPr lang="it-IT" altLang="it-IT"/>
           </a:p>
@@ -13499,26 +14690,14 @@
             </a:r>
             <a:r>
               <a:rPr lang="en-US" dirty="0" smtClean="0"/>
-              <a:t> understand if it’s </a:t>
-            </a:r>
+              <a:t> understand if it’s possible correctly to classify videos containing truthful or deceptive statements.</a:t>
+            </a:r>
+          </a:p>
+          <a:p>
+            <a:pPr lvl="1"/>
             <a:r>
               <a:rPr lang="en-US" dirty="0" smtClean="0"/>
-              <a:t>possible correctly </a:t>
-            </a:r>
-            <a:r>
-              <a:rPr lang="en-US" dirty="0" smtClean="0"/>
-              <a:t>to classify videos containing truthful or deceptive statements.</a:t>
-            </a:r>
-          </a:p>
-          <a:p>
-            <a:pPr lvl="1"/>
-            <a:r>
-              <a:rPr lang="en-US" dirty="0" smtClean="0"/>
-              <a:t>In particular by performing the analysis of facial muscle </a:t>
-            </a:r>
-            <a:r>
-              <a:rPr lang="en-US" dirty="0" smtClean="0"/>
-              <a:t>movements during the video.</a:t>
+              <a:t>In particular by performing the analysis of facial muscle movements during the video.</a:t>
             </a:r>
             <a:endParaRPr lang="en-US" dirty="0"/>
           </a:p>
@@ -13547,7 +14726,7 @@
               <a:pPr>
                 <a:defRPr/>
               </a:pPr>
-              <a:t>01/01/2019</a:t>
+              <a:t>05/01/2019</a:t>
             </a:fld>
             <a:endParaRPr lang="it-IT" altLang="it-IT"/>
           </a:p>
@@ -13730,7 +14909,7 @@
           <a:p>
             <a:r>
               <a:rPr lang="en-US" dirty="0" smtClean="0"/>
-              <a:t>Interviews;</a:t>
+              <a:t>Interviews for sensitive positions;</a:t>
             </a:r>
           </a:p>
           <a:p>
@@ -13773,7 +14952,7 @@
               <a:pPr>
                 <a:defRPr/>
               </a:pPr>
-              <a:t>01/01/2019</a:t>
+              <a:t>05/01/2019</a:t>
             </a:fld>
             <a:endParaRPr lang="it-IT" altLang="it-IT"/>
           </a:p>
@@ -14002,7 +15181,6 @@
               <a:rPr lang="en-US" dirty="0" smtClean="0"/>
               <a:t>Polygraph</a:t>
             </a:r>
-            <a:endParaRPr lang="en-US" dirty="0" smtClean="0"/>
           </a:p>
           <a:p>
             <a:pPr marL="0" indent="0">
@@ -14038,7 +15216,7 @@
               <a:pPr>
                 <a:defRPr/>
               </a:pPr>
-              <a:t>01/01/2019</a:t>
+              <a:t>05/01/2019</a:t>
             </a:fld>
             <a:endParaRPr lang="it-IT" altLang="it-IT"/>
           </a:p>
@@ -14215,25 +15393,13 @@
           <a:p>
             <a:r>
               <a:rPr lang="en-US" dirty="0" smtClean="0"/>
-              <a:t>Action Units (AU) are a contraction or relaxation of one or more muscles.</a:t>
+              <a:t>Action Units (AU) correspond to contraction or relaxation of one or more muscles.</a:t>
             </a:r>
           </a:p>
           <a:p>
             <a:r>
               <a:rPr lang="en-US" dirty="0" smtClean="0"/>
-              <a:t>AUs can be used to codify </a:t>
-            </a:r>
-            <a:r>
-              <a:rPr lang="en-US" dirty="0" smtClean="0"/>
-              <a:t>emotions and expressions </a:t>
-            </a:r>
-            <a:r>
-              <a:rPr lang="en-US" dirty="0" smtClean="0"/>
-              <a:t>through the muscles involved and the intensity of the movements</a:t>
-            </a:r>
-            <a:r>
-              <a:rPr lang="en-US" dirty="0" smtClean="0"/>
-              <a:t>.</a:t>
+              <a:t>AUs can be used to codify emotions and expressions through the muscles involved and the intensity of the movements.</a:t>
             </a:r>
             <a:endParaRPr lang="en-US" dirty="0"/>
           </a:p>
@@ -14262,7 +15428,7 @@
               <a:pPr>
                 <a:defRPr/>
               </a:pPr>
-              <a:t>01/01/2019</a:t>
+              <a:t>05/01/2019</a:t>
             </a:fld>
             <a:endParaRPr lang="it-IT" altLang="it-IT"/>
           </a:p>
@@ -14329,13 +15495,13 @@
       </p:sp>
       <p:pic>
         <p:nvPicPr>
-          <p:cNvPr id="7" name="Picture 6"/>
+          <p:cNvPr id="9" name="Picture 8"/>
           <p:cNvPicPr>
             <a:picLocks noChangeAspect="1"/>
           </p:cNvPicPr>
           <p:nvPr/>
         </p:nvPicPr>
-        <p:blipFill rotWithShape="1">
+        <p:blipFill>
           <a:blip r:embed="rId3">
             <a:extLst>
               <a:ext uri="{28A0092B-C50C-407E-A947-70E740481C1C}">
@@ -14343,13 +15509,14 @@
               </a:ext>
             </a:extLst>
           </a:blip>
-          <a:srcRect l="1397" t="7689" r="2180"/>
-          <a:stretch/>
+          <a:stretch>
+            <a:fillRect/>
+          </a:stretch>
         </p:blipFill>
         <p:spPr>
           <a:xfrm>
-            <a:off x="3491881" y="3212976"/>
-            <a:ext cx="4968552" cy="2593528"/>
+            <a:off x="2267744" y="3289117"/>
+            <a:ext cx="5041473" cy="2589395"/>
           </a:xfrm>
           <a:prstGeom prst="rect">
             <a:avLst/>
@@ -14475,7 +15642,7 @@
               <a:pPr>
                 <a:defRPr/>
               </a:pPr>
-              <a:t>01/01/2019</a:t>
+              <a:t>05/01/2019</a:t>
             </a:fld>
             <a:endParaRPr lang="it-IT" altLang="it-IT"/>
           </a:p>
@@ -14540,6 +15707,47 @@
           </a:p>
         </p:txBody>
       </p:sp>
+      <p:pic>
+        <p:nvPicPr>
+          <p:cNvPr id="1026" name="Picture 2" descr="Image result for truth lie"/>
+          <p:cNvPicPr>
+            <a:picLocks noChangeAspect="1" noChangeArrowheads="1"/>
+          </p:cNvPicPr>
+          <p:nvPr/>
+        </p:nvPicPr>
+        <p:blipFill>
+          <a:blip r:embed="rId3">
+            <a:extLst>
+              <a:ext uri="{28A0092B-C50C-407E-A947-70E740481C1C}">
+                <a14:useLocalDpi xmlns:a14="http://schemas.microsoft.com/office/drawing/2010/main" val="0"/>
+              </a:ext>
+            </a:extLst>
+          </a:blip>
+          <a:srcRect/>
+          <a:stretch>
+            <a:fillRect/>
+          </a:stretch>
+        </p:blipFill>
+        <p:spPr bwMode="auto">
+          <a:xfrm>
+            <a:off x="2467514" y="3140968"/>
+            <a:ext cx="4085686" cy="2594412"/>
+          </a:xfrm>
+          <a:prstGeom prst="rect">
+            <a:avLst/>
+          </a:prstGeom>
+          <a:noFill/>
+          <a:extLst>
+            <a:ext uri="{909E8E84-426E-40DD-AFC4-6F175D3DCCD1}">
+              <a14:hiddenFill xmlns:a14="http://schemas.microsoft.com/office/drawing/2010/main">
+                <a:solidFill>
+                  <a:srgbClr val="FFFFFF"/>
+                </a:solidFill>
+              </a14:hiddenFill>
+            </a:ext>
+          </a:extLst>
+        </p:spPr>
+      </p:pic>
     </p:spTree>
     <p:extLst>
       <p:ext uri="{BB962C8B-B14F-4D97-AF65-F5344CB8AC3E}">
@@ -14626,7 +15834,7 @@
             </a:pPr>
             <a:r>
               <a:rPr lang="en-US" dirty="0" smtClean="0"/>
-              <a:t>Input Video;</a:t>
+              <a:t>Input Video / Frame;</a:t>
             </a:r>
           </a:p>
           <a:p>
@@ -14707,7 +15915,7 @@
               <a:pPr>
                 <a:defRPr/>
               </a:pPr>
-              <a:t>01/01/2019</a:t>
+              <a:t>05/01/2019</a:t>
             </a:fld>
             <a:endParaRPr lang="it-IT" altLang="it-IT"/>
           </a:p>
@@ -14774,14 +15982,14 @@
       </p:sp>
       <p:pic>
         <p:nvPicPr>
-          <p:cNvPr id="7" name="Picture 6"/>
+          <p:cNvPr id="8" name="Picture 7"/>
           <p:cNvPicPr>
             <a:picLocks noChangeAspect="1"/>
           </p:cNvPicPr>
           <p:nvPr/>
         </p:nvPicPr>
         <p:blipFill>
-          <a:blip r:embed="rId3" cstate="print">
+          <a:blip r:embed="rId3">
             <a:extLst>
               <a:ext uri="{28A0092B-C50C-407E-A947-70E740481C1C}">
                 <a14:useLocalDpi xmlns:a14="http://schemas.microsoft.com/office/drawing/2010/main" val="0"/>
@@ -14794,8 +16002,8 @@
         </p:blipFill>
         <p:spPr>
           <a:xfrm>
-            <a:off x="1403648" y="4095320"/>
-            <a:ext cx="6848302" cy="1479284"/>
+            <a:off x="1126296" y="4149080"/>
+            <a:ext cx="7539108" cy="1638000"/>
           </a:xfrm>
           <a:prstGeom prst="rect">
             <a:avLst/>
@@ -14906,16 +16114,11 @@
               <a:rPr lang="en-US" dirty="0" smtClean="0"/>
               <a:t>regularization</a:t>
             </a:r>
-            <a:endParaRPr lang="en-US" dirty="0" smtClean="0"/>
           </a:p>
           <a:p>
             <a:r>
               <a:rPr lang="en-US" dirty="0" smtClean="0"/>
-              <a:t>Two </a:t>
-            </a:r>
-            <a:r>
-              <a:rPr lang="en-US" dirty="0" smtClean="0"/>
-              <a:t>Phases:</a:t>
+              <a:t>Two Phases:</a:t>
             </a:r>
           </a:p>
           <a:p>
@@ -14957,7 +16160,7 @@
               <a:pPr>
                 <a:defRPr/>
               </a:pPr>
-              <a:t>01/01/2019</a:t>
+              <a:t>05/01/2019</a:t>
             </a:fld>
             <a:endParaRPr lang="it-IT" altLang="it-IT"/>
           </a:p>

--- a/Tesi Emanuele Orfanelli 1383726.pptx
+++ b/Tesi Emanuele Orfanelli 1383726.pptx
@@ -28,8 +28,8 @@
     <p:sldId id="295" r:id="rId16"/>
     <p:sldId id="293" r:id="rId17"/>
     <p:sldId id="291" r:id="rId18"/>
-    <p:sldId id="304" r:id="rId19"/>
-    <p:sldId id="306" r:id="rId20"/>
+    <p:sldId id="306" r:id="rId19"/>
+    <p:sldId id="304" r:id="rId20"/>
     <p:sldId id="305" r:id="rId21"/>
     <p:sldId id="296" r:id="rId22"/>
     <p:sldId id="297" r:id="rId23"/>
@@ -2873,20 +2873,118 @@
             <a:endParaRPr lang="en-US" dirty="0" smtClean="0"/>
           </a:p>
           <a:p>
+            <a:r>
+              <a:rPr lang="en-US" dirty="0" smtClean="0"/>
+              <a:t>Le label </a:t>
+            </a:r>
+            <a:r>
+              <a:rPr lang="en-US" dirty="0" err="1" smtClean="0"/>
+              <a:t>dei</a:t>
+            </a:r>
+            <a:r>
+              <a:rPr lang="en-US" dirty="0" smtClean="0"/>
+              <a:t> video </a:t>
+            </a:r>
+            <a:r>
+              <a:rPr lang="en-US" dirty="0" err="1" smtClean="0"/>
+              <a:t>sono</a:t>
+            </a:r>
+            <a:r>
+              <a:rPr lang="en-US" dirty="0" smtClean="0"/>
+              <a:t> </a:t>
+            </a:r>
+            <a:r>
+              <a:rPr lang="en-US" dirty="0" err="1" smtClean="0"/>
+              <a:t>basate</a:t>
+            </a:r>
+            <a:r>
+              <a:rPr lang="en-US" dirty="0" smtClean="0"/>
+              <a:t> </a:t>
+            </a:r>
+            <a:r>
+              <a:rPr lang="en-US" dirty="0" err="1" smtClean="0"/>
+              <a:t>sul</a:t>
+            </a:r>
+            <a:r>
+              <a:rPr lang="en-US" dirty="0" smtClean="0"/>
+              <a:t> </a:t>
+            </a:r>
+            <a:r>
+              <a:rPr lang="en-US" dirty="0" err="1" smtClean="0"/>
+              <a:t>risultato</a:t>
+            </a:r>
+            <a:r>
+              <a:rPr lang="en-US" dirty="0" smtClean="0"/>
+              <a:t> del </a:t>
+            </a:r>
+            <a:r>
+              <a:rPr lang="en-US" dirty="0" err="1" smtClean="0"/>
+              <a:t>processo</a:t>
+            </a:r>
+            <a:r>
+              <a:rPr lang="en-US" dirty="0" smtClean="0"/>
+              <a:t> e le </a:t>
+            </a:r>
+            <a:r>
+              <a:rPr lang="en-US" dirty="0" err="1" smtClean="0"/>
+              <a:t>testimonianze</a:t>
+            </a:r>
+            <a:r>
+              <a:rPr lang="en-US" dirty="0" smtClean="0"/>
+              <a:t> </a:t>
+            </a:r>
+            <a:r>
+              <a:rPr lang="en-US" dirty="0" err="1" smtClean="0"/>
+              <a:t>sono</a:t>
+            </a:r>
+            <a:r>
+              <a:rPr lang="en-US" dirty="0" smtClean="0"/>
+              <a:t> state </a:t>
+            </a:r>
+            <a:r>
+              <a:rPr lang="en-US" dirty="0" err="1" smtClean="0"/>
+              <a:t>verificate</a:t>
+            </a:r>
+            <a:r>
+              <a:rPr lang="en-US" dirty="0" smtClean="0"/>
+              <a:t> da </a:t>
+            </a:r>
+            <a:r>
+              <a:rPr lang="en-US" dirty="0" err="1" smtClean="0"/>
+              <a:t>agenti</a:t>
+            </a:r>
+            <a:r>
+              <a:rPr lang="en-US" dirty="0" smtClean="0"/>
+              <a:t> di </a:t>
+            </a:r>
+            <a:r>
+              <a:rPr lang="en-US" dirty="0" err="1" smtClean="0"/>
+              <a:t>polizia</a:t>
+            </a:r>
+            <a:r>
+              <a:rPr lang="en-US" dirty="0" smtClean="0"/>
+              <a:t>.</a:t>
+            </a:r>
+          </a:p>
+          <a:p>
             <a:endParaRPr lang="en-US" dirty="0" smtClean="0"/>
           </a:p>
           <a:p>
             <a:r>
-              <a:rPr lang="en-US" dirty="0" smtClean="0"/>
-              <a:t>“</a:t>
-            </a:r>
-            <a:r>
-              <a:rPr lang="en-US" dirty="0" smtClean="0"/>
-              <a:t>Work on cutting…” keep it? Say</a:t>
-            </a:r>
-            <a:r>
-              <a:rPr lang="en-US" baseline="0" dirty="0" smtClean="0"/>
-              <a:t> it better? How much to talk about it</a:t>
+              <a:rPr lang="en-US" baseline="0" dirty="0" smtClean="0"/>
+              <a:t>How </a:t>
+            </a:r>
+            <a:r>
+              <a:rPr lang="en-US" baseline="0" dirty="0" smtClean="0"/>
+              <a:t>many </a:t>
+            </a:r>
+            <a:r>
+              <a:rPr lang="en-US" baseline="0" dirty="0" err="1" smtClean="0"/>
+              <a:t>sbj</a:t>
+            </a:r>
+            <a:r>
+              <a:rPr lang="en-US" baseline="0" dirty="0" smtClean="0"/>
+              <a:t> in the train set? How many in the test set</a:t>
             </a:r>
             <a:r>
               <a:rPr lang="en-US" baseline="0" dirty="0" smtClean="0"/>
@@ -2896,15 +2994,23 @@
           <a:p>
             <a:r>
               <a:rPr lang="en-US" baseline="0" dirty="0" smtClean="0"/>
-              <a:t>How many </a:t>
-            </a:r>
-            <a:r>
-              <a:rPr lang="en-US" baseline="0" dirty="0" err="1" smtClean="0"/>
-              <a:t>sbj</a:t>
-            </a:r>
-            <a:r>
-              <a:rPr lang="en-US" baseline="0" dirty="0" smtClean="0"/>
-              <a:t> in the train set? How many in the test set?</a:t>
+              <a:t>Dire </a:t>
+            </a:r>
+            <a:r>
+              <a:rPr lang="en-US" baseline="0" dirty="0" err="1" smtClean="0"/>
+              <a:t>che</a:t>
+            </a:r>
+            <a:r>
+              <a:rPr lang="en-US" baseline="0" dirty="0" smtClean="0"/>
+              <a:t> </a:t>
+            </a:r>
+            <a:r>
+              <a:rPr lang="en-US" baseline="0" dirty="0" err="1" smtClean="0"/>
+              <a:t>deriva</a:t>
+            </a:r>
+            <a:r>
+              <a:rPr lang="en-US" baseline="0" dirty="0" smtClean="0"/>
+              <a:t> da un paper?</a:t>
             </a:r>
             <a:endParaRPr lang="en-US" dirty="0"/>
           </a:p>
@@ -2996,6 +3102,116 @@
           <a:bodyPr/>
           <a:lstStyle/>
           <a:p>
+            <a:r>
+              <a:rPr lang="en-US" dirty="0" smtClean="0"/>
+              <a:t>Per</a:t>
+            </a:r>
+            <a:r>
+              <a:rPr lang="en-US" baseline="0" dirty="0" smtClean="0"/>
+              <a:t> </a:t>
+            </a:r>
+            <a:r>
+              <a:rPr lang="en-US" baseline="0" dirty="0" err="1" smtClean="0"/>
+              <a:t>evitare</a:t>
+            </a:r>
+            <a:r>
+              <a:rPr lang="en-US" baseline="0" dirty="0" smtClean="0"/>
+              <a:t> overfitting e training specific </a:t>
+            </a:r>
+            <a:r>
+              <a:rPr lang="en-US" baseline="0" dirty="0" err="1" smtClean="0"/>
+              <a:t>su</a:t>
+            </a:r>
+            <a:r>
+              <a:rPr lang="en-US" baseline="0" dirty="0" smtClean="0"/>
+              <a:t> </a:t>
+            </a:r>
+            <a:r>
+              <a:rPr lang="en-US" baseline="0" dirty="0" err="1" smtClean="0"/>
+              <a:t>persone</a:t>
+            </a:r>
+            <a:r>
+              <a:rPr lang="en-US" baseline="0" dirty="0" smtClean="0"/>
+              <a:t>….</a:t>
+            </a:r>
+            <a:r>
+              <a:rPr lang="en-US" dirty="0" smtClean="0"/>
+              <a:t/>
+            </a:r>
+            <a:br>
+              <a:rPr lang="en-US" dirty="0" smtClean="0"/>
+            </a:br>
+            <a:endParaRPr lang="en-US" dirty="0" smtClean="0"/>
+          </a:p>
+          <a:p>
+            <a:r>
+              <a:rPr lang="en-US" dirty="0" err="1" smtClean="0"/>
+              <a:t>Dico</a:t>
+            </a:r>
+            <a:r>
+              <a:rPr lang="en-US" dirty="0" smtClean="0"/>
+              <a:t> </a:t>
+            </a:r>
+            <a:r>
+              <a:rPr lang="en-US" dirty="0" err="1" smtClean="0"/>
+              <a:t>che</a:t>
+            </a:r>
+            <a:r>
+              <a:rPr lang="en-US" dirty="0" smtClean="0"/>
+              <a:t> </a:t>
+            </a:r>
+            <a:r>
+              <a:rPr lang="en-US" dirty="0" err="1" smtClean="0"/>
+              <a:t>abbiamo</a:t>
+            </a:r>
+            <a:r>
+              <a:rPr lang="en-US" dirty="0" smtClean="0"/>
+              <a:t> </a:t>
+            </a:r>
+            <a:r>
+              <a:rPr lang="en-US" dirty="0" err="1" smtClean="0"/>
+              <a:t>visto</a:t>
+            </a:r>
+            <a:r>
+              <a:rPr lang="en-US" dirty="0" smtClean="0"/>
+              <a:t> </a:t>
+            </a:r>
+            <a:r>
+              <a:rPr lang="en-US" dirty="0" err="1" smtClean="0"/>
+              <a:t>che</a:t>
+            </a:r>
+            <a:r>
+              <a:rPr lang="en-US" dirty="0" smtClean="0"/>
+              <a:t> la </a:t>
+            </a:r>
+            <a:r>
+              <a:rPr lang="en-US" dirty="0" err="1" smtClean="0"/>
+              <a:t>divisione</a:t>
+            </a:r>
+            <a:r>
+              <a:rPr lang="en-US" dirty="0" smtClean="0"/>
+              <a:t> in</a:t>
+            </a:r>
+            <a:r>
+              <a:rPr lang="en-US" baseline="0" dirty="0" smtClean="0"/>
+              <a:t> test e train </a:t>
+            </a:r>
+            <a:r>
+              <a:rPr lang="en-US" baseline="0" dirty="0" err="1" smtClean="0"/>
+              <a:t>normale</a:t>
+            </a:r>
+            <a:r>
+              <a:rPr lang="en-US" baseline="0" dirty="0" smtClean="0"/>
+              <a:t> </a:t>
+            </a:r>
+            <a:r>
+              <a:rPr lang="en-US" baseline="0" dirty="0" err="1" smtClean="0"/>
+              <a:t>overfittava</a:t>
+            </a:r>
+            <a:r>
+              <a:rPr lang="en-US" baseline="0" dirty="0" smtClean="0"/>
+              <a:t>?</a:t>
+            </a:r>
             <a:endParaRPr lang="en-US" dirty="0"/>
           </a:p>
         </p:txBody>
@@ -3032,7 +3248,7 @@
     </p:spTree>
     <p:extLst>
       <p:ext uri="{BB962C8B-B14F-4D97-AF65-F5344CB8AC3E}">
-        <p14:creationId xmlns:p14="http://schemas.microsoft.com/office/powerpoint/2010/main" val="3758801608"/>
+        <p14:creationId xmlns:p14="http://schemas.microsoft.com/office/powerpoint/2010/main" val="3101048908"/>
       </p:ext>
     </p:extLst>
   </p:cSld>
@@ -3086,74 +3302,6 @@
           <a:bodyPr/>
           <a:lstStyle/>
           <a:p>
-            <a:r>
-              <a:rPr lang="en-US" dirty="0" err="1" smtClean="0"/>
-              <a:t>Dico</a:t>
-            </a:r>
-            <a:r>
-              <a:rPr lang="en-US" dirty="0" smtClean="0"/>
-              <a:t> </a:t>
-            </a:r>
-            <a:r>
-              <a:rPr lang="en-US" dirty="0" err="1" smtClean="0"/>
-              <a:t>che</a:t>
-            </a:r>
-            <a:r>
-              <a:rPr lang="en-US" dirty="0" smtClean="0"/>
-              <a:t> </a:t>
-            </a:r>
-            <a:r>
-              <a:rPr lang="en-US" dirty="0" err="1" smtClean="0"/>
-              <a:t>abbiamo</a:t>
-            </a:r>
-            <a:r>
-              <a:rPr lang="en-US" dirty="0" smtClean="0"/>
-              <a:t> </a:t>
-            </a:r>
-            <a:r>
-              <a:rPr lang="en-US" dirty="0" err="1" smtClean="0"/>
-              <a:t>visto</a:t>
-            </a:r>
-            <a:r>
-              <a:rPr lang="en-US" dirty="0" smtClean="0"/>
-              <a:t> </a:t>
-            </a:r>
-            <a:r>
-              <a:rPr lang="en-US" dirty="0" err="1" smtClean="0"/>
-              <a:t>che</a:t>
-            </a:r>
-            <a:r>
-              <a:rPr lang="en-US" dirty="0" smtClean="0"/>
-              <a:t> la </a:t>
-            </a:r>
-            <a:r>
-              <a:rPr lang="en-US" dirty="0" err="1" smtClean="0"/>
-              <a:t>divisione</a:t>
-            </a:r>
-            <a:r>
-              <a:rPr lang="en-US" dirty="0" smtClean="0"/>
-              <a:t> in</a:t>
-            </a:r>
-            <a:r>
-              <a:rPr lang="en-US" baseline="0" dirty="0" smtClean="0"/>
-              <a:t> test e train </a:t>
-            </a:r>
-            <a:r>
-              <a:rPr lang="en-US" baseline="0" dirty="0" err="1" smtClean="0"/>
-              <a:t>normale</a:t>
-            </a:r>
-            <a:r>
-              <a:rPr lang="en-US" baseline="0" dirty="0" smtClean="0"/>
-              <a:t> </a:t>
-            </a:r>
-            <a:r>
-              <a:rPr lang="en-US" baseline="0" dirty="0" err="1" smtClean="0"/>
-              <a:t>overfittava</a:t>
-            </a:r>
-            <a:r>
-              <a:rPr lang="en-US" baseline="0" dirty="0" smtClean="0"/>
-              <a:t>?</a:t>
-            </a:r>
             <a:endParaRPr lang="en-US" dirty="0"/>
           </a:p>
         </p:txBody>
@@ -3190,7 +3338,7 @@
     </p:spTree>
     <p:extLst>
       <p:ext uri="{BB962C8B-B14F-4D97-AF65-F5344CB8AC3E}">
-        <p14:creationId xmlns:p14="http://schemas.microsoft.com/office/powerpoint/2010/main" val="3101048908"/>
+        <p14:creationId xmlns:p14="http://schemas.microsoft.com/office/powerpoint/2010/main" val="3758801608"/>
       </p:ext>
     </p:extLst>
   </p:cSld>
@@ -3385,6 +3533,18 @@
           <a:bodyPr/>
           <a:lstStyle/>
           <a:p>
+            <a:r>
+              <a:rPr lang="en-US" dirty="0" smtClean="0"/>
+              <a:t>Nomi </a:t>
+            </a:r>
+            <a:r>
+              <a:rPr lang="en-US" dirty="0" err="1" smtClean="0"/>
+              <a:t>delle</a:t>
+            </a:r>
+            <a:r>
+              <a:rPr lang="en-US" dirty="0" smtClean="0"/>
+              <a:t> AU?</a:t>
+            </a:r>
             <a:endParaRPr lang="en-US" dirty="0"/>
           </a:p>
         </p:txBody>
@@ -4024,12 +4184,16 @@
           <a:lstStyle/>
           <a:p>
             <a:r>
+              <a:rPr lang="en-US" dirty="0" err="1" smtClean="0"/>
+              <a:t>Una</a:t>
+            </a:r>
+            <a:r>
               <a:rPr lang="en-US" dirty="0" smtClean="0"/>
-              <a:t>I </a:t>
+              <a:t> tale </a:t>
             </a:r>
             <a:r>
               <a:rPr lang="en-US" dirty="0" err="1" smtClean="0"/>
-              <a:t>possibili</a:t>
+              <a:t>tecnologia</a:t>
             </a:r>
             <a:r>
               <a:rPr lang="en-US" dirty="0" smtClean="0"/>
@@ -4037,39 +4201,27 @@
             </a:r>
             <a:r>
               <a:rPr lang="en-US" dirty="0" err="1" smtClean="0"/>
-              <a:t>utilizzi</a:t>
+              <a:t>potrebbe</a:t>
             </a:r>
             <a:r>
               <a:rPr lang="en-US" dirty="0" smtClean="0"/>
-              <a:t> per</a:t>
-            </a:r>
-            <a:r>
-              <a:rPr lang="en-US" baseline="0" dirty="0" smtClean="0"/>
               <a:t> </a:t>
             </a:r>
             <a:r>
-              <a:rPr lang="en-US" baseline="0" dirty="0" err="1" smtClean="0"/>
-              <a:t>una</a:t>
-            </a:r>
-            <a:r>
-              <a:rPr lang="en-US" baseline="0" dirty="0" smtClean="0"/>
-              <a:t> tale </a:t>
-            </a:r>
-            <a:r>
-              <a:rPr lang="en-US" baseline="0" dirty="0" err="1" smtClean="0"/>
-              <a:t>tecnologia</a:t>
-            </a:r>
-            <a:r>
-              <a:rPr lang="en-US" baseline="0" dirty="0" smtClean="0"/>
+              <a:rPr lang="en-US" dirty="0" err="1" smtClean="0"/>
+              <a:t>essere</a:t>
+            </a:r>
+            <a:r>
+              <a:rPr lang="en-US" dirty="0" smtClean="0"/>
               <a:t> </a:t>
             </a:r>
             <a:r>
-              <a:rPr lang="en-US" baseline="0" dirty="0" err="1" smtClean="0"/>
-              <a:t>sono</a:t>
-            </a:r>
-            <a:r>
-              <a:rPr lang="en-US" baseline="0" dirty="0" smtClean="0"/>
-              <a:t>:</a:t>
+              <a:rPr lang="en-US" dirty="0" err="1" smtClean="0"/>
+              <a:t>utilizzata</a:t>
+            </a:r>
+            <a:r>
+              <a:rPr lang="en-US" baseline="0" dirty="0" smtClean="0"/>
+              <a:t> per:</a:t>
             </a:r>
             <a:endParaRPr lang="en-US" dirty="0" smtClean="0"/>
           </a:p>
@@ -5587,7 +5739,7 @@
               <a:pPr>
                 <a:defRPr/>
               </a:pPr>
-              <a:t>05/01/2019</a:t>
+              <a:t>06/01/2019</a:t>
             </a:fld>
             <a:endParaRPr lang="it-IT" altLang="it-IT"/>
           </a:p>
@@ -5814,7 +5966,7 @@
               <a:pPr>
                 <a:defRPr/>
               </a:pPr>
-              <a:t>05/01/2019</a:t>
+              <a:t>06/01/2019</a:t>
             </a:fld>
             <a:endParaRPr lang="it-IT" altLang="it-IT"/>
           </a:p>
@@ -6051,7 +6203,7 @@
               <a:pPr>
                 <a:defRPr/>
               </a:pPr>
-              <a:t>05/01/2019</a:t>
+              <a:t>06/01/2019</a:t>
             </a:fld>
             <a:endParaRPr lang="it-IT" altLang="it-IT"/>
           </a:p>
@@ -6344,7 +6496,7 @@
               <a:pPr>
                 <a:defRPr/>
               </a:pPr>
-              <a:t>05/01/2019</a:t>
+              <a:t>06/01/2019</a:t>
             </a:fld>
             <a:endParaRPr lang="it-IT" altLang="it-IT"/>
           </a:p>
@@ -6550,7 +6702,7 @@
               <a:pPr>
                 <a:defRPr/>
               </a:pPr>
-              <a:t>05/01/2019</a:t>
+              <a:t>06/01/2019</a:t>
             </a:fld>
             <a:endParaRPr lang="it-IT" altLang="it-IT"/>
           </a:p>
@@ -6756,7 +6908,7 @@
               <a:pPr>
                 <a:defRPr/>
               </a:pPr>
-              <a:t>05/01/2019</a:t>
+              <a:t>06/01/2019</a:t>
             </a:fld>
             <a:endParaRPr lang="it-IT" altLang="it-IT"/>
           </a:p>
@@ -6983,7 +7135,7 @@
               <a:pPr>
                 <a:defRPr/>
               </a:pPr>
-              <a:t>05/01/2019</a:t>
+              <a:t>06/01/2019</a:t>
             </a:fld>
             <a:endParaRPr lang="it-IT" altLang="it-IT"/>
           </a:p>
@@ -7233,7 +7385,7 @@
               <a:pPr>
                 <a:defRPr/>
               </a:pPr>
-              <a:t>05/01/2019</a:t>
+              <a:t>06/01/2019</a:t>
             </a:fld>
             <a:endParaRPr lang="it-IT" altLang="it-IT"/>
           </a:p>
@@ -7521,7 +7673,7 @@
               <a:pPr>
                 <a:defRPr/>
               </a:pPr>
-              <a:t>05/01/2019</a:t>
+              <a:t>06/01/2019</a:t>
             </a:fld>
             <a:endParaRPr lang="it-IT" altLang="it-IT"/>
           </a:p>
@@ -7944,7 +8096,7 @@
               <a:pPr>
                 <a:defRPr/>
               </a:pPr>
-              <a:t>05/01/2019</a:t>
+              <a:t>06/01/2019</a:t>
             </a:fld>
             <a:endParaRPr lang="it-IT" altLang="it-IT"/>
           </a:p>
@@ -8120,7 +8272,7 @@
               <a:pPr>
                 <a:defRPr/>
               </a:pPr>
-              <a:t>05/01/2019</a:t>
+              <a:t>06/01/2019</a:t>
             </a:fld>
             <a:endParaRPr lang="it-IT" altLang="it-IT"/>
           </a:p>
@@ -8274,7 +8426,7 @@
               <a:pPr>
                 <a:defRPr/>
               </a:pPr>
-              <a:t>05/01/2019</a:t>
+              <a:t>06/01/2019</a:t>
             </a:fld>
             <a:endParaRPr lang="it-IT" altLang="it-IT"/>
           </a:p>
@@ -8608,7 +8760,7 @@
               <a:pPr>
                 <a:defRPr/>
               </a:pPr>
-              <a:t>05/01/2019</a:t>
+              <a:t>06/01/2019</a:t>
             </a:fld>
             <a:endParaRPr lang="it-IT" altLang="it-IT"/>
           </a:p>
@@ -8920,7 +9072,7 @@
               <a:pPr>
                 <a:defRPr/>
               </a:pPr>
-              <a:t>05/01/2019</a:t>
+              <a:t>06/01/2019</a:t>
             </a:fld>
             <a:endParaRPr lang="it-IT" altLang="it-IT"/>
           </a:p>
@@ -9592,7 +9744,7 @@
               <a:pPr>
                 <a:defRPr/>
               </a:pPr>
-              <a:t>05/01/2019</a:t>
+              <a:t>06/01/2019</a:t>
             </a:fld>
             <a:endParaRPr lang="it-IT" altLang="it-IT"/>
           </a:p>
@@ -10793,7 +10945,7 @@
               <a:pPr>
                 <a:defRPr/>
               </a:pPr>
-              <a:t>05/01/2019</a:t>
+              <a:t>06/01/2019</a:t>
             </a:fld>
             <a:endParaRPr lang="it-IT" altLang="it-IT"/>
           </a:p>
@@ -11034,7 +11186,7 @@
               <a:pPr>
                 <a:defRPr/>
               </a:pPr>
-              <a:t>05/01/2019</a:t>
+              <a:t>06/01/2019</a:t>
             </a:fld>
             <a:endParaRPr lang="it-IT" altLang="it-IT"/>
           </a:p>
@@ -11192,15 +11344,7 @@
             </a:r>
             <a:r>
               <a:rPr lang="en-US" dirty="0" smtClean="0"/>
-              <a:t>frame to </a:t>
-            </a:r>
-            <a:r>
-              <a:rPr lang="en-US" dirty="0" smtClean="0"/>
-              <a:t>better analyze </a:t>
-            </a:r>
-            <a:r>
-              <a:rPr lang="en-US" dirty="0" smtClean="0"/>
-              <a:t>the image.</a:t>
+              <a:t>frame to better analyze the image.</a:t>
             </a:r>
             <a:endParaRPr lang="en-US" dirty="0"/>
           </a:p>
@@ -11281,7 +11425,7 @@
               <a:pPr>
                 <a:defRPr/>
               </a:pPr>
-              <a:t>05/01/2019</a:t>
+              <a:t>06/01/2019</a:t>
             </a:fld>
             <a:endParaRPr lang="it-IT" altLang="it-IT" dirty="0"/>
           </a:p>
@@ -11530,7 +11674,7 @@
               <a:pPr>
                 <a:defRPr/>
               </a:pPr>
-              <a:t>05/01/2019</a:t>
+              <a:t>06/01/2019</a:t>
             </a:fld>
             <a:endParaRPr lang="it-IT" altLang="it-IT"/>
           </a:p>
@@ -11715,15 +11859,7 @@
           <a:p>
             <a:r>
               <a:rPr lang="en-US" dirty="0" smtClean="0"/>
-              <a:t>Linear </a:t>
-            </a:r>
-            <a:r>
-              <a:rPr lang="en-US" dirty="0" smtClean="0"/>
-              <a:t>Kernel in both cases</a:t>
-            </a:r>
-            <a:r>
-              <a:rPr lang="en-US" dirty="0" smtClean="0"/>
-              <a:t>.</a:t>
+              <a:t>Linear Kernel in both cases.</a:t>
             </a:r>
           </a:p>
           <a:p>
@@ -11757,7 +11893,7 @@
               <a:pPr>
                 <a:defRPr/>
               </a:pPr>
-              <a:t>05/01/2019</a:t>
+              <a:t>06/01/2019</a:t>
             </a:fld>
             <a:endParaRPr lang="it-IT" altLang="it-IT"/>
           </a:p>
@@ -11904,19 +12040,7 @@
           <a:p>
             <a:r>
               <a:rPr lang="en-US" dirty="0" smtClean="0"/>
-              <a:t>Trained on </a:t>
-            </a:r>
-            <a:r>
-              <a:rPr lang="en-US" dirty="0" smtClean="0"/>
-              <a:t>four </a:t>
-            </a:r>
-            <a:r>
-              <a:rPr lang="en-US" dirty="0" smtClean="0"/>
-              <a:t>dataset: ﻿DISFA, </a:t>
-            </a:r>
-            <a:r>
-              <a:rPr lang="en-US" dirty="0" smtClean="0"/>
-              <a:t>BP4D-Spontaneous, SEMAINE and </a:t>
+              <a:t>Trained on four dataset: ﻿DISFA, BP4D-Spontaneous, SEMAINE and </a:t>
             </a:r>
             <a:r>
               <a:rPr lang="en-US" dirty="0" err="1" smtClean="0"/>
@@ -11930,18 +12054,12 @@
               <a:rPr lang="en-US" dirty="0" smtClean="0"/>
               <a:t>. </a:t>
             </a:r>
-            <a:endParaRPr lang="en-US" dirty="0" smtClean="0"/>
           </a:p>
           <a:p>
             <a:r>
               <a:rPr lang="en-US" dirty="0" smtClean="0"/>
-              <a:t>Datasets consist of videos of people subject to emotion inducing tasks, with AUs annotated</a:t>
-            </a:r>
-            <a:r>
-              <a:rPr lang="en-US" dirty="0" smtClean="0"/>
-              <a:t>.</a:t>
-            </a:r>
-            <a:endParaRPr lang="en-US" dirty="0" smtClean="0"/>
+              <a:t>Datasets consist of videos of people subject to emotion inducing tasks, with AUs annotated.</a:t>
+            </a:r>
           </a:p>
         </p:txBody>
       </p:sp>
@@ -11968,7 +12086,7 @@
               <a:pPr>
                 <a:defRPr/>
               </a:pPr>
-              <a:t>05/01/2019</a:t>
+              <a:t>06/01/2019</a:t>
             </a:fld>
             <a:endParaRPr lang="it-IT" altLang="it-IT"/>
           </a:p>
@@ -12049,8 +12167,8 @@
         </p:blipFill>
         <p:spPr>
           <a:xfrm>
-            <a:off x="1069121" y="2983504"/>
-            <a:ext cx="7535327" cy="1467055"/>
+            <a:off x="1475656" y="3096325"/>
+            <a:ext cx="6455207" cy="1256766"/>
           </a:xfrm>
           <a:prstGeom prst="rect">
             <a:avLst/>
@@ -12073,8 +12191,8 @@
         </p:blipFill>
         <p:spPr>
           <a:xfrm>
-            <a:off x="1078648" y="4419744"/>
-            <a:ext cx="7525800" cy="1457528"/>
+            <a:off x="1485183" y="4339644"/>
+            <a:ext cx="6447046" cy="1248605"/>
           </a:xfrm>
           <a:prstGeom prst="rect">
             <a:avLst/>
@@ -12163,15 +12281,7 @@
           <a:p>
             <a:r>
               <a:rPr lang="en-US" dirty="0" smtClean="0"/>
-              <a:t>Can recognize the following </a:t>
-            </a:r>
-            <a:r>
-              <a:rPr lang="en-US" dirty="0" smtClean="0"/>
-              <a:t>18 AUs</a:t>
-            </a:r>
-            <a:r>
-              <a:rPr lang="en-US" dirty="0" smtClean="0"/>
-              <a:t>:</a:t>
+              <a:t>Can recognize the following 18 AUs:</a:t>
             </a:r>
           </a:p>
           <a:p>
@@ -12202,7 +12312,7 @@
               <a:pPr>
                 <a:defRPr/>
               </a:pPr>
-              <a:t>05/01/2019</a:t>
+              <a:t>06/01/2019</a:t>
             </a:fld>
             <a:endParaRPr lang="it-IT" altLang="it-IT"/>
           </a:p>
@@ -12351,11 +12461,7 @@
           <a:p>
             <a:r>
               <a:rPr lang="en-US" dirty="0" smtClean="0"/>
-              <a:t>Training </a:t>
-            </a:r>
-            <a:r>
-              <a:rPr lang="en-US" dirty="0" smtClean="0"/>
-              <a:t>Dataset</a:t>
+              <a:t>Training Dataset</a:t>
             </a:r>
             <a:endParaRPr lang="en-US" dirty="0"/>
           </a:p>
@@ -12400,42 +12506,50 @@
             <a:pPr lvl="1"/>
             <a:r>
               <a:rPr lang="en-US" dirty="0" smtClean="0"/>
-              <a:t>61 deceptive, 60 truthful.</a:t>
-            </a:r>
-          </a:p>
-          <a:p>
+              <a:t>61 deceptive, 60 truthful</a:t>
+            </a:r>
             <a:r>
               <a:rPr lang="en-US" dirty="0" smtClean="0"/>
-              <a:t>Defendant or witness can be clearly identified.</a:t>
+              <a:t>.</a:t>
             </a:r>
           </a:p>
           <a:p>
             <a:r>
               <a:rPr lang="en-US" dirty="0" smtClean="0"/>
-              <a:t>Three outcomes to label the videos as deceptive or truthful.</a:t>
-            </a:r>
-          </a:p>
-          <a:p>
-            <a:pPr lvl="1"/>
+              <a:t>58 subjects.</a:t>
+            </a:r>
+          </a:p>
+          <a:p>
             <a:r>
               <a:rPr lang="en-US" dirty="0" smtClean="0"/>
-              <a:t>Guilty, Non-guilty, Exonerated (reversal of the sentence).</a:t>
-            </a:r>
-          </a:p>
-          <a:p>
+              <a:t>Cut/Remove so that subject’s face is visible.</a:t>
+            </a:r>
+            <a:endParaRPr lang="en-US" dirty="0" smtClean="0"/>
+          </a:p>
+          <a:p>
+            <a:r>
+              <a:rPr lang="en-US" dirty="0"/>
+              <a:t>L</a:t>
+            </a:r>
             <a:r>
               <a:rPr lang="en-US" dirty="0" smtClean="0"/>
-              <a:t>Testimony were verified by police officers.</a:t>
+              <a:t>abel based on the outcome of the trial.</a:t>
             </a:r>
           </a:p>
           <a:p>
             <a:r>
               <a:rPr lang="en-US" dirty="0" smtClean="0"/>
-              <a:t>Work on cutting and removing videos.</a:t>
-            </a:r>
-          </a:p>
-          <a:p>
-            <a:endParaRPr lang="en-US" dirty="0"/>
+              <a:t>Testimony </a:t>
+            </a:r>
+            <a:r>
+              <a:rPr lang="en-US" dirty="0" smtClean="0"/>
+              <a:t>were verified by police officers</a:t>
+            </a:r>
+            <a:r>
+              <a:rPr lang="en-US" dirty="0" smtClean="0"/>
+              <a:t>.</a:t>
+            </a:r>
+            <a:endParaRPr lang="en-US" dirty="0" smtClean="0"/>
           </a:p>
         </p:txBody>
       </p:sp>
@@ -12462,7 +12576,7 @@
               <a:pPr>
                 <a:defRPr/>
               </a:pPr>
-              <a:t>05/01/2019</a:t>
+              <a:t>06/01/2019</a:t>
             </a:fld>
             <a:endParaRPr lang="it-IT" altLang="it-IT"/>
           </a:p>
@@ -12580,8 +12694,8 @@
           <a:lstStyle/>
           <a:p>
             <a:r>
-              <a:rPr lang="en-US" dirty="0" smtClean="0"/>
-              <a:t>Deception Detection</a:t>
+              <a:rPr lang="en-US" dirty="0"/>
+              <a:t>Training Dataset</a:t>
             </a:r>
             <a:endParaRPr lang="en-US" dirty="0"/>
           </a:p>
@@ -12608,59 +12722,75 @@
           <a:lstStyle/>
           <a:p>
             <a:r>
+              <a:rPr lang="en-US" dirty="0" smtClean="0"/>
+              <a:t>Data stats:</a:t>
+            </a:r>
+          </a:p>
+          <a:p>
+            <a:r>
+              <a:rPr lang="en-US" dirty="0" smtClean="0"/>
+              <a:t>~86.000 total frames</a:t>
+            </a:r>
+          </a:p>
+          <a:p>
+            <a:r>
+              <a:rPr lang="en-US" dirty="0" smtClean="0"/>
+              <a:t>~72.000 frames for train set</a:t>
+            </a:r>
+          </a:p>
+          <a:p>
+            <a:r>
+              <a:rPr lang="en-US" dirty="0" smtClean="0"/>
+              <a:t>~14.000 frame test set</a:t>
+            </a:r>
+          </a:p>
+          <a:p>
+            <a:r>
+              <a:rPr lang="en-US" dirty="0" smtClean="0"/>
+              <a:t>Person specific division due to </a:t>
+            </a:r>
+            <a:r>
               <a:rPr lang="en-US" dirty="0"/>
-              <a:t>Pre-processing of data:</a:t>
+              <a:t>overfitting, often the same identity is either uniformly deceptive or </a:t>
+            </a:r>
+            <a:r>
+              <a:rPr lang="en-US" dirty="0" smtClean="0"/>
+              <a:t>truthful. </a:t>
             </a:r>
           </a:p>
           <a:p>
             <a:pPr lvl="1"/>
             <a:r>
+              <a:rPr lang="en-US" dirty="0" smtClean="0"/>
+              <a:t>A </a:t>
+            </a:r>
+            <a:r>
               <a:rPr lang="en-US" dirty="0"/>
-              <a:t>Removal of all 0s rows</a:t>
-            </a:r>
+              <a:t>deception detection method may simply degenerate to person </a:t>
+            </a:r>
+            <a:r>
+              <a:rPr lang="en-US" dirty="0" err="1" smtClean="0"/>
+              <a:t>reidentification</a:t>
+            </a:r>
+            <a:r>
+              <a:rPr lang="en-US" dirty="0"/>
+              <a:t>, if videos of the same person were included in both the training and test</a:t>
+            </a:r>
+            <a:endParaRPr lang="en-US" dirty="0" smtClean="0"/>
           </a:p>
           <a:p>
             <a:pPr lvl="1"/>
             <a:r>
               <a:rPr lang="en-US" dirty="0"/>
-              <a:t>Presence Boolean 0 or 1</a:t>
-            </a:r>
+              <a:t>40 train, 18 test</a:t>
+            </a:r>
+          </a:p>
+          <a:p>
+            <a:endParaRPr lang="en-US" dirty="0" smtClean="0"/>
           </a:p>
           <a:p>
             <a:pPr lvl="1"/>
-            <a:r>
-              <a:rPr lang="en-US" dirty="0"/>
-              <a:t>Intensity from 0 to 5</a:t>
-            </a:r>
-          </a:p>
-          <a:p>
-            <a:pPr lvl="1"/>
-            <a:r>
-              <a:rPr lang="en-US" dirty="0"/>
-              <a:t>Three sets of data for analysis</a:t>
-            </a:r>
-          </a:p>
-          <a:p>
-            <a:pPr lvl="2"/>
-            <a:r>
-              <a:rPr lang="en-US" dirty="0"/>
-              <a:t>Only presence</a:t>
-            </a:r>
-          </a:p>
-          <a:p>
-            <a:pPr lvl="2"/>
-            <a:r>
-              <a:rPr lang="en-US" dirty="0"/>
-              <a:t>Only intensity</a:t>
-            </a:r>
-          </a:p>
-          <a:p>
-            <a:pPr lvl="2"/>
-            <a:r>
-              <a:rPr lang="en-US" dirty="0" smtClean="0"/>
-              <a:t>Presence &amp; Intensity</a:t>
-            </a:r>
-            <a:endParaRPr lang="en-US" dirty="0"/>
+            <a:endParaRPr lang="en-US" dirty="0" smtClean="0"/>
           </a:p>
         </p:txBody>
       </p:sp>
@@ -12687,7 +12817,7 @@
               <a:pPr>
                 <a:defRPr/>
               </a:pPr>
-              <a:t>05/01/2019</a:t>
+              <a:t>06/01/2019</a:t>
             </a:fld>
             <a:endParaRPr lang="it-IT" altLang="it-IT"/>
           </a:p>
@@ -12747,6 +12877,232 @@
                 <a:defRPr/>
               </a:pPr>
               <a:t>18</a:t>
+            </a:fld>
+            <a:endParaRPr lang="it-IT" altLang="it-IT"/>
+          </a:p>
+        </p:txBody>
+      </p:sp>
+    </p:spTree>
+    <p:extLst>
+      <p:ext uri="{BB962C8B-B14F-4D97-AF65-F5344CB8AC3E}">
+        <p14:creationId xmlns:p14="http://schemas.microsoft.com/office/powerpoint/2010/main" val="3807782630"/>
+      </p:ext>
+    </p:extLst>
+  </p:cSld>
+  <p:clrMapOvr>
+    <a:masterClrMapping/>
+  </p:clrMapOvr>
+  <p:timing>
+    <p:tnLst>
+      <p:par>
+        <p:cTn id="1" dur="indefinite" restart="never" nodeType="tmRoot"/>
+      </p:par>
+    </p:tnLst>
+  </p:timing>
+</p:sld>
+</file>
+
+<file path=ppt/slides/slide19.xml><?xml version="1.0" encoding="utf-8"?>
+<p:sld xmlns:a="http://schemas.openxmlformats.org/drawingml/2006/main" xmlns:r="http://schemas.openxmlformats.org/officeDocument/2006/relationships" xmlns:p="http://schemas.openxmlformats.org/presentationml/2006/main">
+  <p:cSld>
+    <p:spTree>
+      <p:nvGrpSpPr>
+        <p:cNvPr id="1" name=""/>
+        <p:cNvGrpSpPr/>
+        <p:nvPr/>
+      </p:nvGrpSpPr>
+      <p:grpSpPr>
+        <a:xfrm>
+          <a:off x="0" y="0"/>
+          <a:ext cx="0" cy="0"/>
+          <a:chOff x="0" y="0"/>
+          <a:chExt cx="0" cy="0"/>
+        </a:xfrm>
+      </p:grpSpPr>
+      <p:sp>
+        <p:nvSpPr>
+          <p:cNvPr id="2" name="Title 1"/>
+          <p:cNvSpPr>
+            <a:spLocks noGrp="1"/>
+          </p:cNvSpPr>
+          <p:nvPr>
+            <p:ph type="title"/>
+          </p:nvPr>
+        </p:nvSpPr>
+        <p:spPr/>
+        <p:txBody>
+          <a:bodyPr/>
+          <a:lstStyle/>
+          <a:p>
+            <a:r>
+              <a:rPr lang="en-US" dirty="0" smtClean="0"/>
+              <a:t>Deception Detection</a:t>
+            </a:r>
+            <a:endParaRPr lang="en-US" dirty="0"/>
+          </a:p>
+        </p:txBody>
+      </p:sp>
+      <p:sp>
+        <p:nvSpPr>
+          <p:cNvPr id="3" name="Content Placeholder 2"/>
+          <p:cNvSpPr>
+            <a:spLocks noGrp="1"/>
+          </p:cNvSpPr>
+          <p:nvPr>
+            <p:ph idx="1"/>
+          </p:nvPr>
+        </p:nvSpPr>
+        <p:spPr>
+          <a:xfrm>
+            <a:off x="1116013" y="1203672"/>
+            <a:ext cx="7559675" cy="4385568"/>
+          </a:xfrm>
+        </p:spPr>
+        <p:txBody>
+          <a:bodyPr/>
+          <a:lstStyle/>
+          <a:p>
+            <a:r>
+              <a:rPr lang="en-US" dirty="0" smtClean="0"/>
+              <a:t>Structure of the data:</a:t>
+            </a:r>
+            <a:endParaRPr lang="en-US" dirty="0"/>
+          </a:p>
+          <a:p>
+            <a:pPr lvl="1"/>
+            <a:r>
+              <a:rPr lang="en-US" dirty="0"/>
+              <a:t>Removal of all 0s rows</a:t>
+            </a:r>
+          </a:p>
+          <a:p>
+            <a:pPr lvl="1"/>
+            <a:r>
+              <a:rPr lang="en-US" dirty="0"/>
+              <a:t>Presence Boolean 0 or 1</a:t>
+            </a:r>
+          </a:p>
+          <a:p>
+            <a:pPr lvl="1"/>
+            <a:r>
+              <a:rPr lang="en-US" dirty="0"/>
+              <a:t>Intensity from 0 to 5</a:t>
+            </a:r>
+          </a:p>
+          <a:p>
+            <a:pPr lvl="1"/>
+            <a:r>
+              <a:rPr lang="en-US" dirty="0"/>
+              <a:t>Three sets of data for analysis</a:t>
+            </a:r>
+          </a:p>
+          <a:p>
+            <a:pPr lvl="2"/>
+            <a:r>
+              <a:rPr lang="en-US" dirty="0"/>
+              <a:t>Only presence</a:t>
+            </a:r>
+          </a:p>
+          <a:p>
+            <a:pPr lvl="2"/>
+            <a:r>
+              <a:rPr lang="en-US" dirty="0"/>
+              <a:t>Only intensity</a:t>
+            </a:r>
+          </a:p>
+          <a:p>
+            <a:pPr lvl="2"/>
+            <a:r>
+              <a:rPr lang="en-US" dirty="0" smtClean="0"/>
+              <a:t>Presence &amp; Intensity</a:t>
+            </a:r>
+            <a:endParaRPr lang="en-US" dirty="0"/>
+          </a:p>
+        </p:txBody>
+      </p:sp>
+      <p:sp>
+        <p:nvSpPr>
+          <p:cNvPr id="4" name="Date Placeholder 3"/>
+          <p:cNvSpPr>
+            <a:spLocks noGrp="1"/>
+          </p:cNvSpPr>
+          <p:nvPr>
+            <p:ph type="dt" sz="half" idx="10"/>
+          </p:nvPr>
+        </p:nvSpPr>
+        <p:spPr/>
+        <p:txBody>
+          <a:bodyPr/>
+          <a:lstStyle/>
+          <a:p>
+            <a:pPr>
+              <a:defRPr/>
+            </a:pPr>
+            <a:fld id="{B730D388-5B29-4126-AC54-A0FD22452F77}" type="datetime1">
+              <a:rPr lang="it-IT" altLang="it-IT" smtClean="0"/>
+              <a:pPr>
+                <a:defRPr/>
+              </a:pPr>
+              <a:t>06/01/2019</a:t>
+            </a:fld>
+            <a:endParaRPr lang="it-IT" altLang="it-IT"/>
+          </a:p>
+        </p:txBody>
+      </p:sp>
+      <p:sp>
+        <p:nvSpPr>
+          <p:cNvPr id="5" name="Footer Placeholder 4"/>
+          <p:cNvSpPr>
+            <a:spLocks noGrp="1"/>
+          </p:cNvSpPr>
+          <p:nvPr>
+            <p:ph type="ftr" sz="quarter" idx="11"/>
+          </p:nvPr>
+        </p:nvSpPr>
+        <p:spPr/>
+        <p:txBody>
+          <a:bodyPr/>
+          <a:lstStyle/>
+          <a:p>
+            <a:pPr>
+              <a:defRPr/>
+            </a:pPr>
+            <a:r>
+              <a:rPr lang="en-US" altLang="it-IT" dirty="0" smtClean="0"/>
+              <a:t>Deception Detection using Facial Action Units</a:t>
+            </a:r>
+            <a:endParaRPr lang="it-IT" altLang="it-IT" dirty="0"/>
+          </a:p>
+        </p:txBody>
+      </p:sp>
+      <p:sp>
+        <p:nvSpPr>
+          <p:cNvPr id="6" name="Slide Number Placeholder 5"/>
+          <p:cNvSpPr>
+            <a:spLocks noGrp="1"/>
+          </p:cNvSpPr>
+          <p:nvPr>
+            <p:ph type="sldNum" sz="quarter" idx="12"/>
+          </p:nvPr>
+        </p:nvSpPr>
+        <p:spPr/>
+        <p:txBody>
+          <a:bodyPr/>
+          <a:lstStyle/>
+          <a:p>
+            <a:pPr>
+              <a:defRPr/>
+            </a:pPr>
+            <a:r>
+              <a:rPr lang="it-IT" altLang="it-IT" smtClean="0"/>
+              <a:t>Pagina </a:t>
+            </a:r>
+            <a:fld id="{A5888ACF-FC31-4A35-9932-E1138572A9AA}" type="slidenum">
+              <a:rPr lang="it-IT" altLang="it-IT" smtClean="0"/>
+              <a:pPr>
+                <a:defRPr/>
+              </a:pPr>
+              <a:t>19</a:t>
             </a:fld>
             <a:endParaRPr lang="it-IT" altLang="it-IT"/>
           </a:p>
@@ -12802,205 +13158,6 @@
 </p:sld>
 </file>
 
-<file path=ppt/slides/slide19.xml><?xml version="1.0" encoding="utf-8"?>
-<p:sld xmlns:a="http://schemas.openxmlformats.org/drawingml/2006/main" xmlns:r="http://schemas.openxmlformats.org/officeDocument/2006/relationships" xmlns:p="http://schemas.openxmlformats.org/presentationml/2006/main">
-  <p:cSld>
-    <p:spTree>
-      <p:nvGrpSpPr>
-        <p:cNvPr id="1" name=""/>
-        <p:cNvGrpSpPr/>
-        <p:nvPr/>
-      </p:nvGrpSpPr>
-      <p:grpSpPr>
-        <a:xfrm>
-          <a:off x="0" y="0"/>
-          <a:ext cx="0" cy="0"/>
-          <a:chOff x="0" y="0"/>
-          <a:chExt cx="0" cy="0"/>
-        </a:xfrm>
-      </p:grpSpPr>
-      <p:sp>
-        <p:nvSpPr>
-          <p:cNvPr id="2" name="Title 1"/>
-          <p:cNvSpPr>
-            <a:spLocks noGrp="1"/>
-          </p:cNvSpPr>
-          <p:nvPr>
-            <p:ph type="title"/>
-          </p:nvPr>
-        </p:nvSpPr>
-        <p:spPr/>
-        <p:txBody>
-          <a:bodyPr/>
-          <a:lstStyle/>
-          <a:p>
-            <a:r>
-              <a:rPr lang="en-US" dirty="0" smtClean="0"/>
-              <a:t>Deception Detection</a:t>
-            </a:r>
-            <a:endParaRPr lang="en-US" dirty="0"/>
-          </a:p>
-        </p:txBody>
-      </p:sp>
-      <p:sp>
-        <p:nvSpPr>
-          <p:cNvPr id="3" name="Content Placeholder 2"/>
-          <p:cNvSpPr>
-            <a:spLocks noGrp="1"/>
-          </p:cNvSpPr>
-          <p:nvPr>
-            <p:ph idx="1"/>
-          </p:nvPr>
-        </p:nvSpPr>
-        <p:spPr>
-          <a:xfrm>
-            <a:off x="1116013" y="1203672"/>
-            <a:ext cx="7559675" cy="4385568"/>
-          </a:xfrm>
-        </p:spPr>
-        <p:txBody>
-          <a:bodyPr/>
-          <a:lstStyle/>
-          <a:p>
-            <a:r>
-              <a:rPr lang="en-US" dirty="0" smtClean="0"/>
-              <a:t>Data stats:</a:t>
-            </a:r>
-          </a:p>
-          <a:p>
-            <a:r>
-              <a:rPr lang="en-US" dirty="0" smtClean="0"/>
-              <a:t>~86.000 total frames</a:t>
-            </a:r>
-          </a:p>
-          <a:p>
-            <a:r>
-              <a:rPr lang="en-US" dirty="0" smtClean="0"/>
-              <a:t>~72.000 frames for train set</a:t>
-            </a:r>
-          </a:p>
-          <a:p>
-            <a:r>
-              <a:rPr lang="en-US" dirty="0" smtClean="0"/>
-              <a:t>~14.000 frame test set</a:t>
-            </a:r>
-          </a:p>
-          <a:p>
-            <a:r>
-              <a:rPr lang="en-US" dirty="0" smtClean="0"/>
-              <a:t>Person specific division due to overfitting</a:t>
-            </a:r>
-          </a:p>
-        </p:txBody>
-      </p:sp>
-      <p:sp>
-        <p:nvSpPr>
-          <p:cNvPr id="4" name="Date Placeholder 3"/>
-          <p:cNvSpPr>
-            <a:spLocks noGrp="1"/>
-          </p:cNvSpPr>
-          <p:nvPr>
-            <p:ph type="dt" sz="half" idx="10"/>
-          </p:nvPr>
-        </p:nvSpPr>
-        <p:spPr/>
-        <p:txBody>
-          <a:bodyPr/>
-          <a:lstStyle/>
-          <a:p>
-            <a:pPr>
-              <a:defRPr/>
-            </a:pPr>
-            <a:fld id="{B730D388-5B29-4126-AC54-A0FD22452F77}" type="datetime1">
-              <a:rPr lang="it-IT" altLang="it-IT" smtClean="0"/>
-              <a:pPr>
-                <a:defRPr/>
-              </a:pPr>
-              <a:t>05/01/2019</a:t>
-            </a:fld>
-            <a:endParaRPr lang="it-IT" altLang="it-IT"/>
-          </a:p>
-        </p:txBody>
-      </p:sp>
-      <p:sp>
-        <p:nvSpPr>
-          <p:cNvPr id="5" name="Footer Placeholder 4"/>
-          <p:cNvSpPr>
-            <a:spLocks noGrp="1"/>
-          </p:cNvSpPr>
-          <p:nvPr>
-            <p:ph type="ftr" sz="quarter" idx="11"/>
-          </p:nvPr>
-        </p:nvSpPr>
-        <p:spPr/>
-        <p:txBody>
-          <a:bodyPr/>
-          <a:lstStyle/>
-          <a:p>
-            <a:pPr>
-              <a:defRPr/>
-            </a:pPr>
-            <a:r>
-              <a:rPr lang="en-US" altLang="it-IT" dirty="0" smtClean="0"/>
-              <a:t>Deception Detection using Facial Action Units</a:t>
-            </a:r>
-            <a:endParaRPr lang="it-IT" altLang="it-IT" dirty="0"/>
-          </a:p>
-        </p:txBody>
-      </p:sp>
-      <p:sp>
-        <p:nvSpPr>
-          <p:cNvPr id="6" name="Slide Number Placeholder 5"/>
-          <p:cNvSpPr>
-            <a:spLocks noGrp="1"/>
-          </p:cNvSpPr>
-          <p:nvPr>
-            <p:ph type="sldNum" sz="quarter" idx="12"/>
-          </p:nvPr>
-        </p:nvSpPr>
-        <p:spPr/>
-        <p:txBody>
-          <a:bodyPr/>
-          <a:lstStyle/>
-          <a:p>
-            <a:pPr>
-              <a:defRPr/>
-            </a:pPr>
-            <a:r>
-              <a:rPr lang="it-IT" altLang="it-IT" smtClean="0"/>
-              <a:t>Pagina </a:t>
-            </a:r>
-            <a:fld id="{A5888ACF-FC31-4A35-9932-E1138572A9AA}" type="slidenum">
-              <a:rPr lang="it-IT" altLang="it-IT" smtClean="0"/>
-              <a:pPr>
-                <a:defRPr/>
-              </a:pPr>
-              <a:t>19</a:t>
-            </a:fld>
-            <a:endParaRPr lang="it-IT" altLang="it-IT"/>
-          </a:p>
-        </p:txBody>
-      </p:sp>
-    </p:spTree>
-    <p:extLst>
-      <p:ext uri="{BB962C8B-B14F-4D97-AF65-F5344CB8AC3E}">
-        <p14:creationId xmlns:p14="http://schemas.microsoft.com/office/powerpoint/2010/main" val="3807782630"/>
-      </p:ext>
-    </p:extLst>
-  </p:cSld>
-  <p:clrMapOvr>
-    <a:masterClrMapping/>
-  </p:clrMapOvr>
-  <p:timing>
-    <p:tnLst>
-      <p:par>
-        <p:cTn id="1" dur="indefinite" restart="never" nodeType="tmRoot"/>
-      </p:par>
-    </p:tnLst>
-  </p:timing>
-</p:sld>
-</file>
-
 <file path=ppt/slides/slide2.xml><?xml version="1.0" encoding="utf-8"?>
 <p:sld xmlns:a="http://schemas.openxmlformats.org/drawingml/2006/main" xmlns:r="http://schemas.openxmlformats.org/officeDocument/2006/relationships" xmlns:p="http://schemas.openxmlformats.org/presentationml/2006/main">
   <p:cSld>
@@ -13123,7 +13280,7 @@
               <a:pPr>
                 <a:defRPr/>
               </a:pPr>
-              <a:t>05/01/2019</a:t>
+              <a:t>06/01/2019</a:t>
             </a:fld>
             <a:endParaRPr lang="it-IT" altLang="it-IT" dirty="0"/>
           </a:p>
@@ -13348,7 +13505,7 @@
               <a:pPr>
                 <a:defRPr/>
               </a:pPr>
-              <a:t>05/01/2019</a:t>
+              <a:t>06/01/2019</a:t>
             </a:fld>
             <a:endParaRPr lang="it-IT" altLang="it-IT"/>
           </a:p>
@@ -13555,7 +13712,7 @@
               <a:pPr>
                 <a:defRPr/>
               </a:pPr>
-              <a:t>05/01/2019</a:t>
+              <a:t>06/01/2019</a:t>
             </a:fld>
             <a:endParaRPr lang="it-IT" altLang="it-IT"/>
           </a:p>
@@ -13773,7 +13930,7 @@
               <a:pPr>
                 <a:defRPr/>
               </a:pPr>
-              <a:t>05/01/2019</a:t>
+              <a:t>06/01/2019</a:t>
             </a:fld>
             <a:endParaRPr lang="it-IT" altLang="it-IT"/>
           </a:p>
@@ -13996,12 +14153,8 @@
               <a:t>Implement heuristics based on psychological </a:t>
             </a:r>
             <a:r>
-              <a:rPr lang="en-US" dirty="0" err="1" smtClean="0"/>
-              <a:t>stidies</a:t>
-            </a:r>
-            <a:r>
               <a:rPr lang="en-US" dirty="0" smtClean="0"/>
-              <a:t>.</a:t>
+              <a:t>studies.</a:t>
             </a:r>
             <a:endParaRPr lang="en-US" dirty="0"/>
           </a:p>
@@ -14030,7 +14183,7 @@
               <a:pPr>
                 <a:defRPr/>
               </a:pPr>
-              <a:t>05/01/2019</a:t>
+              <a:t>06/01/2019</a:t>
             </a:fld>
             <a:endParaRPr lang="it-IT" altLang="it-IT"/>
           </a:p>
@@ -14155,7 +14308,7 @@
               <a:pPr>
                 <a:defRPr/>
               </a:pPr>
-              <a:t>05/01/2019</a:t>
+              <a:t>06/01/2019</a:t>
             </a:fld>
             <a:endParaRPr lang="it-IT" altLang="it-IT"/>
           </a:p>
@@ -14498,7 +14651,7 @@
               <a:pPr>
                 <a:defRPr/>
               </a:pPr>
-              <a:t>05/01/2019</a:t>
+              <a:t>06/01/2019</a:t>
             </a:fld>
             <a:endParaRPr lang="it-IT" altLang="it-IT"/>
           </a:p>
@@ -14726,7 +14879,7 @@
               <a:pPr>
                 <a:defRPr/>
               </a:pPr>
-              <a:t>05/01/2019</a:t>
+              <a:t>06/01/2019</a:t>
             </a:fld>
             <a:endParaRPr lang="it-IT" altLang="it-IT"/>
           </a:p>
@@ -14952,7 +15105,7 @@
               <a:pPr>
                 <a:defRPr/>
               </a:pPr>
-              <a:t>05/01/2019</a:t>
+              <a:t>06/01/2019</a:t>
             </a:fld>
             <a:endParaRPr lang="it-IT" altLang="it-IT"/>
           </a:p>
@@ -15216,7 +15369,7 @@
               <a:pPr>
                 <a:defRPr/>
               </a:pPr>
-              <a:t>05/01/2019</a:t>
+              <a:t>06/01/2019</a:t>
             </a:fld>
             <a:endParaRPr lang="it-IT" altLang="it-IT"/>
           </a:p>
@@ -15428,7 +15581,7 @@
               <a:pPr>
                 <a:defRPr/>
               </a:pPr>
-              <a:t>05/01/2019</a:t>
+              <a:t>06/01/2019</a:t>
             </a:fld>
             <a:endParaRPr lang="it-IT" altLang="it-IT"/>
           </a:p>
@@ -15642,7 +15795,7 @@
               <a:pPr>
                 <a:defRPr/>
               </a:pPr>
-              <a:t>05/01/2019</a:t>
+              <a:t>06/01/2019</a:t>
             </a:fld>
             <a:endParaRPr lang="it-IT" altLang="it-IT"/>
           </a:p>
@@ -15915,7 +16068,7 @@
               <a:pPr>
                 <a:defRPr/>
               </a:pPr>
-              <a:t>05/01/2019</a:t>
+              <a:t>06/01/2019</a:t>
             </a:fld>
             <a:endParaRPr lang="it-IT" altLang="it-IT"/>
           </a:p>
@@ -16160,7 +16313,7 @@
               <a:pPr>
                 <a:defRPr/>
               </a:pPr>
-              <a:t>05/01/2019</a:t>
+              <a:t>06/01/2019</a:t>
             </a:fld>
             <a:endParaRPr lang="it-IT" altLang="it-IT"/>
           </a:p>

--- a/Tesi Emanuele Orfanelli 1383726.pptx
+++ b/Tesi Emanuele Orfanelli 1383726.pptx
@@ -5,10 +5,10 @@
     <p:sldMasterId id="2147483648" r:id="rId1"/>
   </p:sldMasterIdLst>
   <p:notesMasterIdLst>
-    <p:notesMasterId r:id="rId27"/>
+    <p:notesMasterId r:id="rId29"/>
   </p:notesMasterIdLst>
   <p:handoutMasterIdLst>
-    <p:handoutMasterId r:id="rId28"/>
+    <p:handoutMasterId r:id="rId30"/>
   </p:handoutMasterIdLst>
   <p:sldIdLst>
     <p:sldId id="263" r:id="rId2"/>
@@ -31,11 +31,13 @@
     <p:sldId id="306" r:id="rId19"/>
     <p:sldId id="304" r:id="rId20"/>
     <p:sldId id="305" r:id="rId21"/>
-    <p:sldId id="296" r:id="rId22"/>
-    <p:sldId id="297" r:id="rId23"/>
-    <p:sldId id="298" r:id="rId24"/>
-    <p:sldId id="311" r:id="rId25"/>
-    <p:sldId id="310" r:id="rId26"/>
+    <p:sldId id="314" r:id="rId22"/>
+    <p:sldId id="313" r:id="rId23"/>
+    <p:sldId id="296" r:id="rId24"/>
+    <p:sldId id="297" r:id="rId25"/>
+    <p:sldId id="298" r:id="rId26"/>
+    <p:sldId id="311" r:id="rId27"/>
+    <p:sldId id="310" r:id="rId28"/>
   </p:sldIdLst>
   <p:sldSz cx="9144000" cy="6858000" type="screen4x3"/>
   <p:notesSz cx="6858000" cy="9144000"/>
@@ -2972,11 +2974,7 @@
           <a:p>
             <a:r>
               <a:rPr lang="en-US" baseline="0" dirty="0" smtClean="0"/>
-              <a:t>How </a:t>
-            </a:r>
-            <a:r>
-              <a:rPr lang="en-US" baseline="0" dirty="0" smtClean="0"/>
-              <a:t>many </a:t>
+              <a:t>How many </a:t>
             </a:r>
             <a:r>
               <a:rPr lang="en-US" baseline="0" dirty="0" err="1" smtClean="0"/>
@@ -2984,11 +2982,7 @@
             </a:r>
             <a:r>
               <a:rPr lang="en-US" baseline="0" dirty="0" smtClean="0"/>
-              <a:t> in the train set? How many in the test set</a:t>
-            </a:r>
-            <a:r>
-              <a:rPr lang="en-US" baseline="0" dirty="0" smtClean="0"/>
-              <a:t>?</a:t>
+              <a:t> in the train set? How many in the test set?</a:t>
             </a:r>
           </a:p>
           <a:p>
@@ -3543,7 +3537,21 @@
             </a:r>
             <a:r>
               <a:rPr lang="en-US" dirty="0" smtClean="0"/>
-              <a:t> AU?</a:t>
+              <a:t> AU</a:t>
+            </a:r>
+            <a:r>
+              <a:rPr lang="en-US" dirty="0" smtClean="0"/>
+              <a:t>?</a:t>
+            </a:r>
+          </a:p>
+          <a:p>
+            <a:r>
+              <a:rPr lang="en-US" dirty="0" err="1" smtClean="0"/>
+              <a:t>Altra</a:t>
+            </a:r>
+            <a:r>
+              <a:rPr lang="en-US" baseline="0" dirty="0" smtClean="0"/>
+              <a:t> con diff test?</a:t>
             </a:r>
             <a:endParaRPr lang="en-US" dirty="0"/>
           </a:p>
@@ -3637,11 +3645,22 @@
           <a:p>
             <a:r>
               <a:rPr lang="en-US" dirty="0" smtClean="0"/>
-              <a:t>Don’t have</a:t>
-            </a:r>
-            <a:r>
-              <a:rPr lang="en-US" baseline="0" dirty="0" smtClean="0"/>
-              <a:t> much to say about this</a:t>
+              <a:t>PUT </a:t>
+            </a:r>
+            <a:r>
+              <a:rPr lang="en-US" dirty="0" err="1" smtClean="0"/>
+              <a:t>Aus</a:t>
+            </a:r>
+            <a:endParaRPr lang="en-US" dirty="0" smtClean="0"/>
+          </a:p>
+          <a:p>
+            <a:r>
+              <a:rPr lang="en-US" dirty="0" smtClean="0"/>
+              <a:t>Keep it or </a:t>
+            </a:r>
+            <a:r>
+              <a:rPr lang="en-US" smtClean="0"/>
+              <a:t>just train?</a:t>
             </a:r>
             <a:endParaRPr lang="en-US" dirty="0"/>
           </a:p>
@@ -3679,7 +3698,7 @@
     </p:spTree>
     <p:extLst>
       <p:ext uri="{BB962C8B-B14F-4D97-AF65-F5344CB8AC3E}">
-        <p14:creationId xmlns:p14="http://schemas.microsoft.com/office/powerpoint/2010/main" val="3241693039"/>
+        <p14:creationId xmlns:p14="http://schemas.microsoft.com/office/powerpoint/2010/main" val="867656258"/>
       </p:ext>
     </p:extLst>
   </p:cSld>
@@ -3735,7 +3754,29 @@
           <a:p>
             <a:r>
               <a:rPr lang="en-US" dirty="0" smtClean="0"/>
-              <a:t>Add confusion matrix?</a:t>
+              <a:t>Nomi </a:t>
+            </a:r>
+            <a:r>
+              <a:rPr lang="en-US" dirty="0" err="1" smtClean="0"/>
+              <a:t>delle</a:t>
+            </a:r>
+            <a:r>
+              <a:rPr lang="en-US" dirty="0" smtClean="0"/>
+              <a:t> AU</a:t>
+            </a:r>
+            <a:r>
+              <a:rPr lang="en-US" dirty="0" smtClean="0"/>
+              <a:t>?</a:t>
+            </a:r>
+          </a:p>
+          <a:p>
+            <a:r>
+              <a:rPr lang="en-US" dirty="0" err="1" smtClean="0"/>
+              <a:t>Altra</a:t>
+            </a:r>
+            <a:r>
+              <a:rPr lang="en-US" baseline="0" dirty="0" smtClean="0"/>
+              <a:t> con diff test?</a:t>
             </a:r>
             <a:endParaRPr lang="en-US" dirty="0"/>
           </a:p>
@@ -3773,7 +3814,7 @@
     </p:spTree>
     <p:extLst>
       <p:ext uri="{BB962C8B-B14F-4D97-AF65-F5344CB8AC3E}">
-        <p14:creationId xmlns:p14="http://schemas.microsoft.com/office/powerpoint/2010/main" val="1832073229"/>
+        <p14:creationId xmlns:p14="http://schemas.microsoft.com/office/powerpoint/2010/main" val="1498419378"/>
       </p:ext>
     </p:extLst>
   </p:cSld>
@@ -3827,6 +3868,58 @@
           <a:bodyPr/>
           <a:lstStyle/>
           <a:p>
+            <a:r>
+              <a:rPr lang="en-US" dirty="0" smtClean="0"/>
+              <a:t>Don’t have</a:t>
+            </a:r>
+            <a:r>
+              <a:rPr lang="en-US" baseline="0" dirty="0" smtClean="0"/>
+              <a:t> much to say about </a:t>
+            </a:r>
+            <a:r>
+              <a:rPr lang="en-US" baseline="0" dirty="0" smtClean="0"/>
+              <a:t>this</a:t>
+            </a:r>
+          </a:p>
+          <a:p>
+            <a:r>
+              <a:rPr lang="en-US" baseline="0" dirty="0" smtClean="0"/>
+              <a:t>Dire 58%?</a:t>
+            </a:r>
+          </a:p>
+          <a:p>
+            <a:r>
+              <a:rPr lang="en-US" baseline="0" dirty="0" err="1" smtClean="0"/>
+              <a:t>Elenco</a:t>
+            </a:r>
+            <a:r>
+              <a:rPr lang="en-US" baseline="0" dirty="0" smtClean="0"/>
+              <a:t> </a:t>
+            </a:r>
+            <a:r>
+              <a:rPr lang="en-US" baseline="0" dirty="0" err="1" smtClean="0"/>
+              <a:t>var</a:t>
+            </a:r>
+            <a:r>
+              <a:rPr lang="en-US" baseline="0" dirty="0" smtClean="0"/>
+              <a:t> </a:t>
+            </a:r>
+            <a:r>
+              <a:rPr lang="en-US" baseline="0" dirty="0" err="1" smtClean="0"/>
+              <a:t>tipo</a:t>
+            </a:r>
+            <a:r>
+              <a:rPr lang="en-US" baseline="0" dirty="0" smtClean="0"/>
+              <a:t> slide </a:t>
+            </a:r>
+            <a:r>
+              <a:rPr lang="en-US" baseline="0" dirty="0" err="1" smtClean="0"/>
+              <a:t>sopra</a:t>
+            </a:r>
+            <a:r>
+              <a:rPr lang="en-US" baseline="0" dirty="0" smtClean="0"/>
+              <a:t>?</a:t>
+            </a:r>
             <a:endParaRPr lang="en-US" dirty="0"/>
           </a:p>
         </p:txBody>
@@ -3854,7 +3947,240 @@
               <a:pPr>
                 <a:defRPr/>
               </a:pPr>
-              <a:t>25</a:t>
+              <a:t>23</a:t>
+            </a:fld>
+            <a:endParaRPr lang="it-IT" altLang="it-IT"/>
+          </a:p>
+        </p:txBody>
+      </p:sp>
+    </p:spTree>
+    <p:extLst>
+      <p:ext uri="{BB962C8B-B14F-4D97-AF65-F5344CB8AC3E}">
+        <p14:creationId xmlns:p14="http://schemas.microsoft.com/office/powerpoint/2010/main" val="3241693039"/>
+      </p:ext>
+    </p:extLst>
+  </p:cSld>
+  <p:clrMapOvr>
+    <a:masterClrMapping/>
+  </p:clrMapOvr>
+</p:notes>
+</file>
+
+<file path=ppt/notesSlides/notesSlide24.xml><?xml version="1.0" encoding="utf-8"?>
+<p:notes xmlns:a="http://schemas.openxmlformats.org/drawingml/2006/main" xmlns:r="http://schemas.openxmlformats.org/officeDocument/2006/relationships" xmlns:p="http://schemas.openxmlformats.org/presentationml/2006/main">
+  <p:cSld>
+    <p:spTree>
+      <p:nvGrpSpPr>
+        <p:cNvPr id="1" name=""/>
+        <p:cNvGrpSpPr/>
+        <p:nvPr/>
+      </p:nvGrpSpPr>
+      <p:grpSpPr>
+        <a:xfrm>
+          <a:off x="0" y="0"/>
+          <a:ext cx="0" cy="0"/>
+          <a:chOff x="0" y="0"/>
+          <a:chExt cx="0" cy="0"/>
+        </a:xfrm>
+      </p:grpSpPr>
+      <p:sp>
+        <p:nvSpPr>
+          <p:cNvPr id="2" name="Slide Image Placeholder 1"/>
+          <p:cNvSpPr>
+            <a:spLocks noGrp="1" noRot="1" noChangeAspect="1"/>
+          </p:cNvSpPr>
+          <p:nvPr>
+            <p:ph type="sldImg"/>
+          </p:nvPr>
+        </p:nvSpPr>
+        <p:spPr/>
+      </p:sp>
+      <p:sp>
+        <p:nvSpPr>
+          <p:cNvPr id="3" name="Notes Placeholder 2"/>
+          <p:cNvSpPr>
+            <a:spLocks noGrp="1"/>
+          </p:cNvSpPr>
+          <p:nvPr>
+            <p:ph type="body" idx="1"/>
+          </p:nvPr>
+        </p:nvSpPr>
+        <p:spPr/>
+        <p:txBody>
+          <a:bodyPr/>
+          <a:lstStyle/>
+          <a:p>
+            <a:r>
+              <a:rPr lang="en-US" dirty="0" smtClean="0"/>
+              <a:t>Add confusion </a:t>
+            </a:r>
+            <a:r>
+              <a:rPr lang="en-US" dirty="0" smtClean="0"/>
+              <a:t>matrix?</a:t>
+            </a:r>
+          </a:p>
+          <a:p>
+            <a:r>
+              <a:rPr lang="en-US" dirty="0" smtClean="0"/>
+              <a:t>Dire di </a:t>
+            </a:r>
+            <a:r>
+              <a:rPr lang="en-US" dirty="0" err="1" smtClean="0"/>
+              <a:t>altri</a:t>
+            </a:r>
+            <a:r>
+              <a:rPr lang="en-US" dirty="0" smtClean="0"/>
+              <a:t> kernel? Se </a:t>
+            </a:r>
+            <a:r>
+              <a:rPr lang="en-US" dirty="0" err="1" smtClean="0"/>
+              <a:t>si</a:t>
+            </a:r>
+            <a:r>
+              <a:rPr lang="en-US" dirty="0" smtClean="0"/>
+              <a:t> </a:t>
+            </a:r>
+            <a:r>
+              <a:rPr lang="en-US" dirty="0" err="1" smtClean="0"/>
+              <a:t>quanto</a:t>
+            </a:r>
+            <a:r>
+              <a:rPr lang="en-US" dirty="0" smtClean="0"/>
+              <a:t>?</a:t>
+            </a:r>
+          </a:p>
+          <a:p>
+            <a:r>
+              <a:rPr lang="en-US" dirty="0" err="1" smtClean="0"/>
+              <a:t>Parametri</a:t>
+            </a:r>
+            <a:r>
+              <a:rPr lang="en-US" dirty="0" smtClean="0"/>
+              <a:t> SVM?</a:t>
+            </a:r>
+          </a:p>
+          <a:p>
+            <a:endParaRPr lang="en-US" dirty="0" smtClean="0"/>
+          </a:p>
+          <a:p>
+            <a:endParaRPr lang="en-US" dirty="0"/>
+          </a:p>
+        </p:txBody>
+      </p:sp>
+      <p:sp>
+        <p:nvSpPr>
+          <p:cNvPr id="4" name="Slide Number Placeholder 3"/>
+          <p:cNvSpPr>
+            <a:spLocks noGrp="1"/>
+          </p:cNvSpPr>
+          <p:nvPr>
+            <p:ph type="sldNum" sz="quarter" idx="10"/>
+          </p:nvPr>
+        </p:nvSpPr>
+        <p:spPr/>
+        <p:txBody>
+          <a:bodyPr/>
+          <a:lstStyle/>
+          <a:p>
+            <a:pPr>
+              <a:defRPr/>
+            </a:pPr>
+            <a:fld id="{0BD935CA-3C3B-47B5-B52B-F13E37D8C3A5}" type="slidenum">
+              <a:rPr lang="it-IT" altLang="it-IT" smtClean="0"/>
+              <a:pPr>
+                <a:defRPr/>
+              </a:pPr>
+              <a:t>24</a:t>
+            </a:fld>
+            <a:endParaRPr lang="it-IT" altLang="it-IT"/>
+          </a:p>
+        </p:txBody>
+      </p:sp>
+    </p:spTree>
+    <p:extLst>
+      <p:ext uri="{BB962C8B-B14F-4D97-AF65-F5344CB8AC3E}">
+        <p14:creationId xmlns:p14="http://schemas.microsoft.com/office/powerpoint/2010/main" val="1832073229"/>
+      </p:ext>
+    </p:extLst>
+  </p:cSld>
+  <p:clrMapOvr>
+    <a:masterClrMapping/>
+  </p:clrMapOvr>
+</p:notes>
+</file>
+
+<file path=ppt/notesSlides/notesSlide25.xml><?xml version="1.0" encoding="utf-8"?>
+<p:notes xmlns:a="http://schemas.openxmlformats.org/drawingml/2006/main" xmlns:r="http://schemas.openxmlformats.org/officeDocument/2006/relationships" xmlns:p="http://schemas.openxmlformats.org/presentationml/2006/main">
+  <p:cSld>
+    <p:spTree>
+      <p:nvGrpSpPr>
+        <p:cNvPr id="1" name=""/>
+        <p:cNvGrpSpPr/>
+        <p:nvPr/>
+      </p:nvGrpSpPr>
+      <p:grpSpPr>
+        <a:xfrm>
+          <a:off x="0" y="0"/>
+          <a:ext cx="0" cy="0"/>
+          <a:chOff x="0" y="0"/>
+          <a:chExt cx="0" cy="0"/>
+        </a:xfrm>
+      </p:grpSpPr>
+      <p:sp>
+        <p:nvSpPr>
+          <p:cNvPr id="2" name="Slide Image Placeholder 1"/>
+          <p:cNvSpPr>
+            <a:spLocks noGrp="1" noRot="1" noChangeAspect="1"/>
+          </p:cNvSpPr>
+          <p:nvPr>
+            <p:ph type="sldImg"/>
+          </p:nvPr>
+        </p:nvSpPr>
+        <p:spPr/>
+      </p:sp>
+      <p:sp>
+        <p:nvSpPr>
+          <p:cNvPr id="3" name="Notes Placeholder 2"/>
+          <p:cNvSpPr>
+            <a:spLocks noGrp="1"/>
+          </p:cNvSpPr>
+          <p:nvPr>
+            <p:ph type="body" idx="1"/>
+          </p:nvPr>
+        </p:nvSpPr>
+        <p:spPr/>
+        <p:txBody>
+          <a:bodyPr/>
+          <a:lstStyle/>
+          <a:p>
+            <a:endParaRPr lang="en-US" dirty="0"/>
+          </a:p>
+        </p:txBody>
+      </p:sp>
+      <p:sp>
+        <p:nvSpPr>
+          <p:cNvPr id="4" name="Slide Number Placeholder 3"/>
+          <p:cNvSpPr>
+            <a:spLocks noGrp="1"/>
+          </p:cNvSpPr>
+          <p:nvPr>
+            <p:ph type="sldNum" sz="quarter" idx="10"/>
+          </p:nvPr>
+        </p:nvSpPr>
+        <p:spPr/>
+        <p:txBody>
+          <a:bodyPr/>
+          <a:lstStyle/>
+          <a:p>
+            <a:pPr>
+              <a:defRPr/>
+            </a:pPr>
+            <a:fld id="{0BD935CA-3C3B-47B5-B52B-F13E37D8C3A5}" type="slidenum">
+              <a:rPr lang="it-IT" altLang="it-IT" smtClean="0"/>
+              <a:pPr>
+                <a:defRPr/>
+              </a:pPr>
+              <a:t>27</a:t>
             </a:fld>
             <a:endParaRPr lang="it-IT" altLang="it-IT"/>
           </a:p>
@@ -5739,7 +6065,7 @@
               <a:pPr>
                 <a:defRPr/>
               </a:pPr>
-              <a:t>06/01/2019</a:t>
+              <a:t>07/01/2019</a:t>
             </a:fld>
             <a:endParaRPr lang="it-IT" altLang="it-IT"/>
           </a:p>
@@ -5966,7 +6292,7 @@
               <a:pPr>
                 <a:defRPr/>
               </a:pPr>
-              <a:t>06/01/2019</a:t>
+              <a:t>07/01/2019</a:t>
             </a:fld>
             <a:endParaRPr lang="it-IT" altLang="it-IT"/>
           </a:p>
@@ -6203,7 +6529,7 @@
               <a:pPr>
                 <a:defRPr/>
               </a:pPr>
-              <a:t>06/01/2019</a:t>
+              <a:t>07/01/2019</a:t>
             </a:fld>
             <a:endParaRPr lang="it-IT" altLang="it-IT"/>
           </a:p>
@@ -6496,7 +6822,7 @@
               <a:pPr>
                 <a:defRPr/>
               </a:pPr>
-              <a:t>06/01/2019</a:t>
+              <a:t>07/01/2019</a:t>
             </a:fld>
             <a:endParaRPr lang="it-IT" altLang="it-IT"/>
           </a:p>
@@ -6702,7 +7028,7 @@
               <a:pPr>
                 <a:defRPr/>
               </a:pPr>
-              <a:t>06/01/2019</a:t>
+              <a:t>07/01/2019</a:t>
             </a:fld>
             <a:endParaRPr lang="it-IT" altLang="it-IT"/>
           </a:p>
@@ -6908,7 +7234,7 @@
               <a:pPr>
                 <a:defRPr/>
               </a:pPr>
-              <a:t>06/01/2019</a:t>
+              <a:t>07/01/2019</a:t>
             </a:fld>
             <a:endParaRPr lang="it-IT" altLang="it-IT"/>
           </a:p>
@@ -7135,7 +7461,7 @@
               <a:pPr>
                 <a:defRPr/>
               </a:pPr>
-              <a:t>06/01/2019</a:t>
+              <a:t>07/01/2019</a:t>
             </a:fld>
             <a:endParaRPr lang="it-IT" altLang="it-IT"/>
           </a:p>
@@ -7385,7 +7711,7 @@
               <a:pPr>
                 <a:defRPr/>
               </a:pPr>
-              <a:t>06/01/2019</a:t>
+              <a:t>07/01/2019</a:t>
             </a:fld>
             <a:endParaRPr lang="it-IT" altLang="it-IT"/>
           </a:p>
@@ -7673,7 +7999,7 @@
               <a:pPr>
                 <a:defRPr/>
               </a:pPr>
-              <a:t>06/01/2019</a:t>
+              <a:t>07/01/2019</a:t>
             </a:fld>
             <a:endParaRPr lang="it-IT" altLang="it-IT"/>
           </a:p>
@@ -8096,7 +8422,7 @@
               <a:pPr>
                 <a:defRPr/>
               </a:pPr>
-              <a:t>06/01/2019</a:t>
+              <a:t>07/01/2019</a:t>
             </a:fld>
             <a:endParaRPr lang="it-IT" altLang="it-IT"/>
           </a:p>
@@ -8272,7 +8598,7 @@
               <a:pPr>
                 <a:defRPr/>
               </a:pPr>
-              <a:t>06/01/2019</a:t>
+              <a:t>07/01/2019</a:t>
             </a:fld>
             <a:endParaRPr lang="it-IT" altLang="it-IT"/>
           </a:p>
@@ -8426,7 +8752,7 @@
               <a:pPr>
                 <a:defRPr/>
               </a:pPr>
-              <a:t>06/01/2019</a:t>
+              <a:t>07/01/2019</a:t>
             </a:fld>
             <a:endParaRPr lang="it-IT" altLang="it-IT"/>
           </a:p>
@@ -8760,7 +9086,7 @@
               <a:pPr>
                 <a:defRPr/>
               </a:pPr>
-              <a:t>06/01/2019</a:t>
+              <a:t>07/01/2019</a:t>
             </a:fld>
             <a:endParaRPr lang="it-IT" altLang="it-IT"/>
           </a:p>
@@ -9072,7 +9398,7 @@
               <a:pPr>
                 <a:defRPr/>
               </a:pPr>
-              <a:t>06/01/2019</a:t>
+              <a:t>07/01/2019</a:t>
             </a:fld>
             <a:endParaRPr lang="it-IT" altLang="it-IT"/>
           </a:p>
@@ -9744,7 +10070,7 @@
               <a:pPr>
                 <a:defRPr/>
               </a:pPr>
-              <a:t>06/01/2019</a:t>
+              <a:t>07/01/2019</a:t>
             </a:fld>
             <a:endParaRPr lang="it-IT" altLang="it-IT"/>
           </a:p>
@@ -10945,7 +11271,7 @@
               <a:pPr>
                 <a:defRPr/>
               </a:pPr>
-              <a:t>06/01/2019</a:t>
+              <a:t>07/01/2019</a:t>
             </a:fld>
             <a:endParaRPr lang="it-IT" altLang="it-IT"/>
           </a:p>
@@ -11186,7 +11512,7 @@
               <a:pPr>
                 <a:defRPr/>
               </a:pPr>
-              <a:t>06/01/2019</a:t>
+              <a:t>07/01/2019</a:t>
             </a:fld>
             <a:endParaRPr lang="it-IT" altLang="it-IT"/>
           </a:p>
@@ -11425,7 +11751,7 @@
               <a:pPr>
                 <a:defRPr/>
               </a:pPr>
-              <a:t>06/01/2019</a:t>
+              <a:t>07/01/2019</a:t>
             </a:fld>
             <a:endParaRPr lang="it-IT" altLang="it-IT" dirty="0"/>
           </a:p>
@@ -11674,7 +12000,7 @@
               <a:pPr>
                 <a:defRPr/>
               </a:pPr>
-              <a:t>06/01/2019</a:t>
+              <a:t>07/01/2019</a:t>
             </a:fld>
             <a:endParaRPr lang="it-IT" altLang="it-IT"/>
           </a:p>
@@ -11893,7 +12219,7 @@
               <a:pPr>
                 <a:defRPr/>
               </a:pPr>
-              <a:t>06/01/2019</a:t>
+              <a:t>07/01/2019</a:t>
             </a:fld>
             <a:endParaRPr lang="it-IT" altLang="it-IT"/>
           </a:p>
@@ -12086,7 +12412,7 @@
               <a:pPr>
                 <a:defRPr/>
               </a:pPr>
-              <a:t>06/01/2019</a:t>
+              <a:t>07/01/2019</a:t>
             </a:fld>
             <a:endParaRPr lang="it-IT" altLang="it-IT"/>
           </a:p>
@@ -12312,7 +12638,7 @@
               <a:pPr>
                 <a:defRPr/>
               </a:pPr>
-              <a:t>06/01/2019</a:t>
+              <a:t>07/01/2019</a:t>
             </a:fld>
             <a:endParaRPr lang="it-IT" altLang="it-IT"/>
           </a:p>
@@ -12506,11 +12832,7 @@
             <a:pPr lvl="1"/>
             <a:r>
               <a:rPr lang="en-US" dirty="0" smtClean="0"/>
-              <a:t>61 deceptive, 60 truthful</a:t>
-            </a:r>
-            <a:r>
-              <a:rPr lang="en-US" dirty="0" smtClean="0"/>
-              <a:t>.</a:t>
+              <a:t>61 deceptive, 60 truthful.</a:t>
             </a:r>
           </a:p>
           <a:p>
@@ -12524,7 +12846,6 @@
               <a:rPr lang="en-US" dirty="0" smtClean="0"/>
               <a:t>Cut/Remove so that subject’s face is visible.</a:t>
             </a:r>
-            <a:endParaRPr lang="en-US" dirty="0" smtClean="0"/>
           </a:p>
           <a:p>
             <a:r>
@@ -12539,17 +12860,8 @@
           <a:p>
             <a:r>
               <a:rPr lang="en-US" dirty="0" smtClean="0"/>
-              <a:t>Testimony </a:t>
-            </a:r>
-            <a:r>
-              <a:rPr lang="en-US" dirty="0" smtClean="0"/>
-              <a:t>were verified by police officers</a:t>
-            </a:r>
-            <a:r>
-              <a:rPr lang="en-US" dirty="0" smtClean="0"/>
-              <a:t>.</a:t>
-            </a:r>
-            <a:endParaRPr lang="en-US" dirty="0" smtClean="0"/>
+              <a:t>Testimony were verified by police officers.</a:t>
+            </a:r>
           </a:p>
         </p:txBody>
       </p:sp>
@@ -12576,7 +12888,7 @@
               <a:pPr>
                 <a:defRPr/>
               </a:pPr>
-              <a:t>06/01/2019</a:t>
+              <a:t>07/01/2019</a:t>
             </a:fld>
             <a:endParaRPr lang="it-IT" altLang="it-IT"/>
           </a:p>
@@ -12697,7 +13009,6 @@
               <a:rPr lang="en-US" dirty="0"/>
               <a:t>Training Dataset</a:t>
             </a:r>
-            <a:endParaRPr lang="en-US" dirty="0"/>
           </a:p>
         </p:txBody>
       </p:sp>
@@ -12817,7 +13128,7 @@
               <a:pPr>
                 <a:defRPr/>
               </a:pPr>
-              <a:t>06/01/2019</a:t>
+              <a:t>07/01/2019</a:t>
             </a:fld>
             <a:endParaRPr lang="it-IT" altLang="it-IT"/>
           </a:p>
@@ -13043,7 +13354,7 @@
               <a:pPr>
                 <a:defRPr/>
               </a:pPr>
-              <a:t>06/01/2019</a:t>
+              <a:t>07/01/2019</a:t>
             </a:fld>
             <a:endParaRPr lang="it-IT" altLang="it-IT"/>
           </a:p>
@@ -13280,7 +13591,7 @@
               <a:pPr>
                 <a:defRPr/>
               </a:pPr>
-              <a:t>06/01/2019</a:t>
+              <a:t>07/01/2019</a:t>
             </a:fld>
             <a:endParaRPr lang="it-IT" altLang="it-IT" dirty="0"/>
           </a:p>
@@ -13505,7 +13816,7 @@
               <a:pPr>
                 <a:defRPr/>
               </a:pPr>
-              <a:t>06/01/2019</a:t>
+              <a:t>07/01/2019</a:t>
             </a:fld>
             <a:endParaRPr lang="it-IT" altLang="it-IT"/>
           </a:p>
@@ -13593,7 +13904,7 @@
         <p:spPr>
           <a:xfrm>
             <a:off x="3131840" y="2564904"/>
-            <a:ext cx="5170517" cy="3190948"/>
+            <a:ext cx="5250583" cy="3240360"/>
           </a:xfrm>
           <a:prstGeom prst="rect">
             <a:avLst/>
@@ -13681,10 +13992,82 @@
           <a:p>
             <a:r>
               <a:rPr lang="en-US" dirty="0"/>
-              <a:t>Variable Importance using Random Forests</a:t>
-            </a:r>
-          </a:p>
-          <a:p>
+              <a:t>Frequency </a:t>
+            </a:r>
+            <a:r>
+              <a:rPr lang="en-US" dirty="0" smtClean="0"/>
+              <a:t>analysis </a:t>
+            </a:r>
+            <a:r>
+              <a:rPr lang="en-US" dirty="0"/>
+              <a:t>of AU occurrences in the </a:t>
+            </a:r>
+            <a:r>
+              <a:rPr lang="en-US" dirty="0" smtClean="0"/>
+              <a:t>test </a:t>
+            </a:r>
+            <a:r>
+              <a:rPr lang="en-US" dirty="0" smtClean="0"/>
+              <a:t>set.</a:t>
+            </a:r>
+            <a:endParaRPr lang="en-US" dirty="0"/>
+          </a:p>
+          <a:p>
+            <a:r>
+              <a:rPr lang="en-US" dirty="0"/>
+              <a:t>Significant differences for truthful and deceptive in:</a:t>
+            </a:r>
+          </a:p>
+          <a:p>
+            <a:pPr lvl="1"/>
+            <a:r>
+              <a:rPr lang="en-US" dirty="0" smtClean="0"/>
+              <a:t>AU</a:t>
+            </a:r>
+          </a:p>
+          <a:p>
+            <a:pPr lvl="1"/>
+            <a:r>
+              <a:rPr lang="en-US" dirty="0" smtClean="0"/>
+              <a:t>AU</a:t>
+            </a:r>
+          </a:p>
+          <a:p>
+            <a:pPr lvl="1"/>
+            <a:r>
+              <a:rPr lang="en-US" dirty="0" smtClean="0"/>
+              <a:t>AU</a:t>
+            </a:r>
+          </a:p>
+          <a:p>
+            <a:pPr lvl="1"/>
+            <a:r>
+              <a:rPr lang="en-US" dirty="0" smtClean="0"/>
+              <a:t>AU</a:t>
+            </a:r>
+          </a:p>
+          <a:p>
+            <a:pPr lvl="1"/>
+            <a:r>
+              <a:rPr lang="en-US" dirty="0" smtClean="0"/>
+              <a:t>AU</a:t>
+            </a:r>
+            <a:endParaRPr lang="en-US" dirty="0"/>
+          </a:p>
+          <a:p>
+            <a:pPr lvl="1"/>
+            <a:endParaRPr lang="en-US" dirty="0"/>
+          </a:p>
+          <a:p>
+            <a:pPr lvl="1"/>
+            <a:endParaRPr lang="en-US" dirty="0"/>
+          </a:p>
+          <a:p>
+            <a:pPr lvl="1"/>
+            <a:endParaRPr lang="en-US" dirty="0"/>
+          </a:p>
+          <a:p>
+            <a:pPr lvl="1"/>
             <a:endParaRPr lang="en-US" dirty="0"/>
           </a:p>
         </p:txBody>
@@ -13712,7 +14095,7 @@
               <a:pPr>
                 <a:defRPr/>
               </a:pPr>
-              <a:t>06/01/2019</a:t>
+              <a:t>07/01/2019</a:t>
             </a:fld>
             <a:endParaRPr lang="it-IT" altLang="it-IT"/>
           </a:p>
@@ -13772,6 +14155,439 @@
                 <a:defRPr/>
               </a:pPr>
               <a:t>21</a:t>
+            </a:fld>
+            <a:endParaRPr lang="it-IT" altLang="it-IT"/>
+          </a:p>
+        </p:txBody>
+      </p:sp>
+      <p:pic>
+        <p:nvPicPr>
+          <p:cNvPr id="8" name="Picture 7"/>
+          <p:cNvPicPr>
+            <a:picLocks noChangeAspect="1"/>
+          </p:cNvPicPr>
+          <p:nvPr/>
+        </p:nvPicPr>
+        <p:blipFill>
+          <a:blip r:embed="rId3"/>
+          <a:stretch>
+            <a:fillRect/>
+          </a:stretch>
+        </p:blipFill>
+        <p:spPr>
+          <a:xfrm>
+            <a:off x="3143666" y="2615588"/>
+            <a:ext cx="5172750" cy="3192326"/>
+          </a:xfrm>
+          <a:prstGeom prst="rect">
+            <a:avLst/>
+          </a:prstGeom>
+        </p:spPr>
+      </p:pic>
+    </p:spTree>
+    <p:extLst>
+      <p:ext uri="{BB962C8B-B14F-4D97-AF65-F5344CB8AC3E}">
+        <p14:creationId xmlns:p14="http://schemas.microsoft.com/office/powerpoint/2010/main" val="639135071"/>
+      </p:ext>
+    </p:extLst>
+  </p:cSld>
+  <p:clrMapOvr>
+    <a:masterClrMapping/>
+  </p:clrMapOvr>
+  <p:timing>
+    <p:tnLst>
+      <p:par>
+        <p:cTn id="1" dur="indefinite" restart="never" nodeType="tmRoot"/>
+      </p:par>
+    </p:tnLst>
+  </p:timing>
+</p:sld>
+</file>
+
+<file path=ppt/slides/slide22.xml><?xml version="1.0" encoding="utf-8"?>
+<p:sld xmlns:a="http://schemas.openxmlformats.org/drawingml/2006/main" xmlns:r="http://schemas.openxmlformats.org/officeDocument/2006/relationships" xmlns:p="http://schemas.openxmlformats.org/presentationml/2006/main">
+  <p:cSld>
+    <p:spTree>
+      <p:nvGrpSpPr>
+        <p:cNvPr id="1" name=""/>
+        <p:cNvGrpSpPr/>
+        <p:nvPr/>
+      </p:nvGrpSpPr>
+      <p:grpSpPr>
+        <a:xfrm>
+          <a:off x="0" y="0"/>
+          <a:ext cx="0" cy="0"/>
+          <a:chOff x="0" y="0"/>
+          <a:chExt cx="0" cy="0"/>
+        </a:xfrm>
+      </p:grpSpPr>
+      <p:sp>
+        <p:nvSpPr>
+          <p:cNvPr id="2" name="Title 1"/>
+          <p:cNvSpPr>
+            <a:spLocks noGrp="1"/>
+          </p:cNvSpPr>
+          <p:nvPr>
+            <p:ph type="title"/>
+          </p:nvPr>
+        </p:nvSpPr>
+        <p:spPr/>
+        <p:txBody>
+          <a:bodyPr/>
+          <a:lstStyle/>
+          <a:p>
+            <a:r>
+              <a:rPr lang="en-US" dirty="0"/>
+              <a:t>Deception Detection</a:t>
+            </a:r>
+          </a:p>
+        </p:txBody>
+      </p:sp>
+      <p:sp>
+        <p:nvSpPr>
+          <p:cNvPr id="3" name="Content Placeholder 2"/>
+          <p:cNvSpPr>
+            <a:spLocks noGrp="1"/>
+          </p:cNvSpPr>
+          <p:nvPr>
+            <p:ph idx="1"/>
+          </p:nvPr>
+        </p:nvSpPr>
+        <p:spPr>
+          <a:xfrm>
+            <a:off x="1116013" y="1203672"/>
+            <a:ext cx="7559675" cy="4385568"/>
+          </a:xfrm>
+        </p:spPr>
+        <p:txBody>
+          <a:bodyPr/>
+          <a:lstStyle/>
+          <a:p>
+            <a:r>
+              <a:rPr lang="en-US" dirty="0"/>
+              <a:t>Frequency </a:t>
+            </a:r>
+            <a:r>
+              <a:rPr lang="en-US" dirty="0" smtClean="0"/>
+              <a:t>analysis </a:t>
+            </a:r>
+            <a:r>
+              <a:rPr lang="en-US" dirty="0"/>
+              <a:t>of AU occurrences in the </a:t>
+            </a:r>
+            <a:r>
+              <a:rPr lang="en-US" dirty="0" smtClean="0"/>
+              <a:t>test </a:t>
+            </a:r>
+            <a:r>
+              <a:rPr lang="en-US" dirty="0" smtClean="0"/>
+              <a:t>set.</a:t>
+            </a:r>
+            <a:endParaRPr lang="en-US" dirty="0"/>
+          </a:p>
+          <a:p>
+            <a:r>
+              <a:rPr lang="en-US" dirty="0"/>
+              <a:t>Significant differences for truthful and deceptive in:</a:t>
+            </a:r>
+          </a:p>
+          <a:p>
+            <a:pPr lvl="1"/>
+            <a:r>
+              <a:rPr lang="en-US" dirty="0"/>
+              <a:t>AU04</a:t>
+            </a:r>
+          </a:p>
+          <a:p>
+            <a:pPr lvl="1"/>
+            <a:r>
+              <a:rPr lang="en-US" dirty="0"/>
+              <a:t>AU05</a:t>
+            </a:r>
+          </a:p>
+          <a:p>
+            <a:pPr lvl="1"/>
+            <a:r>
+              <a:rPr lang="en-US" dirty="0"/>
+              <a:t>AU07</a:t>
+            </a:r>
+          </a:p>
+          <a:p>
+            <a:pPr lvl="1"/>
+            <a:r>
+              <a:rPr lang="en-US" dirty="0"/>
+              <a:t>AU12</a:t>
+            </a:r>
+          </a:p>
+          <a:p>
+            <a:pPr lvl="1"/>
+            <a:r>
+              <a:rPr lang="en-US" dirty="0"/>
+              <a:t>AU14</a:t>
+            </a:r>
+          </a:p>
+        </p:txBody>
+      </p:sp>
+      <p:sp>
+        <p:nvSpPr>
+          <p:cNvPr id="4" name="Date Placeholder 3"/>
+          <p:cNvSpPr>
+            <a:spLocks noGrp="1"/>
+          </p:cNvSpPr>
+          <p:nvPr>
+            <p:ph type="dt" sz="half" idx="10"/>
+          </p:nvPr>
+        </p:nvSpPr>
+        <p:spPr/>
+        <p:txBody>
+          <a:bodyPr/>
+          <a:lstStyle/>
+          <a:p>
+            <a:pPr>
+              <a:defRPr/>
+            </a:pPr>
+            <a:fld id="{B730D388-5B29-4126-AC54-A0FD22452F77}" type="datetime1">
+              <a:rPr lang="it-IT" altLang="it-IT" smtClean="0"/>
+              <a:pPr>
+                <a:defRPr/>
+              </a:pPr>
+              <a:t>07/01/2019</a:t>
+            </a:fld>
+            <a:endParaRPr lang="it-IT" altLang="it-IT"/>
+          </a:p>
+        </p:txBody>
+      </p:sp>
+      <p:sp>
+        <p:nvSpPr>
+          <p:cNvPr id="5" name="Footer Placeholder 4"/>
+          <p:cNvSpPr>
+            <a:spLocks noGrp="1"/>
+          </p:cNvSpPr>
+          <p:nvPr>
+            <p:ph type="ftr" sz="quarter" idx="11"/>
+          </p:nvPr>
+        </p:nvSpPr>
+        <p:spPr/>
+        <p:txBody>
+          <a:bodyPr/>
+          <a:lstStyle/>
+          <a:p>
+            <a:pPr>
+              <a:defRPr/>
+            </a:pPr>
+            <a:r>
+              <a:rPr lang="en-US" altLang="it-IT" dirty="0" smtClean="0"/>
+              <a:t>Deception Detection using Facial Action Units</a:t>
+            </a:r>
+            <a:endParaRPr lang="it-IT" altLang="it-IT" dirty="0"/>
+          </a:p>
+        </p:txBody>
+      </p:sp>
+      <p:sp>
+        <p:nvSpPr>
+          <p:cNvPr id="6" name="Slide Number Placeholder 5"/>
+          <p:cNvSpPr>
+            <a:spLocks noGrp="1"/>
+          </p:cNvSpPr>
+          <p:nvPr>
+            <p:ph type="sldNum" sz="quarter" idx="12"/>
+          </p:nvPr>
+        </p:nvSpPr>
+        <p:spPr/>
+        <p:txBody>
+          <a:bodyPr/>
+          <a:lstStyle/>
+          <a:p>
+            <a:pPr>
+              <a:defRPr/>
+            </a:pPr>
+            <a:r>
+              <a:rPr lang="it-IT" altLang="it-IT" smtClean="0"/>
+              <a:t>Pagina </a:t>
+            </a:r>
+            <a:fld id="{A5888ACF-FC31-4A35-9932-E1138572A9AA}" type="slidenum">
+              <a:rPr lang="it-IT" altLang="it-IT" smtClean="0"/>
+              <a:pPr>
+                <a:defRPr/>
+              </a:pPr>
+              <a:t>22</a:t>
+            </a:fld>
+            <a:endParaRPr lang="it-IT" altLang="it-IT"/>
+          </a:p>
+        </p:txBody>
+      </p:sp>
+    </p:spTree>
+    <p:extLst>
+      <p:ext uri="{BB962C8B-B14F-4D97-AF65-F5344CB8AC3E}">
+        <p14:creationId xmlns:p14="http://schemas.microsoft.com/office/powerpoint/2010/main" val="2885195566"/>
+      </p:ext>
+    </p:extLst>
+  </p:cSld>
+  <p:clrMapOvr>
+    <a:masterClrMapping/>
+  </p:clrMapOvr>
+  <p:timing>
+    <p:tnLst>
+      <p:par>
+        <p:cTn id="1" dur="indefinite" restart="never" nodeType="tmRoot"/>
+      </p:par>
+    </p:tnLst>
+  </p:timing>
+</p:sld>
+</file>
+
+<file path=ppt/slides/slide23.xml><?xml version="1.0" encoding="utf-8"?>
+<p:sld xmlns:a="http://schemas.openxmlformats.org/drawingml/2006/main" xmlns:r="http://schemas.openxmlformats.org/officeDocument/2006/relationships" xmlns:p="http://schemas.openxmlformats.org/presentationml/2006/main">
+  <p:cSld>
+    <p:spTree>
+      <p:nvGrpSpPr>
+        <p:cNvPr id="1" name=""/>
+        <p:cNvGrpSpPr/>
+        <p:nvPr/>
+      </p:nvGrpSpPr>
+      <p:grpSpPr>
+        <a:xfrm>
+          <a:off x="0" y="0"/>
+          <a:ext cx="0" cy="0"/>
+          <a:chOff x="0" y="0"/>
+          <a:chExt cx="0" cy="0"/>
+        </a:xfrm>
+      </p:grpSpPr>
+      <p:sp>
+        <p:nvSpPr>
+          <p:cNvPr id="2" name="Title 1"/>
+          <p:cNvSpPr>
+            <a:spLocks noGrp="1"/>
+          </p:cNvSpPr>
+          <p:nvPr>
+            <p:ph type="title"/>
+          </p:nvPr>
+        </p:nvSpPr>
+        <p:spPr/>
+        <p:txBody>
+          <a:bodyPr/>
+          <a:lstStyle/>
+          <a:p>
+            <a:r>
+              <a:rPr lang="en-US" dirty="0"/>
+              <a:t>Deception Detection</a:t>
+            </a:r>
+          </a:p>
+        </p:txBody>
+      </p:sp>
+      <p:sp>
+        <p:nvSpPr>
+          <p:cNvPr id="3" name="Content Placeholder 2"/>
+          <p:cNvSpPr>
+            <a:spLocks noGrp="1"/>
+          </p:cNvSpPr>
+          <p:nvPr>
+            <p:ph idx="1"/>
+          </p:nvPr>
+        </p:nvSpPr>
+        <p:spPr>
+          <a:xfrm>
+            <a:off x="1116013" y="1203672"/>
+            <a:ext cx="7559675" cy="4385568"/>
+          </a:xfrm>
+        </p:spPr>
+        <p:txBody>
+          <a:bodyPr/>
+          <a:lstStyle/>
+          <a:p>
+            <a:r>
+              <a:rPr lang="en-US" dirty="0"/>
+              <a:t>Variable Importance using Random Forests</a:t>
+            </a:r>
+          </a:p>
+          <a:p>
+            <a:endParaRPr lang="en-US" dirty="0"/>
+          </a:p>
+        </p:txBody>
+      </p:sp>
+      <p:sp>
+        <p:nvSpPr>
+          <p:cNvPr id="4" name="Date Placeholder 3"/>
+          <p:cNvSpPr>
+            <a:spLocks noGrp="1"/>
+          </p:cNvSpPr>
+          <p:nvPr>
+            <p:ph type="dt" sz="half" idx="10"/>
+          </p:nvPr>
+        </p:nvSpPr>
+        <p:spPr/>
+        <p:txBody>
+          <a:bodyPr/>
+          <a:lstStyle/>
+          <a:p>
+            <a:pPr>
+              <a:defRPr/>
+            </a:pPr>
+            <a:fld id="{B730D388-5B29-4126-AC54-A0FD22452F77}" type="datetime1">
+              <a:rPr lang="it-IT" altLang="it-IT" smtClean="0"/>
+              <a:pPr>
+                <a:defRPr/>
+              </a:pPr>
+              <a:t>07/01/2019</a:t>
+            </a:fld>
+            <a:endParaRPr lang="it-IT" altLang="it-IT"/>
+          </a:p>
+        </p:txBody>
+      </p:sp>
+      <p:sp>
+        <p:nvSpPr>
+          <p:cNvPr id="5" name="Footer Placeholder 4"/>
+          <p:cNvSpPr>
+            <a:spLocks noGrp="1"/>
+          </p:cNvSpPr>
+          <p:nvPr>
+            <p:ph type="ftr" sz="quarter" idx="11"/>
+          </p:nvPr>
+        </p:nvSpPr>
+        <p:spPr/>
+        <p:txBody>
+          <a:bodyPr/>
+          <a:lstStyle/>
+          <a:p>
+            <a:pPr>
+              <a:defRPr/>
+            </a:pPr>
+            <a:r>
+              <a:rPr lang="en-US" altLang="it-IT" dirty="0" smtClean="0"/>
+              <a:t>Deception Detection using Facial Action Units</a:t>
+            </a:r>
+            <a:endParaRPr lang="it-IT" altLang="it-IT" dirty="0"/>
+          </a:p>
+        </p:txBody>
+      </p:sp>
+      <p:sp>
+        <p:nvSpPr>
+          <p:cNvPr id="6" name="Slide Number Placeholder 5"/>
+          <p:cNvSpPr>
+            <a:spLocks noGrp="1"/>
+          </p:cNvSpPr>
+          <p:nvPr>
+            <p:ph type="sldNum" sz="quarter" idx="12"/>
+          </p:nvPr>
+        </p:nvSpPr>
+        <p:spPr/>
+        <p:txBody>
+          <a:bodyPr/>
+          <a:lstStyle/>
+          <a:p>
+            <a:pPr>
+              <a:defRPr/>
+            </a:pPr>
+            <a:r>
+              <a:rPr lang="it-IT" altLang="it-IT" smtClean="0"/>
+              <a:t>Pagina </a:t>
+            </a:r>
+            <a:fld id="{A5888ACF-FC31-4A35-9932-E1138572A9AA}" type="slidenum">
+              <a:rPr lang="it-IT" altLang="it-IT" smtClean="0"/>
+              <a:pPr>
+                <a:defRPr/>
+              </a:pPr>
+              <a:t>23</a:t>
             </a:fld>
             <a:endParaRPr lang="it-IT" altLang="it-IT"/>
           </a:p>
@@ -13827,7 +14643,7 @@
 </p:sld>
 </file>
 
-<file path=ppt/slides/slide22.xml><?xml version="1.0" encoding="utf-8"?>
+<file path=ppt/slides/slide24.xml><?xml version="1.0" encoding="utf-8"?>
 <p:sld xmlns:a="http://schemas.openxmlformats.org/drawingml/2006/main" xmlns:r="http://schemas.openxmlformats.org/officeDocument/2006/relationships" xmlns:p="http://schemas.openxmlformats.org/presentationml/2006/main">
   <p:cSld>
     <p:spTree>
@@ -13930,7 +14746,7 @@
               <a:pPr>
                 <a:defRPr/>
               </a:pPr>
-              <a:t>06/01/2019</a:t>
+              <a:t>07/01/2019</a:t>
             </a:fld>
             <a:endParaRPr lang="it-IT" altLang="it-IT"/>
           </a:p>
@@ -13989,7 +14805,7 @@
               <a:pPr>
                 <a:defRPr/>
               </a:pPr>
-              <a:t>22</a:t>
+              <a:t>24</a:t>
             </a:fld>
             <a:endParaRPr lang="it-IT" altLang="it-IT"/>
           </a:p>
@@ -14039,7 +14855,7 @@
 </p:sld>
 </file>
 
-<file path=ppt/slides/slide23.xml><?xml version="1.0" encoding="utf-8"?>
+<file path=ppt/slides/slide25.xml><?xml version="1.0" encoding="utf-8"?>
 <p:sld xmlns:a="http://schemas.openxmlformats.org/drawingml/2006/main" xmlns:r="http://schemas.openxmlformats.org/officeDocument/2006/relationships" xmlns:p="http://schemas.openxmlformats.org/presentationml/2006/main">
   <p:cSld>
     <p:spTree>
@@ -14150,11 +14966,7 @@
           <a:p>
             <a:r>
               <a:rPr lang="en-US" dirty="0" smtClean="0"/>
-              <a:t>Implement heuristics based on psychological </a:t>
-            </a:r>
-            <a:r>
-              <a:rPr lang="en-US" dirty="0" smtClean="0"/>
-              <a:t>studies.</a:t>
+              <a:t>Implement heuristics based on psychological studies.</a:t>
             </a:r>
             <a:endParaRPr lang="en-US" dirty="0"/>
           </a:p>
@@ -14183,7 +14995,7 @@
               <a:pPr>
                 <a:defRPr/>
               </a:pPr>
-              <a:t>06/01/2019</a:t>
+              <a:t>07/01/2019</a:t>
             </a:fld>
             <a:endParaRPr lang="it-IT" altLang="it-IT"/>
           </a:p>
@@ -14242,7 +15054,7 @@
               <a:pPr>
                 <a:defRPr/>
               </a:pPr>
-              <a:t>23</a:t>
+              <a:t>25</a:t>
             </a:fld>
             <a:endParaRPr lang="it-IT" altLang="it-IT"/>
           </a:p>
@@ -14268,7 +15080,7 @@
 </p:sld>
 </file>
 
-<file path=ppt/slides/slide24.xml><?xml version="1.0" encoding="utf-8"?>
+<file path=ppt/slides/slide26.xml><?xml version="1.0" encoding="utf-8"?>
 <p:sld xmlns:a="http://schemas.openxmlformats.org/drawingml/2006/main" xmlns:r="http://schemas.openxmlformats.org/officeDocument/2006/relationships" xmlns:p="http://schemas.openxmlformats.org/presentationml/2006/main">
   <p:cSld>
     <p:spTree>
@@ -14308,7 +15120,7 @@
               <a:pPr>
                 <a:defRPr/>
               </a:pPr>
-              <a:t>06/01/2019</a:t>
+              <a:t>07/01/2019</a:t>
             </a:fld>
             <a:endParaRPr lang="it-IT" altLang="it-IT"/>
           </a:p>
@@ -14367,7 +15179,7 @@
               <a:pPr>
                 <a:defRPr/>
               </a:pPr>
-              <a:t>24</a:t>
+              <a:t>26</a:t>
             </a:fld>
             <a:endParaRPr lang="it-IT" altLang="it-IT"/>
           </a:p>
@@ -14587,7 +15399,7 @@
 </p:sld>
 </file>
 
-<file path=ppt/slides/slide25.xml><?xml version="1.0" encoding="utf-8"?>
+<file path=ppt/slides/slide27.xml><?xml version="1.0" encoding="utf-8"?>
 <p:sld xmlns:a="http://schemas.openxmlformats.org/drawingml/2006/main" xmlns:r="http://schemas.openxmlformats.org/officeDocument/2006/relationships" xmlns:p="http://schemas.openxmlformats.org/presentationml/2006/main">
   <p:cSld>
     <p:spTree>
@@ -14651,7 +15463,7 @@
               <a:pPr>
                 <a:defRPr/>
               </a:pPr>
-              <a:t>06/01/2019</a:t>
+              <a:t>07/01/2019</a:t>
             </a:fld>
             <a:endParaRPr lang="it-IT" altLang="it-IT"/>
           </a:p>
@@ -14710,7 +15522,7 @@
               <a:pPr>
                 <a:defRPr/>
               </a:pPr>
-              <a:t>25</a:t>
+              <a:t>27</a:t>
             </a:fld>
             <a:endParaRPr lang="it-IT" altLang="it-IT"/>
           </a:p>
@@ -14879,7 +15691,7 @@
               <a:pPr>
                 <a:defRPr/>
               </a:pPr>
-              <a:t>06/01/2019</a:t>
+              <a:t>07/01/2019</a:t>
             </a:fld>
             <a:endParaRPr lang="it-IT" altLang="it-IT"/>
           </a:p>
@@ -15105,7 +15917,7 @@
               <a:pPr>
                 <a:defRPr/>
               </a:pPr>
-              <a:t>06/01/2019</a:t>
+              <a:t>07/01/2019</a:t>
             </a:fld>
             <a:endParaRPr lang="it-IT" altLang="it-IT"/>
           </a:p>
@@ -15369,7 +16181,7 @@
               <a:pPr>
                 <a:defRPr/>
               </a:pPr>
-              <a:t>06/01/2019</a:t>
+              <a:t>07/01/2019</a:t>
             </a:fld>
             <a:endParaRPr lang="it-IT" altLang="it-IT"/>
           </a:p>
@@ -15581,7 +16393,7 @@
               <a:pPr>
                 <a:defRPr/>
               </a:pPr>
-              <a:t>06/01/2019</a:t>
+              <a:t>07/01/2019</a:t>
             </a:fld>
             <a:endParaRPr lang="it-IT" altLang="it-IT"/>
           </a:p>
@@ -15795,7 +16607,7 @@
               <a:pPr>
                 <a:defRPr/>
               </a:pPr>
-              <a:t>06/01/2019</a:t>
+              <a:t>07/01/2019</a:t>
             </a:fld>
             <a:endParaRPr lang="it-IT" altLang="it-IT"/>
           </a:p>
@@ -16068,7 +16880,7 @@
               <a:pPr>
                 <a:defRPr/>
               </a:pPr>
-              <a:t>06/01/2019</a:t>
+              <a:t>07/01/2019</a:t>
             </a:fld>
             <a:endParaRPr lang="it-IT" altLang="it-IT"/>
           </a:p>
@@ -16313,7 +17125,7 @@
               <a:pPr>
                 <a:defRPr/>
               </a:pPr>
-              <a:t>06/01/2019</a:t>
+              <a:t>07/01/2019</a:t>
             </a:fld>
             <a:endParaRPr lang="it-IT" altLang="it-IT"/>
           </a:p>

--- a/Tesi Emanuele Orfanelli 1383726.pptx
+++ b/Tesi Emanuele Orfanelli 1383726.pptx
@@ -5,10 +5,10 @@
     <p:sldMasterId id="2147483648" r:id="rId1"/>
   </p:sldMasterIdLst>
   <p:notesMasterIdLst>
-    <p:notesMasterId r:id="rId29"/>
+    <p:notesMasterId r:id="rId27"/>
   </p:notesMasterIdLst>
   <p:handoutMasterIdLst>
-    <p:handoutMasterId r:id="rId30"/>
+    <p:handoutMasterId r:id="rId28"/>
   </p:handoutMasterIdLst>
   <p:sldIdLst>
     <p:sldId id="263" r:id="rId2"/>
@@ -19,25 +19,23 @@
     <p:sldId id="289" r:id="rId7"/>
     <p:sldId id="290" r:id="rId8"/>
     <p:sldId id="292" r:id="rId9"/>
-    <p:sldId id="294" r:id="rId10"/>
-    <p:sldId id="312" r:id="rId11"/>
-    <p:sldId id="300" r:id="rId12"/>
-    <p:sldId id="301" r:id="rId13"/>
-    <p:sldId id="302" r:id="rId14"/>
-    <p:sldId id="303" r:id="rId15"/>
-    <p:sldId id="295" r:id="rId16"/>
-    <p:sldId id="293" r:id="rId17"/>
-    <p:sldId id="291" r:id="rId18"/>
-    <p:sldId id="306" r:id="rId19"/>
-    <p:sldId id="304" r:id="rId20"/>
-    <p:sldId id="305" r:id="rId21"/>
-    <p:sldId id="314" r:id="rId22"/>
-    <p:sldId id="313" r:id="rId23"/>
-    <p:sldId id="296" r:id="rId24"/>
-    <p:sldId id="297" r:id="rId25"/>
-    <p:sldId id="298" r:id="rId26"/>
-    <p:sldId id="311" r:id="rId27"/>
-    <p:sldId id="310" r:id="rId28"/>
+    <p:sldId id="312" r:id="rId10"/>
+    <p:sldId id="300" r:id="rId11"/>
+    <p:sldId id="301" r:id="rId12"/>
+    <p:sldId id="302" r:id="rId13"/>
+    <p:sldId id="303" r:id="rId14"/>
+    <p:sldId id="295" r:id="rId15"/>
+    <p:sldId id="293" r:id="rId16"/>
+    <p:sldId id="291" r:id="rId17"/>
+    <p:sldId id="306" r:id="rId18"/>
+    <p:sldId id="304" r:id="rId19"/>
+    <p:sldId id="305" r:id="rId20"/>
+    <p:sldId id="314" r:id="rId21"/>
+    <p:sldId id="296" r:id="rId22"/>
+    <p:sldId id="297" r:id="rId23"/>
+    <p:sldId id="298" r:id="rId24"/>
+    <p:sldId id="311" r:id="rId25"/>
+    <p:sldId id="310" r:id="rId26"/>
   </p:sldIdLst>
   <p:sldSz cx="9144000" cy="6858000" type="screen4x3"/>
   <p:notesSz cx="6858000" cy="9144000"/>
@@ -229,7 +227,7 @@
           <p:cNvPr id="3074" name="Rectangle 2">
             <a:extLst>
               <a:ext uri="{FF2B5EF4-FFF2-40B4-BE49-F238E27FC236}">
-                <a16:creationId xmlns:a16="http://schemas.microsoft.com/office/drawing/2014/main" id="{812E55EB-21FE-4355-BF4B-8CFDCE6A07DC}"/>
+                <a16:creationId xmlns:a16="http://schemas.microsoft.com/office/drawing/2014/main" xmlns="" id="{812E55EB-21FE-4355-BF4B-8CFDCE6A07DC}"/>
               </a:ext>
             </a:extLst>
           </p:cNvPr>
@@ -300,7 +298,7 @@
           <p:cNvPr id="3075" name="Rectangle 3">
             <a:extLst>
               <a:ext uri="{FF2B5EF4-FFF2-40B4-BE49-F238E27FC236}">
-                <a16:creationId xmlns:a16="http://schemas.microsoft.com/office/drawing/2014/main" id="{5884A3D8-82D8-406D-AE77-85A07DF4E1E2}"/>
+                <a16:creationId xmlns:a16="http://schemas.microsoft.com/office/drawing/2014/main" xmlns="" id="{5884A3D8-82D8-406D-AE77-85A07DF4E1E2}"/>
               </a:ext>
             </a:extLst>
           </p:cNvPr>
@@ -371,7 +369,7 @@
           <p:cNvPr id="3076" name="Rectangle 4">
             <a:extLst>
               <a:ext uri="{FF2B5EF4-FFF2-40B4-BE49-F238E27FC236}">
-                <a16:creationId xmlns:a16="http://schemas.microsoft.com/office/drawing/2014/main" id="{F7215AAB-996D-4F84-BDCB-BDD6EE316991}"/>
+                <a16:creationId xmlns:a16="http://schemas.microsoft.com/office/drawing/2014/main" xmlns="" id="{F7215AAB-996D-4F84-BDCB-BDD6EE316991}"/>
               </a:ext>
             </a:extLst>
           </p:cNvPr>
@@ -442,7 +440,7 @@
           <p:cNvPr id="3077" name="Rectangle 5">
             <a:extLst>
               <a:ext uri="{FF2B5EF4-FFF2-40B4-BE49-F238E27FC236}">
-                <a16:creationId xmlns:a16="http://schemas.microsoft.com/office/drawing/2014/main" id="{3146A847-D07C-492B-B675-ED550D9E6D9F}"/>
+                <a16:creationId xmlns:a16="http://schemas.microsoft.com/office/drawing/2014/main" xmlns="" id="{3146A847-D07C-492B-B675-ED550D9E6D9F}"/>
               </a:ext>
             </a:extLst>
           </p:cNvPr>
@@ -551,7 +549,7 @@
           <p:cNvPr id="5122" name="Rectangle 2">
             <a:extLst>
               <a:ext uri="{FF2B5EF4-FFF2-40B4-BE49-F238E27FC236}">
-                <a16:creationId xmlns:a16="http://schemas.microsoft.com/office/drawing/2014/main" id="{93C255EA-2895-4348-9711-EE4506355D4A}"/>
+                <a16:creationId xmlns:a16="http://schemas.microsoft.com/office/drawing/2014/main" xmlns="" id="{93C255EA-2895-4348-9711-EE4506355D4A}"/>
               </a:ext>
             </a:extLst>
           </p:cNvPr>
@@ -622,7 +620,7 @@
           <p:cNvPr id="5123" name="Rectangle 3">
             <a:extLst>
               <a:ext uri="{FF2B5EF4-FFF2-40B4-BE49-F238E27FC236}">
-                <a16:creationId xmlns:a16="http://schemas.microsoft.com/office/drawing/2014/main" id="{557E82AA-A9E2-41F7-AFDD-F694C689D5C5}"/>
+                <a16:creationId xmlns:a16="http://schemas.microsoft.com/office/drawing/2014/main" xmlns="" id="{557E82AA-A9E2-41F7-AFDD-F694C689D5C5}"/>
               </a:ext>
             </a:extLst>
           </p:cNvPr>
@@ -744,7 +742,7 @@
           <p:cNvPr id="5125" name="Rectangle 5">
             <a:extLst>
               <a:ext uri="{FF2B5EF4-FFF2-40B4-BE49-F238E27FC236}">
-                <a16:creationId xmlns:a16="http://schemas.microsoft.com/office/drawing/2014/main" id="{563E4E19-A835-4BA0-83E4-DD90A91F627E}"/>
+                <a16:creationId xmlns:a16="http://schemas.microsoft.com/office/drawing/2014/main" xmlns="" id="{563E4E19-A835-4BA0-83E4-DD90A91F627E}"/>
               </a:ext>
             </a:extLst>
           </p:cNvPr>
@@ -836,7 +834,7 @@
           <p:cNvPr id="5126" name="Rectangle 6">
             <a:extLst>
               <a:ext uri="{FF2B5EF4-FFF2-40B4-BE49-F238E27FC236}">
-                <a16:creationId xmlns:a16="http://schemas.microsoft.com/office/drawing/2014/main" id="{6C70CE83-D827-44F8-B24F-B034C73B6290}"/>
+                <a16:creationId xmlns:a16="http://schemas.microsoft.com/office/drawing/2014/main" xmlns="" id="{6C70CE83-D827-44F8-B24F-B034C73B6290}"/>
               </a:ext>
             </a:extLst>
           </p:cNvPr>
@@ -907,7 +905,7 @@
           <p:cNvPr id="5127" name="Rectangle 7">
             <a:extLst>
               <a:ext uri="{FF2B5EF4-FFF2-40B4-BE49-F238E27FC236}">
-                <a16:creationId xmlns:a16="http://schemas.microsoft.com/office/drawing/2014/main" id="{B42D10D8-7FB3-48EB-9933-A3246227371B}"/>
+                <a16:creationId xmlns:a16="http://schemas.microsoft.com/office/drawing/2014/main" xmlns="" id="{B42D10D8-7FB3-48EB-9933-A3246227371B}"/>
               </a:ext>
             </a:extLst>
           </p:cNvPr>
@@ -1297,6 +1295,30 @@
           <a:lstStyle/>
           <a:p>
             <a:pPr eaLnBrk="1" hangingPunct="1"/>
+            <a:r>
+              <a:rPr lang="it-IT" altLang="it-IT" dirty="0" smtClean="0"/>
+              <a:t>Ho collaborato con il lab</a:t>
+            </a:r>
+            <a:r>
+              <a:rPr lang="it-IT" altLang="it-IT" baseline="0" dirty="0" smtClean="0"/>
+              <a:t> di </a:t>
+            </a:r>
+            <a:r>
+              <a:rPr lang="it-IT" altLang="it-IT" baseline="0" dirty="0" err="1" smtClean="0"/>
+              <a:t>comp</a:t>
+            </a:r>
+            <a:r>
+              <a:rPr lang="it-IT" altLang="it-IT" baseline="0" dirty="0" smtClean="0"/>
+              <a:t> </a:t>
+            </a:r>
+            <a:r>
+              <a:rPr lang="it-IT" altLang="it-IT" baseline="0" dirty="0" err="1" smtClean="0"/>
+              <a:t>vision</a:t>
+            </a:r>
+            <a:r>
+              <a:rPr lang="it-IT" altLang="it-IT" baseline="0" dirty="0" smtClean="0"/>
+              <a:t> diretto dal prof 5 per questo progetto di tesi. Tale lavoro riguarda un sistema di riconoscimento delle menzogne usando Action Unit facciali.</a:t>
+            </a:r>
             <a:endParaRPr lang="it-IT" altLang="it-IT" dirty="0" smtClean="0"/>
           </a:p>
         </p:txBody>
@@ -1355,7 +1377,76 @@
           <a:p>
             <a:r>
               <a:rPr lang="en-US" dirty="0" smtClean="0"/>
-              <a:t>NEW SLIDE MAYBE LIKE THIS</a:t>
+              <a:t>Nella</a:t>
+            </a:r>
+            <a:r>
+              <a:rPr lang="en-US" baseline="0" dirty="0" smtClean="0"/>
+              <a:t> </a:t>
+            </a:r>
+            <a:r>
+              <a:rPr lang="en-US" baseline="0" dirty="0" err="1" smtClean="0"/>
+              <a:t>seconda</a:t>
+            </a:r>
+            <a:r>
+              <a:rPr lang="en-US" baseline="0" dirty="0" smtClean="0"/>
+              <a:t> </a:t>
+            </a:r>
+            <a:r>
+              <a:rPr lang="en-US" baseline="0" dirty="0" err="1" smtClean="0"/>
+              <a:t>fase</a:t>
+            </a:r>
+            <a:r>
+              <a:rPr lang="en-US" baseline="0" dirty="0" smtClean="0"/>
+              <a:t> </a:t>
+            </a:r>
+            <a:r>
+              <a:rPr lang="en-US" baseline="0" dirty="0" err="1" smtClean="0"/>
+              <a:t>utilizziamo</a:t>
+            </a:r>
+            <a:r>
+              <a:rPr lang="en-US" baseline="0" dirty="0" smtClean="0"/>
+              <a:t> un Constrained Local Model per </a:t>
+            </a:r>
+            <a:r>
+              <a:rPr lang="en-US" baseline="0" dirty="0" err="1" smtClean="0"/>
+              <a:t>aggiornare</a:t>
+            </a:r>
+            <a:r>
+              <a:rPr lang="en-US" baseline="0" dirty="0" smtClean="0"/>
+              <a:t> </a:t>
+            </a:r>
+            <a:r>
+              <a:rPr lang="en-US" baseline="0" dirty="0" err="1" smtClean="0"/>
+              <a:t>simultaneamente</a:t>
+            </a:r>
+            <a:r>
+              <a:rPr lang="en-US" baseline="0" dirty="0" smtClean="0"/>
+              <a:t> la </a:t>
+            </a:r>
+            <a:r>
+              <a:rPr lang="en-US" baseline="0" dirty="0" err="1" smtClean="0"/>
+              <a:t>posizione</a:t>
+            </a:r>
+            <a:r>
+              <a:rPr lang="en-US" baseline="0" dirty="0" smtClean="0"/>
+              <a:t> di </a:t>
+            </a:r>
+            <a:r>
+              <a:rPr lang="en-US" baseline="0" dirty="0" err="1" smtClean="0"/>
+              <a:t>tutti</a:t>
+            </a:r>
+            <a:r>
+              <a:rPr lang="en-US" baseline="0" dirty="0" smtClean="0"/>
+              <a:t> I landmark.</a:t>
+            </a:r>
+          </a:p>
+          <a:p>
+            <a:endParaRPr lang="en-US" baseline="0" dirty="0" smtClean="0"/>
+          </a:p>
+          <a:p>
+            <a:r>
+              <a:rPr lang="en-US" baseline="0" dirty="0" smtClean="0"/>
+              <a:t>COSA E’ CLM? PERCHE’ LO USO?</a:t>
             </a:r>
             <a:endParaRPr lang="en-US" dirty="0"/>
           </a:p>
@@ -1393,7 +1484,7 @@
     </p:spTree>
     <p:extLst>
       <p:ext uri="{BB962C8B-B14F-4D97-AF65-F5344CB8AC3E}">
-        <p14:creationId xmlns:p14="http://schemas.microsoft.com/office/powerpoint/2010/main" val="342468761"/>
+        <p14:creationId xmlns:p14="http://schemas.microsoft.com/office/powerpoint/2010/main" val="4207373225"/>
       </p:ext>
     </p:extLst>
   </p:cSld>
@@ -1449,11 +1540,219 @@
           <a:p>
             <a:r>
               <a:rPr lang="en-US" dirty="0" smtClean="0"/>
-              <a:t>Is this too much? Should I</a:t>
-            </a:r>
-            <a:r>
-              <a:rPr lang="en-US" baseline="0" dirty="0" smtClean="0"/>
-              <a:t> skip it since I don’t know too much about this? Maybe just reduce it. </a:t>
+              <a:t>Una </a:t>
+            </a:r>
+            <a:r>
+              <a:rPr lang="en-US" dirty="0" err="1" smtClean="0"/>
+              <a:t>volta</a:t>
+            </a:r>
+            <a:r>
+              <a:rPr lang="en-US" dirty="0" smtClean="0"/>
+              <a:t> </a:t>
+            </a:r>
+            <a:r>
+              <a:rPr lang="en-US" dirty="0" err="1" smtClean="0"/>
+              <a:t>estratti</a:t>
+            </a:r>
+            <a:r>
+              <a:rPr lang="en-US" dirty="0" smtClean="0"/>
+              <a:t> I landmark, per </a:t>
+            </a:r>
+            <a:r>
+              <a:rPr lang="en-US" dirty="0" err="1" smtClean="0"/>
+              <a:t>procedere</a:t>
+            </a:r>
+            <a:r>
+              <a:rPr lang="en-US" baseline="0" dirty="0" smtClean="0"/>
+              <a:t> </a:t>
+            </a:r>
+            <a:r>
+              <a:rPr lang="en-US" baseline="0" dirty="0" err="1" smtClean="0"/>
+              <a:t>alla</a:t>
+            </a:r>
+            <a:r>
+              <a:rPr lang="en-US" baseline="0" dirty="0" smtClean="0"/>
+              <a:t> </a:t>
+            </a:r>
+            <a:r>
+              <a:rPr lang="en-US" baseline="0" dirty="0" err="1" smtClean="0"/>
+              <a:t>fase</a:t>
+            </a:r>
+            <a:r>
+              <a:rPr lang="en-US" baseline="0" dirty="0" smtClean="0"/>
+              <a:t> di </a:t>
+            </a:r>
+            <a:r>
+              <a:rPr lang="en-US" baseline="0" dirty="0" err="1" smtClean="0"/>
+              <a:t>estrazione</a:t>
+            </a:r>
+            <a:r>
+              <a:rPr lang="en-US" baseline="0" dirty="0" smtClean="0"/>
+              <a:t> </a:t>
+            </a:r>
+            <a:r>
+              <a:rPr lang="en-US" baseline="0" dirty="0" err="1" smtClean="0"/>
+              <a:t>delle</a:t>
+            </a:r>
+            <a:r>
+              <a:rPr lang="en-US" baseline="0" dirty="0" smtClean="0"/>
+              <a:t> feature, ci e’ utile </a:t>
+            </a:r>
+            <a:r>
+              <a:rPr lang="en-US" baseline="0" dirty="0" err="1" smtClean="0"/>
+              <a:t>allineare</a:t>
+            </a:r>
+            <a:r>
+              <a:rPr lang="en-US" baseline="0" dirty="0" smtClean="0"/>
+              <a:t> </a:t>
+            </a:r>
+            <a:r>
+              <a:rPr lang="en-US" baseline="0" dirty="0" err="1" smtClean="0"/>
+              <a:t>l’immagine</a:t>
+            </a:r>
+            <a:r>
+              <a:rPr lang="en-US" baseline="0" dirty="0" smtClean="0"/>
+              <a:t> ad </a:t>
+            </a:r>
+            <a:r>
+              <a:rPr lang="en-US" baseline="0" dirty="0" err="1" smtClean="0"/>
+              <a:t>una</a:t>
+            </a:r>
+            <a:r>
+              <a:rPr lang="en-US" baseline="0" dirty="0" smtClean="0"/>
+              <a:t> frame di reference </a:t>
+            </a:r>
+            <a:r>
+              <a:rPr lang="en-US" baseline="0" dirty="0" err="1" smtClean="0"/>
+              <a:t>frontale</a:t>
+            </a:r>
+            <a:r>
+              <a:rPr lang="en-US" baseline="0" dirty="0" smtClean="0"/>
+              <a:t> e </a:t>
+            </a:r>
+            <a:r>
+              <a:rPr lang="en-US" baseline="0" dirty="0" err="1" smtClean="0"/>
+              <a:t>mascherarla</a:t>
+            </a:r>
+            <a:r>
+              <a:rPr lang="en-US" baseline="0" dirty="0" smtClean="0"/>
+              <a:t>, </a:t>
+            </a:r>
+            <a:r>
+              <a:rPr lang="en-US" baseline="0" dirty="0" err="1" smtClean="0"/>
+              <a:t>quindi</a:t>
+            </a:r>
+            <a:r>
+              <a:rPr lang="en-US" baseline="0" dirty="0" smtClean="0"/>
+              <a:t> </a:t>
+            </a:r>
+            <a:r>
+              <a:rPr lang="en-US" baseline="0" dirty="0" err="1" smtClean="0"/>
+              <a:t>rimuovere</a:t>
+            </a:r>
+            <a:r>
+              <a:rPr lang="en-US" baseline="0" dirty="0" smtClean="0"/>
+              <a:t> </a:t>
+            </a:r>
+            <a:r>
+              <a:rPr lang="en-US" baseline="0" dirty="0" err="1" smtClean="0"/>
+              <a:t>tutti</a:t>
+            </a:r>
+            <a:r>
+              <a:rPr lang="en-US" baseline="0" dirty="0" smtClean="0"/>
+              <a:t> I pixel non </a:t>
+            </a:r>
+            <a:r>
+              <a:rPr lang="en-US" baseline="0" dirty="0" err="1" smtClean="0"/>
+              <a:t>necessari</a:t>
+            </a:r>
+            <a:r>
+              <a:rPr lang="en-US" baseline="0" dirty="0" smtClean="0"/>
+              <a:t> </a:t>
+            </a:r>
+            <a:r>
+              <a:rPr lang="en-US" baseline="0" dirty="0" err="1" smtClean="0"/>
+              <a:t>all’analisi</a:t>
+            </a:r>
+            <a:r>
+              <a:rPr lang="en-US" baseline="0" dirty="0" smtClean="0"/>
+              <a:t>, </a:t>
+            </a:r>
+            <a:r>
+              <a:rPr lang="en-US" baseline="0" dirty="0" err="1" smtClean="0"/>
+              <a:t>applicando</a:t>
+            </a:r>
+            <a:r>
+              <a:rPr lang="en-US" baseline="0" dirty="0" smtClean="0"/>
+              <a:t> un convex hull </a:t>
+            </a:r>
+            <a:r>
+              <a:rPr lang="en-US" baseline="0" dirty="0" err="1" smtClean="0"/>
+              <a:t>su</a:t>
+            </a:r>
+            <a:r>
+              <a:rPr lang="en-US" baseline="0" dirty="0" smtClean="0"/>
+              <a:t> </a:t>
+            </a:r>
+            <a:r>
+              <a:rPr lang="en-US" baseline="0" dirty="0" err="1" smtClean="0"/>
+              <a:t>i</a:t>
+            </a:r>
+            <a:r>
+              <a:rPr lang="en-US" baseline="0" dirty="0" smtClean="0"/>
+              <a:t> feature points.</a:t>
+            </a:r>
+          </a:p>
+          <a:p>
+            <a:endParaRPr lang="en-US" baseline="0" dirty="0" smtClean="0"/>
+          </a:p>
+          <a:p>
+            <a:r>
+              <a:rPr lang="en-US" dirty="0" smtClean="0"/>
+              <a:t>COSA E’ CONVEX</a:t>
+            </a:r>
+            <a:r>
+              <a:rPr lang="en-US" baseline="0" dirty="0" smtClean="0"/>
+              <a:t> HULL?</a:t>
+            </a:r>
+            <a:endParaRPr lang="en-US" dirty="0" smtClean="0"/>
+          </a:p>
+          <a:p>
+            <a:r>
+              <a:rPr lang="en-US" dirty="0" err="1" smtClean="0"/>
+              <a:t>Essere</a:t>
+            </a:r>
+            <a:r>
+              <a:rPr lang="en-US" dirty="0" smtClean="0"/>
+              <a:t> </a:t>
+            </a:r>
+            <a:r>
+              <a:rPr lang="en-US" dirty="0" err="1" smtClean="0"/>
+              <a:t>specifico</a:t>
+            </a:r>
+            <a:r>
+              <a:rPr lang="en-US" dirty="0" smtClean="0"/>
+              <a:t> </a:t>
+            </a:r>
+            <a:r>
+              <a:rPr lang="en-US" dirty="0" err="1" smtClean="0"/>
+              <a:t>sulla</a:t>
+            </a:r>
+            <a:r>
+              <a:rPr lang="en-US" baseline="0" dirty="0" smtClean="0"/>
+              <a:t> reference frame. Non e’ </a:t>
+            </a:r>
+            <a:r>
+              <a:rPr lang="en-US" baseline="0" dirty="0" err="1" smtClean="0"/>
+              <a:t>specifica</a:t>
+            </a:r>
+            <a:r>
+              <a:rPr lang="en-US" baseline="0" dirty="0" smtClean="0"/>
+              <a:t> per </a:t>
+            </a:r>
+            <a:r>
+              <a:rPr lang="en-US" baseline="0" dirty="0" err="1" smtClean="0"/>
+              <a:t>l’utente</a:t>
             </a:r>
             <a:endParaRPr lang="en-US" dirty="0"/>
           </a:p>
@@ -1491,7 +1790,7 @@
     </p:spTree>
     <p:extLst>
       <p:ext uri="{BB962C8B-B14F-4D97-AF65-F5344CB8AC3E}">
-        <p14:creationId xmlns:p14="http://schemas.microsoft.com/office/powerpoint/2010/main" val="4207373225"/>
+        <p14:creationId xmlns:p14="http://schemas.microsoft.com/office/powerpoint/2010/main" val="2990312428"/>
       </p:ext>
     </p:extLst>
   </p:cSld>
@@ -1563,23 +1862,229 @@
             </a:r>
             <a:r>
               <a:rPr lang="en-US" dirty="0" err="1" smtClean="0"/>
-              <a:t>estratti</a:t>
-            </a:r>
-            <a:r>
-              <a:rPr lang="en-US" dirty="0" smtClean="0"/>
-              <a:t> I landmark, per </a:t>
+              <a:t>allineata</a:t>
+            </a:r>
+            <a:r>
+              <a:rPr lang="en-US" dirty="0" smtClean="0"/>
+              <a:t> </a:t>
             </a:r>
             <a:r>
               <a:rPr lang="en-US" dirty="0" err="1" smtClean="0"/>
-              <a:t>procedere</a:t>
-            </a:r>
-            <a:r>
-              <a:rPr lang="en-US" baseline="0" dirty="0" smtClean="0"/>
-              <a:t> </a:t>
-            </a:r>
-            <a:r>
-              <a:rPr lang="en-US" baseline="0" dirty="0" err="1" smtClean="0"/>
-              <a:t>alla</a:t>
+              <a:t>l’immagine</a:t>
+            </a:r>
+            <a:r>
+              <a:rPr lang="en-US" dirty="0" smtClean="0"/>
+              <a:t> </a:t>
+            </a:r>
+            <a:r>
+              <a:rPr lang="en-US" dirty="0" err="1" smtClean="0"/>
+              <a:t>procediamo</a:t>
+            </a:r>
+            <a:r>
+              <a:rPr lang="en-US" dirty="0" smtClean="0"/>
+              <a:t> </a:t>
+            </a:r>
+            <a:r>
+              <a:rPr lang="en-US" dirty="0" err="1" smtClean="0"/>
+              <a:t>all’estrazione</a:t>
+            </a:r>
+            <a:r>
+              <a:rPr lang="en-US" dirty="0" smtClean="0"/>
+              <a:t> </a:t>
+            </a:r>
+            <a:r>
+              <a:rPr lang="en-US" dirty="0" err="1" smtClean="0"/>
+              <a:t>delle</a:t>
+            </a:r>
+            <a:r>
+              <a:rPr lang="en-US" dirty="0" smtClean="0"/>
+              <a:t> feature.</a:t>
+            </a:r>
+          </a:p>
+          <a:p>
+            <a:r>
+              <a:rPr lang="en-US" dirty="0" smtClean="0"/>
+              <a:t>Ci</a:t>
+            </a:r>
+            <a:r>
+              <a:rPr lang="en-US" baseline="0" dirty="0" smtClean="0"/>
+              <a:t> </a:t>
+            </a:r>
+            <a:r>
+              <a:rPr lang="en-US" baseline="0" dirty="0" err="1" smtClean="0"/>
+              <a:t>sono</a:t>
+            </a:r>
+            <a:r>
+              <a:rPr lang="en-US" baseline="0" dirty="0" smtClean="0"/>
+              <a:t> due tipi di features </a:t>
+            </a:r>
+            <a:r>
+              <a:rPr lang="en-US" baseline="0" dirty="0" err="1" smtClean="0"/>
+              <a:t>che</a:t>
+            </a:r>
+            <a:r>
+              <a:rPr lang="en-US" baseline="0" dirty="0" smtClean="0"/>
+              <a:t> </a:t>
+            </a:r>
+            <a:r>
+              <a:rPr lang="en-US" baseline="0" dirty="0" err="1" smtClean="0"/>
+              <a:t>estraiamo</a:t>
+            </a:r>
+            <a:r>
+              <a:rPr lang="en-US" baseline="0" dirty="0" smtClean="0"/>
+              <a:t>: appearance features e geometry features.</a:t>
+            </a:r>
+          </a:p>
+          <a:p>
+            <a:r>
+              <a:rPr lang="en-US" baseline="0" dirty="0" smtClean="0"/>
+              <a:t>Le </a:t>
+            </a:r>
+            <a:r>
+              <a:rPr lang="en-US" baseline="0" dirty="0" err="1" smtClean="0"/>
+              <a:t>appeareance</a:t>
+            </a:r>
+            <a:r>
+              <a:rPr lang="en-US" baseline="0" dirty="0" smtClean="0"/>
+              <a:t> features </a:t>
+            </a:r>
+            <a:r>
+              <a:rPr lang="en-US" baseline="0" dirty="0" err="1" smtClean="0"/>
+              <a:t>vengono</a:t>
+            </a:r>
+            <a:r>
+              <a:rPr lang="en-US" baseline="0" dirty="0" smtClean="0"/>
+              <a:t> </a:t>
+            </a:r>
+            <a:r>
+              <a:rPr lang="en-US" baseline="0" dirty="0" err="1" smtClean="0"/>
+              <a:t>estratte</a:t>
+            </a:r>
+            <a:r>
+              <a:rPr lang="en-US" baseline="0" dirty="0" smtClean="0"/>
+              <a:t> sotto forma di </a:t>
+            </a:r>
+            <a:r>
+              <a:rPr lang="en-US" baseline="0" dirty="0" err="1" smtClean="0"/>
+              <a:t>HoG</a:t>
+            </a:r>
+            <a:r>
+              <a:rPr lang="en-US" baseline="0" dirty="0" smtClean="0"/>
+              <a:t>, e </a:t>
+            </a:r>
+            <a:r>
+              <a:rPr lang="en-US" baseline="0" dirty="0" err="1" smtClean="0"/>
+              <a:t>utilizzando</a:t>
+            </a:r>
+            <a:r>
+              <a:rPr lang="en-US" baseline="0" dirty="0" smtClean="0"/>
+              <a:t> la PCA </a:t>
+            </a:r>
+            <a:r>
+              <a:rPr lang="en-US" baseline="0" dirty="0" err="1" smtClean="0"/>
+              <a:t>arriviamo</a:t>
+            </a:r>
+            <a:r>
+              <a:rPr lang="en-US" baseline="0" dirty="0" smtClean="0"/>
+              <a:t> ad </a:t>
+            </a:r>
+            <a:r>
+              <a:rPr lang="en-US" baseline="0" dirty="0" err="1" smtClean="0"/>
+              <a:t>avere</a:t>
+            </a:r>
+            <a:r>
+              <a:rPr lang="en-US" baseline="0" dirty="0" smtClean="0"/>
+              <a:t> un </a:t>
+            </a:r>
+            <a:r>
+              <a:rPr lang="en-US" baseline="0" dirty="0" err="1" smtClean="0"/>
+              <a:t>vettore</a:t>
+            </a:r>
+            <a:r>
+              <a:rPr lang="en-US" baseline="0" dirty="0" smtClean="0"/>
+              <a:t> di 1379 features</a:t>
+            </a:r>
+          </a:p>
+          <a:p>
+            <a:r>
+              <a:rPr lang="en-US" baseline="0" dirty="0" smtClean="0"/>
+              <a:t>Le geometry features </a:t>
+            </a:r>
+            <a:r>
+              <a:rPr lang="en-US" baseline="0" dirty="0" err="1" smtClean="0"/>
+              <a:t>invece</a:t>
+            </a:r>
+            <a:r>
+              <a:rPr lang="en-US" baseline="0" dirty="0" smtClean="0"/>
+              <a:t> </a:t>
+            </a:r>
+            <a:r>
+              <a:rPr lang="en-US" baseline="0" dirty="0" err="1" smtClean="0"/>
+              <a:t>dipendono</a:t>
+            </a:r>
+            <a:r>
+              <a:rPr lang="en-US" baseline="0" dirty="0" smtClean="0"/>
+              <a:t> </a:t>
+            </a:r>
+            <a:r>
+              <a:rPr lang="en-US" baseline="0" dirty="0" err="1" smtClean="0"/>
+              <a:t>dalla</a:t>
+            </a:r>
+            <a:r>
+              <a:rPr lang="en-US" baseline="0" dirty="0" smtClean="0"/>
+              <a:t> </a:t>
+            </a:r>
+            <a:r>
+              <a:rPr lang="en-US" baseline="0" dirty="0" err="1" smtClean="0"/>
+              <a:t>posizione</a:t>
+            </a:r>
+            <a:r>
+              <a:rPr lang="en-US" baseline="0" dirty="0" smtClean="0"/>
+              <a:t> </a:t>
+            </a:r>
+            <a:r>
+              <a:rPr lang="en-US" baseline="0" dirty="0" err="1" smtClean="0"/>
+              <a:t>dei</a:t>
+            </a:r>
+            <a:r>
+              <a:rPr lang="en-US" baseline="0" dirty="0" smtClean="0"/>
+              <a:t> landmark e </a:t>
+            </a:r>
+            <a:r>
+              <a:rPr lang="en-US" baseline="0" dirty="0" err="1" smtClean="0"/>
+              <a:t>dai</a:t>
+            </a:r>
+            <a:r>
+              <a:rPr lang="en-US" baseline="0" dirty="0" smtClean="0"/>
+              <a:t> </a:t>
+            </a:r>
+            <a:r>
+              <a:rPr lang="en-US" baseline="0" dirty="0" err="1" smtClean="0"/>
+              <a:t>parametri</a:t>
+            </a:r>
+            <a:r>
+              <a:rPr lang="en-US" baseline="0" dirty="0" smtClean="0"/>
+              <a:t> del PDM </a:t>
+            </a:r>
+            <a:r>
+              <a:rPr lang="en-US" baseline="0" dirty="0" err="1" smtClean="0"/>
+              <a:t>usato</a:t>
+            </a:r>
+            <a:r>
+              <a:rPr lang="en-US" baseline="0" dirty="0" smtClean="0"/>
+              <a:t> </a:t>
+            </a:r>
+            <a:r>
+              <a:rPr lang="en-US" baseline="0" dirty="0" err="1" smtClean="0"/>
+              <a:t>nella</a:t>
+            </a:r>
+            <a:r>
+              <a:rPr lang="en-US" baseline="0" dirty="0" smtClean="0"/>
+              <a:t> </a:t>
+            </a:r>
+            <a:r>
+              <a:rPr lang="en-US" baseline="0" dirty="0" err="1" smtClean="0"/>
+              <a:t>seconda</a:t>
             </a:r>
             <a:r>
               <a:rPr lang="en-US" baseline="0" dirty="0" smtClean="0"/>
@@ -1591,62 +2096,80 @@
             </a:r>
             <a:r>
               <a:rPr lang="en-US" baseline="0" dirty="0" smtClean="0"/>
-              <a:t> di </a:t>
-            </a:r>
-            <a:r>
-              <a:rPr lang="en-US" baseline="0" dirty="0" err="1" smtClean="0"/>
-              <a:t>estrazione</a:t>
-            </a:r>
-            <a:r>
-              <a:rPr lang="en-US" baseline="0" dirty="0" smtClean="0"/>
-              <a:t> </a:t>
-            </a:r>
-            <a:r>
-              <a:rPr lang="en-US" baseline="0" dirty="0" err="1" smtClean="0"/>
-              <a:t>delle</a:t>
-            </a:r>
-            <a:r>
-              <a:rPr lang="en-US" baseline="0" dirty="0" smtClean="0"/>
-              <a:t> feature, ci e’ utile </a:t>
-            </a:r>
-            <a:r>
-              <a:rPr lang="en-US" baseline="0" dirty="0" err="1" smtClean="0"/>
-              <a:t>allineare</a:t>
-            </a:r>
-            <a:r>
-              <a:rPr lang="en-US" baseline="0" dirty="0" smtClean="0"/>
-              <a:t> </a:t>
-            </a:r>
-            <a:r>
-              <a:rPr lang="en-US" baseline="0" dirty="0" err="1" smtClean="0"/>
-              <a:t>l’immagine</a:t>
-            </a:r>
-            <a:r>
-              <a:rPr lang="en-US" baseline="0" dirty="0" smtClean="0"/>
-              <a:t> ad </a:t>
-            </a:r>
-            <a:r>
-              <a:rPr lang="en-US" baseline="0" dirty="0" err="1" smtClean="0"/>
-              <a:t>una</a:t>
-            </a:r>
-            <a:r>
-              <a:rPr lang="en-US" baseline="0" dirty="0" smtClean="0"/>
-              <a:t> frame di reference </a:t>
-            </a:r>
-            <a:r>
-              <a:rPr lang="en-US" baseline="0" dirty="0" err="1" smtClean="0"/>
-              <a:t>frontale</a:t>
-            </a:r>
-            <a:r>
-              <a:rPr lang="en-US" dirty="0" smtClean="0"/>
-              <a:t>…</a:t>
-            </a:r>
-          </a:p>
-          <a:p>
-            <a:r>
-              <a:rPr lang="en-US" dirty="0" smtClean="0"/>
-              <a:t>REVIEW THIS SLIDE</a:t>
-            </a:r>
+              <a:t> </a:t>
+            </a:r>
+            <a:r>
+              <a:rPr lang="en-US" baseline="0" dirty="0" err="1" smtClean="0"/>
+              <a:t>della</a:t>
+            </a:r>
+            <a:r>
+              <a:rPr lang="en-US" baseline="0" dirty="0" smtClean="0"/>
+              <a:t> landmark detection</a:t>
+            </a:r>
+          </a:p>
+          <a:p>
+            <a:r>
+              <a:rPr lang="en-US" baseline="0" dirty="0" err="1" smtClean="0"/>
+              <a:t>Arriviamo</a:t>
+            </a:r>
+            <a:r>
+              <a:rPr lang="en-US" baseline="0" dirty="0" smtClean="0"/>
+              <a:t> </a:t>
+            </a:r>
+            <a:r>
+              <a:rPr lang="en-US" baseline="0" dirty="0" err="1" smtClean="0"/>
+              <a:t>cosi</a:t>
+            </a:r>
+            <a:r>
+              <a:rPr lang="en-US" baseline="0" dirty="0" smtClean="0"/>
+              <a:t>’ ad un </a:t>
+            </a:r>
+            <a:r>
+              <a:rPr lang="en-US" baseline="0" dirty="0" err="1" smtClean="0"/>
+              <a:t>totale</a:t>
+            </a:r>
+            <a:r>
+              <a:rPr lang="en-US" baseline="0" dirty="0" smtClean="0"/>
+              <a:t> di 1606 features </a:t>
+            </a:r>
+            <a:r>
+              <a:rPr lang="en-US" baseline="0" dirty="0" err="1" smtClean="0"/>
+              <a:t>che</a:t>
+            </a:r>
+            <a:r>
+              <a:rPr lang="en-US" baseline="0" dirty="0" smtClean="0"/>
+              <a:t> </a:t>
+            </a:r>
+            <a:r>
+              <a:rPr lang="en-US" baseline="0" dirty="0" err="1" smtClean="0"/>
+              <a:t>descrivono</a:t>
+            </a:r>
+            <a:r>
+              <a:rPr lang="en-US" baseline="0" dirty="0" smtClean="0"/>
+              <a:t> la </a:t>
+            </a:r>
+            <a:r>
+              <a:rPr lang="en-US" baseline="0" dirty="0" err="1" smtClean="0"/>
+              <a:t>faccia</a:t>
+            </a:r>
+            <a:r>
+              <a:rPr lang="en-US" baseline="0" dirty="0" smtClean="0"/>
+              <a:t>.</a:t>
+            </a:r>
+          </a:p>
+          <a:p>
+            <a:endParaRPr lang="en-US" baseline="0" dirty="0" smtClean="0"/>
+          </a:p>
+          <a:p>
+            <a:r>
+              <a:rPr lang="en-US" baseline="0" dirty="0" smtClean="0"/>
+              <a:t>COSA E’ LA PCA? COME LA USO?</a:t>
+            </a:r>
+          </a:p>
+          <a:p>
+            <a:endParaRPr lang="en-US" baseline="0" dirty="0" smtClean="0"/>
+          </a:p>
+          <a:p>
             <a:endParaRPr lang="en-US" dirty="0"/>
           </a:p>
         </p:txBody>
@@ -1683,7 +2206,7 @@
     </p:spTree>
     <p:extLst>
       <p:ext uri="{BB962C8B-B14F-4D97-AF65-F5344CB8AC3E}">
-        <p14:creationId xmlns:p14="http://schemas.microsoft.com/office/powerpoint/2010/main" val="2990312428"/>
+        <p14:creationId xmlns:p14="http://schemas.microsoft.com/office/powerpoint/2010/main" val="3980058859"/>
       </p:ext>
     </p:extLst>
   </p:cSld>
@@ -1742,312 +2265,182 @@
               <a:t>Una</a:t>
             </a:r>
             <a:r>
-              <a:rPr lang="en-US" dirty="0" smtClean="0"/>
-              <a:t> </a:t>
-            </a:r>
-            <a:r>
-              <a:rPr lang="en-US" dirty="0" err="1" smtClean="0"/>
+              <a:rPr lang="en-US" baseline="0" dirty="0" smtClean="0"/>
+              <a:t> </a:t>
+            </a:r>
+            <a:r>
+              <a:rPr lang="en-US" baseline="0" dirty="0" err="1" smtClean="0"/>
               <a:t>volta</a:t>
             </a:r>
             <a:r>
-              <a:rPr lang="en-US" dirty="0" smtClean="0"/>
-              <a:t> </a:t>
-            </a:r>
-            <a:r>
-              <a:rPr lang="en-US" dirty="0" err="1" smtClean="0"/>
-              <a:t>allineata</a:t>
-            </a:r>
-            <a:r>
-              <a:rPr lang="en-US" dirty="0" smtClean="0"/>
-              <a:t> </a:t>
-            </a:r>
-            <a:r>
-              <a:rPr lang="en-US" dirty="0" err="1" smtClean="0"/>
-              <a:t>l’immagine</a:t>
-            </a:r>
-            <a:r>
-              <a:rPr lang="en-US" dirty="0" smtClean="0"/>
-              <a:t> </a:t>
-            </a:r>
-            <a:r>
-              <a:rPr lang="en-US" dirty="0" err="1" smtClean="0"/>
-              <a:t>procediamo</a:t>
-            </a:r>
-            <a:r>
-              <a:rPr lang="en-US" dirty="0" smtClean="0"/>
-              <a:t> </a:t>
-            </a:r>
-            <a:r>
-              <a:rPr lang="en-US" dirty="0" err="1" smtClean="0"/>
-              <a:t>all’estrazione</a:t>
-            </a:r>
-            <a:r>
-              <a:rPr lang="en-US" dirty="0" smtClean="0"/>
-              <a:t> </a:t>
-            </a:r>
-            <a:r>
-              <a:rPr lang="en-US" dirty="0" err="1" smtClean="0"/>
+              <a:rPr lang="en-US" baseline="0" dirty="0" smtClean="0"/>
+              <a:t> </a:t>
+            </a:r>
+            <a:r>
+              <a:rPr lang="en-US" baseline="0" dirty="0" err="1" smtClean="0"/>
+              <a:t>che</a:t>
+            </a:r>
+            <a:r>
+              <a:rPr lang="en-US" baseline="0" dirty="0" smtClean="0"/>
+              <a:t> </a:t>
+            </a:r>
+            <a:r>
+              <a:rPr lang="en-US" baseline="0" dirty="0" err="1" smtClean="0"/>
+              <a:t>abbiamo</a:t>
+            </a:r>
+            <a:r>
+              <a:rPr lang="en-US" baseline="0" dirty="0" smtClean="0"/>
+              <a:t> </a:t>
+            </a:r>
+            <a:r>
+              <a:rPr lang="en-US" baseline="0" dirty="0" err="1" smtClean="0"/>
+              <a:t>questo</a:t>
+            </a:r>
+            <a:r>
+              <a:rPr lang="en-US" baseline="0" dirty="0" smtClean="0"/>
+              <a:t> </a:t>
+            </a:r>
+            <a:r>
+              <a:rPr lang="en-US" baseline="0" dirty="0" err="1" smtClean="0"/>
+              <a:t>vettore</a:t>
+            </a:r>
+            <a:r>
+              <a:rPr lang="en-US" baseline="0" dirty="0" smtClean="0"/>
+              <a:t> </a:t>
+            </a:r>
+            <a:r>
+              <a:rPr lang="en-US" baseline="0" dirty="0" err="1" smtClean="0"/>
+              <a:t>il</a:t>
+            </a:r>
+            <a:r>
+              <a:rPr lang="en-US" baseline="0" dirty="0" smtClean="0"/>
+              <a:t> </a:t>
+            </a:r>
+            <a:r>
+              <a:rPr lang="en-US" baseline="0" dirty="0" err="1" smtClean="0"/>
+              <a:t>passo</a:t>
+            </a:r>
+            <a:r>
+              <a:rPr lang="en-US" baseline="0" dirty="0" smtClean="0"/>
+              <a:t> successive e’ </a:t>
+            </a:r>
+            <a:r>
+              <a:rPr lang="en-US" baseline="0" dirty="0" err="1" smtClean="0"/>
+              <a:t>quello</a:t>
+            </a:r>
+            <a:r>
+              <a:rPr lang="en-US" baseline="0" dirty="0" smtClean="0"/>
+              <a:t> di </a:t>
+            </a:r>
+            <a:r>
+              <a:rPr lang="en-US" baseline="0" dirty="0" err="1" smtClean="0"/>
+              <a:t>identificare</a:t>
+            </a:r>
+            <a:r>
+              <a:rPr lang="en-US" baseline="0" dirty="0" smtClean="0"/>
+              <a:t> le AU e la </a:t>
+            </a:r>
+            <a:r>
+              <a:rPr lang="en-US" baseline="0" dirty="0" err="1" smtClean="0"/>
+              <a:t>loro</a:t>
+            </a:r>
+            <a:r>
+              <a:rPr lang="en-US" baseline="0" dirty="0" smtClean="0"/>
+              <a:t> </a:t>
+            </a:r>
+            <a:r>
+              <a:rPr lang="en-US" baseline="0" dirty="0" err="1" smtClean="0"/>
+              <a:t>intensita</a:t>
+            </a:r>
+            <a:r>
+              <a:rPr lang="en-US" baseline="0" dirty="0" smtClean="0"/>
+              <a:t>’.</a:t>
+            </a:r>
+          </a:p>
+          <a:p>
+            <a:r>
+              <a:rPr lang="en-US" baseline="0" dirty="0" smtClean="0"/>
+              <a:t>Per </a:t>
+            </a:r>
+            <a:r>
+              <a:rPr lang="en-US" baseline="0" dirty="0" err="1" smtClean="0"/>
+              <a:t>identificare</a:t>
+            </a:r>
+            <a:r>
+              <a:rPr lang="en-US" baseline="0" dirty="0" smtClean="0"/>
+              <a:t> le </a:t>
+            </a:r>
+            <a:r>
+              <a:rPr lang="en-US" baseline="0" dirty="0" err="1" smtClean="0"/>
+              <a:t>occorrenze</a:t>
+            </a:r>
+            <a:r>
+              <a:rPr lang="en-US" baseline="0" dirty="0" smtClean="0"/>
+              <a:t> </a:t>
+            </a:r>
+            <a:r>
+              <a:rPr lang="en-US" baseline="0" dirty="0" err="1" smtClean="0"/>
               <a:t>delle</a:t>
             </a:r>
             <a:r>
-              <a:rPr lang="en-US" dirty="0" smtClean="0"/>
-              <a:t> feature.</a:t>
-            </a:r>
-          </a:p>
-          <a:p>
-            <a:r>
-              <a:rPr lang="en-US" dirty="0" smtClean="0"/>
-              <a:t>Ci</a:t>
-            </a:r>
-            <a:r>
-              <a:rPr lang="en-US" baseline="0" dirty="0" smtClean="0"/>
-              <a:t> </a:t>
-            </a:r>
-            <a:r>
-              <a:rPr lang="en-US" baseline="0" dirty="0" err="1" smtClean="0"/>
-              <a:t>sono</a:t>
-            </a:r>
-            <a:r>
-              <a:rPr lang="en-US" baseline="0" dirty="0" smtClean="0"/>
-              <a:t> due tipi di features </a:t>
-            </a:r>
-            <a:r>
-              <a:rPr lang="en-US" baseline="0" dirty="0" err="1" smtClean="0"/>
-              <a:t>che</a:t>
-            </a:r>
-            <a:r>
-              <a:rPr lang="en-US" baseline="0" dirty="0" smtClean="0"/>
-              <a:t> </a:t>
-            </a:r>
-            <a:r>
-              <a:rPr lang="en-US" baseline="0" dirty="0" err="1" smtClean="0"/>
-              <a:t>estraiamo</a:t>
-            </a:r>
-            <a:r>
-              <a:rPr lang="en-US" baseline="0" dirty="0" smtClean="0"/>
-              <a:t>: appearance features e geometry features.</a:t>
-            </a:r>
-          </a:p>
-          <a:p>
-            <a:r>
-              <a:rPr lang="en-US" baseline="0" dirty="0" smtClean="0"/>
-              <a:t>Le </a:t>
-            </a:r>
-            <a:r>
-              <a:rPr lang="en-US" baseline="0" dirty="0" err="1" smtClean="0"/>
-              <a:t>appeareance</a:t>
-            </a:r>
-            <a:r>
-              <a:rPr lang="en-US" baseline="0" dirty="0" smtClean="0"/>
-              <a:t> features </a:t>
-            </a:r>
-            <a:r>
-              <a:rPr lang="en-US" baseline="0" dirty="0" err="1" smtClean="0"/>
-              <a:t>vengono</a:t>
-            </a:r>
-            <a:r>
-              <a:rPr lang="en-US" baseline="0" dirty="0" smtClean="0"/>
-              <a:t> </a:t>
-            </a:r>
-            <a:r>
-              <a:rPr lang="en-US" baseline="0" dirty="0" err="1" smtClean="0"/>
-              <a:t>estratte</a:t>
-            </a:r>
-            <a:r>
-              <a:rPr lang="en-US" baseline="0" dirty="0" smtClean="0"/>
-              <a:t> sotto forma di </a:t>
-            </a:r>
-            <a:r>
-              <a:rPr lang="en-US" baseline="0" dirty="0" err="1" smtClean="0"/>
-              <a:t>HoG</a:t>
-            </a:r>
-            <a:r>
-              <a:rPr lang="en-US" baseline="0" dirty="0" smtClean="0"/>
-              <a:t>, e </a:t>
-            </a:r>
-            <a:r>
-              <a:rPr lang="en-US" baseline="0" dirty="0" err="1" smtClean="0"/>
-              <a:t>utilizzando</a:t>
-            </a:r>
-            <a:r>
-              <a:rPr lang="en-US" baseline="0" dirty="0" smtClean="0"/>
-              <a:t> la PCA </a:t>
-            </a:r>
-            <a:r>
-              <a:rPr lang="en-US" baseline="0" dirty="0" err="1" smtClean="0"/>
-              <a:t>arriviamo</a:t>
-            </a:r>
-            <a:r>
-              <a:rPr lang="en-US" baseline="0" dirty="0" smtClean="0"/>
-              <a:t> ad </a:t>
-            </a:r>
-            <a:r>
-              <a:rPr lang="en-US" baseline="0" dirty="0" err="1" smtClean="0"/>
-              <a:t>avere</a:t>
-            </a:r>
-            <a:r>
-              <a:rPr lang="en-US" baseline="0" dirty="0" smtClean="0"/>
-              <a:t> un </a:t>
-            </a:r>
-            <a:r>
-              <a:rPr lang="en-US" baseline="0" dirty="0" err="1" smtClean="0"/>
-              <a:t>vettore</a:t>
-            </a:r>
-            <a:r>
-              <a:rPr lang="en-US" baseline="0" dirty="0" smtClean="0"/>
-              <a:t> di 1379 features</a:t>
-            </a:r>
-          </a:p>
-          <a:p>
-            <a:r>
-              <a:rPr lang="en-US" baseline="0" dirty="0" smtClean="0"/>
-              <a:t>Le geometry features </a:t>
-            </a:r>
-            <a:r>
-              <a:rPr lang="en-US" baseline="0" dirty="0" err="1" smtClean="0"/>
-              <a:t>invece</a:t>
-            </a:r>
-            <a:r>
-              <a:rPr lang="en-US" baseline="0" dirty="0" smtClean="0"/>
-              <a:t> </a:t>
-            </a:r>
-            <a:r>
-              <a:rPr lang="en-US" baseline="0" dirty="0" err="1" smtClean="0"/>
-              <a:t>dipendono</a:t>
-            </a:r>
-            <a:r>
-              <a:rPr lang="en-US" baseline="0" dirty="0" smtClean="0"/>
-              <a:t> </a:t>
-            </a:r>
-            <a:r>
-              <a:rPr lang="en-US" baseline="0" dirty="0" err="1" smtClean="0"/>
-              <a:t>dalla</a:t>
-            </a:r>
-            <a:r>
-              <a:rPr lang="en-US" baseline="0" dirty="0" smtClean="0"/>
-              <a:t> </a:t>
-            </a:r>
-            <a:r>
-              <a:rPr lang="en-US" baseline="0" dirty="0" err="1" smtClean="0"/>
-              <a:t>posizione</a:t>
-            </a:r>
-            <a:r>
-              <a:rPr lang="en-US" baseline="0" dirty="0" smtClean="0"/>
-              <a:t> </a:t>
-            </a:r>
-            <a:r>
-              <a:rPr lang="en-US" baseline="0" dirty="0" err="1" smtClean="0"/>
-              <a:t>dei</a:t>
-            </a:r>
-            <a:r>
-              <a:rPr lang="en-US" baseline="0" dirty="0" smtClean="0"/>
-              <a:t> landmark e </a:t>
-            </a:r>
-            <a:r>
-              <a:rPr lang="en-US" baseline="0" dirty="0" err="1" smtClean="0"/>
-              <a:t>dai</a:t>
-            </a:r>
-            <a:r>
-              <a:rPr lang="en-US" baseline="0" dirty="0" smtClean="0"/>
-              <a:t> </a:t>
-            </a:r>
-            <a:r>
-              <a:rPr lang="en-US" baseline="0" dirty="0" err="1" smtClean="0"/>
-              <a:t>parametri</a:t>
-            </a:r>
-            <a:r>
-              <a:rPr lang="en-US" baseline="0" dirty="0" smtClean="0"/>
-              <a:t> del PDM </a:t>
-            </a:r>
-            <a:r>
-              <a:rPr lang="en-US" baseline="0" dirty="0" err="1" smtClean="0"/>
-              <a:t>usato</a:t>
-            </a:r>
-            <a:r>
-              <a:rPr lang="en-US" baseline="0" dirty="0" smtClean="0"/>
-              <a:t> </a:t>
-            </a:r>
-            <a:r>
-              <a:rPr lang="en-US" baseline="0" dirty="0" err="1" smtClean="0"/>
-              <a:t>nella</a:t>
-            </a:r>
-            <a:r>
-              <a:rPr lang="en-US" baseline="0" dirty="0" smtClean="0"/>
-              <a:t> </a:t>
-            </a:r>
-            <a:r>
-              <a:rPr lang="en-US" baseline="0" dirty="0" err="1" smtClean="0"/>
-              <a:t>seconda</a:t>
-            </a:r>
-            <a:r>
-              <a:rPr lang="en-US" baseline="0" dirty="0" smtClean="0"/>
-              <a:t> </a:t>
-            </a:r>
-            <a:r>
-              <a:rPr lang="en-US" baseline="0" dirty="0" err="1" smtClean="0"/>
-              <a:t>fase</a:t>
-            </a:r>
-            <a:r>
-              <a:rPr lang="en-US" baseline="0" dirty="0" smtClean="0"/>
-              <a:t> </a:t>
-            </a:r>
-            <a:r>
-              <a:rPr lang="en-US" baseline="0" dirty="0" err="1" smtClean="0"/>
-              <a:t>della</a:t>
-            </a:r>
-            <a:r>
-              <a:rPr lang="en-US" baseline="0" dirty="0" smtClean="0"/>
-              <a:t> landmark detection</a:t>
-            </a:r>
-          </a:p>
-          <a:p>
-            <a:r>
-              <a:rPr lang="en-US" baseline="0" dirty="0" err="1" smtClean="0"/>
-              <a:t>Arriviamo</a:t>
-            </a:r>
-            <a:r>
-              <a:rPr lang="en-US" baseline="0" dirty="0" smtClean="0"/>
-              <a:t> </a:t>
-            </a:r>
-            <a:r>
-              <a:rPr lang="en-US" baseline="0" dirty="0" err="1" smtClean="0"/>
-              <a:t>cosi</a:t>
-            </a:r>
-            <a:r>
-              <a:rPr lang="en-US" baseline="0" dirty="0" smtClean="0"/>
-              <a:t>’ ad un </a:t>
-            </a:r>
-            <a:r>
-              <a:rPr lang="en-US" baseline="0" dirty="0" err="1" smtClean="0"/>
-              <a:t>totale</a:t>
-            </a:r>
-            <a:r>
-              <a:rPr lang="en-US" baseline="0" dirty="0" smtClean="0"/>
-              <a:t> di 1606 features </a:t>
-            </a:r>
-            <a:r>
-              <a:rPr lang="en-US" baseline="0" dirty="0" err="1" smtClean="0"/>
-              <a:t>che</a:t>
-            </a:r>
-            <a:r>
-              <a:rPr lang="en-US" baseline="0" dirty="0" smtClean="0"/>
-              <a:t> </a:t>
-            </a:r>
-            <a:r>
-              <a:rPr lang="en-US" baseline="0" dirty="0" err="1" smtClean="0"/>
-              <a:t>descrivono</a:t>
-            </a:r>
-            <a:r>
-              <a:rPr lang="en-US" baseline="0" dirty="0" smtClean="0"/>
-              <a:t> la </a:t>
-            </a:r>
-            <a:r>
-              <a:rPr lang="en-US" baseline="0" dirty="0" err="1" smtClean="0"/>
-              <a:t>faccia</a:t>
-            </a:r>
-            <a:r>
-              <a:rPr lang="en-US" baseline="0" dirty="0" smtClean="0"/>
-              <a:t>.</a:t>
+              <a:rPr lang="en-US" baseline="0" dirty="0" smtClean="0"/>
+              <a:t> AU </a:t>
+            </a:r>
+            <a:r>
+              <a:rPr lang="en-US" baseline="0" dirty="0" err="1" smtClean="0"/>
+              <a:t>utilizziamo</a:t>
+            </a:r>
+            <a:r>
+              <a:rPr lang="en-US" baseline="0" dirty="0" smtClean="0"/>
+              <a:t> un SVM, </a:t>
+            </a:r>
+            <a:r>
+              <a:rPr lang="en-US" baseline="0" dirty="0" err="1" smtClean="0"/>
+              <a:t>mentre</a:t>
+            </a:r>
+            <a:r>
+              <a:rPr lang="en-US" baseline="0" dirty="0" smtClean="0"/>
+              <a:t> per </a:t>
+            </a:r>
+            <a:r>
+              <a:rPr lang="en-US" baseline="0" dirty="0" err="1" smtClean="0"/>
+              <a:t>stimarne</a:t>
+            </a:r>
+            <a:r>
+              <a:rPr lang="en-US" baseline="0" dirty="0" smtClean="0"/>
+              <a:t> </a:t>
+            </a:r>
+            <a:r>
+              <a:rPr lang="en-US" baseline="0" dirty="0" err="1" smtClean="0"/>
+              <a:t>l’intensita</a:t>
+            </a:r>
+            <a:r>
+              <a:rPr lang="en-US" baseline="0" dirty="0" smtClean="0"/>
+              <a:t>’ un SVR. In </a:t>
+            </a:r>
+            <a:r>
+              <a:rPr lang="en-US" baseline="0" dirty="0" err="1" smtClean="0"/>
+              <a:t>ambedue</a:t>
+            </a:r>
+            <a:r>
+              <a:rPr lang="en-US" baseline="0" dirty="0" smtClean="0"/>
+              <a:t> I </a:t>
+            </a:r>
+            <a:r>
+              <a:rPr lang="en-US" baseline="0" dirty="0" err="1" smtClean="0"/>
+              <a:t>casi</a:t>
+            </a:r>
+            <a:r>
+              <a:rPr lang="en-US" baseline="0" dirty="0" smtClean="0"/>
+              <a:t> </a:t>
+            </a:r>
+            <a:r>
+              <a:rPr lang="en-US" baseline="0" dirty="0" err="1" smtClean="0"/>
+              <a:t>utilizzano</a:t>
+            </a:r>
+            <a:r>
+              <a:rPr lang="en-US" baseline="0" dirty="0" smtClean="0"/>
+              <a:t> linear kernel.</a:t>
             </a:r>
             <a:endParaRPr lang="en-US" dirty="0"/>
           </a:p>
@@ -2085,7 +2478,7 @@
     </p:spTree>
     <p:extLst>
       <p:ext uri="{BB962C8B-B14F-4D97-AF65-F5344CB8AC3E}">
-        <p14:creationId xmlns:p14="http://schemas.microsoft.com/office/powerpoint/2010/main" val="3980058859"/>
+        <p14:creationId xmlns:p14="http://schemas.microsoft.com/office/powerpoint/2010/main" val="2662183680"/>
       </p:ext>
     </p:extLst>
   </p:cSld>
@@ -2140,20 +2533,40 @@
           <a:lstStyle/>
           <a:p>
             <a:r>
-              <a:rPr lang="en-US" dirty="0" err="1" smtClean="0"/>
-              <a:t>Una</a:t>
-            </a:r>
-            <a:r>
-              <a:rPr lang="en-US" baseline="0" dirty="0" smtClean="0"/>
-              <a:t> </a:t>
-            </a:r>
-            <a:r>
-              <a:rPr lang="en-US" baseline="0" dirty="0" err="1" smtClean="0"/>
-              <a:t>volta</a:t>
-            </a:r>
-            <a:r>
-              <a:rPr lang="en-US" baseline="0" dirty="0" smtClean="0"/>
-              <a:t> </a:t>
+              <a:rPr lang="en-US" baseline="0" dirty="0" smtClean="0"/>
+              <a:t>Per la detection </a:t>
+            </a:r>
+            <a:r>
+              <a:rPr lang="en-US" baseline="0" dirty="0" err="1" smtClean="0"/>
+              <a:t>delle</a:t>
+            </a:r>
+            <a:r>
+              <a:rPr lang="en-US" baseline="0" dirty="0" smtClean="0"/>
+              <a:t> AU </a:t>
+            </a:r>
+            <a:r>
+              <a:rPr lang="en-US" baseline="0" dirty="0" err="1" smtClean="0"/>
+              <a:t>alleniamo</a:t>
+            </a:r>
+            <a:r>
+              <a:rPr lang="en-US" baseline="0" dirty="0" smtClean="0"/>
+              <a:t> </a:t>
+            </a:r>
+            <a:r>
+              <a:rPr lang="en-US" baseline="0" dirty="0" err="1" smtClean="0"/>
+              <a:t>l’SVM</a:t>
+            </a:r>
+            <a:r>
+              <a:rPr lang="en-US" baseline="0" dirty="0" smtClean="0"/>
+              <a:t> </a:t>
+            </a:r>
+            <a:r>
+              <a:rPr lang="en-US" baseline="0" dirty="0" err="1" smtClean="0"/>
+              <a:t>su</a:t>
+            </a:r>
+            <a:r>
+              <a:rPr lang="en-US" baseline="0" dirty="0" smtClean="0"/>
+              <a:t> un dataset </a:t>
             </a:r>
             <a:r>
               <a:rPr lang="en-US" baseline="0" dirty="0" err="1" smtClean="0"/>
@@ -2165,59 +2578,107 @@
             </a:r>
             <a:r>
               <a:rPr lang="en-US" baseline="0" dirty="0" err="1" smtClean="0"/>
-              <a:t>abbiamo</a:t>
-            </a:r>
-            <a:r>
-              <a:rPr lang="en-US" baseline="0" dirty="0" smtClean="0"/>
-              <a:t> </a:t>
-            </a:r>
-            <a:r>
-              <a:rPr lang="en-US" baseline="0" dirty="0" err="1" smtClean="0"/>
-              <a:t>questo</a:t>
-            </a:r>
-            <a:r>
-              <a:rPr lang="en-US" baseline="0" dirty="0" smtClean="0"/>
-              <a:t> </a:t>
-            </a:r>
-            <a:r>
-              <a:rPr lang="en-US" baseline="0" dirty="0" err="1" smtClean="0"/>
-              <a:t>vettore</a:t>
-            </a:r>
-            <a:r>
-              <a:rPr lang="en-US" baseline="0" dirty="0" smtClean="0"/>
-              <a:t> </a:t>
-            </a:r>
-            <a:r>
-              <a:rPr lang="en-US" baseline="0" dirty="0" err="1" smtClean="0"/>
-              <a:t>il</a:t>
-            </a:r>
-            <a:r>
-              <a:rPr lang="en-US" baseline="0" dirty="0" smtClean="0"/>
-              <a:t> </a:t>
-            </a:r>
-            <a:r>
-              <a:rPr lang="en-US" baseline="0" dirty="0" err="1" smtClean="0"/>
-              <a:t>passo</a:t>
-            </a:r>
-            <a:r>
-              <a:rPr lang="en-US" baseline="0" dirty="0" smtClean="0"/>
-              <a:t> successive e’ </a:t>
-            </a:r>
-            <a:r>
-              <a:rPr lang="en-US" baseline="0" dirty="0" err="1" smtClean="0"/>
-              <a:t>quello</a:t>
-            </a:r>
-            <a:r>
-              <a:rPr lang="en-US" baseline="0" dirty="0" smtClean="0"/>
-              <a:t> di </a:t>
-            </a:r>
-            <a:r>
-              <a:rPr lang="en-US" baseline="0" dirty="0" err="1" smtClean="0"/>
-              <a:t>identificare</a:t>
-            </a:r>
-            <a:r>
-              <a:rPr lang="en-US" baseline="0" dirty="0" smtClean="0"/>
-              <a:t> le AU e la </a:t>
+              <a:t>consiste</a:t>
+            </a:r>
+            <a:r>
+              <a:rPr lang="en-US" baseline="0" dirty="0" smtClean="0"/>
+              <a:t> in video di </a:t>
+            </a:r>
+            <a:r>
+              <a:rPr lang="en-US" baseline="0" dirty="0" err="1" smtClean="0"/>
+              <a:t>persone</a:t>
+            </a:r>
+            <a:r>
+              <a:rPr lang="en-US" baseline="0" dirty="0" smtClean="0"/>
+              <a:t> </a:t>
+            </a:r>
+            <a:r>
+              <a:rPr lang="en-US" baseline="0" dirty="0" err="1" smtClean="0"/>
+              <a:t>che</a:t>
+            </a:r>
+            <a:r>
+              <a:rPr lang="en-US" baseline="0" dirty="0" smtClean="0"/>
+              <a:t> </a:t>
+            </a:r>
+            <a:r>
+              <a:rPr lang="en-US" baseline="0" dirty="0" err="1" smtClean="0"/>
+              <a:t>svolgono</a:t>
+            </a:r>
+            <a:r>
+              <a:rPr lang="en-US" baseline="0" dirty="0" smtClean="0"/>
+              <a:t> </a:t>
+            </a:r>
+            <a:r>
+              <a:rPr lang="en-US" baseline="0" dirty="0" err="1" smtClean="0"/>
+              <a:t>azioni</a:t>
+            </a:r>
+            <a:r>
+              <a:rPr lang="en-US" baseline="0" dirty="0" smtClean="0"/>
+              <a:t> </a:t>
+            </a:r>
+            <a:r>
+              <a:rPr lang="en-US" baseline="0" dirty="0" err="1" smtClean="0"/>
+              <a:t>che</a:t>
+            </a:r>
+            <a:r>
+              <a:rPr lang="en-US" baseline="0" dirty="0" smtClean="0"/>
+              <a:t> </a:t>
+            </a:r>
+            <a:r>
+              <a:rPr lang="en-US" baseline="0" dirty="0" err="1" smtClean="0"/>
+              <a:t>inducono</a:t>
+            </a:r>
+            <a:r>
+              <a:rPr lang="en-US" baseline="0" dirty="0" smtClean="0"/>
+              <a:t> </a:t>
+            </a:r>
+            <a:r>
+              <a:rPr lang="en-US" baseline="0" dirty="0" err="1" smtClean="0"/>
+              <a:t>una</a:t>
+            </a:r>
+            <a:r>
+              <a:rPr lang="en-US" baseline="0" dirty="0" smtClean="0"/>
+              <a:t> </a:t>
+            </a:r>
+            <a:r>
+              <a:rPr lang="en-US" baseline="0" dirty="0" err="1" smtClean="0"/>
+              <a:t>risposta</a:t>
+            </a:r>
+            <a:r>
+              <a:rPr lang="en-US" baseline="0" dirty="0" smtClean="0"/>
+              <a:t> </a:t>
+            </a:r>
+            <a:r>
+              <a:rPr lang="en-US" baseline="0" dirty="0" err="1" smtClean="0"/>
+              <a:t>emotiva</a:t>
+            </a:r>
+            <a:r>
+              <a:rPr lang="en-US" baseline="0" dirty="0" smtClean="0"/>
+              <a:t>. Le AU </a:t>
+            </a:r>
+            <a:r>
+              <a:rPr lang="en-US" baseline="0" dirty="0" err="1" smtClean="0"/>
+              <a:t>nei</a:t>
+            </a:r>
+            <a:r>
+              <a:rPr lang="en-US" baseline="0" dirty="0" smtClean="0"/>
+              <a:t> video </a:t>
+            </a:r>
+            <a:r>
+              <a:rPr lang="en-US" baseline="0" dirty="0" err="1" smtClean="0"/>
+              <a:t>sono</a:t>
+            </a:r>
+            <a:r>
+              <a:rPr lang="en-US" baseline="0" dirty="0" smtClean="0"/>
+              <a:t> state annotate </a:t>
+            </a:r>
+            <a:r>
+              <a:rPr lang="en-US" baseline="0" dirty="0" err="1" smtClean="0"/>
+              <a:t>compresa</a:t>
+            </a:r>
+            <a:r>
+              <a:rPr lang="en-US" baseline="0" dirty="0" smtClean="0"/>
+              <a:t> la </a:t>
             </a:r>
             <a:r>
               <a:rPr lang="en-US" baseline="0" dirty="0" err="1" smtClean="0"/>
@@ -2235,92 +2696,9 @@
               <a:rPr lang="en-US" baseline="0" dirty="0" smtClean="0"/>
               <a:t>’.</a:t>
             </a:r>
-          </a:p>
-          <a:p>
-            <a:r>
-              <a:rPr lang="en-US" baseline="0" dirty="0" smtClean="0"/>
-              <a:t>Per </a:t>
-            </a:r>
-            <a:r>
-              <a:rPr lang="en-US" baseline="0" dirty="0" err="1" smtClean="0"/>
-              <a:t>identificare</a:t>
-            </a:r>
-            <a:r>
-              <a:rPr lang="en-US" baseline="0" dirty="0" smtClean="0"/>
-              <a:t> le </a:t>
-            </a:r>
-            <a:r>
-              <a:rPr lang="en-US" baseline="0" dirty="0" err="1" smtClean="0"/>
-              <a:t>occorrenze</a:t>
-            </a:r>
-            <a:r>
-              <a:rPr lang="en-US" baseline="0" dirty="0" smtClean="0"/>
-              <a:t> </a:t>
-            </a:r>
-            <a:r>
-              <a:rPr lang="en-US" baseline="0" dirty="0" err="1" smtClean="0"/>
-              <a:t>delle</a:t>
-            </a:r>
-            <a:r>
-              <a:rPr lang="en-US" baseline="0" dirty="0" smtClean="0"/>
-              <a:t> AU </a:t>
-            </a:r>
-            <a:r>
-              <a:rPr lang="en-US" baseline="0" dirty="0" err="1" smtClean="0"/>
-              <a:t>utilizziamo</a:t>
-            </a:r>
-            <a:r>
-              <a:rPr lang="en-US" baseline="0" dirty="0" smtClean="0"/>
-              <a:t> un SVM, </a:t>
-            </a:r>
-            <a:r>
-              <a:rPr lang="en-US" baseline="0" dirty="0" err="1" smtClean="0"/>
-              <a:t>mentre</a:t>
-            </a:r>
-            <a:r>
-              <a:rPr lang="en-US" baseline="0" dirty="0" smtClean="0"/>
-              <a:t> per </a:t>
-            </a:r>
-            <a:r>
-              <a:rPr lang="en-US" baseline="0" dirty="0" err="1" smtClean="0"/>
-              <a:t>stimarne</a:t>
-            </a:r>
-            <a:r>
-              <a:rPr lang="en-US" baseline="0" dirty="0" smtClean="0"/>
-              <a:t> </a:t>
-            </a:r>
-            <a:r>
-              <a:rPr lang="en-US" baseline="0" dirty="0" err="1" smtClean="0"/>
-              <a:t>l’intensita</a:t>
-            </a:r>
-            <a:r>
-              <a:rPr lang="en-US" baseline="0" dirty="0" smtClean="0"/>
-              <a:t>’ un SVR. In </a:t>
-            </a:r>
-            <a:r>
-              <a:rPr lang="en-US" baseline="0" dirty="0" err="1" smtClean="0"/>
-              <a:t>ambedue</a:t>
-            </a:r>
-            <a:r>
-              <a:rPr lang="en-US" baseline="0" dirty="0" smtClean="0"/>
-              <a:t> I </a:t>
-            </a:r>
-            <a:r>
-              <a:rPr lang="en-US" baseline="0" dirty="0" err="1" smtClean="0"/>
-              <a:t>casi</a:t>
-            </a:r>
-            <a:r>
-              <a:rPr lang="en-US" baseline="0" dirty="0" smtClean="0"/>
-              <a:t> </a:t>
-            </a:r>
-            <a:r>
-              <a:rPr lang="en-US" baseline="0" dirty="0" err="1" smtClean="0"/>
-              <a:t>utilizzano</a:t>
-            </a:r>
-            <a:r>
-              <a:rPr lang="en-US" baseline="0" dirty="0" smtClean="0"/>
-              <a:t> linear kernel.</a:t>
-            </a:r>
+            <a:endParaRPr lang="en-US" baseline="0" dirty="0" smtClean="0"/>
+          </a:p>
+          <a:p>
             <a:endParaRPr lang="en-US" dirty="0"/>
           </a:p>
         </p:txBody>
@@ -2357,7 +2735,7 @@
     </p:spTree>
     <p:extLst>
       <p:ext uri="{BB962C8B-B14F-4D97-AF65-F5344CB8AC3E}">
-        <p14:creationId xmlns:p14="http://schemas.microsoft.com/office/powerpoint/2010/main" val="2662183680"/>
+        <p14:creationId xmlns:p14="http://schemas.microsoft.com/office/powerpoint/2010/main" val="3049789509"/>
       </p:ext>
     </p:extLst>
   </p:cSld>
@@ -2412,66 +2790,109 @@
           <a:lstStyle/>
           <a:p>
             <a:r>
-              <a:rPr lang="en-US" baseline="0" dirty="0" smtClean="0"/>
-              <a:t>- </a:t>
-            </a:r>
-            <a:r>
-              <a:rPr lang="en-US" sz="1200" b="0" i="0" kern="1200" dirty="0" smtClean="0">
-                <a:solidFill>
-                  <a:schemeClr val="tx1"/>
-                </a:solidFill>
-                <a:effectLst/>
-                <a:latin typeface="Arial" panose="020B0604020202020204" pitchFamily="34" charset="0"/>
-                <a:ea typeface="ＭＳ Ｐゴシック" panose="020B0600070205080204" pitchFamily="34" charset="-128"/>
-                <a:cs typeface="+mn-cs"/>
-              </a:rPr>
-              <a:t>Binghamton-Pittsburgh 3D Dynamic Spontaneous Facial Expression Database</a:t>
-            </a:r>
-            <a:endParaRPr lang="en-US" b="0" baseline="0" dirty="0" smtClean="0"/>
-          </a:p>
-          <a:p>
-            <a:r>
-              <a:rPr lang="en-US" baseline="0" dirty="0" smtClean="0"/>
-              <a:t>- </a:t>
-            </a:r>
-            <a:r>
-              <a:rPr lang="en-US" sz="1200" b="0" i="0" kern="1200" dirty="0" smtClean="0">
-                <a:solidFill>
-                  <a:schemeClr val="tx1"/>
-                </a:solidFill>
-                <a:effectLst/>
-                <a:latin typeface="Arial" panose="020B0604020202020204" pitchFamily="34" charset="0"/>
-                <a:ea typeface="ＭＳ Ｐゴシック" panose="020B0600070205080204" pitchFamily="34" charset="-128"/>
-                <a:cs typeface="+mn-cs"/>
-              </a:rPr>
-              <a:t>Denver Intensity of Spontaneous Facial Action Database </a:t>
-            </a:r>
-            <a:endParaRPr lang="en-US" b="0" baseline="0" dirty="0" smtClean="0"/>
-          </a:p>
-          <a:p>
-            <a:r>
-              <a:rPr lang="en-US" baseline="0" dirty="0" smtClean="0"/>
-              <a:t>- </a:t>
-            </a:r>
-          </a:p>
-          <a:p>
-            <a:endParaRPr lang="en-US" baseline="0" dirty="0" smtClean="0"/>
-          </a:p>
-          <a:p>
-            <a:r>
-              <a:rPr lang="en-US" baseline="0" dirty="0" smtClean="0"/>
-              <a:t>Probably too detailed with the </a:t>
-            </a:r>
-            <a:r>
-              <a:rPr lang="en-US" baseline="0" dirty="0" err="1" smtClean="0"/>
-              <a:t>Aus</a:t>
-            </a:r>
-            <a:r>
-              <a:rPr lang="en-US" baseline="0" dirty="0" smtClean="0"/>
-              <a:t> in common?</a:t>
-            </a:r>
-          </a:p>
-          <a:p>
+              <a:rPr lang="en-US" dirty="0" smtClean="0"/>
+              <a:t>Come ad </a:t>
+            </a:r>
+            <a:r>
+              <a:rPr lang="en-US" dirty="0" err="1" smtClean="0"/>
+              <a:t>esempio</a:t>
+            </a:r>
+            <a:r>
+              <a:rPr lang="en-US" dirty="0" smtClean="0"/>
+              <a:t> </a:t>
+            </a:r>
+            <a:r>
+              <a:rPr lang="en-US" dirty="0" err="1" smtClean="0"/>
+              <a:t>l’azione</a:t>
+            </a:r>
+            <a:r>
+              <a:rPr lang="en-US" dirty="0" smtClean="0"/>
+              <a:t> di </a:t>
+            </a:r>
+            <a:r>
+              <a:rPr lang="en-US" dirty="0" err="1" smtClean="0"/>
+              <a:t>aprire</a:t>
+            </a:r>
+            <a:r>
+              <a:rPr lang="en-US" dirty="0" smtClean="0"/>
+              <a:t> e </a:t>
+            </a:r>
+            <a:r>
+              <a:rPr lang="en-US" dirty="0" err="1" smtClean="0"/>
+              <a:t>chiudere</a:t>
+            </a:r>
+            <a:r>
+              <a:rPr lang="en-US" dirty="0" smtClean="0"/>
+              <a:t> </a:t>
+            </a:r>
+            <a:r>
+              <a:rPr lang="en-US" dirty="0" err="1" smtClean="0"/>
+              <a:t>gli</a:t>
+            </a:r>
+            <a:r>
+              <a:rPr lang="en-US" dirty="0" smtClean="0"/>
+              <a:t> </a:t>
+            </a:r>
+            <a:r>
+              <a:rPr lang="en-US" dirty="0" err="1" smtClean="0"/>
+              <a:t>occhi</a:t>
+            </a:r>
+            <a:r>
+              <a:rPr lang="en-US" dirty="0" smtClean="0"/>
+              <a:t>, </a:t>
+            </a:r>
+            <a:r>
+              <a:rPr lang="en-US" dirty="0" err="1" smtClean="0"/>
+              <a:t>alzare</a:t>
+            </a:r>
+            <a:r>
+              <a:rPr lang="en-US" dirty="0" smtClean="0"/>
+              <a:t> o </a:t>
+            </a:r>
+            <a:r>
+              <a:rPr lang="en-US" dirty="0" err="1" smtClean="0"/>
+              <a:t>abbassare</a:t>
+            </a:r>
+            <a:r>
+              <a:rPr lang="en-US" dirty="0" smtClean="0"/>
+              <a:t> le </a:t>
+            </a:r>
+            <a:r>
+              <a:rPr lang="en-US" dirty="0" err="1" smtClean="0"/>
+              <a:t>sopracciglia</a:t>
+            </a:r>
+            <a:r>
+              <a:rPr lang="en-US" dirty="0" smtClean="0"/>
+              <a:t>,</a:t>
+            </a:r>
+            <a:r>
+              <a:rPr lang="en-US" baseline="0" dirty="0" smtClean="0"/>
+              <a:t> o </a:t>
+            </a:r>
+            <a:r>
+              <a:rPr lang="en-US" baseline="0" dirty="0" err="1" smtClean="0"/>
+              <a:t>dividere</a:t>
+            </a:r>
+            <a:r>
+              <a:rPr lang="en-US" baseline="0" dirty="0" smtClean="0"/>
+              <a:t> o </a:t>
+            </a:r>
+            <a:r>
+              <a:rPr lang="en-US" baseline="0" dirty="0" err="1" smtClean="0"/>
+              <a:t>chiudere</a:t>
+            </a:r>
+            <a:r>
+              <a:rPr lang="en-US" baseline="0" dirty="0" smtClean="0"/>
+              <a:t> le </a:t>
+            </a:r>
+            <a:r>
+              <a:rPr lang="en-US" baseline="0" dirty="0" err="1" smtClean="0"/>
+              <a:t>labbra</a:t>
+            </a:r>
+            <a:r>
+              <a:rPr lang="en-US" baseline="0" dirty="0" smtClean="0"/>
+              <a:t>.</a:t>
+            </a:r>
             <a:endParaRPr lang="en-US" dirty="0"/>
           </a:p>
         </p:txBody>
@@ -2508,7 +2929,7 @@
     </p:spTree>
     <p:extLst>
       <p:ext uri="{BB962C8B-B14F-4D97-AF65-F5344CB8AC3E}">
-        <p14:creationId xmlns:p14="http://schemas.microsoft.com/office/powerpoint/2010/main" val="3049789509"/>
+        <p14:creationId xmlns:p14="http://schemas.microsoft.com/office/powerpoint/2010/main" val="1223252139"/>
       </p:ext>
     </p:extLst>
   </p:cSld>
@@ -2562,7 +2983,493 @@
           <a:bodyPr/>
           <a:lstStyle/>
           <a:p>
-            <a:endParaRPr lang="en-US" dirty="0"/>
+            <a:r>
+              <a:rPr lang="en-US" dirty="0" smtClean="0"/>
+              <a:t>Il </a:t>
+            </a:r>
+            <a:r>
+              <a:rPr lang="en-US" dirty="0" smtClean="0"/>
+              <a:t>dataset </a:t>
+            </a:r>
+            <a:r>
+              <a:rPr lang="en-US" dirty="0" err="1" smtClean="0"/>
+              <a:t>che</a:t>
+            </a:r>
+            <a:r>
+              <a:rPr lang="en-US" baseline="0" dirty="0" smtClean="0"/>
+              <a:t> </a:t>
+            </a:r>
+            <a:r>
+              <a:rPr lang="en-US" baseline="0" dirty="0" err="1" smtClean="0"/>
+              <a:t>usiamo</a:t>
+            </a:r>
+            <a:r>
+              <a:rPr lang="en-US" baseline="0" dirty="0" smtClean="0"/>
+              <a:t> in input e’ </a:t>
+            </a:r>
+            <a:r>
+              <a:rPr lang="en-US" baseline="0" dirty="0" err="1" smtClean="0"/>
+              <a:t>composto</a:t>
+            </a:r>
+            <a:r>
+              <a:rPr lang="en-US" baseline="0" dirty="0" smtClean="0"/>
+              <a:t> da video di </a:t>
+            </a:r>
+            <a:r>
+              <a:rPr lang="en-US" baseline="0" dirty="0" err="1" smtClean="0"/>
+              <a:t>veri</a:t>
+            </a:r>
+            <a:r>
+              <a:rPr lang="en-US" baseline="0" dirty="0" smtClean="0"/>
+              <a:t> e </a:t>
+            </a:r>
+            <a:r>
+              <a:rPr lang="en-US" baseline="0" dirty="0" err="1" smtClean="0"/>
+              <a:t>propri</a:t>
+            </a:r>
+            <a:r>
+              <a:rPr lang="en-US" baseline="0" dirty="0" smtClean="0"/>
+              <a:t> </a:t>
+            </a:r>
+            <a:r>
+              <a:rPr lang="en-US" baseline="0" dirty="0" err="1" smtClean="0"/>
+              <a:t>processi</a:t>
+            </a:r>
+            <a:r>
+              <a:rPr lang="en-US" baseline="0" dirty="0" smtClean="0"/>
+              <a:t> in </a:t>
+            </a:r>
+            <a:r>
+              <a:rPr lang="en-US" baseline="0" dirty="0" err="1" smtClean="0"/>
+              <a:t>tribunale</a:t>
+            </a:r>
+            <a:r>
+              <a:rPr lang="en-US" baseline="0" dirty="0" smtClean="0"/>
+              <a:t>. </a:t>
+            </a:r>
+          </a:p>
+          <a:p>
+            <a:r>
+              <a:rPr lang="en-US" baseline="0" dirty="0" err="1" smtClean="0"/>
+              <a:t>Questo</a:t>
+            </a:r>
+            <a:r>
+              <a:rPr lang="en-US" baseline="0" dirty="0" smtClean="0"/>
+              <a:t> </a:t>
+            </a:r>
+            <a:r>
+              <a:rPr lang="en-US" baseline="0" dirty="0" smtClean="0"/>
+              <a:t>e’ </a:t>
+            </a:r>
+            <a:r>
+              <a:rPr lang="en-US" baseline="0" dirty="0" err="1" smtClean="0"/>
+              <a:t>fondamentale</a:t>
+            </a:r>
+            <a:r>
+              <a:rPr lang="en-US" baseline="0" dirty="0" smtClean="0"/>
+              <a:t> in </a:t>
+            </a:r>
+            <a:r>
+              <a:rPr lang="en-US" baseline="0" dirty="0" err="1" smtClean="0"/>
+              <a:t>quanto</a:t>
+            </a:r>
+            <a:r>
+              <a:rPr lang="en-US" baseline="0" dirty="0" smtClean="0"/>
+              <a:t> in </a:t>
+            </a:r>
+            <a:r>
+              <a:rPr lang="en-US" baseline="0" dirty="0" err="1" smtClean="0"/>
+              <a:t>molti</a:t>
+            </a:r>
+            <a:r>
+              <a:rPr lang="en-US" baseline="0" dirty="0" smtClean="0"/>
+              <a:t> </a:t>
+            </a:r>
+            <a:r>
+              <a:rPr lang="en-US" baseline="0" dirty="0" err="1" smtClean="0"/>
+              <a:t>studi</a:t>
+            </a:r>
+            <a:r>
+              <a:rPr lang="en-US" baseline="0" dirty="0" smtClean="0"/>
+              <a:t> </a:t>
+            </a:r>
+            <a:r>
+              <a:rPr lang="en-US" baseline="0" dirty="0" err="1" smtClean="0"/>
+              <a:t>sul</a:t>
+            </a:r>
+            <a:r>
+              <a:rPr lang="en-US" baseline="0" dirty="0" smtClean="0"/>
+              <a:t> </a:t>
+            </a:r>
+            <a:r>
+              <a:rPr lang="en-US" baseline="0" dirty="0" err="1" smtClean="0"/>
+              <a:t>riconoscimento</a:t>
+            </a:r>
+            <a:r>
+              <a:rPr lang="en-US" baseline="0" dirty="0" smtClean="0"/>
+              <a:t> </a:t>
+            </a:r>
+            <a:r>
+              <a:rPr lang="en-US" baseline="0" dirty="0" err="1" smtClean="0"/>
+              <a:t>delle</a:t>
+            </a:r>
+            <a:r>
+              <a:rPr lang="en-US" baseline="0" dirty="0" smtClean="0"/>
+              <a:t> </a:t>
+            </a:r>
+            <a:r>
+              <a:rPr lang="en-US" baseline="0" dirty="0" err="1" smtClean="0"/>
+              <a:t>menzogne</a:t>
+            </a:r>
+            <a:r>
+              <a:rPr lang="en-US" baseline="0" dirty="0" smtClean="0"/>
+              <a:t> </a:t>
+            </a:r>
+            <a:r>
+              <a:rPr lang="en-US" baseline="0" dirty="0" err="1" smtClean="0"/>
+              <a:t>i</a:t>
+            </a:r>
+            <a:r>
+              <a:rPr lang="en-US" baseline="0" dirty="0" smtClean="0"/>
+              <a:t> video non </a:t>
+            </a:r>
+            <a:r>
+              <a:rPr lang="en-US" baseline="0" dirty="0" err="1" smtClean="0"/>
+              <a:t>sono</a:t>
+            </a:r>
+            <a:r>
+              <a:rPr lang="en-US" baseline="0" dirty="0" smtClean="0"/>
+              <a:t> </a:t>
+            </a:r>
+            <a:r>
+              <a:rPr lang="en-US" baseline="0" dirty="0" err="1" smtClean="0"/>
+              <a:t>spontanei</a:t>
+            </a:r>
+            <a:r>
+              <a:rPr lang="en-US" baseline="0" dirty="0" smtClean="0"/>
+              <a:t> ma </a:t>
+            </a:r>
+            <a:r>
+              <a:rPr lang="en-US" baseline="0" dirty="0" err="1" smtClean="0"/>
+              <a:t>viene</a:t>
+            </a:r>
+            <a:r>
+              <a:rPr lang="en-US" baseline="0" dirty="0" smtClean="0"/>
+              <a:t> </a:t>
+            </a:r>
+            <a:r>
+              <a:rPr lang="en-US" baseline="0" dirty="0" err="1" smtClean="0"/>
+              <a:t>chiesto</a:t>
+            </a:r>
+            <a:r>
+              <a:rPr lang="en-US" baseline="0" dirty="0" smtClean="0"/>
+              <a:t> </a:t>
+            </a:r>
+            <a:r>
+              <a:rPr lang="en-US" baseline="0" dirty="0" err="1" smtClean="0"/>
+              <a:t>ai</a:t>
+            </a:r>
+            <a:r>
+              <a:rPr lang="en-US" baseline="0" dirty="0" smtClean="0"/>
+              <a:t> </a:t>
+            </a:r>
+            <a:r>
+              <a:rPr lang="en-US" baseline="0" dirty="0" err="1" smtClean="0"/>
+              <a:t>soggetti</a:t>
+            </a:r>
+            <a:r>
+              <a:rPr lang="en-US" baseline="0" dirty="0" smtClean="0"/>
+              <a:t> di </a:t>
+            </a:r>
+            <a:r>
+              <a:rPr lang="en-US" baseline="0" dirty="0" err="1" smtClean="0"/>
+              <a:t>mentire</a:t>
+            </a:r>
+            <a:r>
+              <a:rPr lang="en-US" baseline="0" dirty="0" smtClean="0"/>
+              <a:t> </a:t>
+            </a:r>
+            <a:r>
+              <a:rPr lang="en-US" baseline="0" dirty="0" err="1" smtClean="0"/>
+              <a:t>spesso</a:t>
+            </a:r>
+            <a:r>
+              <a:rPr lang="en-US" baseline="0" dirty="0" smtClean="0"/>
+              <a:t> </a:t>
+            </a:r>
+            <a:r>
+              <a:rPr lang="en-US" baseline="0" dirty="0" err="1" smtClean="0"/>
+              <a:t>senza</a:t>
+            </a:r>
+            <a:r>
+              <a:rPr lang="en-US" baseline="0" dirty="0" smtClean="0"/>
+              <a:t> </a:t>
+            </a:r>
+            <a:r>
+              <a:rPr lang="en-US" baseline="0" dirty="0" err="1" smtClean="0"/>
+              <a:t>una</a:t>
+            </a:r>
+            <a:r>
+              <a:rPr lang="en-US" baseline="0" dirty="0" smtClean="0"/>
+              <a:t> forte </a:t>
+            </a:r>
+            <a:r>
+              <a:rPr lang="en-US" baseline="0" dirty="0" err="1" smtClean="0"/>
+              <a:t>motivazione</a:t>
+            </a:r>
+            <a:r>
+              <a:rPr lang="en-US" baseline="0" dirty="0" smtClean="0"/>
+              <a:t>. </a:t>
+            </a:r>
+            <a:endParaRPr lang="en-US" baseline="0" dirty="0" smtClean="0"/>
+          </a:p>
+          <a:p>
+            <a:r>
+              <a:rPr lang="en-US" baseline="0" dirty="0" smtClean="0"/>
+              <a:t>Questa e’ </a:t>
+            </a:r>
+            <a:r>
+              <a:rPr lang="en-US" baseline="0" dirty="0" err="1" smtClean="0"/>
+              <a:t>una</a:t>
+            </a:r>
+            <a:r>
+              <a:rPr lang="en-US" baseline="0" dirty="0" smtClean="0"/>
+              <a:t> parte </a:t>
+            </a:r>
+            <a:r>
+              <a:rPr lang="en-US" baseline="0" dirty="0" err="1" smtClean="0"/>
+              <a:t>critica</a:t>
+            </a:r>
+            <a:r>
+              <a:rPr lang="en-US" baseline="0" dirty="0" smtClean="0"/>
+              <a:t> del </a:t>
+            </a:r>
+            <a:r>
+              <a:rPr lang="en-US" baseline="0" dirty="0" err="1" smtClean="0"/>
+              <a:t>progetto</a:t>
+            </a:r>
+            <a:r>
+              <a:rPr lang="en-US" baseline="0" dirty="0" smtClean="0"/>
+              <a:t> in </a:t>
+            </a:r>
+            <a:r>
+              <a:rPr lang="en-US" baseline="0" dirty="0" err="1" smtClean="0"/>
+              <a:t>quanto</a:t>
+            </a:r>
+            <a:r>
+              <a:rPr lang="en-US" baseline="0" dirty="0" smtClean="0"/>
+              <a:t> </a:t>
+            </a:r>
+            <a:r>
+              <a:rPr lang="en-US" baseline="0" dirty="0" err="1" smtClean="0"/>
+              <a:t>questo</a:t>
+            </a:r>
+            <a:r>
+              <a:rPr lang="en-US" baseline="0" dirty="0" smtClean="0"/>
+              <a:t> e’ </a:t>
+            </a:r>
+            <a:r>
+              <a:rPr lang="en-US" baseline="0" dirty="0" err="1" smtClean="0"/>
+              <a:t>l’unico</a:t>
+            </a:r>
+            <a:r>
+              <a:rPr lang="en-US" baseline="0" dirty="0" smtClean="0"/>
+              <a:t> database </a:t>
+            </a:r>
+            <a:r>
+              <a:rPr lang="en-US" baseline="0" dirty="0" err="1" smtClean="0"/>
+              <a:t>nello</a:t>
+            </a:r>
+            <a:r>
+              <a:rPr lang="en-US" baseline="0" dirty="0" smtClean="0"/>
+              <a:t> </a:t>
+            </a:r>
+            <a:r>
+              <a:rPr lang="en-US" baseline="0" dirty="0" err="1" smtClean="0"/>
+              <a:t>stato</a:t>
+            </a:r>
+            <a:r>
+              <a:rPr lang="en-US" baseline="0" dirty="0" smtClean="0"/>
+              <a:t> </a:t>
+            </a:r>
+            <a:r>
+              <a:rPr lang="en-US" baseline="0" dirty="0" err="1" smtClean="0"/>
+              <a:t>dell’arte</a:t>
+            </a:r>
+            <a:r>
+              <a:rPr lang="en-US" baseline="0" dirty="0" smtClean="0"/>
+              <a:t> in cui ci </a:t>
+            </a:r>
+            <a:r>
+              <a:rPr lang="en-US" baseline="0" dirty="0" err="1" smtClean="0"/>
+              <a:t>sono</a:t>
+            </a:r>
+            <a:r>
+              <a:rPr lang="en-US" baseline="0" dirty="0" smtClean="0"/>
+              <a:t> video di </a:t>
+            </a:r>
+            <a:r>
+              <a:rPr lang="en-US" baseline="0" dirty="0" err="1" smtClean="0"/>
+              <a:t>soggetti</a:t>
+            </a:r>
+            <a:r>
+              <a:rPr lang="en-US" baseline="0" dirty="0" smtClean="0"/>
+              <a:t> </a:t>
+            </a:r>
+            <a:r>
+              <a:rPr lang="en-US" baseline="0" dirty="0" err="1" smtClean="0"/>
+              <a:t>che</a:t>
+            </a:r>
+            <a:r>
+              <a:rPr lang="en-US" baseline="0" dirty="0" smtClean="0"/>
+              <a:t> </a:t>
+            </a:r>
+            <a:r>
+              <a:rPr lang="en-US" baseline="0" dirty="0" err="1" smtClean="0"/>
+              <a:t>mentono</a:t>
+            </a:r>
+            <a:r>
+              <a:rPr lang="en-US" baseline="0" dirty="0" smtClean="0"/>
+              <a:t> </a:t>
+            </a:r>
+            <a:r>
+              <a:rPr lang="en-US" baseline="0" dirty="0" err="1" smtClean="0"/>
+              <a:t>spontaneamente</a:t>
+            </a:r>
+            <a:r>
+              <a:rPr lang="en-US" baseline="0" dirty="0" smtClean="0"/>
+              <a:t>. </a:t>
+            </a:r>
+          </a:p>
+          <a:p>
+            <a:r>
+              <a:rPr lang="en-US" baseline="0" dirty="0" smtClean="0"/>
+              <a:t>(</a:t>
+            </a:r>
+            <a:r>
+              <a:rPr lang="en-US" baseline="0" dirty="0" err="1" smtClean="0"/>
+              <a:t>Speso</a:t>
+            </a:r>
+            <a:r>
+              <a:rPr lang="en-US" baseline="0" dirty="0" smtClean="0"/>
+              <a:t> tempo </a:t>
+            </a:r>
+            <a:r>
+              <a:rPr lang="en-US" baseline="0" dirty="0" err="1" smtClean="0"/>
+              <a:t>considerevole</a:t>
+            </a:r>
+            <a:r>
+              <a:rPr lang="en-US" baseline="0" dirty="0" smtClean="0"/>
+              <a:t> per </a:t>
+            </a:r>
+            <a:r>
+              <a:rPr lang="en-US" baseline="0" dirty="0" err="1" smtClean="0"/>
+              <a:t>i</a:t>
+            </a:r>
+            <a:r>
+              <a:rPr lang="en-US" baseline="0" dirty="0" smtClean="0"/>
+              <a:t> label)</a:t>
+            </a:r>
+            <a:r>
+              <a:rPr lang="mr-IN" baseline="0" dirty="0" smtClean="0"/>
+              <a:t>…</a:t>
+            </a:r>
+            <a:endParaRPr lang="en-US" dirty="0" smtClean="0"/>
+          </a:p>
+          <a:p>
+            <a:r>
+              <a:rPr lang="en-US" dirty="0" smtClean="0"/>
+              <a:t>Le label </a:t>
+            </a:r>
+            <a:r>
+              <a:rPr lang="en-US" dirty="0" err="1" smtClean="0"/>
+              <a:t>dei</a:t>
+            </a:r>
+            <a:r>
+              <a:rPr lang="en-US" dirty="0" smtClean="0"/>
+              <a:t> video </a:t>
+            </a:r>
+            <a:r>
+              <a:rPr lang="en-US" dirty="0" err="1" smtClean="0"/>
+              <a:t>sono</a:t>
+            </a:r>
+            <a:r>
+              <a:rPr lang="en-US" dirty="0" smtClean="0"/>
+              <a:t> </a:t>
+            </a:r>
+            <a:r>
+              <a:rPr lang="en-US" dirty="0" err="1" smtClean="0"/>
+              <a:t>basate</a:t>
+            </a:r>
+            <a:r>
+              <a:rPr lang="en-US" dirty="0" smtClean="0"/>
+              <a:t> </a:t>
+            </a:r>
+            <a:r>
+              <a:rPr lang="en-US" dirty="0" err="1" smtClean="0"/>
+              <a:t>sul</a:t>
+            </a:r>
+            <a:r>
+              <a:rPr lang="en-US" dirty="0" smtClean="0"/>
+              <a:t> </a:t>
+            </a:r>
+            <a:r>
+              <a:rPr lang="en-US" dirty="0" err="1" smtClean="0"/>
+              <a:t>risultato</a:t>
+            </a:r>
+            <a:r>
+              <a:rPr lang="en-US" dirty="0" smtClean="0"/>
+              <a:t> del </a:t>
+            </a:r>
+            <a:r>
+              <a:rPr lang="en-US" dirty="0" err="1" smtClean="0"/>
+              <a:t>processo</a:t>
+            </a:r>
+            <a:r>
+              <a:rPr lang="en-US" dirty="0" smtClean="0"/>
+              <a:t> e le </a:t>
+            </a:r>
+            <a:r>
+              <a:rPr lang="en-US" dirty="0" err="1" smtClean="0"/>
+              <a:t>testimonianze</a:t>
+            </a:r>
+            <a:r>
+              <a:rPr lang="en-US" dirty="0" smtClean="0"/>
+              <a:t> </a:t>
+            </a:r>
+            <a:r>
+              <a:rPr lang="en-US" dirty="0" err="1" smtClean="0"/>
+              <a:t>sono</a:t>
+            </a:r>
+            <a:r>
+              <a:rPr lang="en-US" dirty="0" smtClean="0"/>
+              <a:t> state </a:t>
+            </a:r>
+            <a:r>
+              <a:rPr lang="en-US" dirty="0" err="1" smtClean="0"/>
+              <a:t>verificate</a:t>
+            </a:r>
+            <a:r>
+              <a:rPr lang="en-US" dirty="0" smtClean="0"/>
+              <a:t> da </a:t>
+            </a:r>
+            <a:r>
+              <a:rPr lang="en-US" dirty="0" err="1" smtClean="0"/>
+              <a:t>agenti</a:t>
+            </a:r>
+            <a:r>
+              <a:rPr lang="en-US" dirty="0" smtClean="0"/>
+              <a:t> di </a:t>
+            </a:r>
+            <a:r>
+              <a:rPr lang="en-US" dirty="0" err="1" smtClean="0"/>
+              <a:t>polizia</a:t>
+            </a:r>
+            <a:r>
+              <a:rPr lang="en-US" dirty="0" smtClean="0"/>
+              <a:t>.</a:t>
+            </a:r>
+            <a:endParaRPr lang="en-US" dirty="0" smtClean="0"/>
           </a:p>
         </p:txBody>
       </p:sp>
@@ -2598,7 +3505,7 @@
     </p:spTree>
     <p:extLst>
       <p:ext uri="{BB962C8B-B14F-4D97-AF65-F5344CB8AC3E}">
-        <p14:creationId xmlns:p14="http://schemas.microsoft.com/office/powerpoint/2010/main" val="1223252139"/>
+        <p14:creationId xmlns:p14="http://schemas.microsoft.com/office/powerpoint/2010/main" val="3827456040"/>
       </p:ext>
     </p:extLst>
   </p:cSld>
@@ -2653,11 +3560,83 @@
           <a:lstStyle/>
           <a:p>
             <a:r>
-              <a:rPr lang="en-US" dirty="0" smtClean="0"/>
-              <a:t>Il dataset </a:t>
-            </a:r>
-            <a:r>
               <a:rPr lang="en-US" dirty="0" err="1" smtClean="0"/>
+              <a:t>Abbiamo</a:t>
+            </a:r>
+            <a:r>
+              <a:rPr lang="en-US" dirty="0" smtClean="0"/>
+              <a:t> </a:t>
+            </a:r>
+            <a:r>
+              <a:rPr lang="en-US" dirty="0" err="1" smtClean="0"/>
+              <a:t>diviso</a:t>
+            </a:r>
+            <a:r>
+              <a:rPr lang="en-US" dirty="0" smtClean="0"/>
+              <a:t> </a:t>
+            </a:r>
+            <a:r>
+              <a:rPr lang="en-US" dirty="0" err="1" smtClean="0"/>
+              <a:t>il</a:t>
+            </a:r>
+            <a:r>
+              <a:rPr lang="en-US" dirty="0" smtClean="0"/>
+              <a:t> dataset in</a:t>
+            </a:r>
+            <a:r>
+              <a:rPr lang="en-US" baseline="0" dirty="0" smtClean="0"/>
+              <a:t> base </a:t>
+            </a:r>
+            <a:r>
+              <a:rPr lang="en-US" baseline="0" dirty="0" err="1" smtClean="0"/>
+              <a:t>all’identita</a:t>
+            </a:r>
+            <a:r>
+              <a:rPr lang="en-US" baseline="0" dirty="0" smtClean="0"/>
+              <a:t>’ </a:t>
+            </a:r>
+            <a:r>
+              <a:rPr lang="en-US" baseline="0" dirty="0" err="1" smtClean="0"/>
+              <a:t>dei</a:t>
+            </a:r>
+            <a:r>
+              <a:rPr lang="en-US" baseline="0" dirty="0" smtClean="0"/>
+              <a:t> </a:t>
+            </a:r>
+            <a:r>
+              <a:rPr lang="en-US" baseline="0" dirty="0" err="1" smtClean="0"/>
+              <a:t>soggetti</a:t>
+            </a:r>
+            <a:r>
+              <a:rPr lang="en-US" baseline="0" dirty="0" smtClean="0"/>
+              <a:t>, in </a:t>
+            </a:r>
+            <a:r>
+              <a:rPr lang="en-US" baseline="0" dirty="0" err="1" smtClean="0"/>
+              <a:t>quanto</a:t>
+            </a:r>
+            <a:r>
+              <a:rPr lang="en-US" baseline="0" dirty="0" smtClean="0"/>
+              <a:t> </a:t>
+            </a:r>
+            <a:r>
+              <a:rPr lang="en-US" baseline="0" dirty="0" err="1" smtClean="0"/>
+              <a:t>volevamo</a:t>
+            </a:r>
+            <a:r>
+              <a:rPr lang="en-US" baseline="0" dirty="0" smtClean="0"/>
+              <a:t> </a:t>
+            </a:r>
+            <a:r>
+              <a:rPr lang="en-US" baseline="0" dirty="0" err="1" smtClean="0"/>
+              <a:t>evitare</a:t>
+            </a:r>
+            <a:r>
+              <a:rPr lang="en-US" baseline="0" dirty="0" smtClean="0"/>
+              <a:t> </a:t>
+            </a:r>
+            <a:r>
+              <a:rPr lang="en-US" baseline="0" dirty="0" err="1" smtClean="0"/>
               <a:t>che</a:t>
             </a:r>
             <a:r>
@@ -2666,159 +3645,39 @@
             </a:r>
             <a:r>
               <a:rPr lang="en-US" baseline="0" dirty="0" err="1" smtClean="0"/>
-              <a:t>usiamo</a:t>
-            </a:r>
-            <a:r>
-              <a:rPr lang="en-US" baseline="0" dirty="0" smtClean="0"/>
-              <a:t> in input e’ </a:t>
-            </a:r>
-            <a:r>
-              <a:rPr lang="en-US" baseline="0" dirty="0" err="1" smtClean="0"/>
-              <a:t>composto</a:t>
-            </a:r>
-            <a:r>
-              <a:rPr lang="en-US" baseline="0" dirty="0" smtClean="0"/>
-              <a:t> da video di </a:t>
-            </a:r>
-            <a:r>
-              <a:rPr lang="en-US" baseline="0" dirty="0" err="1" smtClean="0"/>
-              <a:t>veri</a:t>
-            </a:r>
-            <a:r>
-              <a:rPr lang="en-US" baseline="0" dirty="0" smtClean="0"/>
-              <a:t> e </a:t>
-            </a:r>
-            <a:r>
-              <a:rPr lang="en-US" baseline="0" dirty="0" err="1" smtClean="0"/>
-              <a:t>propri</a:t>
-            </a:r>
-            <a:r>
-              <a:rPr lang="en-US" baseline="0" dirty="0" smtClean="0"/>
-              <a:t> </a:t>
-            </a:r>
-            <a:r>
-              <a:rPr lang="en-US" baseline="0" dirty="0" err="1" smtClean="0"/>
-              <a:t>processi</a:t>
-            </a:r>
-            <a:r>
-              <a:rPr lang="en-US" baseline="0" dirty="0" smtClean="0"/>
-              <a:t>. </a:t>
-            </a:r>
-            <a:r>
-              <a:rPr lang="en-US" baseline="0" dirty="0" err="1" smtClean="0"/>
-              <a:t>Questo</a:t>
-            </a:r>
-            <a:r>
-              <a:rPr lang="en-US" baseline="0" dirty="0" smtClean="0"/>
-              <a:t> e’ </a:t>
-            </a:r>
-            <a:r>
-              <a:rPr lang="en-US" baseline="0" dirty="0" err="1" smtClean="0"/>
-              <a:t>fondamentale</a:t>
-            </a:r>
-            <a:r>
-              <a:rPr lang="en-US" baseline="0" dirty="0" smtClean="0"/>
-              <a:t> in </a:t>
-            </a:r>
-            <a:r>
-              <a:rPr lang="en-US" baseline="0" dirty="0" err="1" smtClean="0"/>
-              <a:t>quanto</a:t>
-            </a:r>
-            <a:r>
-              <a:rPr lang="en-US" baseline="0" dirty="0" smtClean="0"/>
-              <a:t> in </a:t>
-            </a:r>
-            <a:r>
-              <a:rPr lang="en-US" baseline="0" dirty="0" err="1" smtClean="0"/>
-              <a:t>molti</a:t>
-            </a:r>
-            <a:r>
-              <a:rPr lang="en-US" baseline="0" dirty="0" smtClean="0"/>
-              <a:t> </a:t>
-            </a:r>
-            <a:r>
-              <a:rPr lang="en-US" baseline="0" dirty="0" err="1" smtClean="0"/>
-              <a:t>studi</a:t>
-            </a:r>
-            <a:r>
-              <a:rPr lang="en-US" baseline="0" dirty="0" smtClean="0"/>
-              <a:t> </a:t>
-            </a:r>
-            <a:r>
-              <a:rPr lang="en-US" baseline="0" dirty="0" err="1" smtClean="0"/>
-              <a:t>sul</a:t>
-            </a:r>
-            <a:r>
-              <a:rPr lang="en-US" baseline="0" dirty="0" smtClean="0"/>
-              <a:t> </a:t>
-            </a:r>
-            <a:r>
-              <a:rPr lang="en-US" baseline="0" dirty="0" err="1" smtClean="0"/>
-              <a:t>riconoscimento</a:t>
-            </a:r>
-            <a:r>
-              <a:rPr lang="en-US" baseline="0" dirty="0" smtClean="0"/>
-              <a:t> </a:t>
-            </a:r>
-            <a:r>
-              <a:rPr lang="en-US" baseline="0" dirty="0" err="1" smtClean="0"/>
-              <a:t>delle</a:t>
-            </a:r>
-            <a:r>
-              <a:rPr lang="en-US" baseline="0" dirty="0" smtClean="0"/>
-              <a:t> </a:t>
-            </a:r>
-            <a:r>
-              <a:rPr lang="en-US" baseline="0" dirty="0" err="1" smtClean="0"/>
-              <a:t>menzogne</a:t>
-            </a:r>
-            <a:r>
-              <a:rPr lang="en-US" baseline="0" dirty="0" smtClean="0"/>
-              <a:t> </a:t>
-            </a:r>
-            <a:r>
-              <a:rPr lang="en-US" baseline="0" dirty="0" err="1" smtClean="0"/>
-              <a:t>i</a:t>
-            </a:r>
-            <a:r>
-              <a:rPr lang="en-US" baseline="0" dirty="0" smtClean="0"/>
-              <a:t> video non </a:t>
-            </a:r>
-            <a:r>
-              <a:rPr lang="en-US" baseline="0" dirty="0" err="1" smtClean="0"/>
-              <a:t>sono</a:t>
-            </a:r>
-            <a:r>
-              <a:rPr lang="en-US" baseline="0" dirty="0" smtClean="0"/>
-              <a:t> </a:t>
-            </a:r>
-            <a:r>
-              <a:rPr lang="en-US" baseline="0" dirty="0" err="1" smtClean="0"/>
-              <a:t>spontanei</a:t>
-            </a:r>
-            <a:r>
-              <a:rPr lang="en-US" baseline="0" dirty="0" smtClean="0"/>
-              <a:t> ma </a:t>
-            </a:r>
-            <a:r>
-              <a:rPr lang="en-US" baseline="0" dirty="0" err="1" smtClean="0"/>
-              <a:t>viene</a:t>
-            </a:r>
-            <a:r>
-              <a:rPr lang="en-US" baseline="0" dirty="0" smtClean="0"/>
-              <a:t> </a:t>
-            </a:r>
-            <a:r>
-              <a:rPr lang="en-US" baseline="0" dirty="0" err="1" smtClean="0"/>
-              <a:t>chiesto</a:t>
-            </a:r>
-            <a:r>
-              <a:rPr lang="en-US" baseline="0" dirty="0" smtClean="0"/>
-              <a:t> </a:t>
-            </a:r>
-            <a:r>
-              <a:rPr lang="en-US" baseline="0" dirty="0" err="1" smtClean="0"/>
-              <a:t>ai</a:t>
+              <a:t>l’svm</a:t>
+            </a:r>
+            <a:r>
+              <a:rPr lang="en-US" baseline="0" dirty="0" smtClean="0"/>
+              <a:t> </a:t>
+            </a:r>
+            <a:r>
+              <a:rPr lang="en-US" baseline="0" dirty="0" err="1" smtClean="0"/>
+              <a:t>degenerasse</a:t>
+            </a:r>
+            <a:r>
+              <a:rPr lang="en-US" baseline="0" dirty="0" smtClean="0"/>
+              <a:t> </a:t>
+            </a:r>
+            <a:r>
+              <a:rPr lang="en-US" baseline="0" dirty="0" err="1" smtClean="0"/>
+              <a:t>nella</a:t>
+            </a:r>
+            <a:r>
+              <a:rPr lang="en-US" baseline="0" dirty="0" smtClean="0"/>
+              <a:t> </a:t>
+            </a:r>
+            <a:r>
+              <a:rPr lang="en-US" baseline="0" dirty="0" err="1" smtClean="0"/>
+              <a:t>reidentificazione</a:t>
+            </a:r>
+            <a:r>
+              <a:rPr lang="en-US" baseline="0" dirty="0" smtClean="0"/>
+              <a:t> </a:t>
+            </a:r>
+            <a:r>
+              <a:rPr lang="en-US" baseline="0" dirty="0" err="1" smtClean="0"/>
+              <a:t>dei</a:t>
             </a:r>
             <a:r>
               <a:rPr lang="en-US" baseline="0" dirty="0" smtClean="0"/>
@@ -2830,165 +3689,55 @@
             </a:r>
             <a:r>
               <a:rPr lang="en-US" baseline="0" dirty="0" smtClean="0"/>
-              <a:t> di </a:t>
-            </a:r>
-            <a:r>
-              <a:rPr lang="en-US" baseline="0" dirty="0" err="1" smtClean="0"/>
-              <a:t>mentire</a:t>
-            </a:r>
-            <a:r>
-              <a:rPr lang="en-US" baseline="0" dirty="0" smtClean="0"/>
-              <a:t> </a:t>
-            </a:r>
-            <a:r>
-              <a:rPr lang="en-US" baseline="0" dirty="0" err="1" smtClean="0"/>
-              <a:t>spesso</a:t>
-            </a:r>
-            <a:r>
-              <a:rPr lang="en-US" baseline="0" dirty="0" smtClean="0"/>
-              <a:t> </a:t>
-            </a:r>
-            <a:r>
-              <a:rPr lang="en-US" baseline="0" dirty="0" err="1" smtClean="0"/>
-              <a:t>senza</a:t>
-            </a:r>
-            <a:r>
-              <a:rPr lang="en-US" baseline="0" dirty="0" smtClean="0"/>
-              <a:t> </a:t>
-            </a:r>
-            <a:r>
-              <a:rPr lang="en-US" baseline="0" dirty="0" err="1" smtClean="0"/>
-              <a:t>una</a:t>
-            </a:r>
-            <a:r>
-              <a:rPr lang="en-US" baseline="0" dirty="0" smtClean="0"/>
-              <a:t> forte </a:t>
-            </a:r>
-            <a:r>
-              <a:rPr lang="en-US" baseline="0" dirty="0" err="1" smtClean="0"/>
-              <a:t>motivazione</a:t>
-            </a:r>
-            <a:r>
-              <a:rPr lang="en-US" baseline="0" dirty="0" smtClean="0"/>
-              <a:t>. </a:t>
-            </a:r>
-            <a:endParaRPr lang="en-US" dirty="0" smtClean="0"/>
-          </a:p>
-          <a:p>
-            <a:r>
-              <a:rPr lang="en-US" dirty="0" smtClean="0"/>
-              <a:t>Le label </a:t>
-            </a:r>
-            <a:r>
-              <a:rPr lang="en-US" dirty="0" err="1" smtClean="0"/>
-              <a:t>dei</a:t>
-            </a:r>
-            <a:r>
-              <a:rPr lang="en-US" dirty="0" smtClean="0"/>
-              <a:t> video </a:t>
-            </a:r>
-            <a:r>
-              <a:rPr lang="en-US" dirty="0" err="1" smtClean="0"/>
-              <a:t>sono</a:t>
-            </a:r>
-            <a:r>
-              <a:rPr lang="en-US" dirty="0" smtClean="0"/>
-              <a:t> </a:t>
-            </a:r>
-            <a:r>
-              <a:rPr lang="en-US" dirty="0" err="1" smtClean="0"/>
-              <a:t>basate</a:t>
-            </a:r>
-            <a:r>
-              <a:rPr lang="en-US" dirty="0" smtClean="0"/>
-              <a:t> </a:t>
-            </a:r>
-            <a:r>
-              <a:rPr lang="en-US" dirty="0" err="1" smtClean="0"/>
-              <a:t>sul</a:t>
-            </a:r>
-            <a:r>
-              <a:rPr lang="en-US" dirty="0" smtClean="0"/>
-              <a:t> </a:t>
-            </a:r>
-            <a:r>
-              <a:rPr lang="en-US" dirty="0" err="1" smtClean="0"/>
-              <a:t>risultato</a:t>
-            </a:r>
-            <a:r>
-              <a:rPr lang="en-US" dirty="0" smtClean="0"/>
-              <a:t> del </a:t>
-            </a:r>
-            <a:r>
-              <a:rPr lang="en-US" dirty="0" err="1" smtClean="0"/>
-              <a:t>processo</a:t>
-            </a:r>
-            <a:r>
-              <a:rPr lang="en-US" dirty="0" smtClean="0"/>
-              <a:t> e le </a:t>
-            </a:r>
-            <a:r>
-              <a:rPr lang="en-US" dirty="0" err="1" smtClean="0"/>
-              <a:t>testimonianze</a:t>
-            </a:r>
-            <a:r>
-              <a:rPr lang="en-US" dirty="0" smtClean="0"/>
-              <a:t> </a:t>
-            </a:r>
-            <a:r>
-              <a:rPr lang="en-US" dirty="0" err="1" smtClean="0"/>
-              <a:t>sono</a:t>
-            </a:r>
-            <a:r>
-              <a:rPr lang="en-US" dirty="0" smtClean="0"/>
-              <a:t> state </a:t>
-            </a:r>
-            <a:r>
-              <a:rPr lang="en-US" dirty="0" err="1" smtClean="0"/>
-              <a:t>verificate</a:t>
-            </a:r>
-            <a:r>
-              <a:rPr lang="en-US" dirty="0" smtClean="0"/>
-              <a:t> da </a:t>
-            </a:r>
-            <a:r>
-              <a:rPr lang="en-US" dirty="0" err="1" smtClean="0"/>
-              <a:t>agenti</a:t>
-            </a:r>
-            <a:r>
-              <a:rPr lang="en-US" dirty="0" smtClean="0"/>
-              <a:t> di </a:t>
-            </a:r>
-            <a:r>
-              <a:rPr lang="en-US" dirty="0" err="1" smtClean="0"/>
-              <a:t>polizia</a:t>
-            </a:r>
-            <a:r>
-              <a:rPr lang="en-US" dirty="0" smtClean="0"/>
-              <a:t>.</a:t>
-            </a:r>
-          </a:p>
-          <a:p>
-            <a:endParaRPr lang="en-US" dirty="0" smtClean="0"/>
-          </a:p>
-          <a:p>
-            <a:r>
-              <a:rPr lang="en-US" baseline="0" dirty="0" smtClean="0"/>
-              <a:t>How many </a:t>
-            </a:r>
-            <a:r>
-              <a:rPr lang="en-US" baseline="0" dirty="0" err="1" smtClean="0"/>
-              <a:t>sbj</a:t>
-            </a:r>
-            <a:r>
-              <a:rPr lang="en-US" baseline="0" dirty="0" smtClean="0"/>
-              <a:t> in the train set? How many in the test set?</a:t>
-            </a:r>
-          </a:p>
-          <a:p>
-            <a:r>
-              <a:rPr lang="en-US" baseline="0" dirty="0" smtClean="0"/>
-              <a:t>Dire </a:t>
+              <a:t>. Per </a:t>
+            </a:r>
+            <a:r>
+              <a:rPr lang="en-US" baseline="0" dirty="0" err="1" smtClean="0"/>
+              <a:t>questo</a:t>
+            </a:r>
+            <a:r>
+              <a:rPr lang="en-US" baseline="0" dirty="0" smtClean="0"/>
+              <a:t> </a:t>
+            </a:r>
+            <a:r>
+              <a:rPr lang="en-US" baseline="0" dirty="0" err="1" smtClean="0"/>
+              <a:t>nessun</a:t>
+            </a:r>
+            <a:r>
+              <a:rPr lang="en-US" baseline="0" dirty="0" smtClean="0"/>
+              <a:t> </a:t>
+            </a:r>
+            <a:r>
+              <a:rPr lang="en-US" baseline="0" dirty="0" err="1" smtClean="0"/>
+              <a:t>soggetto</a:t>
+            </a:r>
+            <a:r>
+              <a:rPr lang="en-US" baseline="0" dirty="0" smtClean="0"/>
+              <a:t> </a:t>
+            </a:r>
+            <a:r>
+              <a:rPr lang="en-US" baseline="0" dirty="0" err="1" smtClean="0"/>
+              <a:t>appare</a:t>
+            </a:r>
+            <a:r>
+              <a:rPr lang="en-US" baseline="0" dirty="0" smtClean="0"/>
+              <a:t> </a:t>
+            </a:r>
+            <a:r>
+              <a:rPr lang="en-US" baseline="0" dirty="0" err="1" smtClean="0"/>
+              <a:t>sia</a:t>
+            </a:r>
+            <a:r>
+              <a:rPr lang="en-US" baseline="0" dirty="0" smtClean="0"/>
+              <a:t> </a:t>
+            </a:r>
+            <a:r>
+              <a:rPr lang="en-US" baseline="0" dirty="0" err="1" smtClean="0"/>
+              <a:t>nel</a:t>
+            </a:r>
+            <a:r>
+              <a:rPr lang="en-US" baseline="0" dirty="0" smtClean="0"/>
+              <a:t> train set </a:t>
             </a:r>
             <a:r>
               <a:rPr lang="en-US" baseline="0" dirty="0" err="1" smtClean="0"/>
@@ -3000,11 +3749,20 @@
             </a:r>
             <a:r>
               <a:rPr lang="en-US" baseline="0" dirty="0" err="1" smtClean="0"/>
-              <a:t>deriva</a:t>
-            </a:r>
-            <a:r>
-              <a:rPr lang="en-US" baseline="0" dirty="0" smtClean="0"/>
-              <a:t> da un paper?</a:t>
+              <a:t>nel</a:t>
+            </a:r>
+            <a:r>
+              <a:rPr lang="en-US" baseline="0" dirty="0" smtClean="0"/>
+              <a:t> test set.</a:t>
+            </a:r>
+          </a:p>
+          <a:p>
+            <a:endParaRPr lang="en-US" baseline="0" dirty="0" smtClean="0"/>
+          </a:p>
+          <a:p>
+            <a:r>
+              <a:rPr lang="en-US" baseline="0" dirty="0" smtClean="0"/>
+              <a:t>D: Cross-validation</a:t>
             </a:r>
             <a:endParaRPr lang="en-US" dirty="0"/>
           </a:p>
@@ -3042,7 +3800,7 @@
     </p:spTree>
     <p:extLst>
       <p:ext uri="{BB962C8B-B14F-4D97-AF65-F5344CB8AC3E}">
-        <p14:creationId xmlns:p14="http://schemas.microsoft.com/office/powerpoint/2010/main" val="3827456040"/>
+        <p14:creationId xmlns:p14="http://schemas.microsoft.com/office/powerpoint/2010/main" val="3101048908"/>
       </p:ext>
     </p:extLst>
   </p:cSld>
@@ -3096,116 +3854,6 @@
           <a:bodyPr/>
           <a:lstStyle/>
           <a:p>
-            <a:r>
-              <a:rPr lang="en-US" dirty="0" smtClean="0"/>
-              <a:t>Per</a:t>
-            </a:r>
-            <a:r>
-              <a:rPr lang="en-US" baseline="0" dirty="0" smtClean="0"/>
-              <a:t> </a:t>
-            </a:r>
-            <a:r>
-              <a:rPr lang="en-US" baseline="0" dirty="0" err="1" smtClean="0"/>
-              <a:t>evitare</a:t>
-            </a:r>
-            <a:r>
-              <a:rPr lang="en-US" baseline="0" dirty="0" smtClean="0"/>
-              <a:t> overfitting e training specific </a:t>
-            </a:r>
-            <a:r>
-              <a:rPr lang="en-US" baseline="0" dirty="0" err="1" smtClean="0"/>
-              <a:t>su</a:t>
-            </a:r>
-            <a:r>
-              <a:rPr lang="en-US" baseline="0" dirty="0" smtClean="0"/>
-              <a:t> </a:t>
-            </a:r>
-            <a:r>
-              <a:rPr lang="en-US" baseline="0" dirty="0" err="1" smtClean="0"/>
-              <a:t>persone</a:t>
-            </a:r>
-            <a:r>
-              <a:rPr lang="en-US" baseline="0" dirty="0" smtClean="0"/>
-              <a:t>….</a:t>
-            </a:r>
-            <a:r>
-              <a:rPr lang="en-US" dirty="0" smtClean="0"/>
-              <a:t/>
-            </a:r>
-            <a:br>
-              <a:rPr lang="en-US" dirty="0" smtClean="0"/>
-            </a:br>
-            <a:endParaRPr lang="en-US" dirty="0" smtClean="0"/>
-          </a:p>
-          <a:p>
-            <a:r>
-              <a:rPr lang="en-US" dirty="0" err="1" smtClean="0"/>
-              <a:t>Dico</a:t>
-            </a:r>
-            <a:r>
-              <a:rPr lang="en-US" dirty="0" smtClean="0"/>
-              <a:t> </a:t>
-            </a:r>
-            <a:r>
-              <a:rPr lang="en-US" dirty="0" err="1" smtClean="0"/>
-              <a:t>che</a:t>
-            </a:r>
-            <a:r>
-              <a:rPr lang="en-US" dirty="0" smtClean="0"/>
-              <a:t> </a:t>
-            </a:r>
-            <a:r>
-              <a:rPr lang="en-US" dirty="0" err="1" smtClean="0"/>
-              <a:t>abbiamo</a:t>
-            </a:r>
-            <a:r>
-              <a:rPr lang="en-US" dirty="0" smtClean="0"/>
-              <a:t> </a:t>
-            </a:r>
-            <a:r>
-              <a:rPr lang="en-US" dirty="0" err="1" smtClean="0"/>
-              <a:t>visto</a:t>
-            </a:r>
-            <a:r>
-              <a:rPr lang="en-US" dirty="0" smtClean="0"/>
-              <a:t> </a:t>
-            </a:r>
-            <a:r>
-              <a:rPr lang="en-US" dirty="0" err="1" smtClean="0"/>
-              <a:t>che</a:t>
-            </a:r>
-            <a:r>
-              <a:rPr lang="en-US" dirty="0" smtClean="0"/>
-              <a:t> la </a:t>
-            </a:r>
-            <a:r>
-              <a:rPr lang="en-US" dirty="0" err="1" smtClean="0"/>
-              <a:t>divisione</a:t>
-            </a:r>
-            <a:r>
-              <a:rPr lang="en-US" dirty="0" smtClean="0"/>
-              <a:t> in</a:t>
-            </a:r>
-            <a:r>
-              <a:rPr lang="en-US" baseline="0" dirty="0" smtClean="0"/>
-              <a:t> test e train </a:t>
-            </a:r>
-            <a:r>
-              <a:rPr lang="en-US" baseline="0" dirty="0" err="1" smtClean="0"/>
-              <a:t>normale</a:t>
-            </a:r>
-            <a:r>
-              <a:rPr lang="en-US" baseline="0" dirty="0" smtClean="0"/>
-              <a:t> </a:t>
-            </a:r>
-            <a:r>
-              <a:rPr lang="en-US" baseline="0" dirty="0" err="1" smtClean="0"/>
-              <a:t>overfittava</a:t>
-            </a:r>
-            <a:r>
-              <a:rPr lang="en-US" baseline="0" dirty="0" smtClean="0"/>
-              <a:t>?</a:t>
-            </a:r>
             <a:endParaRPr lang="en-US" dirty="0"/>
           </a:p>
         </p:txBody>
@@ -3242,7 +3890,7 @@
     </p:spTree>
     <p:extLst>
       <p:ext uri="{BB962C8B-B14F-4D97-AF65-F5344CB8AC3E}">
-        <p14:creationId xmlns:p14="http://schemas.microsoft.com/office/powerpoint/2010/main" val="3101048908"/>
+        <p14:creationId xmlns:p14="http://schemas.microsoft.com/office/powerpoint/2010/main" val="3758801608"/>
       </p:ext>
     </p:extLst>
   </p:cSld>
@@ -3296,6 +3944,28 @@
           <a:bodyPr/>
           <a:lstStyle/>
           <a:p>
+            <a:r>
+              <a:rPr lang="en-US" dirty="0" smtClean="0"/>
+              <a:t>Nomi </a:t>
+            </a:r>
+            <a:r>
+              <a:rPr lang="en-US" dirty="0" err="1" smtClean="0"/>
+              <a:t>delle</a:t>
+            </a:r>
+            <a:r>
+              <a:rPr lang="en-US" dirty="0" smtClean="0"/>
+              <a:t> AU?</a:t>
+            </a:r>
+          </a:p>
+          <a:p>
+            <a:r>
+              <a:rPr lang="en-US" dirty="0" err="1" smtClean="0"/>
+              <a:t>Altra</a:t>
+            </a:r>
+            <a:r>
+              <a:rPr lang="en-US" baseline="0" dirty="0" smtClean="0"/>
+              <a:t> con diff test?</a:t>
+            </a:r>
             <a:endParaRPr lang="en-US" dirty="0"/>
           </a:p>
         </p:txBody>
@@ -3332,7 +4002,7 @@
     </p:spTree>
     <p:extLst>
       <p:ext uri="{BB962C8B-B14F-4D97-AF65-F5344CB8AC3E}">
-        <p14:creationId xmlns:p14="http://schemas.microsoft.com/office/powerpoint/2010/main" val="3758801608"/>
+        <p14:creationId xmlns:p14="http://schemas.microsoft.com/office/powerpoint/2010/main" val="3357361556"/>
       </p:ext>
     </p:extLst>
   </p:cSld>
@@ -3529,29 +4199,22 @@
           <a:p>
             <a:r>
               <a:rPr lang="en-US" dirty="0" smtClean="0"/>
-              <a:t>Nomi </a:t>
+              <a:t>PUT </a:t>
             </a:r>
             <a:r>
               <a:rPr lang="en-US" dirty="0" err="1" smtClean="0"/>
-              <a:t>delle</a:t>
-            </a:r>
-            <a:r>
-              <a:rPr lang="en-US" dirty="0" smtClean="0"/>
-              <a:t> AU</a:t>
-            </a:r>
-            <a:r>
-              <a:rPr lang="en-US" dirty="0" smtClean="0"/>
-              <a:t>?</a:t>
-            </a:r>
-          </a:p>
-          <a:p>
-            <a:r>
-              <a:rPr lang="en-US" dirty="0" err="1" smtClean="0"/>
-              <a:t>Altra</a:t>
-            </a:r>
-            <a:r>
-              <a:rPr lang="en-US" baseline="0" dirty="0" smtClean="0"/>
-              <a:t> con diff test?</a:t>
+              <a:t>Aus</a:t>
+            </a:r>
+            <a:endParaRPr lang="en-US" dirty="0" smtClean="0"/>
+          </a:p>
+          <a:p>
+            <a:r>
+              <a:rPr lang="en-US" dirty="0" smtClean="0"/>
+              <a:t>Keep it or </a:t>
+            </a:r>
+            <a:r>
+              <a:rPr lang="en-US" smtClean="0"/>
+              <a:t>just train?</a:t>
             </a:r>
             <a:endParaRPr lang="en-US" dirty="0"/>
           </a:p>
@@ -3589,7 +4252,7 @@
     </p:spTree>
     <p:extLst>
       <p:ext uri="{BB962C8B-B14F-4D97-AF65-F5344CB8AC3E}">
-        <p14:creationId xmlns:p14="http://schemas.microsoft.com/office/powerpoint/2010/main" val="3357361556"/>
+        <p14:creationId xmlns:p14="http://schemas.microsoft.com/office/powerpoint/2010/main" val="867656258"/>
       </p:ext>
     </p:extLst>
   </p:cSld>
@@ -3645,22 +4308,51 @@
           <a:p>
             <a:r>
               <a:rPr lang="en-US" dirty="0" smtClean="0"/>
-              <a:t>PUT </a:t>
-            </a:r>
-            <a:r>
-              <a:rPr lang="en-US" dirty="0" err="1" smtClean="0"/>
-              <a:t>Aus</a:t>
-            </a:r>
-            <a:endParaRPr lang="en-US" dirty="0" smtClean="0"/>
-          </a:p>
-          <a:p>
-            <a:r>
-              <a:rPr lang="en-US" dirty="0" smtClean="0"/>
-              <a:t>Keep it or </a:t>
-            </a:r>
-            <a:r>
-              <a:rPr lang="en-US" smtClean="0"/>
-              <a:t>just train?</a:t>
+              <a:t>Don’t have</a:t>
+            </a:r>
+            <a:r>
+              <a:rPr lang="en-US" baseline="0" dirty="0" smtClean="0"/>
+              <a:t> much to say about this</a:t>
+            </a:r>
+          </a:p>
+          <a:p>
+            <a:r>
+              <a:rPr lang="en-US" baseline="0" dirty="0" smtClean="0"/>
+              <a:t>Dire 58%?</a:t>
+            </a:r>
+          </a:p>
+          <a:p>
+            <a:r>
+              <a:rPr lang="en-US" baseline="0" dirty="0" err="1" smtClean="0"/>
+              <a:t>Elenco</a:t>
+            </a:r>
+            <a:r>
+              <a:rPr lang="en-US" baseline="0" dirty="0" smtClean="0"/>
+              <a:t> </a:t>
+            </a:r>
+            <a:r>
+              <a:rPr lang="en-US" baseline="0" dirty="0" err="1" smtClean="0"/>
+              <a:t>var</a:t>
+            </a:r>
+            <a:r>
+              <a:rPr lang="en-US" baseline="0" dirty="0" smtClean="0"/>
+              <a:t> </a:t>
+            </a:r>
+            <a:r>
+              <a:rPr lang="en-US" baseline="0" dirty="0" err="1" smtClean="0"/>
+              <a:t>tipo</a:t>
+            </a:r>
+            <a:r>
+              <a:rPr lang="en-US" baseline="0" dirty="0" smtClean="0"/>
+              <a:t> slide </a:t>
+            </a:r>
+            <a:r>
+              <a:rPr lang="en-US" baseline="0" dirty="0" err="1" smtClean="0"/>
+              <a:t>sopra</a:t>
+            </a:r>
+            <a:r>
+              <a:rPr lang="en-US" baseline="0" dirty="0" smtClean="0"/>
+              <a:t>?</a:t>
             </a:r>
             <a:endParaRPr lang="en-US" dirty="0"/>
           </a:p>
@@ -3698,7 +4390,7 @@
     </p:spTree>
     <p:extLst>
       <p:ext uri="{BB962C8B-B14F-4D97-AF65-F5344CB8AC3E}">
-        <p14:creationId xmlns:p14="http://schemas.microsoft.com/office/powerpoint/2010/main" val="867656258"/>
+        <p14:creationId xmlns:p14="http://schemas.microsoft.com/office/powerpoint/2010/main" val="3241693039"/>
       </p:ext>
     </p:extLst>
   </p:cSld>
@@ -3754,15 +4446,33 @@
           <a:p>
             <a:r>
               <a:rPr lang="en-US" dirty="0" smtClean="0"/>
-              <a:t>Nomi </a:t>
+              <a:t>Add confusion matrix?</a:t>
+            </a:r>
+          </a:p>
+          <a:p>
+            <a:r>
+              <a:rPr lang="en-US" dirty="0" smtClean="0"/>
+              <a:t>Dire di </a:t>
             </a:r>
             <a:r>
               <a:rPr lang="en-US" dirty="0" err="1" smtClean="0"/>
-              <a:t>delle</a:t>
-            </a:r>
-            <a:r>
-              <a:rPr lang="en-US" dirty="0" smtClean="0"/>
-              <a:t> AU</a:t>
+              <a:t>altri</a:t>
+            </a:r>
+            <a:r>
+              <a:rPr lang="en-US" dirty="0" smtClean="0"/>
+              <a:t> kernel? Se </a:t>
+            </a:r>
+            <a:r>
+              <a:rPr lang="en-US" dirty="0" err="1" smtClean="0"/>
+              <a:t>si</a:t>
+            </a:r>
+            <a:r>
+              <a:rPr lang="en-US" dirty="0" smtClean="0"/>
+              <a:t> </a:t>
+            </a:r>
+            <a:r>
+              <a:rPr lang="en-US" dirty="0" err="1" smtClean="0"/>
+              <a:t>quanto</a:t>
             </a:r>
             <a:r>
               <a:rPr lang="en-US" dirty="0" smtClean="0"/>
@@ -3772,12 +4482,33 @@
           <a:p>
             <a:r>
               <a:rPr lang="en-US" dirty="0" err="1" smtClean="0"/>
-              <a:t>Altra</a:t>
-            </a:r>
-            <a:r>
-              <a:rPr lang="en-US" baseline="0" dirty="0" smtClean="0"/>
-              <a:t> con diff test?</a:t>
-            </a:r>
+              <a:t>Parametri</a:t>
+            </a:r>
+            <a:r>
+              <a:rPr lang="en-US" dirty="0" smtClean="0"/>
+              <a:t> </a:t>
+            </a:r>
+            <a:r>
+              <a:rPr lang="en-US" dirty="0" smtClean="0"/>
+              <a:t>SVM plot</a:t>
+            </a:r>
+            <a:r>
+              <a:rPr lang="en-US" baseline="0" dirty="0" smtClean="0"/>
+              <a:t> </a:t>
+            </a:r>
+            <a:r>
+              <a:rPr lang="en-US" baseline="0" dirty="0" err="1" smtClean="0"/>
+              <a:t>img</a:t>
+            </a:r>
+            <a:endParaRPr lang="en-US" dirty="0" smtClean="0"/>
+          </a:p>
+          <a:p>
+            <a:endParaRPr lang="en-US" dirty="0" smtClean="0"/>
+          </a:p>
+          <a:p>
+            <a:endParaRPr lang="en-US" dirty="0" smtClean="0"/>
+          </a:p>
+          <a:p>
             <a:endParaRPr lang="en-US" dirty="0"/>
           </a:p>
         </p:txBody>
@@ -3814,7 +4545,7 @@
     </p:spTree>
     <p:extLst>
       <p:ext uri="{BB962C8B-B14F-4D97-AF65-F5344CB8AC3E}">
-        <p14:creationId xmlns:p14="http://schemas.microsoft.com/office/powerpoint/2010/main" val="1498419378"/>
+        <p14:creationId xmlns:p14="http://schemas.microsoft.com/office/powerpoint/2010/main" val="1832073229"/>
       </p:ext>
     </p:extLst>
   </p:cSld>
@@ -3870,55 +4601,91 @@
           <a:p>
             <a:r>
               <a:rPr lang="en-US" dirty="0" smtClean="0"/>
-              <a:t>Don’t have</a:t>
-            </a:r>
-            <a:r>
-              <a:rPr lang="en-US" baseline="0" dirty="0" smtClean="0"/>
-              <a:t> much to say about </a:t>
-            </a:r>
-            <a:r>
-              <a:rPr lang="en-US" baseline="0" dirty="0" smtClean="0"/>
-              <a:t>this</a:t>
-            </a:r>
-          </a:p>
-          <a:p>
-            <a:r>
-              <a:rPr lang="en-US" baseline="0" dirty="0" smtClean="0"/>
-              <a:t>Dire 58%?</a:t>
-            </a:r>
-          </a:p>
-          <a:p>
-            <a:r>
-              <a:rPr lang="en-US" baseline="0" dirty="0" err="1" smtClean="0"/>
-              <a:t>Elenco</a:t>
-            </a:r>
-            <a:r>
-              <a:rPr lang="en-US" baseline="0" dirty="0" smtClean="0"/>
-              <a:t> </a:t>
-            </a:r>
-            <a:r>
-              <a:rPr lang="en-US" baseline="0" dirty="0" err="1" smtClean="0"/>
-              <a:t>var</a:t>
-            </a:r>
-            <a:r>
-              <a:rPr lang="en-US" baseline="0" dirty="0" smtClean="0"/>
-              <a:t> </a:t>
-            </a:r>
-            <a:r>
-              <a:rPr lang="en-US" baseline="0" dirty="0" err="1" smtClean="0"/>
-              <a:t>tipo</a:t>
-            </a:r>
-            <a:r>
-              <a:rPr lang="en-US" baseline="0" dirty="0" smtClean="0"/>
-              <a:t> slide </a:t>
-            </a:r>
-            <a:r>
-              <a:rPr lang="en-US" baseline="0" dirty="0" err="1" smtClean="0"/>
-              <a:t>sopra</a:t>
-            </a:r>
-            <a:r>
-              <a:rPr lang="en-US" baseline="0" dirty="0" smtClean="0"/>
-              <a:t>?</a:t>
+              <a:t>Dataset </a:t>
+            </a:r>
+            <a:r>
+              <a:rPr lang="en-US" dirty="0" err="1" smtClean="0"/>
+              <a:t>piu</a:t>
+            </a:r>
+            <a:r>
+              <a:rPr lang="en-US" dirty="0" smtClean="0"/>
+              <a:t>’ </a:t>
+            </a:r>
+            <a:r>
+              <a:rPr lang="en-US" dirty="0" err="1" smtClean="0"/>
+              <a:t>grande</a:t>
+            </a:r>
+            <a:r>
+              <a:rPr lang="en-US" dirty="0" smtClean="0"/>
+              <a:t> e con video di</a:t>
+            </a:r>
+            <a:r>
+              <a:rPr lang="en-US" baseline="0" dirty="0" smtClean="0"/>
+              <a:t> </a:t>
+            </a:r>
+            <a:r>
+              <a:rPr lang="en-US" baseline="0" dirty="0" err="1" smtClean="0"/>
+              <a:t>qualita</a:t>
+            </a:r>
+            <a:r>
+              <a:rPr lang="en-US" baseline="0" dirty="0" smtClean="0"/>
+              <a:t>’ </a:t>
+            </a:r>
+            <a:r>
+              <a:rPr lang="en-US" baseline="0" dirty="0" err="1" smtClean="0"/>
+              <a:t>migliore</a:t>
+            </a:r>
+            <a:r>
+              <a:rPr lang="en-US" baseline="0" dirty="0" smtClean="0"/>
+              <a:t> in </a:t>
+            </a:r>
+            <a:r>
+              <a:rPr lang="en-US" baseline="0" dirty="0" err="1" smtClean="0"/>
+              <a:t>quanto</a:t>
+            </a:r>
+            <a:r>
+              <a:rPr lang="en-US" baseline="0" dirty="0" smtClean="0"/>
+              <a:t> </a:t>
+            </a:r>
+            <a:r>
+              <a:rPr lang="en-US" baseline="0" dirty="0" err="1" smtClean="0"/>
+              <a:t>questa</a:t>
+            </a:r>
+            <a:r>
+              <a:rPr lang="en-US" baseline="0" dirty="0" smtClean="0"/>
+              <a:t> e’ </a:t>
+            </a:r>
+            <a:r>
+              <a:rPr lang="en-US" baseline="0" dirty="0" err="1" smtClean="0"/>
+              <a:t>stata</a:t>
+            </a:r>
+            <a:r>
+              <a:rPr lang="en-US" baseline="0" dirty="0" smtClean="0"/>
+              <a:t> </a:t>
+            </a:r>
+            <a:r>
+              <a:rPr lang="en-US" baseline="0" dirty="0" err="1" smtClean="0"/>
+              <a:t>una</a:t>
+            </a:r>
+            <a:r>
+              <a:rPr lang="en-US" baseline="0" dirty="0" smtClean="0"/>
+              <a:t> </a:t>
+            </a:r>
+            <a:r>
+              <a:rPr lang="en-US" baseline="0" dirty="0" err="1" smtClean="0"/>
+              <a:t>delle</a:t>
+            </a:r>
+            <a:r>
+              <a:rPr lang="en-US" baseline="0" dirty="0" smtClean="0"/>
+              <a:t> </a:t>
+            </a:r>
+            <a:r>
+              <a:rPr lang="en-US" baseline="0" err="1" smtClean="0"/>
+              <a:t>criticita</a:t>
+            </a:r>
+            <a:r>
+              <a:rPr lang="en-US" baseline="0" smtClean="0"/>
+              <a:t>’.</a:t>
             </a:r>
             <a:endParaRPr lang="en-US" dirty="0"/>
           </a:p>
@@ -3956,7 +4723,7 @@
     </p:spTree>
     <p:extLst>
       <p:ext uri="{BB962C8B-B14F-4D97-AF65-F5344CB8AC3E}">
-        <p14:creationId xmlns:p14="http://schemas.microsoft.com/office/powerpoint/2010/main" val="3241693039"/>
+        <p14:creationId xmlns:p14="http://schemas.microsoft.com/office/powerpoint/2010/main" val="1798284582"/>
       </p:ext>
     </p:extLst>
   </p:cSld>
@@ -4010,59 +4777,6 @@
           <a:bodyPr/>
           <a:lstStyle/>
           <a:p>
-            <a:r>
-              <a:rPr lang="en-US" dirty="0" smtClean="0"/>
-              <a:t>Add confusion </a:t>
-            </a:r>
-            <a:r>
-              <a:rPr lang="en-US" dirty="0" smtClean="0"/>
-              <a:t>matrix?</a:t>
-            </a:r>
-          </a:p>
-          <a:p>
-            <a:r>
-              <a:rPr lang="en-US" dirty="0" smtClean="0"/>
-              <a:t>Dire di </a:t>
-            </a:r>
-            <a:r>
-              <a:rPr lang="en-US" dirty="0" err="1" smtClean="0"/>
-              <a:t>altri</a:t>
-            </a:r>
-            <a:r>
-              <a:rPr lang="en-US" dirty="0" smtClean="0"/>
-              <a:t> kernel? Se </a:t>
-            </a:r>
-            <a:r>
-              <a:rPr lang="en-US" dirty="0" err="1" smtClean="0"/>
-              <a:t>si</a:t>
-            </a:r>
-            <a:r>
-              <a:rPr lang="en-US" dirty="0" smtClean="0"/>
-              <a:t> </a:t>
-            </a:r>
-            <a:r>
-              <a:rPr lang="en-US" dirty="0" err="1" smtClean="0"/>
-              <a:t>quanto</a:t>
-            </a:r>
-            <a:r>
-              <a:rPr lang="en-US" dirty="0" smtClean="0"/>
-              <a:t>?</a:t>
-            </a:r>
-          </a:p>
-          <a:p>
-            <a:r>
-              <a:rPr lang="en-US" dirty="0" err="1" smtClean="0"/>
-              <a:t>Parametri</a:t>
-            </a:r>
-            <a:r>
-              <a:rPr lang="en-US" dirty="0" smtClean="0"/>
-              <a:t> SVM?</a:t>
-            </a:r>
-          </a:p>
-          <a:p>
-            <a:endParaRPr lang="en-US" dirty="0" smtClean="0"/>
-          </a:p>
-          <a:p>
             <a:endParaRPr lang="en-US" dirty="0"/>
           </a:p>
         </p:txBody>
@@ -4090,97 +4804,7 @@
               <a:pPr>
                 <a:defRPr/>
               </a:pPr>
-              <a:t>24</a:t>
-            </a:fld>
-            <a:endParaRPr lang="it-IT" altLang="it-IT"/>
-          </a:p>
-        </p:txBody>
-      </p:sp>
-    </p:spTree>
-    <p:extLst>
-      <p:ext uri="{BB962C8B-B14F-4D97-AF65-F5344CB8AC3E}">
-        <p14:creationId xmlns:p14="http://schemas.microsoft.com/office/powerpoint/2010/main" val="1832073229"/>
-      </p:ext>
-    </p:extLst>
-  </p:cSld>
-  <p:clrMapOvr>
-    <a:masterClrMapping/>
-  </p:clrMapOvr>
-</p:notes>
-</file>
-
-<file path=ppt/notesSlides/notesSlide25.xml><?xml version="1.0" encoding="utf-8"?>
-<p:notes xmlns:a="http://schemas.openxmlformats.org/drawingml/2006/main" xmlns:r="http://schemas.openxmlformats.org/officeDocument/2006/relationships" xmlns:p="http://schemas.openxmlformats.org/presentationml/2006/main">
-  <p:cSld>
-    <p:spTree>
-      <p:nvGrpSpPr>
-        <p:cNvPr id="1" name=""/>
-        <p:cNvGrpSpPr/>
-        <p:nvPr/>
-      </p:nvGrpSpPr>
-      <p:grpSpPr>
-        <a:xfrm>
-          <a:off x="0" y="0"/>
-          <a:ext cx="0" cy="0"/>
-          <a:chOff x="0" y="0"/>
-          <a:chExt cx="0" cy="0"/>
-        </a:xfrm>
-      </p:grpSpPr>
-      <p:sp>
-        <p:nvSpPr>
-          <p:cNvPr id="2" name="Slide Image Placeholder 1"/>
-          <p:cNvSpPr>
-            <a:spLocks noGrp="1" noRot="1" noChangeAspect="1"/>
-          </p:cNvSpPr>
-          <p:nvPr>
-            <p:ph type="sldImg"/>
-          </p:nvPr>
-        </p:nvSpPr>
-        <p:spPr/>
-      </p:sp>
-      <p:sp>
-        <p:nvSpPr>
-          <p:cNvPr id="3" name="Notes Placeholder 2"/>
-          <p:cNvSpPr>
-            <a:spLocks noGrp="1"/>
-          </p:cNvSpPr>
-          <p:nvPr>
-            <p:ph type="body" idx="1"/>
-          </p:nvPr>
-        </p:nvSpPr>
-        <p:spPr/>
-        <p:txBody>
-          <a:bodyPr/>
-          <a:lstStyle/>
-          <a:p>
-            <a:endParaRPr lang="en-US" dirty="0"/>
-          </a:p>
-        </p:txBody>
-      </p:sp>
-      <p:sp>
-        <p:nvSpPr>
-          <p:cNvPr id="4" name="Slide Number Placeholder 3"/>
-          <p:cNvSpPr>
-            <a:spLocks noGrp="1"/>
-          </p:cNvSpPr>
-          <p:nvPr>
-            <p:ph type="sldNum" sz="quarter" idx="10"/>
-          </p:nvPr>
-        </p:nvSpPr>
-        <p:spPr/>
-        <p:txBody>
-          <a:bodyPr/>
-          <a:lstStyle/>
-          <a:p>
-            <a:pPr>
-              <a:defRPr/>
-            </a:pPr>
-            <a:fld id="{0BD935CA-3C3B-47B5-B52B-F13E37D8C3A5}" type="slidenum">
-              <a:rPr lang="it-IT" altLang="it-IT" smtClean="0"/>
-              <a:pPr>
-                <a:defRPr/>
-              </a:pPr>
-              <a:t>27</a:t>
+              <a:t>25</a:t>
             </a:fld>
             <a:endParaRPr lang="it-IT" altLang="it-IT"/>
           </a:p>
@@ -4292,12 +4916,12 @@
               <a:t> </a:t>
             </a:r>
             <a:r>
-              <a:rPr lang="en-US" baseline="0" dirty="0" err="1" smtClean="0"/>
-              <a:t>correttamente</a:t>
-            </a:r>
-            <a:r>
-              <a:rPr lang="en-US" baseline="0" dirty="0" smtClean="0"/>
-              <a:t> video in cui </a:t>
+              <a:rPr lang="en-US" baseline="0" dirty="0" smtClean="0"/>
+              <a:t>video </a:t>
+            </a:r>
+            <a:r>
+              <a:rPr lang="en-US" baseline="0" dirty="0" smtClean="0"/>
+              <a:t>in cui </a:t>
             </a:r>
             <a:r>
               <a:rPr lang="en-US" baseline="0" dirty="0" err="1" smtClean="0"/>
@@ -4401,23 +5025,7 @@
             </a:r>
             <a:r>
               <a:rPr lang="en-US" baseline="0" dirty="0" smtClean="0"/>
-              <a:t> </a:t>
-            </a:r>
-            <a:r>
-              <a:rPr lang="en-US" baseline="0" dirty="0" err="1" smtClean="0"/>
-              <a:t>durante</a:t>
-            </a:r>
-            <a:r>
-              <a:rPr lang="en-US" baseline="0" dirty="0" smtClean="0"/>
-              <a:t> </a:t>
-            </a:r>
-            <a:r>
-              <a:rPr lang="en-US" baseline="0" dirty="0" err="1" smtClean="0"/>
-              <a:t>il</a:t>
-            </a:r>
-            <a:r>
-              <a:rPr lang="en-US" baseline="0" dirty="0" smtClean="0"/>
-              <a:t> video.</a:t>
+              <a:t>.</a:t>
             </a:r>
             <a:endParaRPr lang="en-US" dirty="0"/>
           </a:p>
@@ -4554,34 +5162,70 @@
           <a:p>
             <a:r>
               <a:rPr lang="en-US" baseline="0" dirty="0" err="1" smtClean="0"/>
+              <a:t>Effettuare</a:t>
+            </a:r>
+            <a:r>
+              <a:rPr lang="en-US" baseline="0" dirty="0" smtClean="0"/>
+              <a:t> </a:t>
+            </a:r>
+            <a:r>
+              <a:rPr lang="en-US" baseline="0" dirty="0" err="1" smtClean="0"/>
               <a:t>controlli</a:t>
             </a:r>
             <a:r>
               <a:rPr lang="en-US" baseline="0" dirty="0" smtClean="0"/>
-              <a:t> di </a:t>
+              <a:t> </a:t>
+            </a:r>
+            <a:r>
+              <a:rPr lang="en-US" baseline="0" dirty="0" smtClean="0"/>
+              <a:t>di </a:t>
             </a:r>
             <a:r>
               <a:rPr lang="en-US" baseline="0" dirty="0" err="1" smtClean="0"/>
               <a:t>sicurezza</a:t>
             </a:r>
+            <a:r>
+              <a:rPr lang="en-US" baseline="0" dirty="0" smtClean="0"/>
+              <a:t> in </a:t>
+            </a:r>
+            <a:r>
+              <a:rPr lang="en-US" baseline="0" dirty="0" err="1" smtClean="0"/>
+              <a:t>aereoporti</a:t>
+            </a:r>
+            <a:r>
+              <a:rPr lang="en-US" baseline="0" dirty="0" smtClean="0"/>
+              <a:t> o </a:t>
+            </a:r>
+            <a:r>
+              <a:rPr lang="en-US" baseline="0" dirty="0" err="1" smtClean="0"/>
+              <a:t>stazioni</a:t>
+            </a:r>
+            <a:r>
+              <a:rPr lang="en-US" baseline="0" dirty="0" smtClean="0"/>
+              <a:t> del </a:t>
+            </a:r>
+            <a:r>
+              <a:rPr lang="en-US" baseline="0" dirty="0" err="1" smtClean="0"/>
+              <a:t>treno</a:t>
+            </a:r>
+            <a:r>
+              <a:rPr lang="en-US" baseline="0" dirty="0" smtClean="0"/>
+              <a:t>,</a:t>
+            </a:r>
             <a:endParaRPr lang="en-US" baseline="0" dirty="0" smtClean="0"/>
           </a:p>
           <a:p>
             <a:r>
-              <a:rPr lang="en-US" baseline="0" dirty="0" err="1" smtClean="0"/>
-              <a:t>Usato</a:t>
-            </a:r>
-            <a:r>
-              <a:rPr lang="en-US" baseline="0" dirty="0" smtClean="0"/>
-              <a:t> </a:t>
-            </a:r>
-            <a:r>
-              <a:rPr lang="en-US" baseline="0" dirty="0" err="1" smtClean="0"/>
-              <a:t>dalla</a:t>
-            </a:r>
-            <a:r>
-              <a:rPr lang="en-US" baseline="0" dirty="0" smtClean="0"/>
-              <a:t> </a:t>
+              <a:rPr lang="en-US" baseline="0" dirty="0" smtClean="0"/>
+              <a:t>Per </a:t>
+            </a:r>
+            <a:r>
+              <a:rPr lang="en-US" baseline="0" dirty="0" err="1" smtClean="0"/>
+              <a:t>aiutare</a:t>
+            </a:r>
+            <a:r>
+              <a:rPr lang="en-US" baseline="0" dirty="0" smtClean="0"/>
+              <a:t> la </a:t>
             </a:r>
             <a:r>
               <a:rPr lang="en-US" baseline="0" dirty="0" err="1" smtClean="0"/>
@@ -4589,31 +5233,15 @@
             </a:r>
             <a:r>
               <a:rPr lang="en-US" baseline="0" dirty="0" smtClean="0"/>
-              <a:t> come </a:t>
-            </a:r>
-            <a:r>
-              <a:rPr lang="en-US" baseline="0" dirty="0" err="1" smtClean="0"/>
-              <a:t>aiuto</a:t>
-            </a:r>
-            <a:r>
-              <a:rPr lang="en-US" baseline="0" dirty="0" smtClean="0"/>
-              <a:t> per </a:t>
-            </a:r>
-            <a:r>
-              <a:rPr lang="en-US" baseline="0" dirty="0" err="1" smtClean="0"/>
-              <a:t>gli</a:t>
-            </a:r>
-            <a:r>
-              <a:rPr lang="en-US" baseline="0" dirty="0" smtClean="0"/>
-              <a:t> </a:t>
-            </a:r>
-            <a:r>
-              <a:rPr lang="en-US" baseline="0" dirty="0" err="1" smtClean="0"/>
-              <a:t>interrogatori</a:t>
-            </a:r>
-            <a:r>
-              <a:rPr lang="en-US" baseline="0" dirty="0" smtClean="0"/>
-              <a:t> a </a:t>
+              <a:t> ad </a:t>
+            </a:r>
+            <a:r>
+              <a:rPr lang="en-US" baseline="0" dirty="0" err="1" smtClean="0"/>
+              <a:t>interrogare</a:t>
+            </a:r>
+            <a:r>
+              <a:rPr lang="en-US" baseline="0" dirty="0" smtClean="0"/>
+              <a:t> </a:t>
             </a:r>
             <a:r>
               <a:rPr lang="en-US" baseline="0" dirty="0" err="1" smtClean="0"/>
@@ -4621,7 +5249,11 @@
             </a:r>
             <a:r>
               <a:rPr lang="en-US" baseline="0" dirty="0" smtClean="0"/>
-              <a:t> o </a:t>
+              <a:t> </a:t>
+            </a:r>
+            <a:r>
+              <a:rPr lang="en-US" baseline="0" dirty="0" smtClean="0"/>
+              <a:t>o </a:t>
             </a:r>
             <a:r>
               <a:rPr lang="en-US" baseline="0" dirty="0" err="1" smtClean="0"/>
@@ -4632,15 +5264,7 @@
           <a:p>
             <a:r>
               <a:rPr lang="en-US" baseline="0" dirty="0" err="1" smtClean="0"/>
-              <a:t>Analisi</a:t>
-            </a:r>
-            <a:r>
-              <a:rPr lang="en-US" baseline="0" dirty="0" smtClean="0"/>
-              <a:t> </a:t>
-            </a:r>
-            <a:r>
-              <a:rPr lang="en-US" baseline="0" dirty="0" err="1" smtClean="0"/>
-              <a:t>dei</a:t>
+              <a:t>Analizzare</a:t>
             </a:r>
             <a:r>
               <a:rPr lang="en-US" baseline="0" dirty="0" smtClean="0"/>
@@ -4652,7 +5276,11 @@
             </a:r>
             <a:r>
               <a:rPr lang="en-US" baseline="0" dirty="0" smtClean="0"/>
-              <a:t> di </a:t>
+              <a:t> </a:t>
+            </a:r>
+            <a:r>
+              <a:rPr lang="en-US" baseline="0" dirty="0" smtClean="0"/>
+              <a:t>di </a:t>
             </a:r>
             <a:r>
               <a:rPr lang="en-US" baseline="0" dirty="0" err="1" smtClean="0"/>
@@ -5116,7 +5744,15 @@
             </a:r>
             <a:r>
               <a:rPr lang="en-US" baseline="0" dirty="0" smtClean="0"/>
-              <a:t>…</a:t>
+              <a:t> </a:t>
+            </a:r>
+            <a:r>
+              <a:rPr lang="en-US" baseline="0" dirty="0" err="1" smtClean="0"/>
+              <a:t>sono</a:t>
+            </a:r>
+            <a:r>
+              <a:rPr lang="en-US" baseline="0" dirty="0" smtClean="0"/>
+              <a:t> le Action Units</a:t>
             </a:r>
           </a:p>
           <a:p>
@@ -5126,7 +5762,11 @@
             </a:pPr>
             <a:r>
               <a:rPr lang="en-US" baseline="0" dirty="0" smtClean="0"/>
-              <a:t>Le AU </a:t>
+              <a:t>Le </a:t>
+            </a:r>
+            <a:r>
+              <a:rPr lang="en-US" baseline="0" dirty="0" smtClean="0"/>
+              <a:t>AU </a:t>
             </a:r>
             <a:r>
               <a:rPr lang="en-US" baseline="0" dirty="0" err="1" smtClean="0"/>
@@ -5201,20 +5841,8 @@
               <a:t> </a:t>
             </a:r>
             <a:r>
-              <a:rPr lang="en-US" baseline="0" dirty="0" err="1" smtClean="0"/>
-              <a:t>dei</a:t>
-            </a:r>
-            <a:r>
-              <a:rPr lang="en-US" baseline="0" dirty="0" smtClean="0"/>
-              <a:t> </a:t>
-            </a:r>
-            <a:r>
-              <a:rPr lang="en-US" baseline="0" dirty="0" err="1" smtClean="0"/>
-              <a:t>soggetti</a:t>
-            </a:r>
-            <a:r>
-              <a:rPr lang="en-US" baseline="0" dirty="0" smtClean="0"/>
-              <a:t> e </a:t>
+              <a:rPr lang="en-US" baseline="0" dirty="0" smtClean="0"/>
+              <a:t>e </a:t>
             </a:r>
             <a:r>
               <a:rPr lang="en-US" baseline="0" dirty="0" err="1" smtClean="0"/>
@@ -5239,28 +5867,6 @@
             <a:r>
               <a:rPr lang="en-US" baseline="0" dirty="0" smtClean="0"/>
               <a:t>’.</a:t>
-            </a:r>
-          </a:p>
-          <a:p>
-            <a:pPr marL="0" indent="0">
-              <a:buFontTx/>
-              <a:buNone/>
-            </a:pPr>
-            <a:r>
-              <a:rPr lang="en-US" dirty="0" smtClean="0"/>
-              <a:t>Breve</a:t>
-            </a:r>
-            <a:r>
-              <a:rPr lang="en-US" baseline="0" dirty="0" smtClean="0"/>
-              <a:t> </a:t>
-            </a:r>
-            <a:r>
-              <a:rPr lang="en-US" baseline="0" dirty="0" err="1" smtClean="0"/>
-              <a:t>accenno</a:t>
-            </a:r>
-            <a:r>
-              <a:rPr lang="en-US" baseline="0" dirty="0" smtClean="0"/>
-              <a:t> a FACS</a:t>
             </a:r>
             <a:endParaRPr lang="en-US" dirty="0"/>
           </a:p>
@@ -5558,7 +6164,7 @@
             </a:r>
             <a:r>
               <a:rPr lang="en-US" baseline="0" dirty="0" smtClean="0"/>
-              <a:t>’ </a:t>
+              <a:t>’.</a:t>
             </a:r>
             <a:endParaRPr lang="en-US" dirty="0"/>
           </a:p>
@@ -5651,64 +6257,547 @@
           <a:lstStyle/>
           <a:p>
             <a:r>
-              <a:rPr lang="en-US" dirty="0" smtClean="0"/>
-              <a:t>Ad alto </a:t>
-            </a:r>
-            <a:r>
-              <a:rPr lang="en-US" dirty="0" err="1" smtClean="0"/>
+              <a:rPr lang="en-US" baseline="0" dirty="0" err="1" smtClean="0"/>
+              <a:t>L’architettura</a:t>
+            </a:r>
+            <a:r>
+              <a:rPr lang="en-US" baseline="0" dirty="0" smtClean="0"/>
+              <a:t> ad alto </a:t>
+            </a:r>
+            <a:r>
+              <a:rPr lang="en-US" baseline="0" dirty="0" err="1" smtClean="0"/>
               <a:t>livello</a:t>
             </a:r>
             <a:r>
               <a:rPr lang="en-US" baseline="0" dirty="0" smtClean="0"/>
-              <a:t> </a:t>
-            </a:r>
-            <a:r>
-              <a:rPr lang="en-US" baseline="0" dirty="0" err="1" smtClean="0"/>
+              <a:t> del </a:t>
+            </a:r>
+            <a:r>
+              <a:rPr lang="en-US" baseline="0" dirty="0" err="1" smtClean="0"/>
+              <a:t>sistema</a:t>
+            </a:r>
+            <a:r>
+              <a:rPr lang="en-US" baseline="0" dirty="0" smtClean="0"/>
+              <a:t> e’ </a:t>
+            </a:r>
+            <a:r>
+              <a:rPr lang="en-US" baseline="0" dirty="0" err="1" smtClean="0"/>
+              <a:t>suddivisa</a:t>
+            </a:r>
+            <a:r>
+              <a:rPr lang="en-US" baseline="0" dirty="0" smtClean="0"/>
+              <a:t> </a:t>
+            </a:r>
+            <a:r>
+              <a:rPr lang="en-US" baseline="0" dirty="0" err="1" smtClean="0"/>
+              <a:t>nei</a:t>
+            </a:r>
+            <a:r>
+              <a:rPr lang="en-US" baseline="0" dirty="0" smtClean="0"/>
+              <a:t> </a:t>
+            </a:r>
+            <a:r>
+              <a:rPr lang="en-US" baseline="0" dirty="0" err="1" smtClean="0"/>
+              <a:t>seguenti</a:t>
+            </a:r>
+            <a:r>
+              <a:rPr lang="en-US" baseline="0" dirty="0" smtClean="0"/>
+              <a:t> step:</a:t>
+            </a:r>
+          </a:p>
+          <a:p>
+            <a:pPr marL="171450" indent="-171450">
+              <a:buFontTx/>
+              <a:buChar char="-"/>
+            </a:pPr>
+            <a:r>
+              <a:rPr lang="en-US" baseline="0" dirty="0" err="1" smtClean="0"/>
+              <a:t>Individuiamo</a:t>
+            </a:r>
+            <a:r>
+              <a:rPr lang="en-US" baseline="0" dirty="0" smtClean="0"/>
+              <a:t> la </a:t>
+            </a:r>
+            <a:r>
+              <a:rPr lang="en-US" baseline="0" dirty="0" err="1" smtClean="0"/>
+              <a:t>faccia</a:t>
+            </a:r>
+            <a:endParaRPr lang="en-US" baseline="0" dirty="0" smtClean="0"/>
+          </a:p>
+          <a:p>
+            <a:pPr marL="171450" indent="-171450">
+              <a:buFontTx/>
+              <a:buChar char="-"/>
+            </a:pPr>
+            <a:r>
+              <a:rPr lang="en-US" baseline="0" dirty="0" err="1" smtClean="0"/>
+              <a:t>Troviamo</a:t>
+            </a:r>
+            <a:r>
+              <a:rPr lang="en-US" baseline="0" dirty="0" smtClean="0"/>
+              <a:t> I Landmark: </a:t>
+            </a:r>
+            <a:r>
+              <a:rPr lang="en-US" sz="1200" b="0" i="0" kern="1200" dirty="0" err="1" smtClean="0">
+                <a:solidFill>
+                  <a:schemeClr val="tx1"/>
+                </a:solidFill>
+                <a:effectLst/>
+                <a:latin typeface="Arial" panose="020B0604020202020204" pitchFamily="34" charset="0"/>
+                <a:ea typeface="ＭＳ Ｐゴシック" panose="020B0600070205080204" pitchFamily="34" charset="-128"/>
+                <a:cs typeface="+mn-cs"/>
+              </a:rPr>
+              <a:t>punti</a:t>
+            </a:r>
+            <a:r>
+              <a:rPr lang="en-US" sz="1200" b="0" i="0" kern="1200" dirty="0" smtClean="0">
+                <a:solidFill>
+                  <a:schemeClr val="tx1"/>
+                </a:solidFill>
+                <a:effectLst/>
+                <a:latin typeface="Arial" panose="020B0604020202020204" pitchFamily="34" charset="0"/>
+                <a:ea typeface="ＭＳ Ｐゴシック" panose="020B0600070205080204" pitchFamily="34" charset="-128"/>
+                <a:cs typeface="+mn-cs"/>
+              </a:rPr>
+              <a:t> di </a:t>
+            </a:r>
+            <a:r>
+              <a:rPr lang="en-US" sz="1200" b="0" i="0" kern="1200" dirty="0" err="1" smtClean="0">
+                <a:solidFill>
+                  <a:schemeClr val="tx1"/>
+                </a:solidFill>
+                <a:effectLst/>
+                <a:latin typeface="Arial" panose="020B0604020202020204" pitchFamily="34" charset="0"/>
+                <a:ea typeface="ＭＳ Ｐゴシック" panose="020B0600070205080204" pitchFamily="34" charset="-128"/>
+                <a:cs typeface="+mn-cs"/>
+              </a:rPr>
+              <a:t>interesse</a:t>
+            </a:r>
+            <a:r>
+              <a:rPr lang="en-US" sz="1200" b="0" i="0" kern="1200" dirty="0" smtClean="0">
+                <a:solidFill>
+                  <a:schemeClr val="tx1"/>
+                </a:solidFill>
+                <a:effectLst/>
+                <a:latin typeface="Arial" panose="020B0604020202020204" pitchFamily="34" charset="0"/>
+                <a:ea typeface="ＭＳ Ｐゴシック" panose="020B0600070205080204" pitchFamily="34" charset="-128"/>
+                <a:cs typeface="+mn-cs"/>
+              </a:rPr>
+              <a:t> </a:t>
+            </a:r>
+            <a:r>
+              <a:rPr lang="en-US" sz="1200" b="0" i="0" kern="1200" dirty="0" err="1" smtClean="0">
+                <a:solidFill>
+                  <a:schemeClr val="tx1"/>
+                </a:solidFill>
+                <a:effectLst/>
+                <a:latin typeface="Arial" panose="020B0604020202020204" pitchFamily="34" charset="0"/>
+                <a:ea typeface="ＭＳ Ｐゴシック" panose="020B0600070205080204" pitchFamily="34" charset="-128"/>
+                <a:cs typeface="+mn-cs"/>
+              </a:rPr>
+              <a:t>che</a:t>
+            </a:r>
+            <a:r>
+              <a:rPr lang="en-US" sz="1200" b="0" i="0" kern="1200" dirty="0" smtClean="0">
+                <a:solidFill>
+                  <a:schemeClr val="tx1"/>
+                </a:solidFill>
+                <a:effectLst/>
+                <a:latin typeface="Arial" panose="020B0604020202020204" pitchFamily="34" charset="0"/>
+                <a:ea typeface="ＭＳ Ｐゴシック" panose="020B0600070205080204" pitchFamily="34" charset="-128"/>
+                <a:cs typeface="+mn-cs"/>
+              </a:rPr>
+              <a:t> </a:t>
+            </a:r>
+            <a:r>
+              <a:rPr lang="en-US" sz="1200" b="0" i="0" kern="1200" dirty="0" err="1" smtClean="0">
+                <a:solidFill>
+                  <a:schemeClr val="tx1"/>
+                </a:solidFill>
+                <a:effectLst/>
+                <a:latin typeface="Arial" panose="020B0604020202020204" pitchFamily="34" charset="0"/>
+                <a:ea typeface="ＭＳ Ｐゴシック" panose="020B0600070205080204" pitchFamily="34" charset="-128"/>
+                <a:cs typeface="+mn-cs"/>
+              </a:rPr>
+              <a:t>delimitano</a:t>
+            </a:r>
+            <a:r>
+              <a:rPr lang="en-US" sz="1200" b="0" i="0" kern="1200" dirty="0" smtClean="0">
+                <a:solidFill>
+                  <a:schemeClr val="tx1"/>
+                </a:solidFill>
+                <a:effectLst/>
+                <a:latin typeface="Arial" panose="020B0604020202020204" pitchFamily="34" charset="0"/>
+                <a:ea typeface="ＭＳ Ｐゴシック" panose="020B0600070205080204" pitchFamily="34" charset="-128"/>
+                <a:cs typeface="+mn-cs"/>
+              </a:rPr>
+              <a:t> le feature </a:t>
+            </a:r>
+            <a:r>
+              <a:rPr lang="en-US" sz="1200" b="0" i="0" kern="1200" dirty="0" err="1" smtClean="0">
+                <a:solidFill>
+                  <a:schemeClr val="tx1"/>
+                </a:solidFill>
+                <a:effectLst/>
+                <a:latin typeface="Arial" panose="020B0604020202020204" pitchFamily="34" charset="0"/>
+                <a:ea typeface="ＭＳ Ｐゴシック" panose="020B0600070205080204" pitchFamily="34" charset="-128"/>
+                <a:cs typeface="+mn-cs"/>
+              </a:rPr>
+              <a:t>fondamentali</a:t>
+            </a:r>
+            <a:r>
+              <a:rPr lang="en-US" sz="1200" b="0" i="0" kern="1200" dirty="0" smtClean="0">
+                <a:solidFill>
+                  <a:schemeClr val="tx1"/>
+                </a:solidFill>
+                <a:effectLst/>
+                <a:latin typeface="Arial" panose="020B0604020202020204" pitchFamily="34" charset="0"/>
+                <a:ea typeface="ＭＳ Ｐゴシック" panose="020B0600070205080204" pitchFamily="34" charset="-128"/>
+                <a:cs typeface="+mn-cs"/>
+              </a:rPr>
+              <a:t> </a:t>
+            </a:r>
+            <a:r>
+              <a:rPr lang="en-US" sz="1200" b="0" i="0" kern="1200" dirty="0" err="1" smtClean="0">
+                <a:solidFill>
+                  <a:schemeClr val="tx1"/>
+                </a:solidFill>
+                <a:effectLst/>
+                <a:latin typeface="Arial" panose="020B0604020202020204" pitchFamily="34" charset="0"/>
+                <a:ea typeface="ＭＳ Ｐゴシック" panose="020B0600070205080204" pitchFamily="34" charset="-128"/>
+                <a:cs typeface="+mn-cs"/>
+              </a:rPr>
+              <a:t>della</a:t>
+            </a:r>
+            <a:r>
+              <a:rPr lang="en-US" sz="1200" b="0" i="0" kern="1200" dirty="0" smtClean="0">
+                <a:solidFill>
+                  <a:schemeClr val="tx1"/>
+                </a:solidFill>
+                <a:effectLst/>
+                <a:latin typeface="Arial" panose="020B0604020202020204" pitchFamily="34" charset="0"/>
+                <a:ea typeface="ＭＳ Ｐゴシック" panose="020B0600070205080204" pitchFamily="34" charset="-128"/>
+                <a:cs typeface="+mn-cs"/>
+              </a:rPr>
+              <a:t> </a:t>
+            </a:r>
+            <a:r>
+              <a:rPr lang="en-US" sz="1200" b="0" i="0" kern="1200" dirty="0" err="1" smtClean="0">
+                <a:solidFill>
+                  <a:schemeClr val="tx1"/>
+                </a:solidFill>
+                <a:effectLst/>
+                <a:latin typeface="Arial" panose="020B0604020202020204" pitchFamily="34" charset="0"/>
+                <a:ea typeface="ＭＳ Ｐゴシック" panose="020B0600070205080204" pitchFamily="34" charset="-128"/>
+                <a:cs typeface="+mn-cs"/>
+              </a:rPr>
+              <a:t>faccia</a:t>
+            </a:r>
+            <a:endParaRPr lang="en-US" sz="1200" b="0" i="0" kern="1200" dirty="0" smtClean="0">
+              <a:solidFill>
+                <a:schemeClr val="tx1"/>
+              </a:solidFill>
+              <a:effectLst/>
+              <a:latin typeface="Arial" panose="020B0604020202020204" pitchFamily="34" charset="0"/>
+              <a:ea typeface="ＭＳ Ｐゴシック" panose="020B0600070205080204" pitchFamily="34" charset="-128"/>
+              <a:cs typeface="+mn-cs"/>
+            </a:endParaRPr>
+          </a:p>
+          <a:p>
+            <a:pPr marL="171450" indent="-171450">
+              <a:buFontTx/>
+              <a:buChar char="-"/>
+            </a:pPr>
+            <a:r>
+              <a:rPr lang="en-US" sz="1200" b="0" i="0" kern="1200" dirty="0" err="1" smtClean="0">
+                <a:solidFill>
+                  <a:schemeClr val="tx1"/>
+                </a:solidFill>
+                <a:effectLst/>
+                <a:latin typeface="Arial" panose="020B0604020202020204" pitchFamily="34" charset="0"/>
+                <a:ea typeface="ＭＳ Ｐゴシック" panose="020B0600070205080204" pitchFamily="34" charset="-128"/>
+                <a:cs typeface="+mn-cs"/>
+              </a:rPr>
+              <a:t>Estraiamo</a:t>
+            </a:r>
+            <a:r>
+              <a:rPr lang="en-US" sz="1200" b="0" i="0" kern="1200" dirty="0" smtClean="0">
+                <a:solidFill>
+                  <a:schemeClr val="tx1"/>
+                </a:solidFill>
+                <a:effectLst/>
+                <a:latin typeface="Arial" panose="020B0604020202020204" pitchFamily="34" charset="0"/>
+                <a:ea typeface="ＭＳ Ｐゴシック" panose="020B0600070205080204" pitchFamily="34" charset="-128"/>
+                <a:cs typeface="+mn-cs"/>
+              </a:rPr>
+              <a:t> le feature </a:t>
+            </a:r>
+            <a:r>
+              <a:rPr lang="en-US" sz="1200" b="0" i="0" kern="1200" dirty="0" err="1" smtClean="0">
+                <a:solidFill>
+                  <a:schemeClr val="tx1"/>
+                </a:solidFill>
+                <a:effectLst/>
+                <a:latin typeface="Arial" panose="020B0604020202020204" pitchFamily="34" charset="0"/>
+                <a:ea typeface="ＭＳ Ｐゴシック" panose="020B0600070205080204" pitchFamily="34" charset="-128"/>
+                <a:cs typeface="+mn-cs"/>
+              </a:rPr>
+              <a:t>utilizzando</a:t>
+            </a:r>
+            <a:r>
+              <a:rPr lang="en-US" sz="1200" b="0" i="0" kern="1200" dirty="0" smtClean="0">
+                <a:solidFill>
+                  <a:schemeClr val="tx1"/>
+                </a:solidFill>
+                <a:effectLst/>
+                <a:latin typeface="Arial" panose="020B0604020202020204" pitchFamily="34" charset="0"/>
+                <a:ea typeface="ＭＳ Ｐゴシック" panose="020B0600070205080204" pitchFamily="34" charset="-128"/>
+                <a:cs typeface="+mn-cs"/>
+              </a:rPr>
+              <a:t> </a:t>
+            </a:r>
+            <a:r>
+              <a:rPr lang="en-US" sz="1200" b="0" i="0" kern="1200" dirty="0" err="1" smtClean="0">
+                <a:solidFill>
+                  <a:schemeClr val="tx1"/>
+                </a:solidFill>
+                <a:effectLst/>
+                <a:latin typeface="Arial" panose="020B0604020202020204" pitchFamily="34" charset="0"/>
+                <a:ea typeface="ＭＳ Ｐゴシック" panose="020B0600070205080204" pitchFamily="34" charset="-128"/>
+                <a:cs typeface="+mn-cs"/>
+              </a:rPr>
+              <a:t>HoG</a:t>
+            </a:r>
+            <a:endParaRPr lang="en-US" sz="1200" b="0" i="0" kern="1200" dirty="0" smtClean="0">
+              <a:solidFill>
+                <a:schemeClr val="tx1"/>
+              </a:solidFill>
+              <a:effectLst/>
+              <a:latin typeface="Arial" panose="020B0604020202020204" pitchFamily="34" charset="0"/>
+              <a:ea typeface="ＭＳ Ｐゴシック" panose="020B0600070205080204" pitchFamily="34" charset="-128"/>
+              <a:cs typeface="+mn-cs"/>
+            </a:endParaRPr>
+          </a:p>
+          <a:p>
+            <a:pPr marL="171450" indent="-171450">
+              <a:buFontTx/>
+              <a:buChar char="-"/>
+            </a:pPr>
+            <a:r>
+              <a:rPr lang="en-US" sz="1200" b="0" i="0" kern="1200" dirty="0" err="1" smtClean="0">
+                <a:solidFill>
+                  <a:schemeClr val="tx1"/>
+                </a:solidFill>
+                <a:effectLst/>
+                <a:latin typeface="Arial" panose="020B0604020202020204" pitchFamily="34" charset="0"/>
+                <a:ea typeface="ＭＳ Ｐゴシック" panose="020B0600070205080204" pitchFamily="34" charset="-128"/>
+                <a:cs typeface="+mn-cs"/>
+              </a:rPr>
+              <a:t>Dalle</a:t>
+            </a:r>
+            <a:r>
+              <a:rPr lang="en-US" sz="1200" b="0" i="0" kern="1200" baseline="0" dirty="0" smtClean="0">
+                <a:solidFill>
+                  <a:schemeClr val="tx1"/>
+                </a:solidFill>
+                <a:effectLst/>
+                <a:latin typeface="Arial" panose="020B0604020202020204" pitchFamily="34" charset="0"/>
+                <a:ea typeface="ＭＳ Ｐゴシック" panose="020B0600070205080204" pitchFamily="34" charset="-128"/>
+                <a:cs typeface="+mn-cs"/>
+              </a:rPr>
+              <a:t> feature </a:t>
+            </a:r>
+            <a:r>
+              <a:rPr lang="en-US" sz="1200" b="0" i="0" kern="1200" baseline="0" dirty="0" err="1" smtClean="0">
+                <a:solidFill>
+                  <a:schemeClr val="tx1"/>
+                </a:solidFill>
+                <a:effectLst/>
+                <a:latin typeface="Arial" panose="020B0604020202020204" pitchFamily="34" charset="0"/>
+                <a:ea typeface="ＭＳ Ｐゴシック" panose="020B0600070205080204" pitchFamily="34" charset="-128"/>
+                <a:cs typeface="+mn-cs"/>
+              </a:rPr>
+              <a:t>riconosciamo</a:t>
+            </a:r>
+            <a:r>
+              <a:rPr lang="en-US" sz="1200" b="0" i="0" kern="1200" baseline="0" dirty="0" smtClean="0">
+                <a:solidFill>
+                  <a:schemeClr val="tx1"/>
+                </a:solidFill>
+                <a:effectLst/>
+                <a:latin typeface="Arial" panose="020B0604020202020204" pitchFamily="34" charset="0"/>
+                <a:ea typeface="ＭＳ Ｐゴシック" panose="020B0600070205080204" pitchFamily="34" charset="-128"/>
+                <a:cs typeface="+mn-cs"/>
+              </a:rPr>
+              <a:t> le AU (</a:t>
+            </a:r>
+            <a:r>
+              <a:rPr lang="en-US" sz="1200" b="0" i="0" kern="1200" baseline="0" dirty="0" err="1" smtClean="0">
+                <a:solidFill>
+                  <a:schemeClr val="tx1"/>
+                </a:solidFill>
+                <a:effectLst/>
+                <a:latin typeface="Arial" panose="020B0604020202020204" pitchFamily="34" charset="0"/>
+                <a:ea typeface="ＭＳ Ｐゴシック" panose="020B0600070205080204" pitchFamily="34" charset="-128"/>
+                <a:cs typeface="+mn-cs"/>
+              </a:rPr>
+              <a:t>allenando</a:t>
+            </a:r>
+            <a:r>
+              <a:rPr lang="en-US" sz="1200" b="0" i="0" kern="1200" baseline="0" dirty="0" smtClean="0">
+                <a:solidFill>
+                  <a:schemeClr val="tx1"/>
+                </a:solidFill>
+                <a:effectLst/>
+                <a:latin typeface="Arial" panose="020B0604020202020204" pitchFamily="34" charset="0"/>
+                <a:ea typeface="ＭＳ Ｐゴシック" panose="020B0600070205080204" pitchFamily="34" charset="-128"/>
+                <a:cs typeface="+mn-cs"/>
+              </a:rPr>
+              <a:t> un multiclass </a:t>
+            </a:r>
+            <a:r>
+              <a:rPr lang="en-US" sz="1200" b="0" i="0" kern="1200" baseline="0" dirty="0" err="1" smtClean="0">
+                <a:solidFill>
+                  <a:schemeClr val="tx1"/>
+                </a:solidFill>
+                <a:effectLst/>
+                <a:latin typeface="Arial" panose="020B0604020202020204" pitchFamily="34" charset="0"/>
+                <a:ea typeface="ＭＳ Ｐゴシック" panose="020B0600070205080204" pitchFamily="34" charset="-128"/>
+                <a:cs typeface="+mn-cs"/>
+              </a:rPr>
+              <a:t>svm</a:t>
+            </a:r>
+            <a:r>
+              <a:rPr lang="en-US" sz="1200" b="0" i="0" kern="1200" baseline="0" dirty="0" smtClean="0">
+                <a:solidFill>
+                  <a:schemeClr val="tx1"/>
+                </a:solidFill>
+                <a:effectLst/>
+                <a:latin typeface="Arial" panose="020B0604020202020204" pitchFamily="34" charset="0"/>
+                <a:ea typeface="ＭＳ Ｐゴシック" panose="020B0600070205080204" pitchFamily="34" charset="-128"/>
+                <a:cs typeface="+mn-cs"/>
+              </a:rPr>
+              <a:t>)</a:t>
+            </a:r>
+          </a:p>
+          <a:p>
+            <a:pPr marL="171450" indent="-171450">
+              <a:buFontTx/>
+              <a:buChar char="-"/>
+            </a:pPr>
+            <a:r>
+              <a:rPr lang="en-US" sz="1200" b="0" i="0" kern="1200" baseline="0" dirty="0" err="1" smtClean="0">
+                <a:solidFill>
+                  <a:schemeClr val="tx1"/>
+                </a:solidFill>
+                <a:effectLst/>
+                <a:latin typeface="Arial" panose="020B0604020202020204" pitchFamily="34" charset="0"/>
+                <a:ea typeface="ＭＳ Ｐゴシック" panose="020B0600070205080204" pitchFamily="34" charset="-128"/>
+                <a:cs typeface="+mn-cs"/>
+              </a:rPr>
+              <a:t>Utilizziamo</a:t>
+            </a:r>
+            <a:r>
+              <a:rPr lang="en-US" sz="1200" b="0" i="0" kern="1200" baseline="0" dirty="0" smtClean="0">
+                <a:solidFill>
+                  <a:schemeClr val="tx1"/>
+                </a:solidFill>
+                <a:effectLst/>
+                <a:latin typeface="Arial" panose="020B0604020202020204" pitchFamily="34" charset="0"/>
+                <a:ea typeface="ＭＳ Ｐゴシック" panose="020B0600070205080204" pitchFamily="34" charset="-128"/>
+                <a:cs typeface="+mn-cs"/>
+              </a:rPr>
+              <a:t> un SVM per </a:t>
+            </a:r>
+            <a:r>
+              <a:rPr lang="en-US" sz="1200" b="0" i="0" kern="1200" baseline="0" dirty="0" err="1" smtClean="0">
+                <a:solidFill>
+                  <a:schemeClr val="tx1"/>
+                </a:solidFill>
+                <a:effectLst/>
+                <a:latin typeface="Arial" panose="020B0604020202020204" pitchFamily="34" charset="0"/>
+                <a:ea typeface="ＭＳ Ｐゴシック" panose="020B0600070205080204" pitchFamily="34" charset="-128"/>
+                <a:cs typeface="+mn-cs"/>
+              </a:rPr>
+              <a:t>classificare</a:t>
+            </a:r>
+            <a:r>
+              <a:rPr lang="en-US" sz="1200" b="0" i="0" kern="1200" baseline="0" dirty="0" smtClean="0">
+                <a:solidFill>
+                  <a:schemeClr val="tx1"/>
+                </a:solidFill>
+                <a:effectLst/>
+                <a:latin typeface="Arial" panose="020B0604020202020204" pitchFamily="34" charset="0"/>
+                <a:ea typeface="ＭＳ Ｐゴシック" panose="020B0600070205080204" pitchFamily="34" charset="-128"/>
+                <a:cs typeface="+mn-cs"/>
+              </a:rPr>
+              <a:t> </a:t>
+            </a:r>
+            <a:r>
+              <a:rPr lang="en-US" sz="1200" b="0" i="0" kern="1200" baseline="0" dirty="0" err="1" smtClean="0">
+                <a:solidFill>
+                  <a:schemeClr val="tx1"/>
+                </a:solidFill>
+                <a:effectLst/>
+                <a:latin typeface="Arial" panose="020B0604020202020204" pitchFamily="34" charset="0"/>
+                <a:ea typeface="ＭＳ Ｐゴシック" panose="020B0600070205080204" pitchFamily="34" charset="-128"/>
+                <a:cs typeface="+mn-cs"/>
+              </a:rPr>
               <a:t>il</a:t>
             </a:r>
             <a:r>
-              <a:rPr lang="en-US" baseline="0" dirty="0" smtClean="0"/>
-              <a:t> </a:t>
-            </a:r>
-            <a:r>
-              <a:rPr lang="en-US" baseline="0" dirty="0" err="1" smtClean="0"/>
-              <a:t>nostro</a:t>
-            </a:r>
-            <a:r>
-              <a:rPr lang="en-US" baseline="0" dirty="0" smtClean="0"/>
-              <a:t> Sistema </a:t>
-            </a:r>
-            <a:r>
-              <a:rPr lang="en-US" baseline="0" dirty="0" err="1" smtClean="0"/>
-              <a:t>funziona</a:t>
-            </a:r>
-            <a:r>
-              <a:rPr lang="en-US" baseline="0" dirty="0" smtClean="0"/>
-              <a:t> </a:t>
-            </a:r>
-            <a:r>
-              <a:rPr lang="en-US" baseline="0" dirty="0" err="1" smtClean="0"/>
-              <a:t>nel</a:t>
-            </a:r>
-            <a:r>
-              <a:rPr lang="en-US" baseline="0" dirty="0" smtClean="0"/>
-              <a:t> </a:t>
-            </a:r>
-            <a:r>
-              <a:rPr lang="en-US" baseline="0" dirty="0" err="1" smtClean="0"/>
-              <a:t>seguente</a:t>
-            </a:r>
-            <a:r>
-              <a:rPr lang="en-US" baseline="0" dirty="0" smtClean="0"/>
-              <a:t> </a:t>
-            </a:r>
-            <a:r>
-              <a:rPr lang="en-US" baseline="0" dirty="0" err="1" smtClean="0"/>
-              <a:t>modo</a:t>
-            </a:r>
-            <a:r>
-              <a:rPr lang="en-US" baseline="0" dirty="0" smtClean="0"/>
-              <a:t>:</a:t>
+              <a:rPr lang="en-US" sz="1200" b="0" i="0" kern="1200" baseline="0" dirty="0" smtClean="0">
+                <a:solidFill>
+                  <a:schemeClr val="tx1"/>
+                </a:solidFill>
+                <a:effectLst/>
+                <a:latin typeface="Arial" panose="020B0604020202020204" pitchFamily="34" charset="0"/>
+                <a:ea typeface="ＭＳ Ｐゴシック" panose="020B0600070205080204" pitchFamily="34" charset="-128"/>
+                <a:cs typeface="+mn-cs"/>
+              </a:rPr>
+              <a:t> video</a:t>
+            </a:r>
+            <a:endParaRPr lang="en-US" sz="1200" b="0" i="0" kern="1200" dirty="0" smtClean="0">
+              <a:solidFill>
+                <a:schemeClr val="tx1"/>
+              </a:solidFill>
+              <a:effectLst/>
+              <a:latin typeface="Arial" panose="020B0604020202020204" pitchFamily="34" charset="0"/>
+              <a:ea typeface="ＭＳ Ｐゴシック" panose="020B0600070205080204" pitchFamily="34" charset="-128"/>
+              <a:cs typeface="+mn-cs"/>
+            </a:endParaRPr>
+          </a:p>
+          <a:p>
+            <a:pPr marL="171450" indent="-171450">
+              <a:buFontTx/>
+              <a:buChar char="-"/>
+            </a:pPr>
+            <a:endParaRPr lang="en-US" baseline="0" dirty="0" smtClean="0"/>
+          </a:p>
+          <a:p>
+            <a:r>
+              <a:rPr lang="en-US" baseline="0" dirty="0" err="1" smtClean="0"/>
+              <a:t>Specificare</a:t>
+            </a:r>
+            <a:r>
+              <a:rPr lang="en-US" baseline="0" dirty="0" smtClean="0"/>
+              <a:t> </a:t>
+            </a:r>
+            <a:r>
+              <a:rPr lang="en-US" baseline="0" dirty="0" err="1" smtClean="0"/>
+              <a:t>tecnicismi</a:t>
+            </a:r>
+            <a:r>
+              <a:rPr lang="en-US" baseline="0" dirty="0" smtClean="0"/>
+              <a:t> </a:t>
+            </a:r>
+            <a:r>
+              <a:rPr lang="en-US" baseline="0" dirty="0" err="1" smtClean="0"/>
+              <a:t>prossime</a:t>
+            </a:r>
+            <a:r>
+              <a:rPr lang="en-US" baseline="0" dirty="0" smtClean="0"/>
+              <a:t> slide?</a:t>
             </a:r>
             <a:endParaRPr lang="en-US" dirty="0"/>
           </a:p>
@@ -5802,77 +6891,217 @@
           <a:p>
             <a:r>
               <a:rPr lang="en-US" dirty="0" smtClean="0"/>
-              <a:t>Is this too much? Should I</a:t>
-            </a:r>
-            <a:r>
-              <a:rPr lang="en-US" baseline="0" dirty="0" smtClean="0"/>
-              <a:t> skip it since I don’t know too much about this? Should I say I use OF for this? “we use a library…”</a:t>
-            </a:r>
-          </a:p>
-          <a:p>
-            <a:r>
-              <a:rPr lang="en-US" dirty="0" smtClean="0"/>
-              <a:t>https://ibug.doc.ic.ac.uk/media/uploads/documents/tpami_alignment.pdf – </a:t>
-            </a:r>
-            <a:r>
-              <a:rPr lang="en-US" dirty="0" err="1" smtClean="0"/>
-              <a:t>spiega</a:t>
-            </a:r>
-            <a:r>
-              <a:rPr lang="en-US" dirty="0" smtClean="0"/>
+              <a:t>Per</a:t>
+            </a:r>
+            <a:r>
+              <a:rPr lang="en-US" baseline="0" dirty="0" smtClean="0"/>
+              <a:t> </a:t>
+            </a:r>
+            <a:r>
+              <a:rPr lang="en-US" baseline="0" dirty="0" err="1" smtClean="0"/>
+              <a:t>identificare</a:t>
+            </a:r>
+            <a:r>
+              <a:rPr lang="en-US" baseline="0" dirty="0" smtClean="0"/>
+              <a:t> I landmarks </a:t>
+            </a:r>
+            <a:r>
+              <a:rPr lang="en-US" baseline="0" dirty="0" err="1" smtClean="0"/>
+              <a:t>utilizziamo</a:t>
+            </a:r>
+            <a:r>
+              <a:rPr lang="en-US" baseline="0" dirty="0" smtClean="0"/>
               <a:t> un </a:t>
             </a:r>
             <a:r>
-              <a:rPr lang="en-US" dirty="0" err="1" smtClean="0"/>
-              <a:t>po</a:t>
-            </a:r>
-            <a:r>
-              <a:rPr lang="en-US" dirty="0" smtClean="0"/>
-              <a:t>’ </a:t>
-            </a:r>
-            <a:r>
-              <a:rPr lang="en-US" dirty="0" err="1" smtClean="0"/>
-              <a:t>resp</a:t>
-            </a:r>
-            <a:r>
-              <a:rPr lang="en-US" dirty="0" smtClean="0"/>
-              <a:t> map</a:t>
-            </a:r>
-          </a:p>
-          <a:p>
-            <a:r>
-              <a:rPr lang="en-US" dirty="0" err="1" smtClean="0"/>
-              <a:t>Riorganizzare</a:t>
-            </a:r>
-            <a:r>
-              <a:rPr lang="en-US" baseline="0" dirty="0" smtClean="0"/>
-              <a:t> slides per </a:t>
-            </a:r>
-            <a:r>
-              <a:rPr lang="en-US" baseline="0" dirty="0" err="1" smtClean="0"/>
-              <a:t>spiegare</a:t>
-            </a:r>
-            <a:r>
-              <a:rPr lang="en-US" baseline="0" dirty="0" smtClean="0"/>
-              <a:t> CE CLM </a:t>
-            </a:r>
-            <a:r>
-              <a:rPr lang="en-US" baseline="0" dirty="0" err="1" smtClean="0"/>
-              <a:t>cos’e</a:t>
-            </a:r>
-            <a:r>
-              <a:rPr lang="en-US" baseline="0" dirty="0" smtClean="0"/>
-              <a:t>’ un </a:t>
-            </a:r>
-            <a:r>
-              <a:rPr lang="en-US" baseline="0" dirty="0" err="1" smtClean="0"/>
-              <a:t>minimo</a:t>
-            </a:r>
-            <a:r>
-              <a:rPr lang="en-US" baseline="0" dirty="0" smtClean="0"/>
-              <a:t>?</a:t>
-            </a:r>
-            <a:endParaRPr lang="en-US" dirty="0"/>
+              <a:rPr lang="en-US" baseline="0" dirty="0" err="1" smtClean="0"/>
+              <a:t>modello</a:t>
+            </a:r>
+            <a:r>
+              <a:rPr lang="en-US" baseline="0" dirty="0" smtClean="0"/>
+              <a:t> </a:t>
+            </a:r>
+            <a:r>
+              <a:rPr lang="en-US" baseline="0" dirty="0" err="1" smtClean="0"/>
+              <a:t>chiamao</a:t>
+            </a:r>
+            <a:r>
+              <a:rPr lang="en-US" baseline="0" dirty="0" smtClean="0"/>
+              <a:t> CE-CLM. </a:t>
+            </a:r>
+            <a:r>
+              <a:rPr lang="en-US" baseline="0" dirty="0" err="1" smtClean="0"/>
+              <a:t>Questo</a:t>
+            </a:r>
+            <a:r>
+              <a:rPr lang="en-US" baseline="0" dirty="0" smtClean="0"/>
+              <a:t> </a:t>
+            </a:r>
+            <a:r>
+              <a:rPr lang="en-US" baseline="0" dirty="0" err="1" smtClean="0"/>
+              <a:t>modello</a:t>
+            </a:r>
+            <a:r>
+              <a:rPr lang="en-US" baseline="0" dirty="0" smtClean="0"/>
+              <a:t> </a:t>
+            </a:r>
+            <a:r>
+              <a:rPr lang="en-US" baseline="0" dirty="0" err="1" smtClean="0"/>
+              <a:t>funziona</a:t>
+            </a:r>
+            <a:r>
+              <a:rPr lang="en-US" baseline="0" dirty="0" smtClean="0"/>
+              <a:t> in due </a:t>
+            </a:r>
+            <a:r>
+              <a:rPr lang="en-US" baseline="0" dirty="0" err="1" smtClean="0"/>
+              <a:t>fasi</a:t>
+            </a:r>
+            <a:r>
+              <a:rPr lang="en-US" baseline="0" dirty="0" smtClean="0"/>
+              <a:t>:</a:t>
+            </a:r>
+          </a:p>
+          <a:p>
+            <a:pPr marL="171450" indent="-171450">
+              <a:buFontTx/>
+              <a:buChar char="-"/>
+            </a:pPr>
+            <a:r>
+              <a:rPr lang="en-US" baseline="0" dirty="0" smtClean="0"/>
+              <a:t>Nella prima </a:t>
+            </a:r>
+            <a:r>
+              <a:rPr lang="en-US" baseline="0" dirty="0" err="1" smtClean="0"/>
+              <a:t>fase</a:t>
+            </a:r>
+            <a:r>
+              <a:rPr lang="en-US" baseline="0" dirty="0" smtClean="0"/>
+              <a:t> </a:t>
+            </a:r>
+            <a:r>
+              <a:rPr lang="en-US" baseline="0" dirty="0" err="1" smtClean="0"/>
+              <a:t>utlilizziamo</a:t>
+            </a:r>
+            <a:r>
+              <a:rPr lang="en-US" baseline="0" dirty="0" smtClean="0"/>
+              <a:t> CEN: </a:t>
+            </a:r>
+          </a:p>
+          <a:p>
+            <a:pPr marL="628650" lvl="1" indent="-171450">
+              <a:buFontTx/>
+              <a:buChar char="-"/>
+            </a:pPr>
+            <a:r>
+              <a:rPr lang="en-US" baseline="0" dirty="0" err="1" smtClean="0"/>
+              <a:t>Presa</a:t>
+            </a:r>
+            <a:r>
+              <a:rPr lang="en-US" baseline="0" dirty="0" smtClean="0"/>
+              <a:t> in input </a:t>
+            </a:r>
+            <a:r>
+              <a:rPr lang="en-US" baseline="0" dirty="0" err="1" smtClean="0"/>
+              <a:t>una</a:t>
+            </a:r>
+            <a:r>
+              <a:rPr lang="en-US" baseline="0" dirty="0" smtClean="0"/>
+              <a:t> </a:t>
+            </a:r>
+            <a:r>
+              <a:rPr lang="en-US" baseline="0" dirty="0" err="1" smtClean="0"/>
+              <a:t>regione</a:t>
+            </a:r>
+            <a:r>
+              <a:rPr lang="en-US" baseline="0" dirty="0" smtClean="0"/>
+              <a:t> </a:t>
+            </a:r>
+            <a:r>
+              <a:rPr lang="en-US" baseline="0" dirty="0" err="1" smtClean="0"/>
+              <a:t>dell’immagine</a:t>
+            </a:r>
+            <a:r>
+              <a:rPr lang="en-US" baseline="0" dirty="0" smtClean="0"/>
+              <a:t>, </a:t>
+            </a:r>
+            <a:r>
+              <a:rPr lang="en-US" baseline="0" dirty="0" err="1" smtClean="0"/>
+              <a:t>computiamo</a:t>
+            </a:r>
+            <a:r>
+              <a:rPr lang="en-US" baseline="0" dirty="0" smtClean="0"/>
+              <a:t> </a:t>
+            </a:r>
+            <a:r>
+              <a:rPr lang="en-US" baseline="0" dirty="0" err="1" smtClean="0"/>
+              <a:t>una</a:t>
+            </a:r>
+            <a:r>
+              <a:rPr lang="en-US" baseline="0" dirty="0" smtClean="0"/>
+              <a:t> response map per </a:t>
+            </a:r>
+            <a:r>
+              <a:rPr lang="en-US" baseline="0" dirty="0" err="1" smtClean="0"/>
+              <a:t>localizzare</a:t>
+            </a:r>
+            <a:r>
+              <a:rPr lang="en-US" baseline="0" dirty="0" smtClean="0"/>
+              <a:t> un </a:t>
+            </a:r>
+            <a:r>
+              <a:rPr lang="en-US" baseline="0" dirty="0" err="1" smtClean="0"/>
+              <a:t>singolo</a:t>
+            </a:r>
+            <a:r>
+              <a:rPr lang="en-US" baseline="0" dirty="0" smtClean="0"/>
+              <a:t> landmark, </a:t>
+            </a:r>
+            <a:r>
+              <a:rPr lang="en-US" baseline="0" dirty="0" err="1" smtClean="0"/>
+              <a:t>indipendentemente</a:t>
+            </a:r>
+            <a:r>
+              <a:rPr lang="en-US" baseline="0" dirty="0" smtClean="0"/>
+              <a:t> </a:t>
+            </a:r>
+            <a:r>
+              <a:rPr lang="en-US" baseline="0" dirty="0" err="1" smtClean="0"/>
+              <a:t>dagli</a:t>
+            </a:r>
+            <a:r>
+              <a:rPr lang="en-US" baseline="0" dirty="0" smtClean="0"/>
+              <a:t> </a:t>
+            </a:r>
+            <a:r>
+              <a:rPr lang="en-US" baseline="0" dirty="0" err="1" smtClean="0"/>
+              <a:t>altri</a:t>
+            </a:r>
+            <a:r>
+              <a:rPr lang="en-US" baseline="0" dirty="0" smtClean="0"/>
+              <a:t>.</a:t>
+            </a:r>
+            <a:br>
+              <a:rPr lang="en-US" baseline="0" dirty="0" smtClean="0"/>
+            </a:br>
+            <a:r>
+              <a:rPr lang="en-US" baseline="0" dirty="0" smtClean="0"/>
+              <a:t/>
+            </a:r>
+            <a:br>
+              <a:rPr lang="en-US" baseline="0" dirty="0" smtClean="0"/>
+            </a:br>
+            <a:r>
+              <a:rPr lang="en-US" baseline="0" dirty="0" smtClean="0"/>
+              <a:t/>
+            </a:r>
+            <a:br>
+              <a:rPr lang="en-US" baseline="0" dirty="0" smtClean="0"/>
+            </a:br>
+            <a:r>
+              <a:rPr lang="en-US" baseline="0" dirty="0" smtClean="0"/>
+              <a:t>COSA e’ UNA CEN? PERCHE’ LA USO?</a:t>
+            </a:r>
           </a:p>
         </p:txBody>
       </p:sp>
@@ -5908,7 +7137,7 @@
     </p:spTree>
     <p:extLst>
       <p:ext uri="{BB962C8B-B14F-4D97-AF65-F5344CB8AC3E}">
-        <p14:creationId xmlns:p14="http://schemas.microsoft.com/office/powerpoint/2010/main" val="513174094"/>
+        <p14:creationId xmlns:p14="http://schemas.microsoft.com/office/powerpoint/2010/main" val="342468761"/>
       </p:ext>
     </p:extLst>
   </p:cSld>
@@ -6035,7 +7264,7 @@
           <p:cNvPr id="4" name="Rectangle 4">
             <a:extLst>
               <a:ext uri="{FF2B5EF4-FFF2-40B4-BE49-F238E27FC236}">
-                <a16:creationId xmlns:a16="http://schemas.microsoft.com/office/drawing/2014/main" id="{27C267A1-2AF1-4BAB-899A-BAEE6EA5E9F5}"/>
+                <a16:creationId xmlns:a16="http://schemas.microsoft.com/office/drawing/2014/main" xmlns="" id="{27C267A1-2AF1-4BAB-899A-BAEE6EA5E9F5}"/>
               </a:ext>
             </a:extLst>
           </p:cNvPr>
@@ -6065,7 +7294,7 @@
               <a:pPr>
                 <a:defRPr/>
               </a:pPr>
-              <a:t>07/01/2019</a:t>
+              <a:t>07/01/19</a:t>
             </a:fld>
             <a:endParaRPr lang="it-IT" altLang="it-IT"/>
           </a:p>
@@ -6076,7 +7305,7 @@
           <p:cNvPr id="5" name="Rectangle 5">
             <a:extLst>
               <a:ext uri="{FF2B5EF4-FFF2-40B4-BE49-F238E27FC236}">
-                <a16:creationId xmlns:a16="http://schemas.microsoft.com/office/drawing/2014/main" id="{93460F73-1466-40C4-8356-BFCECFE77ED3}"/>
+                <a16:creationId xmlns:a16="http://schemas.microsoft.com/office/drawing/2014/main" xmlns="" id="{93460F73-1466-40C4-8356-BFCECFE77ED3}"/>
               </a:ext>
             </a:extLst>
           </p:cNvPr>
@@ -6114,7 +7343,7 @@
           <p:cNvPr id="6" name="Rectangle 6">
             <a:extLst>
               <a:ext uri="{FF2B5EF4-FFF2-40B4-BE49-F238E27FC236}">
-                <a16:creationId xmlns:a16="http://schemas.microsoft.com/office/drawing/2014/main" id="{27D44E63-9809-41ED-A8C1-E987F5F91BE6}"/>
+                <a16:creationId xmlns:a16="http://schemas.microsoft.com/office/drawing/2014/main" xmlns="" id="{27D44E63-9809-41ED-A8C1-E987F5F91BE6}"/>
               </a:ext>
             </a:extLst>
           </p:cNvPr>
@@ -6262,7 +7491,7 @@
           <p:cNvPr id="4" name="Rectangle 4">
             <a:extLst>
               <a:ext uri="{FF2B5EF4-FFF2-40B4-BE49-F238E27FC236}">
-                <a16:creationId xmlns:a16="http://schemas.microsoft.com/office/drawing/2014/main" id="{27C267A1-2AF1-4BAB-899A-BAEE6EA5E9F5}"/>
+                <a16:creationId xmlns:a16="http://schemas.microsoft.com/office/drawing/2014/main" xmlns="" id="{27C267A1-2AF1-4BAB-899A-BAEE6EA5E9F5}"/>
               </a:ext>
             </a:extLst>
           </p:cNvPr>
@@ -6292,7 +7521,7 @@
               <a:pPr>
                 <a:defRPr/>
               </a:pPr>
-              <a:t>07/01/2019</a:t>
+              <a:t>07/01/19</a:t>
             </a:fld>
             <a:endParaRPr lang="it-IT" altLang="it-IT"/>
           </a:p>
@@ -6303,7 +7532,7 @@
           <p:cNvPr id="5" name="Rectangle 5">
             <a:extLst>
               <a:ext uri="{FF2B5EF4-FFF2-40B4-BE49-F238E27FC236}">
-                <a16:creationId xmlns:a16="http://schemas.microsoft.com/office/drawing/2014/main" id="{93460F73-1466-40C4-8356-BFCECFE77ED3}"/>
+                <a16:creationId xmlns:a16="http://schemas.microsoft.com/office/drawing/2014/main" xmlns="" id="{93460F73-1466-40C4-8356-BFCECFE77ED3}"/>
               </a:ext>
             </a:extLst>
           </p:cNvPr>
@@ -6341,7 +7570,7 @@
           <p:cNvPr id="6" name="Rectangle 6">
             <a:extLst>
               <a:ext uri="{FF2B5EF4-FFF2-40B4-BE49-F238E27FC236}">
-                <a16:creationId xmlns:a16="http://schemas.microsoft.com/office/drawing/2014/main" id="{27D44E63-9809-41ED-A8C1-E987F5F91BE6}"/>
+                <a16:creationId xmlns:a16="http://schemas.microsoft.com/office/drawing/2014/main" xmlns="" id="{27D44E63-9809-41ED-A8C1-E987F5F91BE6}"/>
               </a:ext>
             </a:extLst>
           </p:cNvPr>
@@ -6499,7 +7728,7 @@
           <p:cNvPr id="4" name="Rectangle 4">
             <a:extLst>
               <a:ext uri="{FF2B5EF4-FFF2-40B4-BE49-F238E27FC236}">
-                <a16:creationId xmlns:a16="http://schemas.microsoft.com/office/drawing/2014/main" id="{27C267A1-2AF1-4BAB-899A-BAEE6EA5E9F5}"/>
+                <a16:creationId xmlns:a16="http://schemas.microsoft.com/office/drawing/2014/main" xmlns="" id="{27C267A1-2AF1-4BAB-899A-BAEE6EA5E9F5}"/>
               </a:ext>
             </a:extLst>
           </p:cNvPr>
@@ -6529,7 +7758,7 @@
               <a:pPr>
                 <a:defRPr/>
               </a:pPr>
-              <a:t>07/01/2019</a:t>
+              <a:t>07/01/19</a:t>
             </a:fld>
             <a:endParaRPr lang="it-IT" altLang="it-IT"/>
           </a:p>
@@ -6540,7 +7769,7 @@
           <p:cNvPr id="5" name="Rectangle 5">
             <a:extLst>
               <a:ext uri="{FF2B5EF4-FFF2-40B4-BE49-F238E27FC236}">
-                <a16:creationId xmlns:a16="http://schemas.microsoft.com/office/drawing/2014/main" id="{93460F73-1466-40C4-8356-BFCECFE77ED3}"/>
+                <a16:creationId xmlns:a16="http://schemas.microsoft.com/office/drawing/2014/main" xmlns="" id="{93460F73-1466-40C4-8356-BFCECFE77ED3}"/>
               </a:ext>
             </a:extLst>
           </p:cNvPr>
@@ -6578,7 +7807,7 @@
           <p:cNvPr id="6" name="Rectangle 6">
             <a:extLst>
               <a:ext uri="{FF2B5EF4-FFF2-40B4-BE49-F238E27FC236}">
-                <a16:creationId xmlns:a16="http://schemas.microsoft.com/office/drawing/2014/main" id="{27D44E63-9809-41ED-A8C1-E987F5F91BE6}"/>
+                <a16:creationId xmlns:a16="http://schemas.microsoft.com/office/drawing/2014/main" xmlns="" id="{27D44E63-9809-41ED-A8C1-E987F5F91BE6}"/>
               </a:ext>
             </a:extLst>
           </p:cNvPr>
@@ -6792,7 +8021,7 @@
           <p:cNvPr id="5" name="Rectangle 4">
             <a:extLst>
               <a:ext uri="{FF2B5EF4-FFF2-40B4-BE49-F238E27FC236}">
-                <a16:creationId xmlns:a16="http://schemas.microsoft.com/office/drawing/2014/main" id="{27C267A1-2AF1-4BAB-899A-BAEE6EA5E9F5}"/>
+                <a16:creationId xmlns:a16="http://schemas.microsoft.com/office/drawing/2014/main" xmlns="" id="{27C267A1-2AF1-4BAB-899A-BAEE6EA5E9F5}"/>
               </a:ext>
             </a:extLst>
           </p:cNvPr>
@@ -6822,7 +8051,7 @@
               <a:pPr>
                 <a:defRPr/>
               </a:pPr>
-              <a:t>07/01/2019</a:t>
+              <a:t>07/01/19</a:t>
             </a:fld>
             <a:endParaRPr lang="it-IT" altLang="it-IT"/>
           </a:p>
@@ -6833,7 +8062,7 @@
           <p:cNvPr id="6" name="Rectangle 5">
             <a:extLst>
               <a:ext uri="{FF2B5EF4-FFF2-40B4-BE49-F238E27FC236}">
-                <a16:creationId xmlns:a16="http://schemas.microsoft.com/office/drawing/2014/main" id="{93460F73-1466-40C4-8356-BFCECFE77ED3}"/>
+                <a16:creationId xmlns:a16="http://schemas.microsoft.com/office/drawing/2014/main" xmlns="" id="{93460F73-1466-40C4-8356-BFCECFE77ED3}"/>
               </a:ext>
             </a:extLst>
           </p:cNvPr>
@@ -6871,7 +8100,7 @@
           <p:cNvPr id="7" name="Rectangle 6">
             <a:extLst>
               <a:ext uri="{FF2B5EF4-FFF2-40B4-BE49-F238E27FC236}">
-                <a16:creationId xmlns:a16="http://schemas.microsoft.com/office/drawing/2014/main" id="{27D44E63-9809-41ED-A8C1-E987F5F91BE6}"/>
+                <a16:creationId xmlns:a16="http://schemas.microsoft.com/office/drawing/2014/main" xmlns="" id="{27D44E63-9809-41ED-A8C1-E987F5F91BE6}"/>
               </a:ext>
             </a:extLst>
           </p:cNvPr>
@@ -6998,7 +8227,7 @@
           <p:cNvPr id="4" name="Rectangle 4">
             <a:extLst>
               <a:ext uri="{FF2B5EF4-FFF2-40B4-BE49-F238E27FC236}">
-                <a16:creationId xmlns:a16="http://schemas.microsoft.com/office/drawing/2014/main" id="{27C267A1-2AF1-4BAB-899A-BAEE6EA5E9F5}"/>
+                <a16:creationId xmlns:a16="http://schemas.microsoft.com/office/drawing/2014/main" xmlns="" id="{27C267A1-2AF1-4BAB-899A-BAEE6EA5E9F5}"/>
               </a:ext>
             </a:extLst>
           </p:cNvPr>
@@ -7028,7 +8257,7 @@
               <a:pPr>
                 <a:defRPr/>
               </a:pPr>
-              <a:t>07/01/2019</a:t>
+              <a:t>07/01/19</a:t>
             </a:fld>
             <a:endParaRPr lang="it-IT" altLang="it-IT"/>
           </a:p>
@@ -7039,7 +8268,7 @@
           <p:cNvPr id="5" name="Rectangle 5">
             <a:extLst>
               <a:ext uri="{FF2B5EF4-FFF2-40B4-BE49-F238E27FC236}">
-                <a16:creationId xmlns:a16="http://schemas.microsoft.com/office/drawing/2014/main" id="{93460F73-1466-40C4-8356-BFCECFE77ED3}"/>
+                <a16:creationId xmlns:a16="http://schemas.microsoft.com/office/drawing/2014/main" xmlns="" id="{93460F73-1466-40C4-8356-BFCECFE77ED3}"/>
               </a:ext>
             </a:extLst>
           </p:cNvPr>
@@ -7077,7 +8306,7 @@
           <p:cNvPr id="6" name="Rectangle 6">
             <a:extLst>
               <a:ext uri="{FF2B5EF4-FFF2-40B4-BE49-F238E27FC236}">
-                <a16:creationId xmlns:a16="http://schemas.microsoft.com/office/drawing/2014/main" id="{27D44E63-9809-41ED-A8C1-E987F5F91BE6}"/>
+                <a16:creationId xmlns:a16="http://schemas.microsoft.com/office/drawing/2014/main" xmlns="" id="{27D44E63-9809-41ED-A8C1-E987F5F91BE6}"/>
               </a:ext>
             </a:extLst>
           </p:cNvPr>
@@ -7204,7 +8433,7 @@
           <p:cNvPr id="4" name="Rectangle 4">
             <a:extLst>
               <a:ext uri="{FF2B5EF4-FFF2-40B4-BE49-F238E27FC236}">
-                <a16:creationId xmlns:a16="http://schemas.microsoft.com/office/drawing/2014/main" id="{27C267A1-2AF1-4BAB-899A-BAEE6EA5E9F5}"/>
+                <a16:creationId xmlns:a16="http://schemas.microsoft.com/office/drawing/2014/main" xmlns="" id="{27C267A1-2AF1-4BAB-899A-BAEE6EA5E9F5}"/>
               </a:ext>
             </a:extLst>
           </p:cNvPr>
@@ -7234,7 +8463,7 @@
               <a:pPr>
                 <a:defRPr/>
               </a:pPr>
-              <a:t>07/01/2019</a:t>
+              <a:t>07/01/19</a:t>
             </a:fld>
             <a:endParaRPr lang="it-IT" altLang="it-IT"/>
           </a:p>
@@ -7245,7 +8474,7 @@
           <p:cNvPr id="5" name="Rectangle 5">
             <a:extLst>
               <a:ext uri="{FF2B5EF4-FFF2-40B4-BE49-F238E27FC236}">
-                <a16:creationId xmlns:a16="http://schemas.microsoft.com/office/drawing/2014/main" id="{93460F73-1466-40C4-8356-BFCECFE77ED3}"/>
+                <a16:creationId xmlns:a16="http://schemas.microsoft.com/office/drawing/2014/main" xmlns="" id="{93460F73-1466-40C4-8356-BFCECFE77ED3}"/>
               </a:ext>
             </a:extLst>
           </p:cNvPr>
@@ -7283,7 +8512,7 @@
           <p:cNvPr id="6" name="Rectangle 6">
             <a:extLst>
               <a:ext uri="{FF2B5EF4-FFF2-40B4-BE49-F238E27FC236}">
-                <a16:creationId xmlns:a16="http://schemas.microsoft.com/office/drawing/2014/main" id="{27D44E63-9809-41ED-A8C1-E987F5F91BE6}"/>
+                <a16:creationId xmlns:a16="http://schemas.microsoft.com/office/drawing/2014/main" xmlns="" id="{27D44E63-9809-41ED-A8C1-E987F5F91BE6}"/>
               </a:ext>
             </a:extLst>
           </p:cNvPr>
@@ -7431,7 +8660,7 @@
           <p:cNvPr id="4" name="Rectangle 4">
             <a:extLst>
               <a:ext uri="{FF2B5EF4-FFF2-40B4-BE49-F238E27FC236}">
-                <a16:creationId xmlns:a16="http://schemas.microsoft.com/office/drawing/2014/main" id="{27C267A1-2AF1-4BAB-899A-BAEE6EA5E9F5}"/>
+                <a16:creationId xmlns:a16="http://schemas.microsoft.com/office/drawing/2014/main" xmlns="" id="{27C267A1-2AF1-4BAB-899A-BAEE6EA5E9F5}"/>
               </a:ext>
             </a:extLst>
           </p:cNvPr>
@@ -7461,7 +8690,7 @@
               <a:pPr>
                 <a:defRPr/>
               </a:pPr>
-              <a:t>07/01/2019</a:t>
+              <a:t>07/01/19</a:t>
             </a:fld>
             <a:endParaRPr lang="it-IT" altLang="it-IT"/>
           </a:p>
@@ -7472,7 +8701,7 @@
           <p:cNvPr id="5" name="Rectangle 5">
             <a:extLst>
               <a:ext uri="{FF2B5EF4-FFF2-40B4-BE49-F238E27FC236}">
-                <a16:creationId xmlns:a16="http://schemas.microsoft.com/office/drawing/2014/main" id="{93460F73-1466-40C4-8356-BFCECFE77ED3}"/>
+                <a16:creationId xmlns:a16="http://schemas.microsoft.com/office/drawing/2014/main" xmlns="" id="{93460F73-1466-40C4-8356-BFCECFE77ED3}"/>
               </a:ext>
             </a:extLst>
           </p:cNvPr>
@@ -7510,7 +8739,7 @@
           <p:cNvPr id="6" name="Rectangle 6">
             <a:extLst>
               <a:ext uri="{FF2B5EF4-FFF2-40B4-BE49-F238E27FC236}">
-                <a16:creationId xmlns:a16="http://schemas.microsoft.com/office/drawing/2014/main" id="{27D44E63-9809-41ED-A8C1-E987F5F91BE6}"/>
+                <a16:creationId xmlns:a16="http://schemas.microsoft.com/office/drawing/2014/main" xmlns="" id="{27D44E63-9809-41ED-A8C1-E987F5F91BE6}"/>
               </a:ext>
             </a:extLst>
           </p:cNvPr>
@@ -7681,7 +8910,7 @@
           <p:cNvPr id="4" name="Rectangle 4">
             <a:extLst>
               <a:ext uri="{FF2B5EF4-FFF2-40B4-BE49-F238E27FC236}">
-                <a16:creationId xmlns:a16="http://schemas.microsoft.com/office/drawing/2014/main" id="{27C267A1-2AF1-4BAB-899A-BAEE6EA5E9F5}"/>
+                <a16:creationId xmlns:a16="http://schemas.microsoft.com/office/drawing/2014/main" xmlns="" id="{27C267A1-2AF1-4BAB-899A-BAEE6EA5E9F5}"/>
               </a:ext>
             </a:extLst>
           </p:cNvPr>
@@ -7711,7 +8940,7 @@
               <a:pPr>
                 <a:defRPr/>
               </a:pPr>
-              <a:t>07/01/2019</a:t>
+              <a:t>07/01/19</a:t>
             </a:fld>
             <a:endParaRPr lang="it-IT" altLang="it-IT"/>
           </a:p>
@@ -7722,7 +8951,7 @@
           <p:cNvPr id="5" name="Rectangle 5">
             <a:extLst>
               <a:ext uri="{FF2B5EF4-FFF2-40B4-BE49-F238E27FC236}">
-                <a16:creationId xmlns:a16="http://schemas.microsoft.com/office/drawing/2014/main" id="{93460F73-1466-40C4-8356-BFCECFE77ED3}"/>
+                <a16:creationId xmlns:a16="http://schemas.microsoft.com/office/drawing/2014/main" xmlns="" id="{93460F73-1466-40C4-8356-BFCECFE77ED3}"/>
               </a:ext>
             </a:extLst>
           </p:cNvPr>
@@ -7760,7 +8989,7 @@
           <p:cNvPr id="6" name="Rectangle 6">
             <a:extLst>
               <a:ext uri="{FF2B5EF4-FFF2-40B4-BE49-F238E27FC236}">
-                <a16:creationId xmlns:a16="http://schemas.microsoft.com/office/drawing/2014/main" id="{27D44E63-9809-41ED-A8C1-E987F5F91BE6}"/>
+                <a16:creationId xmlns:a16="http://schemas.microsoft.com/office/drawing/2014/main" xmlns="" id="{27D44E63-9809-41ED-A8C1-E987F5F91BE6}"/>
               </a:ext>
             </a:extLst>
           </p:cNvPr>
@@ -7969,7 +9198,7 @@
           <p:cNvPr id="5" name="Rectangle 4">
             <a:extLst>
               <a:ext uri="{FF2B5EF4-FFF2-40B4-BE49-F238E27FC236}">
-                <a16:creationId xmlns:a16="http://schemas.microsoft.com/office/drawing/2014/main" id="{27C267A1-2AF1-4BAB-899A-BAEE6EA5E9F5}"/>
+                <a16:creationId xmlns:a16="http://schemas.microsoft.com/office/drawing/2014/main" xmlns="" id="{27C267A1-2AF1-4BAB-899A-BAEE6EA5E9F5}"/>
               </a:ext>
             </a:extLst>
           </p:cNvPr>
@@ -7999,7 +9228,7 @@
               <a:pPr>
                 <a:defRPr/>
               </a:pPr>
-              <a:t>07/01/2019</a:t>
+              <a:t>07/01/19</a:t>
             </a:fld>
             <a:endParaRPr lang="it-IT" altLang="it-IT"/>
           </a:p>
@@ -8010,7 +9239,7 @@
           <p:cNvPr id="6" name="Rectangle 5">
             <a:extLst>
               <a:ext uri="{FF2B5EF4-FFF2-40B4-BE49-F238E27FC236}">
-                <a16:creationId xmlns:a16="http://schemas.microsoft.com/office/drawing/2014/main" id="{93460F73-1466-40C4-8356-BFCECFE77ED3}"/>
+                <a16:creationId xmlns:a16="http://schemas.microsoft.com/office/drawing/2014/main" xmlns="" id="{93460F73-1466-40C4-8356-BFCECFE77ED3}"/>
               </a:ext>
             </a:extLst>
           </p:cNvPr>
@@ -8048,7 +9277,7 @@
           <p:cNvPr id="7" name="Rectangle 6">
             <a:extLst>
               <a:ext uri="{FF2B5EF4-FFF2-40B4-BE49-F238E27FC236}">
-                <a16:creationId xmlns:a16="http://schemas.microsoft.com/office/drawing/2014/main" id="{27D44E63-9809-41ED-A8C1-E987F5F91BE6}"/>
+                <a16:creationId xmlns:a16="http://schemas.microsoft.com/office/drawing/2014/main" xmlns="" id="{27D44E63-9809-41ED-A8C1-E987F5F91BE6}"/>
               </a:ext>
             </a:extLst>
           </p:cNvPr>
@@ -8392,7 +9621,7 @@
           <p:cNvPr id="7" name="Rectangle 4">
             <a:extLst>
               <a:ext uri="{FF2B5EF4-FFF2-40B4-BE49-F238E27FC236}">
-                <a16:creationId xmlns:a16="http://schemas.microsoft.com/office/drawing/2014/main" id="{27C267A1-2AF1-4BAB-899A-BAEE6EA5E9F5}"/>
+                <a16:creationId xmlns:a16="http://schemas.microsoft.com/office/drawing/2014/main" xmlns="" id="{27C267A1-2AF1-4BAB-899A-BAEE6EA5E9F5}"/>
               </a:ext>
             </a:extLst>
           </p:cNvPr>
@@ -8422,7 +9651,7 @@
               <a:pPr>
                 <a:defRPr/>
               </a:pPr>
-              <a:t>07/01/2019</a:t>
+              <a:t>07/01/19</a:t>
             </a:fld>
             <a:endParaRPr lang="it-IT" altLang="it-IT"/>
           </a:p>
@@ -8433,7 +9662,7 @@
           <p:cNvPr id="8" name="Rectangle 5">
             <a:extLst>
               <a:ext uri="{FF2B5EF4-FFF2-40B4-BE49-F238E27FC236}">
-                <a16:creationId xmlns:a16="http://schemas.microsoft.com/office/drawing/2014/main" id="{93460F73-1466-40C4-8356-BFCECFE77ED3}"/>
+                <a16:creationId xmlns:a16="http://schemas.microsoft.com/office/drawing/2014/main" xmlns="" id="{93460F73-1466-40C4-8356-BFCECFE77ED3}"/>
               </a:ext>
             </a:extLst>
           </p:cNvPr>
@@ -8471,7 +9700,7 @@
           <p:cNvPr id="9" name="Rectangle 6">
             <a:extLst>
               <a:ext uri="{FF2B5EF4-FFF2-40B4-BE49-F238E27FC236}">
-                <a16:creationId xmlns:a16="http://schemas.microsoft.com/office/drawing/2014/main" id="{27D44E63-9809-41ED-A8C1-E987F5F91BE6}"/>
+                <a16:creationId xmlns:a16="http://schemas.microsoft.com/office/drawing/2014/main" xmlns="" id="{27D44E63-9809-41ED-A8C1-E987F5F91BE6}"/>
               </a:ext>
             </a:extLst>
           </p:cNvPr>
@@ -8568,7 +9797,7 @@
           <p:cNvPr id="3" name="Rectangle 4">
             <a:extLst>
               <a:ext uri="{FF2B5EF4-FFF2-40B4-BE49-F238E27FC236}">
-                <a16:creationId xmlns:a16="http://schemas.microsoft.com/office/drawing/2014/main" id="{27C267A1-2AF1-4BAB-899A-BAEE6EA5E9F5}"/>
+                <a16:creationId xmlns:a16="http://schemas.microsoft.com/office/drawing/2014/main" xmlns="" id="{27C267A1-2AF1-4BAB-899A-BAEE6EA5E9F5}"/>
               </a:ext>
             </a:extLst>
           </p:cNvPr>
@@ -8598,7 +9827,7 @@
               <a:pPr>
                 <a:defRPr/>
               </a:pPr>
-              <a:t>07/01/2019</a:t>
+              <a:t>07/01/19</a:t>
             </a:fld>
             <a:endParaRPr lang="it-IT" altLang="it-IT"/>
           </a:p>
@@ -8609,7 +9838,7 @@
           <p:cNvPr id="4" name="Rectangle 5">
             <a:extLst>
               <a:ext uri="{FF2B5EF4-FFF2-40B4-BE49-F238E27FC236}">
-                <a16:creationId xmlns:a16="http://schemas.microsoft.com/office/drawing/2014/main" id="{93460F73-1466-40C4-8356-BFCECFE77ED3}"/>
+                <a16:creationId xmlns:a16="http://schemas.microsoft.com/office/drawing/2014/main" xmlns="" id="{93460F73-1466-40C4-8356-BFCECFE77ED3}"/>
               </a:ext>
             </a:extLst>
           </p:cNvPr>
@@ -8647,7 +9876,7 @@
           <p:cNvPr id="5" name="Rectangle 6">
             <a:extLst>
               <a:ext uri="{FF2B5EF4-FFF2-40B4-BE49-F238E27FC236}">
-                <a16:creationId xmlns:a16="http://schemas.microsoft.com/office/drawing/2014/main" id="{27D44E63-9809-41ED-A8C1-E987F5F91BE6}"/>
+                <a16:creationId xmlns:a16="http://schemas.microsoft.com/office/drawing/2014/main" xmlns="" id="{27D44E63-9809-41ED-A8C1-E987F5F91BE6}"/>
               </a:ext>
             </a:extLst>
           </p:cNvPr>
@@ -8722,7 +9951,7 @@
           <p:cNvPr id="2" name="Rectangle 4">
             <a:extLst>
               <a:ext uri="{FF2B5EF4-FFF2-40B4-BE49-F238E27FC236}">
-                <a16:creationId xmlns:a16="http://schemas.microsoft.com/office/drawing/2014/main" id="{27C267A1-2AF1-4BAB-899A-BAEE6EA5E9F5}"/>
+                <a16:creationId xmlns:a16="http://schemas.microsoft.com/office/drawing/2014/main" xmlns="" id="{27C267A1-2AF1-4BAB-899A-BAEE6EA5E9F5}"/>
               </a:ext>
             </a:extLst>
           </p:cNvPr>
@@ -8752,7 +9981,7 @@
               <a:pPr>
                 <a:defRPr/>
               </a:pPr>
-              <a:t>07/01/2019</a:t>
+              <a:t>07/01/19</a:t>
             </a:fld>
             <a:endParaRPr lang="it-IT" altLang="it-IT"/>
           </a:p>
@@ -8763,7 +9992,7 @@
           <p:cNvPr id="3" name="Rectangle 5">
             <a:extLst>
               <a:ext uri="{FF2B5EF4-FFF2-40B4-BE49-F238E27FC236}">
-                <a16:creationId xmlns:a16="http://schemas.microsoft.com/office/drawing/2014/main" id="{93460F73-1466-40C4-8356-BFCECFE77ED3}"/>
+                <a16:creationId xmlns:a16="http://schemas.microsoft.com/office/drawing/2014/main" xmlns="" id="{93460F73-1466-40C4-8356-BFCECFE77ED3}"/>
               </a:ext>
             </a:extLst>
           </p:cNvPr>
@@ -8801,7 +10030,7 @@
           <p:cNvPr id="4" name="Rectangle 6">
             <a:extLst>
               <a:ext uri="{FF2B5EF4-FFF2-40B4-BE49-F238E27FC236}">
-                <a16:creationId xmlns:a16="http://schemas.microsoft.com/office/drawing/2014/main" id="{27D44E63-9809-41ED-A8C1-E987F5F91BE6}"/>
+                <a16:creationId xmlns:a16="http://schemas.microsoft.com/office/drawing/2014/main" xmlns="" id="{27D44E63-9809-41ED-A8C1-E987F5F91BE6}"/>
               </a:ext>
             </a:extLst>
           </p:cNvPr>
@@ -9056,7 +10285,7 @@
           <p:cNvPr id="5" name="Rectangle 4">
             <a:extLst>
               <a:ext uri="{FF2B5EF4-FFF2-40B4-BE49-F238E27FC236}">
-                <a16:creationId xmlns:a16="http://schemas.microsoft.com/office/drawing/2014/main" id="{27C267A1-2AF1-4BAB-899A-BAEE6EA5E9F5}"/>
+                <a16:creationId xmlns:a16="http://schemas.microsoft.com/office/drawing/2014/main" xmlns="" id="{27C267A1-2AF1-4BAB-899A-BAEE6EA5E9F5}"/>
               </a:ext>
             </a:extLst>
           </p:cNvPr>
@@ -9086,7 +10315,7 @@
               <a:pPr>
                 <a:defRPr/>
               </a:pPr>
-              <a:t>07/01/2019</a:t>
+              <a:t>07/01/19</a:t>
             </a:fld>
             <a:endParaRPr lang="it-IT" altLang="it-IT"/>
           </a:p>
@@ -9097,7 +10326,7 @@
           <p:cNvPr id="6" name="Rectangle 5">
             <a:extLst>
               <a:ext uri="{FF2B5EF4-FFF2-40B4-BE49-F238E27FC236}">
-                <a16:creationId xmlns:a16="http://schemas.microsoft.com/office/drawing/2014/main" id="{93460F73-1466-40C4-8356-BFCECFE77ED3}"/>
+                <a16:creationId xmlns:a16="http://schemas.microsoft.com/office/drawing/2014/main" xmlns="" id="{93460F73-1466-40C4-8356-BFCECFE77ED3}"/>
               </a:ext>
             </a:extLst>
           </p:cNvPr>
@@ -9135,7 +10364,7 @@
           <p:cNvPr id="7" name="Rectangle 6">
             <a:extLst>
               <a:ext uri="{FF2B5EF4-FFF2-40B4-BE49-F238E27FC236}">
-                <a16:creationId xmlns:a16="http://schemas.microsoft.com/office/drawing/2014/main" id="{27D44E63-9809-41ED-A8C1-E987F5F91BE6}"/>
+                <a16:creationId xmlns:a16="http://schemas.microsoft.com/office/drawing/2014/main" xmlns="" id="{27D44E63-9809-41ED-A8C1-E987F5F91BE6}"/>
               </a:ext>
             </a:extLst>
           </p:cNvPr>
@@ -9368,7 +10597,7 @@
           <p:cNvPr id="5" name="Rectangle 4">
             <a:extLst>
               <a:ext uri="{FF2B5EF4-FFF2-40B4-BE49-F238E27FC236}">
-                <a16:creationId xmlns:a16="http://schemas.microsoft.com/office/drawing/2014/main" id="{27C267A1-2AF1-4BAB-899A-BAEE6EA5E9F5}"/>
+                <a16:creationId xmlns:a16="http://schemas.microsoft.com/office/drawing/2014/main" xmlns="" id="{27C267A1-2AF1-4BAB-899A-BAEE6EA5E9F5}"/>
               </a:ext>
             </a:extLst>
           </p:cNvPr>
@@ -9398,7 +10627,7 @@
               <a:pPr>
                 <a:defRPr/>
               </a:pPr>
-              <a:t>07/01/2019</a:t>
+              <a:t>07/01/19</a:t>
             </a:fld>
             <a:endParaRPr lang="it-IT" altLang="it-IT"/>
           </a:p>
@@ -9409,7 +10638,7 @@
           <p:cNvPr id="6" name="Rectangle 5">
             <a:extLst>
               <a:ext uri="{FF2B5EF4-FFF2-40B4-BE49-F238E27FC236}">
-                <a16:creationId xmlns:a16="http://schemas.microsoft.com/office/drawing/2014/main" id="{93460F73-1466-40C4-8356-BFCECFE77ED3}"/>
+                <a16:creationId xmlns:a16="http://schemas.microsoft.com/office/drawing/2014/main" xmlns="" id="{93460F73-1466-40C4-8356-BFCECFE77ED3}"/>
               </a:ext>
             </a:extLst>
           </p:cNvPr>
@@ -9447,7 +10676,7 @@
           <p:cNvPr id="7" name="Rectangle 6">
             <a:extLst>
               <a:ext uri="{FF2B5EF4-FFF2-40B4-BE49-F238E27FC236}">
-                <a16:creationId xmlns:a16="http://schemas.microsoft.com/office/drawing/2014/main" id="{27D44E63-9809-41ED-A8C1-E987F5F91BE6}"/>
+                <a16:creationId xmlns:a16="http://schemas.microsoft.com/office/drawing/2014/main" xmlns="" id="{27D44E63-9809-41ED-A8C1-E987F5F91BE6}"/>
               </a:ext>
             </a:extLst>
           </p:cNvPr>
@@ -9546,7 +10775,7 @@
             <p:cNvPr id="1032" name="Rectangle 13">
               <a:extLst>
                 <a:ext uri="{FF2B5EF4-FFF2-40B4-BE49-F238E27FC236}">
-                  <a16:creationId xmlns:a16="http://schemas.microsoft.com/office/drawing/2014/main" id="{33D257D8-5DC4-496A-B549-2D094B51090E}"/>
+                  <a16:creationId xmlns:a16="http://schemas.microsoft.com/office/drawing/2014/main" xmlns="" id="{33D257D8-5DC4-496A-B549-2D094B51090E}"/>
                 </a:ext>
               </a:extLst>
             </p:cNvPr>
@@ -9704,7 +10933,7 @@
             <p:cNvPr id="1033" name="Rectangle 14">
               <a:extLst>
                 <a:ext uri="{FF2B5EF4-FFF2-40B4-BE49-F238E27FC236}">
-                  <a16:creationId xmlns:a16="http://schemas.microsoft.com/office/drawing/2014/main" id="{F29AF15B-B57D-42E2-9922-6F933E212855}"/>
+                  <a16:creationId xmlns:a16="http://schemas.microsoft.com/office/drawing/2014/main" xmlns="" id="{F29AF15B-B57D-42E2-9922-6F933E212855}"/>
                 </a:ext>
               </a:extLst>
             </p:cNvPr>
@@ -10007,7 +11236,7 @@
           <p:cNvPr id="2" name="Rectangle 4">
             <a:extLst>
               <a:ext uri="{FF2B5EF4-FFF2-40B4-BE49-F238E27FC236}">
-                <a16:creationId xmlns:a16="http://schemas.microsoft.com/office/drawing/2014/main" id="{27C267A1-2AF1-4BAB-899A-BAEE6EA5E9F5}"/>
+                <a16:creationId xmlns:a16="http://schemas.microsoft.com/office/drawing/2014/main" xmlns="" id="{27C267A1-2AF1-4BAB-899A-BAEE6EA5E9F5}"/>
               </a:ext>
             </a:extLst>
           </p:cNvPr>
@@ -10070,7 +11299,7 @@
               <a:pPr>
                 <a:defRPr/>
               </a:pPr>
-              <a:t>07/01/2019</a:t>
+              <a:t>07/01/19</a:t>
             </a:fld>
             <a:endParaRPr lang="it-IT" altLang="it-IT"/>
           </a:p>
@@ -10081,7 +11310,7 @@
           <p:cNvPr id="1029" name="Rectangle 5">
             <a:extLst>
               <a:ext uri="{FF2B5EF4-FFF2-40B4-BE49-F238E27FC236}">
-                <a16:creationId xmlns:a16="http://schemas.microsoft.com/office/drawing/2014/main" id="{93460F73-1466-40C4-8356-BFCECFE77ED3}"/>
+                <a16:creationId xmlns:a16="http://schemas.microsoft.com/office/drawing/2014/main" xmlns="" id="{93460F73-1466-40C4-8356-BFCECFE77ED3}"/>
               </a:ext>
             </a:extLst>
           </p:cNvPr>
@@ -10152,7 +11381,7 @@
           <p:cNvPr id="1030" name="Rectangle 6">
             <a:extLst>
               <a:ext uri="{FF2B5EF4-FFF2-40B4-BE49-F238E27FC236}">
-                <a16:creationId xmlns:a16="http://schemas.microsoft.com/office/drawing/2014/main" id="{27D44E63-9809-41ED-A8C1-E987F5F91BE6}"/>
+                <a16:creationId xmlns:a16="http://schemas.microsoft.com/office/drawing/2014/main" xmlns="" id="{27D44E63-9809-41ED-A8C1-E987F5F91BE6}"/>
               </a:ext>
             </a:extLst>
           </p:cNvPr>
@@ -11218,33 +12447,55 @@
           <a:p>
             <a:r>
               <a:rPr lang="en-US" dirty="0" smtClean="0"/>
-              <a:t>Convolutional </a:t>
-            </a:r>
-            <a:r>
-              <a:rPr lang="en-US" dirty="0"/>
-              <a:t>Experts Constrained Local Model (CE-CLM) </a:t>
+              <a:t>Convolutional Experts Constrained Local Model (CE-CLM) </a:t>
             </a:r>
           </a:p>
           <a:p>
             <a:pPr lvl="1"/>
             <a:r>
-              <a:rPr lang="en-US" dirty="0"/>
-              <a:t>Convolutional Experts Network as local detector</a:t>
-            </a:r>
+              <a:rPr lang="en-US" dirty="0" smtClean="0"/>
+              <a:t>Constrained </a:t>
+            </a:r>
+            <a:r>
+              <a:rPr lang="en-US" dirty="0" smtClean="0"/>
+              <a:t>Local </a:t>
+            </a:r>
+            <a:r>
+              <a:rPr lang="en-US" dirty="0" smtClean="0"/>
+              <a:t>Model</a:t>
+            </a:r>
+            <a:endParaRPr lang="en-US" dirty="0" smtClean="0"/>
           </a:p>
           <a:p>
             <a:pPr lvl="2"/>
             <a:r>
-              <a:rPr lang="en-US" dirty="0"/>
-              <a:t>Computes a response map to accurately localize individual landmarks by evaluating the landmark alignment probability at individual pixel locations. </a:t>
+              <a:rPr lang="en-US" dirty="0" smtClean="0"/>
+              <a:t>The positions </a:t>
+            </a:r>
+            <a:r>
+              <a:rPr lang="en-US" dirty="0" smtClean="0"/>
+              <a:t>of all landmarks are updated </a:t>
+            </a:r>
+            <a:r>
+              <a:rPr lang="en-US" dirty="0" smtClean="0"/>
+              <a:t>jointly.</a:t>
             </a:r>
           </a:p>
           <a:p>
             <a:pPr lvl="2"/>
             <a:r>
-              <a:rPr lang="en-US" dirty="0"/>
-              <a:t>Individual landmark alignment is estimated independently of the position of other landmarks. </a:t>
-            </a:r>
+              <a:rPr lang="en-US" dirty="0" smtClean="0"/>
+              <a:t>Control </a:t>
+            </a:r>
+            <a:r>
+              <a:rPr lang="en-US" dirty="0" smtClean="0"/>
+              <a:t>the landmark locations and to regularize the </a:t>
+            </a:r>
+            <a:r>
+              <a:rPr lang="en-US" dirty="0" smtClean="0"/>
+              <a:t>shape.</a:t>
+            </a:r>
+            <a:endParaRPr lang="en-US" dirty="0" smtClean="0"/>
           </a:p>
         </p:txBody>
       </p:sp>
@@ -11271,7 +12522,7 @@
               <a:pPr>
                 <a:defRPr/>
               </a:pPr>
-              <a:t>07/01/2019</a:t>
+              <a:t>07/01/19</a:t>
             </a:fld>
             <a:endParaRPr lang="it-IT" altLang="it-IT"/>
           </a:p>
@@ -11336,34 +12587,10 @@
           </a:p>
         </p:txBody>
       </p:sp>
-      <p:pic>
-        <p:nvPicPr>
-          <p:cNvPr id="7" name="Picture 6"/>
-          <p:cNvPicPr>
-            <a:picLocks noChangeAspect="1"/>
-          </p:cNvPicPr>
-          <p:nvPr/>
-        </p:nvPicPr>
-        <p:blipFill>
-          <a:blip r:embed="rId3"/>
-          <a:stretch>
-            <a:fillRect/>
-          </a:stretch>
-        </p:blipFill>
-        <p:spPr>
-          <a:xfrm>
-            <a:off x="2235501" y="3789040"/>
-            <a:ext cx="5320698" cy="1800200"/>
-          </a:xfrm>
-          <a:prstGeom prst="rect">
-            <a:avLst/>
-          </a:prstGeom>
-        </p:spPr>
-      </p:pic>
     </p:spTree>
     <p:extLst>
       <p:ext uri="{BB962C8B-B14F-4D97-AF65-F5344CB8AC3E}">
-        <p14:creationId xmlns:p14="http://schemas.microsoft.com/office/powerpoint/2010/main" val="3781537407"/>
+        <p14:creationId xmlns:p14="http://schemas.microsoft.com/office/powerpoint/2010/main" val="1875224965"/>
       </p:ext>
     </p:extLst>
   </p:cSld>
@@ -11414,7 +12641,7 @@
           <a:p>
             <a:r>
               <a:rPr lang="en-US" dirty="0" smtClean="0"/>
-              <a:t>Facial Landmark Detection</a:t>
+              <a:t>Feature Extraction</a:t>
             </a:r>
             <a:endParaRPr lang="en-US" dirty="0"/>
           </a:p>
@@ -11441,51 +12668,48 @@
           <a:lstStyle/>
           <a:p>
             <a:r>
-              <a:rPr lang="en-US" dirty="0" smtClean="0"/>
-              <a:t>Convolutional Experts Constrained Local Model (CE-CLM) </a:t>
+              <a:rPr lang="en-US" dirty="0"/>
+              <a:t>Alignment and Masking</a:t>
             </a:r>
           </a:p>
           <a:p>
             <a:pPr lvl="1"/>
             <a:r>
-              <a:rPr lang="en-US" dirty="0" smtClean="0"/>
-              <a:t>Convolutional Experts Network as local detector</a:t>
-            </a:r>
-          </a:p>
-          <a:p>
-            <a:pPr lvl="2"/>
-            <a:r>
-              <a:rPr lang="en-US" dirty="0" smtClean="0"/>
-              <a:t>Computes a response map to accurately localize individual landmarks by evaluating the landmark alignment probability at individual pixel locations. </a:t>
-            </a:r>
-          </a:p>
-          <a:p>
-            <a:pPr lvl="2"/>
-            <a:r>
-              <a:rPr lang="en-US" dirty="0" smtClean="0"/>
-              <a:t>Individual landmark alignment is estimated independently of the position of other landmarks. </a:t>
-            </a:r>
+              <a:rPr lang="en-US" dirty="0"/>
+              <a:t>Need for a mapping to a common reference </a:t>
+            </a:r>
+            <a:r>
+              <a:rPr lang="en-US" dirty="0" smtClean="0"/>
+              <a:t>frame to better analyze the image.</a:t>
+            </a:r>
+            <a:endParaRPr lang="en-US" dirty="0"/>
           </a:p>
           <a:p>
             <a:pPr lvl="1"/>
             <a:r>
               <a:rPr lang="en-US" dirty="0" smtClean="0"/>
-              <a:t>Constrained Local Model for shape parameter update</a:t>
-            </a:r>
-          </a:p>
-          <a:p>
-            <a:pPr lvl="2"/>
-            <a:r>
-              <a:rPr lang="en-US" dirty="0" smtClean="0"/>
-              <a:t>During the parameter update, the positions of all landmarks are updated jointly and penalized for misaligned landmarks and irregular shapes using a point distribution model </a:t>
-            </a:r>
-          </a:p>
-          <a:p>
-            <a:pPr lvl="2"/>
-            <a:r>
-              <a:rPr lang="en-US" dirty="0" smtClean="0"/>
-              <a:t>Control the landmark locations and to regularize the shape</a:t>
-            </a:r>
+              <a:t>Masking </a:t>
+            </a:r>
+            <a:r>
+              <a:rPr lang="en-US" dirty="0"/>
+              <a:t>is performed using a convex hull surrounding the feature </a:t>
+            </a:r>
+            <a:r>
+              <a:rPr lang="en-US" dirty="0" smtClean="0"/>
+              <a:t>points.</a:t>
+            </a:r>
+            <a:endParaRPr lang="en-US" dirty="0" smtClean="0"/>
+          </a:p>
+          <a:p>
+            <a:r>
+              <a:rPr lang="en-US" dirty="0"/>
+              <a:t>Results in a 112x112 pixel image of the </a:t>
+            </a:r>
+            <a:r>
+              <a:rPr lang="en-US" dirty="0" smtClean="0"/>
+              <a:t>face.</a:t>
+            </a:r>
+            <a:endParaRPr lang="en-US" dirty="0"/>
           </a:p>
         </p:txBody>
       </p:sp>
@@ -11512,9 +12736,9 @@
               <a:pPr>
                 <a:defRPr/>
               </a:pPr>
-              <a:t>07/01/2019</a:t>
+              <a:t>07/01/19</a:t>
             </a:fld>
-            <a:endParaRPr lang="it-IT" altLang="it-IT"/>
+            <a:endParaRPr lang="it-IT" altLang="it-IT" dirty="0"/>
           </a:p>
         </p:txBody>
       </p:sp>
@@ -11563,7 +12787,7 @@
               <a:defRPr/>
             </a:pPr>
             <a:r>
-              <a:rPr lang="it-IT" altLang="it-IT" smtClean="0"/>
+              <a:rPr lang="it-IT" altLang="it-IT" dirty="0" smtClean="0"/>
               <a:t>Pagina </a:t>
             </a:r>
             <a:fld id="{A5888ACF-FC31-4A35-9932-E1138572A9AA}" type="slidenum">
@@ -11573,14 +12797,38 @@
               </a:pPr>
               <a:t>11</a:t>
             </a:fld>
-            <a:endParaRPr lang="it-IT" altLang="it-IT"/>
-          </a:p>
-        </p:txBody>
-      </p:sp>
+            <a:endParaRPr lang="it-IT" altLang="it-IT" dirty="0"/>
+          </a:p>
+        </p:txBody>
+      </p:sp>
+      <p:pic>
+        <p:nvPicPr>
+          <p:cNvPr id="7" name="Picture 6"/>
+          <p:cNvPicPr>
+            <a:picLocks noChangeAspect="1"/>
+          </p:cNvPicPr>
+          <p:nvPr/>
+        </p:nvPicPr>
+        <p:blipFill>
+          <a:blip r:embed="rId3"/>
+          <a:stretch>
+            <a:fillRect/>
+          </a:stretch>
+        </p:blipFill>
+        <p:spPr>
+          <a:xfrm>
+            <a:off x="2339752" y="3565533"/>
+            <a:ext cx="4824536" cy="2027115"/>
+          </a:xfrm>
+          <a:prstGeom prst="rect">
+            <a:avLst/>
+          </a:prstGeom>
+        </p:spPr>
+      </p:pic>
     </p:spTree>
     <p:extLst>
       <p:ext uri="{BB962C8B-B14F-4D97-AF65-F5344CB8AC3E}">
-        <p14:creationId xmlns:p14="http://schemas.microsoft.com/office/powerpoint/2010/main" val="1875224965"/>
+        <p14:creationId xmlns:p14="http://schemas.microsoft.com/office/powerpoint/2010/main" val="1263324981"/>
       </p:ext>
     </p:extLst>
   </p:cSld>
@@ -11658,71 +12906,74 @@
           <a:lstStyle/>
           <a:p>
             <a:r>
-              <a:rPr lang="en-US" dirty="0"/>
-              <a:t>Alignment and Masking</a:t>
+              <a:rPr lang="en-US" dirty="0" smtClean="0"/>
+              <a:t>Appearance Features:</a:t>
             </a:r>
           </a:p>
           <a:p>
             <a:pPr lvl="1"/>
             <a:r>
-              <a:rPr lang="en-US" dirty="0"/>
-              <a:t>Need for a mapping to a common reference </a:t>
-            </a:r>
-            <a:r>
-              <a:rPr lang="en-US" dirty="0" smtClean="0"/>
-              <a:t>frame to better analyze the image.</a:t>
-            </a:r>
-            <a:endParaRPr lang="en-US" dirty="0"/>
+              <a:rPr lang="en-US" dirty="0" smtClean="0"/>
+              <a:t>Histogram </a:t>
+            </a:r>
+            <a:r>
+              <a:rPr lang="en-US" dirty="0" smtClean="0"/>
+              <a:t>of Oriented </a:t>
+            </a:r>
+            <a:r>
+              <a:rPr lang="en-US" dirty="0" smtClean="0"/>
+              <a:t>Gradients.</a:t>
+            </a:r>
           </a:p>
           <a:p>
             <a:pPr lvl="1"/>
             <a:r>
-              <a:rPr lang="en-US" dirty="0"/>
-              <a:t>﻿Similarity transform from the currently detected landmarks to a representation of frontal landmarks from a neutral </a:t>
-            </a:r>
-            <a:r>
-              <a:rPr lang="en-US" dirty="0" smtClean="0"/>
-              <a:t>expression (</a:t>
-            </a:r>
-            <a:r>
-              <a:rPr lang="en-US" dirty="0"/>
-              <a:t>a projection of mean shape from a 3D</a:t>
-            </a:r>
-            <a:br>
-              <a:rPr lang="en-US" dirty="0"/>
-            </a:br>
-            <a:r>
-              <a:rPr lang="en-US" dirty="0" smtClean="0"/>
-              <a:t>PDM)</a:t>
-            </a:r>
-            <a:endParaRPr lang="en-US" dirty="0"/>
+              <a:rPr lang="en-US" dirty="0" smtClean="0"/>
+              <a:t>PCA </a:t>
+            </a:r>
+            <a:r>
+              <a:rPr lang="en-US" dirty="0" smtClean="0"/>
+              <a:t>to get a vector of 1379 features.</a:t>
+            </a:r>
+          </a:p>
+          <a:p>
+            <a:r>
+              <a:rPr lang="en-US" dirty="0" smtClean="0"/>
+              <a:t>Geometry Features:</a:t>
+            </a:r>
           </a:p>
           <a:p>
             <a:pPr lvl="1"/>
             <a:r>
-              <a:rPr lang="en-US" dirty="0"/>
-              <a:t>Procrustes superimposition that minimized the mean square error between aligned pixels </a:t>
-            </a:r>
-          </a:p>
-          <a:p>
-            <a:pPr lvl="1"/>
-            <a:r>
-              <a:rPr lang="en-US" dirty="0"/>
-              <a:t>﻿Masking is performed using a convex hull surrounding the feature </a:t>
-            </a:r>
-            <a:r>
-              <a:rPr lang="en-US" dirty="0" smtClean="0"/>
-              <a:t>points</a:t>
-            </a:r>
-          </a:p>
-          <a:p>
-            <a:r>
-              <a:rPr lang="en-US" dirty="0"/>
-              <a:t>Results in a 112x112 pixel image of the </a:t>
-            </a:r>
-            <a:r>
-              <a:rPr lang="en-US" dirty="0" smtClean="0"/>
-              <a:t>face</a:t>
+              <a:rPr lang="en-US" dirty="0" smtClean="0"/>
+              <a:t>Vector of dimension 227 from landmark locations and </a:t>
+            </a:r>
+            <a:r>
+              <a:rPr lang="en-US" dirty="0" smtClean="0"/>
+              <a:t>parameters </a:t>
+            </a:r>
+            <a:r>
+              <a:rPr lang="en-US" dirty="0" smtClean="0"/>
+              <a:t>from the </a:t>
+            </a:r>
+            <a:r>
+              <a:rPr lang="en-US" dirty="0" smtClean="0"/>
+              <a:t>CLM</a:t>
+            </a:r>
+            <a:endParaRPr lang="en-US" dirty="0" smtClean="0"/>
+          </a:p>
+          <a:p>
+            <a:r>
+              <a:rPr lang="en-US" dirty="0" smtClean="0"/>
+              <a:t>Total of </a:t>
+            </a:r>
+            <a:r>
+              <a:rPr lang="is-IS" dirty="0" smtClean="0"/>
+              <a:t>1606 </a:t>
+            </a:r>
+            <a:r>
+              <a:rPr lang="is-IS" dirty="0" smtClean="0"/>
+              <a:t>features that define the face.</a:t>
             </a:r>
             <a:endParaRPr lang="en-US" dirty="0"/>
           </a:p>
@@ -11751,9 +13002,9 @@
               <a:pPr>
                 <a:defRPr/>
               </a:pPr>
-              <a:t>07/01/2019</a:t>
+              <a:t>07/01/19</a:t>
             </a:fld>
-            <a:endParaRPr lang="it-IT" altLang="it-IT" dirty="0"/>
+            <a:endParaRPr lang="it-IT" altLang="it-IT"/>
           </a:p>
         </p:txBody>
       </p:sp>
@@ -11802,7 +13053,7 @@
               <a:defRPr/>
             </a:pPr>
             <a:r>
-              <a:rPr lang="it-IT" altLang="it-IT" dirty="0" smtClean="0"/>
+              <a:rPr lang="it-IT" altLang="it-IT" smtClean="0"/>
               <a:t>Pagina </a:t>
             </a:r>
             <a:fld id="{A5888ACF-FC31-4A35-9932-E1138572A9AA}" type="slidenum">
@@ -11812,38 +13063,14 @@
               </a:pPr>
               <a:t>12</a:t>
             </a:fld>
-            <a:endParaRPr lang="it-IT" altLang="it-IT" dirty="0"/>
-          </a:p>
-        </p:txBody>
-      </p:sp>
-      <p:pic>
-        <p:nvPicPr>
-          <p:cNvPr id="7" name="Picture 6"/>
-          <p:cNvPicPr>
-            <a:picLocks noChangeAspect="1"/>
-          </p:cNvPicPr>
-          <p:nvPr/>
-        </p:nvPicPr>
-        <p:blipFill>
-          <a:blip r:embed="rId3"/>
-          <a:stretch>
-            <a:fillRect/>
-          </a:stretch>
-        </p:blipFill>
-        <p:spPr>
-          <a:xfrm>
-            <a:off x="5450928" y="328654"/>
-            <a:ext cx="3007876" cy="1263813"/>
-          </a:xfrm>
-          <a:prstGeom prst="rect">
-            <a:avLst/>
-          </a:prstGeom>
-        </p:spPr>
-      </p:pic>
+            <a:endParaRPr lang="it-IT" altLang="it-IT"/>
+          </a:p>
+        </p:txBody>
+      </p:sp>
     </p:spTree>
     <p:extLst>
       <p:ext uri="{BB962C8B-B14F-4D97-AF65-F5344CB8AC3E}">
-        <p14:creationId xmlns:p14="http://schemas.microsoft.com/office/powerpoint/2010/main" val="1263324981"/>
+        <p14:creationId xmlns:p14="http://schemas.microsoft.com/office/powerpoint/2010/main" val="2574537444"/>
       </p:ext>
     </p:extLst>
   </p:cSld>
@@ -11894,7 +13121,7 @@
           <a:p>
             <a:r>
               <a:rPr lang="en-US" dirty="0" smtClean="0"/>
-              <a:t>Feature Extraction</a:t>
+              <a:t>Action Unit Detection</a:t>
             </a:r>
             <a:endParaRPr lang="en-US" dirty="0"/>
           </a:p>
@@ -11922,58 +13149,66 @@
           <a:p>
             <a:r>
               <a:rPr lang="en-US" dirty="0" smtClean="0"/>
-              <a:t>Appearance Features:</a:t>
+              <a:t>Detect occurrence and intensity of Action Units</a:t>
             </a:r>
           </a:p>
           <a:p>
             <a:pPr lvl="1"/>
             <a:r>
               <a:rPr lang="en-US" dirty="0" smtClean="0"/>
-              <a:t>12x12 block of 31 dimensional Histogram of Oriented Gradients are extracted.</a:t>
+              <a:t>For </a:t>
+            </a:r>
+            <a:r>
+              <a:rPr lang="en-US" dirty="0"/>
+              <a:t>AU </a:t>
+            </a:r>
+            <a:r>
+              <a:rPr lang="en-US" i="1" dirty="0"/>
+              <a:t>occurrence</a:t>
+            </a:r>
+            <a:r>
+              <a:rPr lang="en-US" dirty="0"/>
+              <a:t> </a:t>
+            </a:r>
+            <a:r>
+              <a:rPr lang="en-US" dirty="0" smtClean="0"/>
+              <a:t>detection Multiclass </a:t>
+            </a:r>
+            <a:r>
+              <a:rPr lang="en-US" dirty="0"/>
+              <a:t>Support Vector Machines.</a:t>
             </a:r>
           </a:p>
           <a:p>
             <a:pPr lvl="1"/>
             <a:r>
-              <a:rPr lang="en-US" dirty="0" smtClean="0"/>
-              <a:t>4464 dimensional vector for the face.</a:t>
-            </a:r>
-          </a:p>
-          <a:p>
-            <a:pPr lvl="1"/>
-            <a:r>
-              <a:rPr lang="en-US" dirty="0" smtClean="0"/>
-              <a:t>PCA to get a vector of 1379 features.</a:t>
-            </a:r>
-          </a:p>
-          <a:p>
-            <a:r>
-              <a:rPr lang="en-US" dirty="0" smtClean="0"/>
-              <a:t>Geometry Features:</a:t>
-            </a:r>
-          </a:p>
-          <a:p>
-            <a:pPr lvl="1"/>
-            <a:r>
-              <a:rPr lang="en-US" dirty="0" smtClean="0"/>
-              <a:t>Vector of dimension 227 from landmark locations and shape parameters </a:t>
-            </a:r>
-            <a:r>
-              <a:rPr lang="en-US" smtClean="0"/>
-              <a:t>from the PDM</a:t>
-            </a:r>
+              <a:rPr lang="en-US" dirty="0"/>
+              <a:t>For AU </a:t>
+            </a:r>
+            <a:r>
+              <a:rPr lang="en-US" i="1" dirty="0"/>
+              <a:t>intensity</a:t>
+            </a:r>
+            <a:r>
+              <a:rPr lang="en-US" dirty="0"/>
+              <a:t> estimation </a:t>
+            </a:r>
+            <a:r>
+              <a:rPr lang="en-US" dirty="0" smtClean="0"/>
+              <a:t>Multiclass Support </a:t>
+            </a:r>
+            <a:r>
+              <a:rPr lang="en-US" dirty="0"/>
+              <a:t>Vector Regression</a:t>
+            </a:r>
+            <a:r>
+              <a:rPr lang="en-US" dirty="0" smtClean="0"/>
+              <a:t>.</a:t>
+            </a:r>
+            <a:endParaRPr lang="en-US" dirty="0"/>
+          </a:p>
+          <a:p>
             <a:endParaRPr lang="en-US" dirty="0" smtClean="0"/>
-          </a:p>
-          <a:p>
-            <a:r>
-              <a:rPr lang="en-US" dirty="0" smtClean="0"/>
-              <a:t>Total of </a:t>
-            </a:r>
-            <a:r>
-              <a:rPr lang="is-IS" dirty="0" smtClean="0"/>
-              <a:t>﻿1606 features that define the face.</a:t>
-            </a:r>
-            <a:endParaRPr lang="en-US" dirty="0"/>
           </a:p>
         </p:txBody>
       </p:sp>
@@ -12000,7 +13235,7 @@
               <a:pPr>
                 <a:defRPr/>
               </a:pPr>
-              <a:t>07/01/2019</a:t>
+              <a:t>07/01/19</a:t>
             </a:fld>
             <a:endParaRPr lang="it-IT" altLang="it-IT"/>
           </a:p>
@@ -12068,7 +13303,7 @@
     </p:spTree>
     <p:extLst>
       <p:ext uri="{BB962C8B-B14F-4D97-AF65-F5344CB8AC3E}">
-        <p14:creationId xmlns:p14="http://schemas.microsoft.com/office/powerpoint/2010/main" val="2574537444"/>
+        <p14:creationId xmlns:p14="http://schemas.microsoft.com/office/powerpoint/2010/main" val="1397684723"/>
       </p:ext>
     </p:extLst>
   </p:cSld>
@@ -12147,52 +13382,16 @@
           <a:p>
             <a:r>
               <a:rPr lang="en-US" dirty="0" smtClean="0"/>
-              <a:t>Detect occurrence and intensity of Action Units</a:t>
-            </a:r>
-          </a:p>
-          <a:p>
-            <a:r>
-              <a:rPr lang="en-US" dirty="0" smtClean="0"/>
-              <a:t>For </a:t>
-            </a:r>
-            <a:r>
-              <a:rPr lang="en-US" dirty="0"/>
-              <a:t>AU </a:t>
-            </a:r>
-            <a:r>
-              <a:rPr lang="en-US" i="1" dirty="0"/>
-              <a:t>occurrence</a:t>
-            </a:r>
-            <a:r>
-              <a:rPr lang="en-US" dirty="0"/>
-              <a:t> detection Support Vector Machines.</a:t>
-            </a:r>
-          </a:p>
-          <a:p>
-            <a:r>
-              <a:rPr lang="en-US" dirty="0"/>
-              <a:t>For AU </a:t>
-            </a:r>
-            <a:r>
-              <a:rPr lang="en-US" i="1" dirty="0"/>
-              <a:t>intensity</a:t>
-            </a:r>
-            <a:r>
-              <a:rPr lang="en-US" dirty="0"/>
-              <a:t> estimation Support Vector Regression.</a:t>
-            </a:r>
-          </a:p>
-          <a:p>
-            <a:r>
-              <a:rPr lang="en-US" dirty="0" smtClean="0"/>
-              <a:t>Linear Kernel in both cases.</a:t>
-            </a:r>
-          </a:p>
-          <a:p>
-            <a:endParaRPr lang="en-US" dirty="0"/>
-          </a:p>
-          <a:p>
-            <a:endParaRPr lang="en-US" dirty="0" smtClean="0"/>
+              <a:t>Trained on four </a:t>
+            </a:r>
+            <a:r>
+              <a:rPr lang="en-US" dirty="0" smtClean="0"/>
+              <a:t>dataset that </a:t>
+            </a:r>
+            <a:r>
+              <a:rPr lang="en-US" dirty="0" smtClean="0"/>
+              <a:t>consist of videos of people subject to emotion inducing tasks, with AUs annotated.</a:t>
+            </a:r>
           </a:p>
         </p:txBody>
       </p:sp>
@@ -12219,7 +13418,7 @@
               <a:pPr>
                 <a:defRPr/>
               </a:pPr>
-              <a:t>07/01/2019</a:t>
+              <a:t>07/01/19</a:t>
             </a:fld>
             <a:endParaRPr lang="it-IT" altLang="it-IT"/>
           </a:p>
@@ -12279,199 +13478,6 @@
                 <a:defRPr/>
               </a:pPr>
               <a:t>14</a:t>
-            </a:fld>
-            <a:endParaRPr lang="it-IT" altLang="it-IT"/>
-          </a:p>
-        </p:txBody>
-      </p:sp>
-    </p:spTree>
-    <p:extLst>
-      <p:ext uri="{BB962C8B-B14F-4D97-AF65-F5344CB8AC3E}">
-        <p14:creationId xmlns:p14="http://schemas.microsoft.com/office/powerpoint/2010/main" val="1397684723"/>
-      </p:ext>
-    </p:extLst>
-  </p:cSld>
-  <p:clrMapOvr>
-    <a:masterClrMapping/>
-  </p:clrMapOvr>
-  <p:timing>
-    <p:tnLst>
-      <p:par>
-        <p:cTn id="1" dur="indefinite" restart="never" nodeType="tmRoot"/>
-      </p:par>
-    </p:tnLst>
-  </p:timing>
-</p:sld>
-</file>
-
-<file path=ppt/slides/slide15.xml><?xml version="1.0" encoding="utf-8"?>
-<p:sld xmlns:a="http://schemas.openxmlformats.org/drawingml/2006/main" xmlns:r="http://schemas.openxmlformats.org/officeDocument/2006/relationships" xmlns:p="http://schemas.openxmlformats.org/presentationml/2006/main">
-  <p:cSld>
-    <p:spTree>
-      <p:nvGrpSpPr>
-        <p:cNvPr id="1" name=""/>
-        <p:cNvGrpSpPr/>
-        <p:nvPr/>
-      </p:nvGrpSpPr>
-      <p:grpSpPr>
-        <a:xfrm>
-          <a:off x="0" y="0"/>
-          <a:ext cx="0" cy="0"/>
-          <a:chOff x="0" y="0"/>
-          <a:chExt cx="0" cy="0"/>
-        </a:xfrm>
-      </p:grpSpPr>
-      <p:sp>
-        <p:nvSpPr>
-          <p:cNvPr id="2" name="Title 1"/>
-          <p:cNvSpPr>
-            <a:spLocks noGrp="1"/>
-          </p:cNvSpPr>
-          <p:nvPr>
-            <p:ph type="title"/>
-          </p:nvPr>
-        </p:nvSpPr>
-        <p:spPr/>
-        <p:txBody>
-          <a:bodyPr/>
-          <a:lstStyle/>
-          <a:p>
-            <a:r>
-              <a:rPr lang="en-US" dirty="0" smtClean="0"/>
-              <a:t>Action Unit Detection</a:t>
-            </a:r>
-            <a:endParaRPr lang="en-US" dirty="0"/>
-          </a:p>
-        </p:txBody>
-      </p:sp>
-      <p:sp>
-        <p:nvSpPr>
-          <p:cNvPr id="3" name="Content Placeholder 2"/>
-          <p:cNvSpPr>
-            <a:spLocks noGrp="1"/>
-          </p:cNvSpPr>
-          <p:nvPr>
-            <p:ph idx="1"/>
-          </p:nvPr>
-        </p:nvSpPr>
-        <p:spPr>
-          <a:xfrm>
-            <a:off x="1116013" y="1203672"/>
-            <a:ext cx="7559675" cy="4385568"/>
-          </a:xfrm>
-        </p:spPr>
-        <p:txBody>
-          <a:bodyPr/>
-          <a:lstStyle/>
-          <a:p>
-            <a:r>
-              <a:rPr lang="en-US" dirty="0" smtClean="0"/>
-              <a:t>Trained on four dataset: ﻿DISFA, BP4D-Spontaneous, SEMAINE and </a:t>
-            </a:r>
-            <a:r>
-              <a:rPr lang="en-US" dirty="0" err="1" smtClean="0"/>
-              <a:t>Bosphorus</a:t>
-            </a:r>
-            <a:r>
-              <a:rPr lang="en-US" dirty="0"/>
-              <a:t> </a:t>
-            </a:r>
-            <a:r>
-              <a:rPr lang="en-US" dirty="0" smtClean="0"/>
-              <a:t>. </a:t>
-            </a:r>
-          </a:p>
-          <a:p>
-            <a:r>
-              <a:rPr lang="en-US" dirty="0" smtClean="0"/>
-              <a:t>Datasets consist of videos of people subject to emotion inducing tasks, with AUs annotated.</a:t>
-            </a:r>
-          </a:p>
-        </p:txBody>
-      </p:sp>
-      <p:sp>
-        <p:nvSpPr>
-          <p:cNvPr id="4" name="Date Placeholder 3"/>
-          <p:cNvSpPr>
-            <a:spLocks noGrp="1"/>
-          </p:cNvSpPr>
-          <p:nvPr>
-            <p:ph type="dt" sz="half" idx="10"/>
-          </p:nvPr>
-        </p:nvSpPr>
-        <p:spPr/>
-        <p:txBody>
-          <a:bodyPr/>
-          <a:lstStyle/>
-          <a:p>
-            <a:pPr>
-              <a:defRPr/>
-            </a:pPr>
-            <a:fld id="{B730D388-5B29-4126-AC54-A0FD22452F77}" type="datetime1">
-              <a:rPr lang="it-IT" altLang="it-IT" smtClean="0"/>
-              <a:pPr>
-                <a:defRPr/>
-              </a:pPr>
-              <a:t>07/01/2019</a:t>
-            </a:fld>
-            <a:endParaRPr lang="it-IT" altLang="it-IT"/>
-          </a:p>
-        </p:txBody>
-      </p:sp>
-      <p:sp>
-        <p:nvSpPr>
-          <p:cNvPr id="5" name="Footer Placeholder 4"/>
-          <p:cNvSpPr>
-            <a:spLocks noGrp="1"/>
-          </p:cNvSpPr>
-          <p:nvPr>
-            <p:ph type="ftr" sz="quarter" idx="11"/>
-          </p:nvPr>
-        </p:nvSpPr>
-        <p:spPr/>
-        <p:txBody>
-          <a:bodyPr/>
-          <a:lstStyle/>
-          <a:p>
-            <a:pPr>
-              <a:defRPr/>
-            </a:pPr>
-            <a:r>
-              <a:rPr lang="en-US" altLang="it-IT" dirty="0" smtClean="0"/>
-              <a:t>Deception Detection using Facial Action Units</a:t>
-            </a:r>
-            <a:endParaRPr lang="it-IT" altLang="it-IT" dirty="0"/>
-          </a:p>
-        </p:txBody>
-      </p:sp>
-      <p:sp>
-        <p:nvSpPr>
-          <p:cNvPr id="6" name="Slide Number Placeholder 5"/>
-          <p:cNvSpPr>
-            <a:spLocks noGrp="1"/>
-          </p:cNvSpPr>
-          <p:nvPr>
-            <p:ph type="sldNum" sz="quarter" idx="12"/>
-          </p:nvPr>
-        </p:nvSpPr>
-        <p:spPr/>
-        <p:txBody>
-          <a:bodyPr/>
-          <a:lstStyle/>
-          <a:p>
-            <a:pPr>
-              <a:defRPr/>
-            </a:pPr>
-            <a:r>
-              <a:rPr lang="it-IT" altLang="it-IT" smtClean="0"/>
-              <a:t>Pagina </a:t>
-            </a:r>
-            <a:fld id="{A5888ACF-FC31-4A35-9932-E1138572A9AA}" type="slidenum">
-              <a:rPr lang="it-IT" altLang="it-IT" smtClean="0"/>
-              <a:pPr>
-                <a:defRPr/>
-              </a:pPr>
-              <a:t>15</a:t>
             </a:fld>
             <a:endParaRPr lang="it-IT" altLang="it-IT"/>
           </a:p>
@@ -12545,7 +13551,7 @@
 </p:sld>
 </file>
 
-<file path=ppt/slides/slide16.xml><?xml version="1.0" encoding="utf-8"?>
+<file path=ppt/slides/slide15.xml><?xml version="1.0" encoding="utf-8"?>
 <p:sld xmlns:a="http://schemas.openxmlformats.org/drawingml/2006/main" xmlns:r="http://schemas.openxmlformats.org/officeDocument/2006/relationships" xmlns:p="http://schemas.openxmlformats.org/presentationml/2006/main">
   <p:cSld>
     <p:spTree>
@@ -12607,8 +13613,16 @@
           <a:p>
             <a:r>
               <a:rPr lang="en-US" dirty="0" smtClean="0"/>
-              <a:t>Can recognize the following 18 AUs:</a:t>
-            </a:r>
+              <a:t>Can recognize the following 18 AUs</a:t>
+            </a:r>
+            <a:r>
+              <a:rPr lang="en-US" dirty="0" smtClean="0"/>
+              <a:t>:</a:t>
+            </a:r>
+          </a:p>
+          <a:p>
+            <a:pPr lvl="1"/>
+            <a:endParaRPr lang="en-US" dirty="0" smtClean="0"/>
           </a:p>
           <a:p>
             <a:endParaRPr lang="en-US" dirty="0"/>
@@ -12638,7 +13652,7 @@
               <a:pPr>
                 <a:defRPr/>
               </a:pPr>
-              <a:t>07/01/2019</a:t>
+              <a:t>07/01/19</a:t>
             </a:fld>
             <a:endParaRPr lang="it-IT" altLang="it-IT"/>
           </a:p>
@@ -12697,7 +13711,7 @@
               <a:pPr>
                 <a:defRPr/>
               </a:pPr>
-              <a:t>16</a:t>
+              <a:t>15</a:t>
             </a:fld>
             <a:endParaRPr lang="it-IT" altLang="it-IT"/>
           </a:p>
@@ -12725,7 +13739,7 @@
         </p:blipFill>
         <p:spPr>
           <a:xfrm>
-            <a:off x="3301997" y="1806231"/>
+            <a:off x="3301997" y="1765635"/>
             <a:ext cx="3187706" cy="3816424"/>
           </a:xfrm>
           <a:prstGeom prst="rect">
@@ -12737,6 +13751,235 @@
     <p:extLst>
       <p:ext uri="{BB962C8B-B14F-4D97-AF65-F5344CB8AC3E}">
         <p14:creationId xmlns:p14="http://schemas.microsoft.com/office/powerpoint/2010/main" val="2315863829"/>
+      </p:ext>
+    </p:extLst>
+  </p:cSld>
+  <p:clrMapOvr>
+    <a:masterClrMapping/>
+  </p:clrMapOvr>
+  <p:timing>
+    <p:tnLst>
+      <p:par>
+        <p:cTn id="1" dur="indefinite" restart="never" nodeType="tmRoot"/>
+      </p:par>
+    </p:tnLst>
+  </p:timing>
+</p:sld>
+</file>
+
+<file path=ppt/slides/slide16.xml><?xml version="1.0" encoding="utf-8"?>
+<p:sld xmlns:a="http://schemas.openxmlformats.org/drawingml/2006/main" xmlns:r="http://schemas.openxmlformats.org/officeDocument/2006/relationships" xmlns:p="http://schemas.openxmlformats.org/presentationml/2006/main">
+  <p:cSld>
+    <p:spTree>
+      <p:nvGrpSpPr>
+        <p:cNvPr id="1" name=""/>
+        <p:cNvGrpSpPr/>
+        <p:nvPr/>
+      </p:nvGrpSpPr>
+      <p:grpSpPr>
+        <a:xfrm>
+          <a:off x="0" y="0"/>
+          <a:ext cx="0" cy="0"/>
+          <a:chOff x="0" y="0"/>
+          <a:chExt cx="0" cy="0"/>
+        </a:xfrm>
+      </p:grpSpPr>
+      <p:sp>
+        <p:nvSpPr>
+          <p:cNvPr id="2" name="Title 1"/>
+          <p:cNvSpPr>
+            <a:spLocks noGrp="1"/>
+          </p:cNvSpPr>
+          <p:nvPr>
+            <p:ph type="title"/>
+          </p:nvPr>
+        </p:nvSpPr>
+        <p:spPr/>
+        <p:txBody>
+          <a:bodyPr/>
+          <a:lstStyle/>
+          <a:p>
+            <a:r>
+              <a:rPr lang="en-US" dirty="0" smtClean="0"/>
+              <a:t>Training Dataset</a:t>
+            </a:r>
+            <a:endParaRPr lang="en-US" dirty="0"/>
+          </a:p>
+        </p:txBody>
+      </p:sp>
+      <p:sp>
+        <p:nvSpPr>
+          <p:cNvPr id="3" name="Content Placeholder 2"/>
+          <p:cNvSpPr>
+            <a:spLocks noGrp="1"/>
+          </p:cNvSpPr>
+          <p:nvPr>
+            <p:ph idx="1"/>
+          </p:nvPr>
+        </p:nvSpPr>
+        <p:spPr>
+          <a:xfrm>
+            <a:off x="1116013" y="1203672"/>
+            <a:ext cx="7559675" cy="4385568"/>
+          </a:xfrm>
+        </p:spPr>
+        <p:txBody>
+          <a:bodyPr/>
+          <a:lstStyle/>
+          <a:p>
+            <a:r>
+              <a:rPr lang="en-US" dirty="0" smtClean="0"/>
+              <a:t>Real life trial videos. </a:t>
+            </a:r>
+            <a:r>
+              <a:rPr lang="en-US" i="1" dirty="0" smtClean="0"/>
+              <a:t>High stakes</a:t>
+            </a:r>
+            <a:r>
+              <a:rPr lang="en-US" i="1" dirty="0" smtClean="0"/>
+              <a:t>.</a:t>
+            </a:r>
+          </a:p>
+          <a:p>
+            <a:r>
+              <a:rPr lang="en-US" dirty="0" smtClean="0"/>
+              <a:t>Critical part of the project.</a:t>
+            </a:r>
+            <a:endParaRPr lang="en-US" dirty="0" smtClean="0"/>
+          </a:p>
+          <a:p>
+            <a:r>
+              <a:rPr lang="en-US" dirty="0" smtClean="0"/>
+              <a:t>121 videos.</a:t>
+            </a:r>
+          </a:p>
+          <a:p>
+            <a:pPr lvl="1"/>
+            <a:r>
+              <a:rPr lang="en-US" dirty="0" smtClean="0"/>
+              <a:t>61 deceptive, 60 truthful.</a:t>
+            </a:r>
+          </a:p>
+          <a:p>
+            <a:r>
+              <a:rPr lang="en-US" dirty="0" smtClean="0"/>
+              <a:t>58 subjects</a:t>
+            </a:r>
+            <a:r>
+              <a:rPr lang="en-US" dirty="0" smtClean="0"/>
+              <a:t>.</a:t>
+            </a:r>
+          </a:p>
+          <a:p>
+            <a:r>
+              <a:rPr lang="en-US" dirty="0" smtClean="0"/>
+              <a:t>Label </a:t>
+            </a:r>
+            <a:r>
+              <a:rPr lang="en-US" dirty="0" smtClean="0"/>
+              <a:t>based on the outcome of the trial.</a:t>
+            </a:r>
+          </a:p>
+          <a:p>
+            <a:r>
+              <a:rPr lang="en-US" dirty="0" smtClean="0"/>
+              <a:t>Testimony were verified by police officers.</a:t>
+            </a:r>
+          </a:p>
+        </p:txBody>
+      </p:sp>
+      <p:sp>
+        <p:nvSpPr>
+          <p:cNvPr id="4" name="Date Placeholder 3"/>
+          <p:cNvSpPr>
+            <a:spLocks noGrp="1"/>
+          </p:cNvSpPr>
+          <p:nvPr>
+            <p:ph type="dt" sz="half" idx="10"/>
+          </p:nvPr>
+        </p:nvSpPr>
+        <p:spPr/>
+        <p:txBody>
+          <a:bodyPr/>
+          <a:lstStyle/>
+          <a:p>
+            <a:pPr>
+              <a:defRPr/>
+            </a:pPr>
+            <a:fld id="{B730D388-5B29-4126-AC54-A0FD22452F77}" type="datetime1">
+              <a:rPr lang="it-IT" altLang="it-IT" smtClean="0"/>
+              <a:pPr>
+                <a:defRPr/>
+              </a:pPr>
+              <a:t>07/01/19</a:t>
+            </a:fld>
+            <a:endParaRPr lang="it-IT" altLang="it-IT"/>
+          </a:p>
+        </p:txBody>
+      </p:sp>
+      <p:sp>
+        <p:nvSpPr>
+          <p:cNvPr id="5" name="Footer Placeholder 4"/>
+          <p:cNvSpPr>
+            <a:spLocks noGrp="1"/>
+          </p:cNvSpPr>
+          <p:nvPr>
+            <p:ph type="ftr" sz="quarter" idx="11"/>
+          </p:nvPr>
+        </p:nvSpPr>
+        <p:spPr/>
+        <p:txBody>
+          <a:bodyPr/>
+          <a:lstStyle/>
+          <a:p>
+            <a:pPr>
+              <a:defRPr/>
+            </a:pPr>
+            <a:r>
+              <a:rPr lang="en-US" altLang="it-IT" dirty="0" smtClean="0"/>
+              <a:t>Deception Detection using Facial Action Units</a:t>
+            </a:r>
+            <a:endParaRPr lang="it-IT" altLang="it-IT" dirty="0"/>
+          </a:p>
+        </p:txBody>
+      </p:sp>
+      <p:sp>
+        <p:nvSpPr>
+          <p:cNvPr id="6" name="Slide Number Placeholder 5"/>
+          <p:cNvSpPr>
+            <a:spLocks noGrp="1"/>
+          </p:cNvSpPr>
+          <p:nvPr>
+            <p:ph type="sldNum" sz="quarter" idx="12"/>
+          </p:nvPr>
+        </p:nvSpPr>
+        <p:spPr/>
+        <p:txBody>
+          <a:bodyPr/>
+          <a:lstStyle/>
+          <a:p>
+            <a:pPr>
+              <a:defRPr/>
+            </a:pPr>
+            <a:r>
+              <a:rPr lang="it-IT" altLang="it-IT" smtClean="0"/>
+              <a:t>Pagina </a:t>
+            </a:r>
+            <a:fld id="{A5888ACF-FC31-4A35-9932-E1138572A9AA}" type="slidenum">
+              <a:rPr lang="it-IT" altLang="it-IT" smtClean="0"/>
+              <a:pPr>
+                <a:defRPr/>
+              </a:pPr>
+              <a:t>16</a:t>
+            </a:fld>
+            <a:endParaRPr lang="it-IT" altLang="it-IT"/>
+          </a:p>
+        </p:txBody>
+      </p:sp>
+    </p:spTree>
+    <p:extLst>
+      <p:ext uri="{BB962C8B-B14F-4D97-AF65-F5344CB8AC3E}">
+        <p14:creationId xmlns:p14="http://schemas.microsoft.com/office/powerpoint/2010/main" val="2490998675"/>
       </p:ext>
     </p:extLst>
   </p:cSld>
@@ -12786,10 +14029,9 @@
           <a:lstStyle/>
           <a:p>
             <a:r>
-              <a:rPr lang="en-US" dirty="0" smtClean="0"/>
+              <a:rPr lang="en-US" dirty="0"/>
               <a:t>Training Dataset</a:t>
             </a:r>
-            <a:endParaRPr lang="en-US" dirty="0"/>
           </a:p>
         </p:txBody>
       </p:sp>
@@ -12815,53 +14057,77 @@
           <a:p>
             <a:r>
               <a:rPr lang="en-US" dirty="0" smtClean="0"/>
-              <a:t>Real life trial videos. </a:t>
-            </a:r>
-            <a:r>
-              <a:rPr lang="en-US" i="1" dirty="0" smtClean="0"/>
-              <a:t>High stakes.</a:t>
-            </a:r>
-          </a:p>
-          <a:p>
-            <a:r>
-              <a:rPr lang="en-US" dirty="0" smtClean="0"/>
-              <a:t>121 videos.</a:t>
-            </a:r>
+              <a:t>Data stats:</a:t>
+            </a:r>
+          </a:p>
+          <a:p>
+            <a:r>
+              <a:rPr lang="en-US" dirty="0" smtClean="0"/>
+              <a:t>~86.000 total frames</a:t>
+            </a:r>
+          </a:p>
+          <a:p>
+            <a:r>
+              <a:rPr lang="en-US" dirty="0" smtClean="0"/>
+              <a:t>~72.000 frames for train set</a:t>
+            </a:r>
+          </a:p>
+          <a:p>
+            <a:r>
+              <a:rPr lang="en-US" dirty="0" smtClean="0"/>
+              <a:t>~14.000 frame test set</a:t>
+            </a:r>
+          </a:p>
+          <a:p>
+            <a:r>
+              <a:rPr lang="en-US" dirty="0" smtClean="0"/>
+              <a:t>Identity specific </a:t>
+            </a:r>
+            <a:r>
+              <a:rPr lang="en-US" dirty="0" smtClean="0"/>
+              <a:t>division due to </a:t>
+            </a:r>
+            <a:r>
+              <a:rPr lang="en-US" dirty="0" smtClean="0"/>
+              <a:t>overfitting.</a:t>
+            </a:r>
+          </a:p>
+          <a:p>
+            <a:r>
+              <a:rPr lang="en-US" dirty="0" smtClean="0"/>
+              <a:t>Could degenerate </a:t>
+            </a:r>
+            <a:r>
+              <a:rPr lang="en-US" dirty="0"/>
+              <a:t>to person </a:t>
+            </a:r>
+            <a:r>
+              <a:rPr lang="en-US" dirty="0" smtClean="0"/>
+              <a:t>re-identification </a:t>
+            </a:r>
+            <a:r>
+              <a:rPr lang="en-US" dirty="0"/>
+              <a:t>if videos of the same person were included in both the training and </a:t>
+            </a:r>
+            <a:r>
+              <a:rPr lang="en-US" dirty="0" smtClean="0"/>
+              <a:t>test.</a:t>
+            </a:r>
+            <a:endParaRPr lang="en-US" dirty="0" smtClean="0"/>
           </a:p>
           <a:p>
             <a:pPr lvl="1"/>
             <a:r>
-              <a:rPr lang="en-US" dirty="0" smtClean="0"/>
-              <a:t>61 deceptive, 60 truthful.</a:t>
-            </a:r>
-          </a:p>
-          <a:p>
-            <a:r>
-              <a:rPr lang="en-US" dirty="0" smtClean="0"/>
-              <a:t>58 subjects.</a:t>
-            </a:r>
-          </a:p>
-          <a:p>
-            <a:r>
-              <a:rPr lang="en-US" dirty="0" smtClean="0"/>
-              <a:t>Cut/Remove so that subject’s face is visible.</a:t>
-            </a:r>
-          </a:p>
-          <a:p>
-            <a:r>
               <a:rPr lang="en-US" dirty="0"/>
-              <a:t>L</a:t>
-            </a:r>
-            <a:r>
-              <a:rPr lang="en-US" dirty="0" smtClean="0"/>
-              <a:t>abel based on the outcome of the trial.</a:t>
-            </a:r>
-          </a:p>
-          <a:p>
-            <a:r>
-              <a:rPr lang="en-US" dirty="0" smtClean="0"/>
-              <a:t>Testimony were verified by police officers.</a:t>
-            </a:r>
+              <a:t>40 train, 18 test</a:t>
+            </a:r>
+          </a:p>
+          <a:p>
+            <a:endParaRPr lang="en-US" dirty="0" smtClean="0"/>
+          </a:p>
+          <a:p>
+            <a:pPr lvl="1"/>
+            <a:endParaRPr lang="en-US" dirty="0" smtClean="0"/>
           </a:p>
         </p:txBody>
       </p:sp>
@@ -12888,7 +14154,7 @@
               <a:pPr>
                 <a:defRPr/>
               </a:pPr>
-              <a:t>07/01/2019</a:t>
+              <a:t>07/01/19</a:t>
             </a:fld>
             <a:endParaRPr lang="it-IT" altLang="it-IT"/>
           </a:p>
@@ -12948,246 +14214,6 @@
                 <a:defRPr/>
               </a:pPr>
               <a:t>17</a:t>
-            </a:fld>
-            <a:endParaRPr lang="it-IT" altLang="it-IT"/>
-          </a:p>
-        </p:txBody>
-      </p:sp>
-    </p:spTree>
-    <p:extLst>
-      <p:ext uri="{BB962C8B-B14F-4D97-AF65-F5344CB8AC3E}">
-        <p14:creationId xmlns:p14="http://schemas.microsoft.com/office/powerpoint/2010/main" val="2490998675"/>
-      </p:ext>
-    </p:extLst>
-  </p:cSld>
-  <p:clrMapOvr>
-    <a:masterClrMapping/>
-  </p:clrMapOvr>
-  <p:timing>
-    <p:tnLst>
-      <p:par>
-        <p:cTn id="1" dur="indefinite" restart="never" nodeType="tmRoot"/>
-      </p:par>
-    </p:tnLst>
-  </p:timing>
-</p:sld>
-</file>
-
-<file path=ppt/slides/slide18.xml><?xml version="1.0" encoding="utf-8"?>
-<p:sld xmlns:a="http://schemas.openxmlformats.org/drawingml/2006/main" xmlns:r="http://schemas.openxmlformats.org/officeDocument/2006/relationships" xmlns:p="http://schemas.openxmlformats.org/presentationml/2006/main">
-  <p:cSld>
-    <p:spTree>
-      <p:nvGrpSpPr>
-        <p:cNvPr id="1" name=""/>
-        <p:cNvGrpSpPr/>
-        <p:nvPr/>
-      </p:nvGrpSpPr>
-      <p:grpSpPr>
-        <a:xfrm>
-          <a:off x="0" y="0"/>
-          <a:ext cx="0" cy="0"/>
-          <a:chOff x="0" y="0"/>
-          <a:chExt cx="0" cy="0"/>
-        </a:xfrm>
-      </p:grpSpPr>
-      <p:sp>
-        <p:nvSpPr>
-          <p:cNvPr id="2" name="Title 1"/>
-          <p:cNvSpPr>
-            <a:spLocks noGrp="1"/>
-          </p:cNvSpPr>
-          <p:nvPr>
-            <p:ph type="title"/>
-          </p:nvPr>
-        </p:nvSpPr>
-        <p:spPr/>
-        <p:txBody>
-          <a:bodyPr/>
-          <a:lstStyle/>
-          <a:p>
-            <a:r>
-              <a:rPr lang="en-US" dirty="0"/>
-              <a:t>Training Dataset</a:t>
-            </a:r>
-          </a:p>
-        </p:txBody>
-      </p:sp>
-      <p:sp>
-        <p:nvSpPr>
-          <p:cNvPr id="3" name="Content Placeholder 2"/>
-          <p:cNvSpPr>
-            <a:spLocks noGrp="1"/>
-          </p:cNvSpPr>
-          <p:nvPr>
-            <p:ph idx="1"/>
-          </p:nvPr>
-        </p:nvSpPr>
-        <p:spPr>
-          <a:xfrm>
-            <a:off x="1116013" y="1203672"/>
-            <a:ext cx="7559675" cy="4385568"/>
-          </a:xfrm>
-        </p:spPr>
-        <p:txBody>
-          <a:bodyPr/>
-          <a:lstStyle/>
-          <a:p>
-            <a:r>
-              <a:rPr lang="en-US" dirty="0" smtClean="0"/>
-              <a:t>Data stats:</a:t>
-            </a:r>
-          </a:p>
-          <a:p>
-            <a:r>
-              <a:rPr lang="en-US" dirty="0" smtClean="0"/>
-              <a:t>~86.000 total frames</a:t>
-            </a:r>
-          </a:p>
-          <a:p>
-            <a:r>
-              <a:rPr lang="en-US" dirty="0" smtClean="0"/>
-              <a:t>~72.000 frames for train set</a:t>
-            </a:r>
-          </a:p>
-          <a:p>
-            <a:r>
-              <a:rPr lang="en-US" dirty="0" smtClean="0"/>
-              <a:t>~14.000 frame test set</a:t>
-            </a:r>
-          </a:p>
-          <a:p>
-            <a:r>
-              <a:rPr lang="en-US" dirty="0" smtClean="0"/>
-              <a:t>Person specific division due to </a:t>
-            </a:r>
-            <a:r>
-              <a:rPr lang="en-US" dirty="0"/>
-              <a:t>overfitting, often the same identity is either uniformly deceptive or </a:t>
-            </a:r>
-            <a:r>
-              <a:rPr lang="en-US" dirty="0" smtClean="0"/>
-              <a:t>truthful. </a:t>
-            </a:r>
-          </a:p>
-          <a:p>
-            <a:pPr lvl="1"/>
-            <a:r>
-              <a:rPr lang="en-US" dirty="0" smtClean="0"/>
-              <a:t>A </a:t>
-            </a:r>
-            <a:r>
-              <a:rPr lang="en-US" dirty="0"/>
-              <a:t>deception detection method may simply degenerate to person </a:t>
-            </a:r>
-            <a:r>
-              <a:rPr lang="en-US" dirty="0" err="1" smtClean="0"/>
-              <a:t>reidentification</a:t>
-            </a:r>
-            <a:r>
-              <a:rPr lang="en-US" dirty="0"/>
-              <a:t>, if videos of the same person were included in both the training and test</a:t>
-            </a:r>
-            <a:endParaRPr lang="en-US" dirty="0" smtClean="0"/>
-          </a:p>
-          <a:p>
-            <a:pPr lvl="1"/>
-            <a:r>
-              <a:rPr lang="en-US" dirty="0"/>
-              <a:t>40 train, 18 test</a:t>
-            </a:r>
-          </a:p>
-          <a:p>
-            <a:endParaRPr lang="en-US" dirty="0" smtClean="0"/>
-          </a:p>
-          <a:p>
-            <a:pPr lvl="1"/>
-            <a:endParaRPr lang="en-US" dirty="0" smtClean="0"/>
-          </a:p>
-        </p:txBody>
-      </p:sp>
-      <p:sp>
-        <p:nvSpPr>
-          <p:cNvPr id="4" name="Date Placeholder 3"/>
-          <p:cNvSpPr>
-            <a:spLocks noGrp="1"/>
-          </p:cNvSpPr>
-          <p:nvPr>
-            <p:ph type="dt" sz="half" idx="10"/>
-          </p:nvPr>
-        </p:nvSpPr>
-        <p:spPr/>
-        <p:txBody>
-          <a:bodyPr/>
-          <a:lstStyle/>
-          <a:p>
-            <a:pPr>
-              <a:defRPr/>
-            </a:pPr>
-            <a:fld id="{B730D388-5B29-4126-AC54-A0FD22452F77}" type="datetime1">
-              <a:rPr lang="it-IT" altLang="it-IT" smtClean="0"/>
-              <a:pPr>
-                <a:defRPr/>
-              </a:pPr>
-              <a:t>07/01/2019</a:t>
-            </a:fld>
-            <a:endParaRPr lang="it-IT" altLang="it-IT"/>
-          </a:p>
-        </p:txBody>
-      </p:sp>
-      <p:sp>
-        <p:nvSpPr>
-          <p:cNvPr id="5" name="Footer Placeholder 4"/>
-          <p:cNvSpPr>
-            <a:spLocks noGrp="1"/>
-          </p:cNvSpPr>
-          <p:nvPr>
-            <p:ph type="ftr" sz="quarter" idx="11"/>
-          </p:nvPr>
-        </p:nvSpPr>
-        <p:spPr/>
-        <p:txBody>
-          <a:bodyPr/>
-          <a:lstStyle/>
-          <a:p>
-            <a:pPr>
-              <a:defRPr/>
-            </a:pPr>
-            <a:r>
-              <a:rPr lang="en-US" altLang="it-IT" dirty="0" smtClean="0"/>
-              <a:t>Deception Detection using Facial Action Units</a:t>
-            </a:r>
-            <a:endParaRPr lang="it-IT" altLang="it-IT" dirty="0"/>
-          </a:p>
-        </p:txBody>
-      </p:sp>
-      <p:sp>
-        <p:nvSpPr>
-          <p:cNvPr id="6" name="Slide Number Placeholder 5"/>
-          <p:cNvSpPr>
-            <a:spLocks noGrp="1"/>
-          </p:cNvSpPr>
-          <p:nvPr>
-            <p:ph type="sldNum" sz="quarter" idx="12"/>
-          </p:nvPr>
-        </p:nvSpPr>
-        <p:spPr/>
-        <p:txBody>
-          <a:bodyPr/>
-          <a:lstStyle/>
-          <a:p>
-            <a:pPr>
-              <a:defRPr/>
-            </a:pPr>
-            <a:r>
-              <a:rPr lang="it-IT" altLang="it-IT" smtClean="0"/>
-              <a:t>Pagina </a:t>
-            </a:r>
-            <a:fld id="{A5888ACF-FC31-4A35-9932-E1138572A9AA}" type="slidenum">
-              <a:rPr lang="it-IT" altLang="it-IT" smtClean="0"/>
-              <a:pPr>
-                <a:defRPr/>
-              </a:pPr>
-              <a:t>18</a:t>
             </a:fld>
             <a:endParaRPr lang="it-IT" altLang="it-IT"/>
           </a:p>
@@ -13213,8 +14239,8 @@
 </p:sld>
 </file>
 
-<file path=ppt/slides/slide19.xml><?xml version="1.0" encoding="utf-8"?>
-<p:sld xmlns:a="http://schemas.openxmlformats.org/drawingml/2006/main" xmlns:r="http://schemas.openxmlformats.org/officeDocument/2006/relationships" xmlns:p="http://schemas.openxmlformats.org/presentationml/2006/main">
+<file path=ppt/slides/slide18.xml><?xml version="1.0" encoding="utf-8"?>
+<p:sld xmlns:a="http://schemas.openxmlformats.org/drawingml/2006/main" xmlns:r="http://schemas.openxmlformats.org/officeDocument/2006/relationships" xmlns:p="http://schemas.openxmlformats.org/presentationml/2006/main" show="0">
   <p:cSld>
     <p:spTree>
       <p:nvGrpSpPr>
@@ -13354,7 +14380,7 @@
               <a:pPr>
                 <a:defRPr/>
               </a:pPr>
-              <a:t>07/01/2019</a:t>
+              <a:t>07/01/19</a:t>
             </a:fld>
             <a:endParaRPr lang="it-IT" altLang="it-IT"/>
           </a:p>
@@ -13413,7 +14439,7 @@
               <a:pPr>
                 <a:defRPr/>
               </a:pPr>
-              <a:t>19</a:t>
+              <a:t>18</a:t>
             </a:fld>
             <a:endParaRPr lang="it-IT" altLang="it-IT"/>
           </a:p>
@@ -13459,6 +14485,369 @@
   <p:clrMapOvr>
     <a:masterClrMapping/>
   </p:clrMapOvr>
+  <mc:AlternateContent xmlns:mc="http://schemas.openxmlformats.org/markup-compatibility/2006">
+    <mc:Choice xmlns:p14="http://schemas.microsoft.com/office/powerpoint/2010/main" Requires="p14">
+      <p:transition spd="slow" p14:dur="2000"/>
+    </mc:Choice>
+    <mc:Fallback>
+      <p:transition spd="slow"/>
+    </mc:Fallback>
+  </mc:AlternateContent>
+  <p:timing>
+    <p:tnLst>
+      <p:par>
+        <p:cTn id="1" dur="indefinite" restart="never" nodeType="tmRoot"/>
+      </p:par>
+    </p:tnLst>
+  </p:timing>
+</p:sld>
+</file>
+
+<file path=ppt/slides/slide19.xml><?xml version="1.0" encoding="utf-8"?>
+<p:sld xmlns:a="http://schemas.openxmlformats.org/drawingml/2006/main" xmlns:r="http://schemas.openxmlformats.org/officeDocument/2006/relationships" xmlns:p="http://schemas.openxmlformats.org/presentationml/2006/main">
+  <p:cSld>
+    <p:spTree>
+      <p:nvGrpSpPr>
+        <p:cNvPr id="1" name=""/>
+        <p:cNvGrpSpPr/>
+        <p:nvPr/>
+      </p:nvGrpSpPr>
+      <p:grpSpPr>
+        <a:xfrm>
+          <a:off x="0" y="0"/>
+          <a:ext cx="0" cy="0"/>
+          <a:chOff x="0" y="0"/>
+          <a:chExt cx="0" cy="0"/>
+        </a:xfrm>
+      </p:grpSpPr>
+      <p:sp>
+        <p:nvSpPr>
+          <p:cNvPr id="2" name="Title 1"/>
+          <p:cNvSpPr>
+            <a:spLocks noGrp="1"/>
+          </p:cNvSpPr>
+          <p:nvPr>
+            <p:ph type="title"/>
+          </p:nvPr>
+        </p:nvSpPr>
+        <p:spPr/>
+        <p:txBody>
+          <a:bodyPr/>
+          <a:lstStyle/>
+          <a:p>
+            <a:r>
+              <a:rPr lang="en-US" dirty="0"/>
+              <a:t>Deception Detection</a:t>
+            </a:r>
+          </a:p>
+        </p:txBody>
+      </p:sp>
+      <p:sp>
+        <p:nvSpPr>
+          <p:cNvPr id="3" name="Content Placeholder 2"/>
+          <p:cNvSpPr>
+            <a:spLocks noGrp="1"/>
+          </p:cNvSpPr>
+          <p:nvPr>
+            <p:ph idx="1"/>
+          </p:nvPr>
+        </p:nvSpPr>
+        <p:spPr>
+          <a:xfrm>
+            <a:off x="1116013" y="1203672"/>
+            <a:ext cx="7559675" cy="4385568"/>
+          </a:xfrm>
+        </p:spPr>
+        <p:txBody>
+          <a:bodyPr/>
+          <a:lstStyle/>
+          <a:p>
+            <a:r>
+              <a:rPr lang="en-US" dirty="0"/>
+              <a:t>Frequency </a:t>
+            </a:r>
+            <a:r>
+              <a:rPr lang="en-US" dirty="0" smtClean="0"/>
+              <a:t>analysis </a:t>
+            </a:r>
+            <a:r>
+              <a:rPr lang="en-US" dirty="0"/>
+              <a:t>of AU occurrences </a:t>
+            </a:r>
+            <a:r>
+              <a:rPr lang="en-US" dirty="0" smtClean="0"/>
+              <a:t>for train </a:t>
+            </a:r>
+            <a:r>
+              <a:rPr lang="en-US" dirty="0" smtClean="0"/>
+              <a:t>set.</a:t>
+            </a:r>
+            <a:endParaRPr lang="en-US" dirty="0"/>
+          </a:p>
+          <a:p>
+            <a:r>
+              <a:rPr lang="en-US" dirty="0"/>
+              <a:t>Significant differences for truthful and </a:t>
+            </a:r>
+            <a:r>
+              <a:rPr lang="en-US" dirty="0" smtClean="0"/>
+              <a:t>deceptive in:</a:t>
+            </a:r>
+          </a:p>
+          <a:p>
+            <a:pPr lvl="1"/>
+            <a:r>
+              <a:rPr lang="en-US" dirty="0" smtClean="0"/>
+              <a:t>AU12: </a:t>
+            </a:r>
+            <a:r>
+              <a:rPr lang="en-US" dirty="0" err="1" smtClean="0"/>
+              <a:t>Movimento</a:t>
+            </a:r>
+            <a:r>
+              <a:rPr lang="en-US" dirty="0" smtClean="0"/>
+              <a:t> </a:t>
+            </a:r>
+            <a:r>
+              <a:rPr lang="en-US" dirty="0" err="1" smtClean="0"/>
+              <a:t>angolo</a:t>
+            </a:r>
+            <a:r>
+              <a:rPr lang="en-US" dirty="0" smtClean="0"/>
+              <a:t> </a:t>
+            </a:r>
+            <a:r>
+              <a:rPr lang="en-US" dirty="0" err="1" smtClean="0"/>
+              <a:t>delle</a:t>
+            </a:r>
+            <a:r>
+              <a:rPr lang="en-US" dirty="0" smtClean="0"/>
+              <a:t> labra</a:t>
+            </a:r>
+            <a:endParaRPr lang="en-US" dirty="0" smtClean="0"/>
+          </a:p>
+          <a:p>
+            <a:pPr lvl="1"/>
+            <a:r>
+              <a:rPr lang="en-US" dirty="0" smtClean="0"/>
+              <a:t>AU04: </a:t>
+            </a:r>
+            <a:r>
+              <a:rPr lang="en-US" dirty="0" err="1" smtClean="0"/>
+              <a:t>Sopracciglia</a:t>
+            </a:r>
+            <a:r>
+              <a:rPr lang="en-US" dirty="0" smtClean="0"/>
+              <a:t> </a:t>
+            </a:r>
+            <a:r>
+              <a:rPr lang="en-US" dirty="0" err="1"/>
+              <a:t>a</a:t>
+            </a:r>
+            <a:r>
+              <a:rPr lang="en-US" dirty="0" err="1" smtClean="0"/>
+              <a:t>bbassate</a:t>
+            </a:r>
+            <a:endParaRPr lang="en-US" dirty="0"/>
+          </a:p>
+          <a:p>
+            <a:pPr lvl="1"/>
+            <a:r>
+              <a:rPr lang="en-US" dirty="0" smtClean="0"/>
+              <a:t>AU05: </a:t>
+            </a:r>
+            <a:r>
+              <a:rPr lang="en-US" dirty="0" err="1" smtClean="0"/>
+              <a:t>Alzata</a:t>
+            </a:r>
+            <a:r>
+              <a:rPr lang="en-US" dirty="0" smtClean="0"/>
+              <a:t> </a:t>
+            </a:r>
+            <a:r>
+              <a:rPr lang="en-US" dirty="0" err="1" smtClean="0"/>
+              <a:t>palpebre</a:t>
+            </a:r>
+            <a:r>
+              <a:rPr lang="en-US" dirty="0" smtClean="0"/>
+              <a:t> </a:t>
+            </a:r>
+            <a:r>
+              <a:rPr lang="en-US" dirty="0" err="1" smtClean="0"/>
+              <a:t>superiori</a:t>
+            </a:r>
+            <a:endParaRPr lang="en-US" dirty="0"/>
+          </a:p>
+          <a:p>
+            <a:pPr lvl="1"/>
+            <a:r>
+              <a:rPr lang="en-US" dirty="0" smtClean="0"/>
+              <a:t>AU07: </a:t>
+            </a:r>
+            <a:r>
+              <a:rPr lang="en-US" dirty="0" err="1" smtClean="0"/>
+              <a:t>Stringere</a:t>
+            </a:r>
+            <a:r>
+              <a:rPr lang="en-US" dirty="0" smtClean="0"/>
+              <a:t> </a:t>
+            </a:r>
+            <a:r>
+              <a:rPr lang="en-US" dirty="0" err="1" smtClean="0"/>
+              <a:t>gli</a:t>
+            </a:r>
+            <a:r>
+              <a:rPr lang="en-US" dirty="0" smtClean="0"/>
+              <a:t> </a:t>
+            </a:r>
+            <a:r>
+              <a:rPr lang="en-US" dirty="0" err="1" smtClean="0"/>
+              <a:t>occhi</a:t>
+            </a:r>
+            <a:endParaRPr lang="en-US" dirty="0"/>
+          </a:p>
+          <a:p>
+            <a:pPr lvl="1"/>
+            <a:r>
+              <a:rPr lang="en-US" dirty="0" smtClean="0"/>
+              <a:t>AU14: </a:t>
+            </a:r>
+            <a:r>
+              <a:rPr lang="en-US" dirty="0" err="1" smtClean="0"/>
+              <a:t>Fossette</a:t>
+            </a:r>
+            <a:endParaRPr lang="en-US" dirty="0"/>
+          </a:p>
+        </p:txBody>
+      </p:sp>
+      <p:sp>
+        <p:nvSpPr>
+          <p:cNvPr id="4" name="Date Placeholder 3"/>
+          <p:cNvSpPr>
+            <a:spLocks noGrp="1"/>
+          </p:cNvSpPr>
+          <p:nvPr>
+            <p:ph type="dt" sz="half" idx="10"/>
+          </p:nvPr>
+        </p:nvSpPr>
+        <p:spPr/>
+        <p:txBody>
+          <a:bodyPr/>
+          <a:lstStyle/>
+          <a:p>
+            <a:pPr>
+              <a:defRPr/>
+            </a:pPr>
+            <a:fld id="{B730D388-5B29-4126-AC54-A0FD22452F77}" type="datetime1">
+              <a:rPr lang="it-IT" altLang="it-IT" smtClean="0"/>
+              <a:pPr>
+                <a:defRPr/>
+              </a:pPr>
+              <a:t>07/01/19</a:t>
+            </a:fld>
+            <a:endParaRPr lang="it-IT" altLang="it-IT"/>
+          </a:p>
+        </p:txBody>
+      </p:sp>
+      <p:sp>
+        <p:nvSpPr>
+          <p:cNvPr id="5" name="Footer Placeholder 4"/>
+          <p:cNvSpPr>
+            <a:spLocks noGrp="1"/>
+          </p:cNvSpPr>
+          <p:nvPr>
+            <p:ph type="ftr" sz="quarter" idx="11"/>
+          </p:nvPr>
+        </p:nvSpPr>
+        <p:spPr/>
+        <p:txBody>
+          <a:bodyPr/>
+          <a:lstStyle/>
+          <a:p>
+            <a:pPr>
+              <a:defRPr/>
+            </a:pPr>
+            <a:r>
+              <a:rPr lang="en-US" altLang="it-IT" dirty="0" smtClean="0"/>
+              <a:t>Deception Detection using Facial Action Units</a:t>
+            </a:r>
+            <a:endParaRPr lang="it-IT" altLang="it-IT" dirty="0"/>
+          </a:p>
+        </p:txBody>
+      </p:sp>
+      <p:sp>
+        <p:nvSpPr>
+          <p:cNvPr id="6" name="Slide Number Placeholder 5"/>
+          <p:cNvSpPr>
+            <a:spLocks noGrp="1"/>
+          </p:cNvSpPr>
+          <p:nvPr>
+            <p:ph type="sldNum" sz="quarter" idx="12"/>
+          </p:nvPr>
+        </p:nvSpPr>
+        <p:spPr/>
+        <p:txBody>
+          <a:bodyPr/>
+          <a:lstStyle/>
+          <a:p>
+            <a:pPr>
+              <a:defRPr/>
+            </a:pPr>
+            <a:r>
+              <a:rPr lang="it-IT" altLang="it-IT" smtClean="0"/>
+              <a:t>Pagina </a:t>
+            </a:r>
+            <a:fld id="{A5888ACF-FC31-4A35-9932-E1138572A9AA}" type="slidenum">
+              <a:rPr lang="it-IT" altLang="it-IT" smtClean="0"/>
+              <a:pPr>
+                <a:defRPr/>
+              </a:pPr>
+              <a:t>19</a:t>
+            </a:fld>
+            <a:endParaRPr lang="it-IT" altLang="it-IT"/>
+          </a:p>
+        </p:txBody>
+      </p:sp>
+      <p:pic>
+        <p:nvPicPr>
+          <p:cNvPr id="7" name="Picture 6"/>
+          <p:cNvPicPr>
+            <a:picLocks noChangeAspect="1"/>
+          </p:cNvPicPr>
+          <p:nvPr/>
+        </p:nvPicPr>
+        <p:blipFill>
+          <a:blip r:embed="rId3">
+            <a:extLst>
+              <a:ext uri="{28A0092B-C50C-407E-A947-70E740481C1C}">
+                <a14:useLocalDpi xmlns:a14="http://schemas.microsoft.com/office/drawing/2010/main" val="0"/>
+              </a:ext>
+            </a:extLst>
+          </a:blip>
+          <a:stretch>
+            <a:fillRect/>
+          </a:stretch>
+        </p:blipFill>
+        <p:spPr>
+          <a:xfrm>
+            <a:off x="4841133" y="3356992"/>
+            <a:ext cx="3617068" cy="2232248"/>
+          </a:xfrm>
+          <a:prstGeom prst="rect">
+            <a:avLst/>
+          </a:prstGeom>
+        </p:spPr>
+      </p:pic>
+    </p:spTree>
+    <p:extLst>
+      <p:ext uri="{BB962C8B-B14F-4D97-AF65-F5344CB8AC3E}">
+        <p14:creationId xmlns:p14="http://schemas.microsoft.com/office/powerpoint/2010/main" val="2154832032"/>
+      </p:ext>
+    </p:extLst>
+  </p:cSld>
+  <p:clrMapOvr>
+    <a:masterClrMapping/>
+  </p:clrMapOvr>
   <p:timing>
     <p:tnLst>
       <p:par>
@@ -13591,7 +14980,7 @@
               <a:pPr>
                 <a:defRPr/>
               </a:pPr>
-              <a:t>07/01/2019</a:t>
+              <a:t>07/01/19</a:t>
             </a:fld>
             <a:endParaRPr lang="it-IT" altLang="it-IT" dirty="0"/>
           </a:p>
@@ -13674,7 +15063,7 @@
 </file>
 
 <file path=ppt/slides/slide20.xml><?xml version="1.0" encoding="utf-8"?>
-<p:sld xmlns:a="http://schemas.openxmlformats.org/drawingml/2006/main" xmlns:r="http://schemas.openxmlformats.org/officeDocument/2006/relationships" xmlns:p="http://schemas.openxmlformats.org/presentationml/2006/main">
+<p:sld xmlns:a="http://schemas.openxmlformats.org/drawingml/2006/main" xmlns:r="http://schemas.openxmlformats.org/officeDocument/2006/relationships" xmlns:p="http://schemas.openxmlformats.org/presentationml/2006/main" show="0">
   <p:cSld>
     <p:spTree>
       <p:nvGrpSpPr>
@@ -13742,11 +15131,11 @@
             </a:r>
             <a:r>
               <a:rPr lang="en-US" dirty="0"/>
-              <a:t>of AU occurrences in the train </a:t>
-            </a:r>
-            <a:r>
-              <a:rPr lang="en-US" dirty="0" smtClean="0"/>
-              <a:t>set.</a:t>
+              <a:t>of AU occurrences in the </a:t>
+            </a:r>
+            <a:r>
+              <a:rPr lang="en-US" dirty="0" smtClean="0"/>
+              <a:t>test set.</a:t>
             </a:r>
             <a:endParaRPr lang="en-US" dirty="0"/>
           </a:p>
@@ -13759,37 +15148,54 @@
           <a:p>
             <a:pPr lvl="1"/>
             <a:r>
-              <a:rPr lang="en-US" dirty="0"/>
-              <a:t>AU04</a:t>
+              <a:rPr lang="en-US" dirty="0" smtClean="0"/>
+              <a:t>AU</a:t>
             </a:r>
           </a:p>
           <a:p>
             <a:pPr lvl="1"/>
             <a:r>
-              <a:rPr lang="en-US" dirty="0"/>
-              <a:t>AU05</a:t>
+              <a:rPr lang="en-US" dirty="0" smtClean="0"/>
+              <a:t>AU</a:t>
             </a:r>
           </a:p>
           <a:p>
             <a:pPr lvl="1"/>
             <a:r>
-              <a:rPr lang="en-US" dirty="0"/>
-              <a:t>AU07</a:t>
+              <a:rPr lang="en-US" dirty="0" smtClean="0"/>
+              <a:t>AU</a:t>
             </a:r>
           </a:p>
           <a:p>
             <a:pPr lvl="1"/>
             <a:r>
-              <a:rPr lang="en-US" dirty="0"/>
-              <a:t>AU12</a:t>
+              <a:rPr lang="en-US" dirty="0" smtClean="0"/>
+              <a:t>AU</a:t>
             </a:r>
           </a:p>
           <a:p>
             <a:pPr lvl="1"/>
             <a:r>
-              <a:rPr lang="en-US" dirty="0"/>
-              <a:t>AU14</a:t>
-            </a:r>
+              <a:rPr lang="en-US" dirty="0" smtClean="0"/>
+              <a:t>AU</a:t>
+            </a:r>
+            <a:endParaRPr lang="en-US" dirty="0"/>
+          </a:p>
+          <a:p>
+            <a:pPr lvl="1"/>
+            <a:endParaRPr lang="en-US" dirty="0"/>
+          </a:p>
+          <a:p>
+            <a:pPr lvl="1"/>
+            <a:endParaRPr lang="en-US" dirty="0"/>
+          </a:p>
+          <a:p>
+            <a:pPr lvl="1"/>
+            <a:endParaRPr lang="en-US" dirty="0"/>
+          </a:p>
+          <a:p>
+            <a:pPr lvl="1"/>
+            <a:endParaRPr lang="en-US" dirty="0"/>
           </a:p>
         </p:txBody>
       </p:sp>
@@ -13816,7 +15222,7 @@
               <a:pPr>
                 <a:defRPr/>
               </a:pPr>
-              <a:t>07/01/2019</a:t>
+              <a:t>07/01/19</a:t>
             </a:fld>
             <a:endParaRPr lang="it-IT" altLang="it-IT"/>
           </a:p>
@@ -13876,285 +15282,6 @@
                 <a:defRPr/>
               </a:pPr>
               <a:t>20</a:t>
-            </a:fld>
-            <a:endParaRPr lang="it-IT" altLang="it-IT"/>
-          </a:p>
-        </p:txBody>
-      </p:sp>
-      <p:pic>
-        <p:nvPicPr>
-          <p:cNvPr id="7" name="Picture 6"/>
-          <p:cNvPicPr>
-            <a:picLocks noChangeAspect="1"/>
-          </p:cNvPicPr>
-          <p:nvPr/>
-        </p:nvPicPr>
-        <p:blipFill>
-          <a:blip r:embed="rId3">
-            <a:extLst>
-              <a:ext uri="{28A0092B-C50C-407E-A947-70E740481C1C}">
-                <a14:useLocalDpi xmlns:a14="http://schemas.microsoft.com/office/drawing/2010/main" val="0"/>
-              </a:ext>
-            </a:extLst>
-          </a:blip>
-          <a:stretch>
-            <a:fillRect/>
-          </a:stretch>
-        </p:blipFill>
-        <p:spPr>
-          <a:xfrm>
-            <a:off x="3131840" y="2564904"/>
-            <a:ext cx="5250583" cy="3240360"/>
-          </a:xfrm>
-          <a:prstGeom prst="rect">
-            <a:avLst/>
-          </a:prstGeom>
-        </p:spPr>
-      </p:pic>
-    </p:spTree>
-    <p:extLst>
-      <p:ext uri="{BB962C8B-B14F-4D97-AF65-F5344CB8AC3E}">
-        <p14:creationId xmlns:p14="http://schemas.microsoft.com/office/powerpoint/2010/main" val="2154832032"/>
-      </p:ext>
-    </p:extLst>
-  </p:cSld>
-  <p:clrMapOvr>
-    <a:masterClrMapping/>
-  </p:clrMapOvr>
-  <p:timing>
-    <p:tnLst>
-      <p:par>
-        <p:cTn id="1" dur="indefinite" restart="never" nodeType="tmRoot"/>
-      </p:par>
-    </p:tnLst>
-  </p:timing>
-</p:sld>
-</file>
-
-<file path=ppt/slides/slide21.xml><?xml version="1.0" encoding="utf-8"?>
-<p:sld xmlns:a="http://schemas.openxmlformats.org/drawingml/2006/main" xmlns:r="http://schemas.openxmlformats.org/officeDocument/2006/relationships" xmlns:p="http://schemas.openxmlformats.org/presentationml/2006/main">
-  <p:cSld>
-    <p:spTree>
-      <p:nvGrpSpPr>
-        <p:cNvPr id="1" name=""/>
-        <p:cNvGrpSpPr/>
-        <p:nvPr/>
-      </p:nvGrpSpPr>
-      <p:grpSpPr>
-        <a:xfrm>
-          <a:off x="0" y="0"/>
-          <a:ext cx="0" cy="0"/>
-          <a:chOff x="0" y="0"/>
-          <a:chExt cx="0" cy="0"/>
-        </a:xfrm>
-      </p:grpSpPr>
-      <p:sp>
-        <p:nvSpPr>
-          <p:cNvPr id="2" name="Title 1"/>
-          <p:cNvSpPr>
-            <a:spLocks noGrp="1"/>
-          </p:cNvSpPr>
-          <p:nvPr>
-            <p:ph type="title"/>
-          </p:nvPr>
-        </p:nvSpPr>
-        <p:spPr/>
-        <p:txBody>
-          <a:bodyPr/>
-          <a:lstStyle/>
-          <a:p>
-            <a:r>
-              <a:rPr lang="en-US" dirty="0"/>
-              <a:t>Deception Detection</a:t>
-            </a:r>
-          </a:p>
-        </p:txBody>
-      </p:sp>
-      <p:sp>
-        <p:nvSpPr>
-          <p:cNvPr id="3" name="Content Placeholder 2"/>
-          <p:cNvSpPr>
-            <a:spLocks noGrp="1"/>
-          </p:cNvSpPr>
-          <p:nvPr>
-            <p:ph idx="1"/>
-          </p:nvPr>
-        </p:nvSpPr>
-        <p:spPr>
-          <a:xfrm>
-            <a:off x="1116013" y="1203672"/>
-            <a:ext cx="7559675" cy="4385568"/>
-          </a:xfrm>
-        </p:spPr>
-        <p:txBody>
-          <a:bodyPr/>
-          <a:lstStyle/>
-          <a:p>
-            <a:r>
-              <a:rPr lang="en-US" dirty="0"/>
-              <a:t>Frequency </a:t>
-            </a:r>
-            <a:r>
-              <a:rPr lang="en-US" dirty="0" smtClean="0"/>
-              <a:t>analysis </a:t>
-            </a:r>
-            <a:r>
-              <a:rPr lang="en-US" dirty="0"/>
-              <a:t>of AU occurrences in the </a:t>
-            </a:r>
-            <a:r>
-              <a:rPr lang="en-US" dirty="0" smtClean="0"/>
-              <a:t>test </a:t>
-            </a:r>
-            <a:r>
-              <a:rPr lang="en-US" dirty="0" smtClean="0"/>
-              <a:t>set.</a:t>
-            </a:r>
-            <a:endParaRPr lang="en-US" dirty="0"/>
-          </a:p>
-          <a:p>
-            <a:r>
-              <a:rPr lang="en-US" dirty="0"/>
-              <a:t>Significant differences for truthful and deceptive in:</a:t>
-            </a:r>
-          </a:p>
-          <a:p>
-            <a:pPr lvl="1"/>
-            <a:r>
-              <a:rPr lang="en-US" dirty="0" smtClean="0"/>
-              <a:t>AU</a:t>
-            </a:r>
-          </a:p>
-          <a:p>
-            <a:pPr lvl="1"/>
-            <a:r>
-              <a:rPr lang="en-US" dirty="0" smtClean="0"/>
-              <a:t>AU</a:t>
-            </a:r>
-          </a:p>
-          <a:p>
-            <a:pPr lvl="1"/>
-            <a:r>
-              <a:rPr lang="en-US" dirty="0" smtClean="0"/>
-              <a:t>AU</a:t>
-            </a:r>
-          </a:p>
-          <a:p>
-            <a:pPr lvl="1"/>
-            <a:r>
-              <a:rPr lang="en-US" dirty="0" smtClean="0"/>
-              <a:t>AU</a:t>
-            </a:r>
-          </a:p>
-          <a:p>
-            <a:pPr lvl="1"/>
-            <a:r>
-              <a:rPr lang="en-US" dirty="0" smtClean="0"/>
-              <a:t>AU</a:t>
-            </a:r>
-            <a:endParaRPr lang="en-US" dirty="0"/>
-          </a:p>
-          <a:p>
-            <a:pPr lvl="1"/>
-            <a:endParaRPr lang="en-US" dirty="0"/>
-          </a:p>
-          <a:p>
-            <a:pPr lvl="1"/>
-            <a:endParaRPr lang="en-US" dirty="0"/>
-          </a:p>
-          <a:p>
-            <a:pPr lvl="1"/>
-            <a:endParaRPr lang="en-US" dirty="0"/>
-          </a:p>
-          <a:p>
-            <a:pPr lvl="1"/>
-            <a:endParaRPr lang="en-US" dirty="0"/>
-          </a:p>
-        </p:txBody>
-      </p:sp>
-      <p:sp>
-        <p:nvSpPr>
-          <p:cNvPr id="4" name="Date Placeholder 3"/>
-          <p:cNvSpPr>
-            <a:spLocks noGrp="1"/>
-          </p:cNvSpPr>
-          <p:nvPr>
-            <p:ph type="dt" sz="half" idx="10"/>
-          </p:nvPr>
-        </p:nvSpPr>
-        <p:spPr/>
-        <p:txBody>
-          <a:bodyPr/>
-          <a:lstStyle/>
-          <a:p>
-            <a:pPr>
-              <a:defRPr/>
-            </a:pPr>
-            <a:fld id="{B730D388-5B29-4126-AC54-A0FD22452F77}" type="datetime1">
-              <a:rPr lang="it-IT" altLang="it-IT" smtClean="0"/>
-              <a:pPr>
-                <a:defRPr/>
-              </a:pPr>
-              <a:t>07/01/2019</a:t>
-            </a:fld>
-            <a:endParaRPr lang="it-IT" altLang="it-IT"/>
-          </a:p>
-        </p:txBody>
-      </p:sp>
-      <p:sp>
-        <p:nvSpPr>
-          <p:cNvPr id="5" name="Footer Placeholder 4"/>
-          <p:cNvSpPr>
-            <a:spLocks noGrp="1"/>
-          </p:cNvSpPr>
-          <p:nvPr>
-            <p:ph type="ftr" sz="quarter" idx="11"/>
-          </p:nvPr>
-        </p:nvSpPr>
-        <p:spPr/>
-        <p:txBody>
-          <a:bodyPr/>
-          <a:lstStyle/>
-          <a:p>
-            <a:pPr>
-              <a:defRPr/>
-            </a:pPr>
-            <a:r>
-              <a:rPr lang="en-US" altLang="it-IT" dirty="0" smtClean="0"/>
-              <a:t>Deception Detection using Facial Action Units</a:t>
-            </a:r>
-            <a:endParaRPr lang="it-IT" altLang="it-IT" dirty="0"/>
-          </a:p>
-        </p:txBody>
-      </p:sp>
-      <p:sp>
-        <p:nvSpPr>
-          <p:cNvPr id="6" name="Slide Number Placeholder 5"/>
-          <p:cNvSpPr>
-            <a:spLocks noGrp="1"/>
-          </p:cNvSpPr>
-          <p:nvPr>
-            <p:ph type="sldNum" sz="quarter" idx="12"/>
-          </p:nvPr>
-        </p:nvSpPr>
-        <p:spPr/>
-        <p:txBody>
-          <a:bodyPr/>
-          <a:lstStyle/>
-          <a:p>
-            <a:pPr>
-              <a:defRPr/>
-            </a:pPr>
-            <a:r>
-              <a:rPr lang="it-IT" altLang="it-IT" smtClean="0"/>
-              <a:t>Pagina </a:t>
-            </a:r>
-            <a:fld id="{A5888ACF-FC31-4A35-9932-E1138572A9AA}" type="slidenum">
-              <a:rPr lang="it-IT" altLang="it-IT" smtClean="0"/>
-              <a:pPr>
-                <a:defRPr/>
-              </a:pPr>
-              <a:t>21</a:t>
             </a:fld>
             <a:endParaRPr lang="it-IT" altLang="it-IT"/>
           </a:p>
@@ -14194,6 +15321,14 @@
   <p:clrMapOvr>
     <a:masterClrMapping/>
   </p:clrMapOvr>
+  <mc:AlternateContent xmlns:mc="http://schemas.openxmlformats.org/markup-compatibility/2006">
+    <mc:Choice xmlns:p14="http://schemas.microsoft.com/office/powerpoint/2010/main" Requires="p14">
+      <p:transition spd="slow" p14:dur="2000"/>
+    </mc:Choice>
+    <mc:Fallback>
+      <p:transition spd="slow"/>
+    </mc:Fallback>
+  </mc:AlternateContent>
   <p:timing>
     <p:tnLst>
       <p:par>
@@ -14204,8 +15339,8 @@
 </p:sld>
 </file>
 
-<file path=ppt/slides/slide22.xml><?xml version="1.0" encoding="utf-8"?>
-<p:sld xmlns:a="http://schemas.openxmlformats.org/drawingml/2006/main" xmlns:r="http://schemas.openxmlformats.org/officeDocument/2006/relationships" xmlns:p="http://schemas.openxmlformats.org/presentationml/2006/main">
+<file path=ppt/slides/slide21.xml><?xml version="1.0" encoding="utf-8"?>
+<p:sld xmlns:a="http://schemas.openxmlformats.org/drawingml/2006/main" xmlns:r="http://schemas.openxmlformats.org/officeDocument/2006/relationships" xmlns:p="http://schemas.openxmlformats.org/presentationml/2006/main" show="0">
   <p:cSld>
     <p:spTree>
       <p:nvGrpSpPr>
@@ -14265,66 +15400,11 @@
           <a:p>
             <a:r>
               <a:rPr lang="en-US" dirty="0"/>
-              <a:t>Frequency </a:t>
-            </a:r>
-            <a:r>
-              <a:rPr lang="en-US" dirty="0" smtClean="0"/>
-              <a:t>analysis </a:t>
-            </a:r>
-            <a:r>
-              <a:rPr lang="en-US" dirty="0"/>
-              <a:t>of AU occurrences in the </a:t>
-            </a:r>
-            <a:r>
-              <a:rPr lang="en-US" dirty="0" smtClean="0"/>
-              <a:t>test </a:t>
-            </a:r>
-            <a:r>
-              <a:rPr lang="en-US" dirty="0" smtClean="0"/>
-              <a:t>set.</a:t>
-            </a:r>
+              <a:t>Variable Importance using Random Forests</a:t>
+            </a:r>
+          </a:p>
+          <a:p>
             <a:endParaRPr lang="en-US" dirty="0"/>
-          </a:p>
-          <a:p>
-            <a:r>
-              <a:rPr lang="en-US" dirty="0"/>
-              <a:t>Significant differences for truthful and deceptive in:</a:t>
-            </a:r>
-          </a:p>
-          <a:p>
-            <a:pPr lvl="1"/>
-            <a:r>
-              <a:rPr lang="en-US" dirty="0"/>
-              <a:t>AU04</a:t>
-            </a:r>
-          </a:p>
-          <a:p>
-            <a:pPr lvl="1"/>
-            <a:r>
-              <a:rPr lang="en-US" dirty="0"/>
-              <a:t>AU05</a:t>
-            </a:r>
-          </a:p>
-          <a:p>
-            <a:pPr lvl="1"/>
-            <a:r>
-              <a:rPr lang="en-US" dirty="0"/>
-              <a:t>AU07</a:t>
-            </a:r>
-          </a:p>
-          <a:p>
-            <a:pPr lvl="1"/>
-            <a:r>
-              <a:rPr lang="en-US" dirty="0"/>
-              <a:t>AU12</a:t>
-            </a:r>
-          </a:p>
-          <a:p>
-            <a:pPr lvl="1"/>
-            <a:r>
-              <a:rPr lang="en-US" dirty="0"/>
-              <a:t>AU14</a:t>
-            </a:r>
           </a:p>
         </p:txBody>
       </p:sp>
@@ -14351,7 +15431,7 @@
               <a:pPr>
                 <a:defRPr/>
               </a:pPr>
-              <a:t>07/01/2019</a:t>
+              <a:t>07/01/19</a:t>
             </a:fld>
             <a:endParaRPr lang="it-IT" altLang="it-IT"/>
           </a:p>
@@ -14410,184 +15490,7 @@
               <a:pPr>
                 <a:defRPr/>
               </a:pPr>
-              <a:t>22</a:t>
-            </a:fld>
-            <a:endParaRPr lang="it-IT" altLang="it-IT"/>
-          </a:p>
-        </p:txBody>
-      </p:sp>
-    </p:spTree>
-    <p:extLst>
-      <p:ext uri="{BB962C8B-B14F-4D97-AF65-F5344CB8AC3E}">
-        <p14:creationId xmlns:p14="http://schemas.microsoft.com/office/powerpoint/2010/main" val="2885195566"/>
-      </p:ext>
-    </p:extLst>
-  </p:cSld>
-  <p:clrMapOvr>
-    <a:masterClrMapping/>
-  </p:clrMapOvr>
-  <p:timing>
-    <p:tnLst>
-      <p:par>
-        <p:cTn id="1" dur="indefinite" restart="never" nodeType="tmRoot"/>
-      </p:par>
-    </p:tnLst>
-  </p:timing>
-</p:sld>
-</file>
-
-<file path=ppt/slides/slide23.xml><?xml version="1.0" encoding="utf-8"?>
-<p:sld xmlns:a="http://schemas.openxmlformats.org/drawingml/2006/main" xmlns:r="http://schemas.openxmlformats.org/officeDocument/2006/relationships" xmlns:p="http://schemas.openxmlformats.org/presentationml/2006/main">
-  <p:cSld>
-    <p:spTree>
-      <p:nvGrpSpPr>
-        <p:cNvPr id="1" name=""/>
-        <p:cNvGrpSpPr/>
-        <p:nvPr/>
-      </p:nvGrpSpPr>
-      <p:grpSpPr>
-        <a:xfrm>
-          <a:off x="0" y="0"/>
-          <a:ext cx="0" cy="0"/>
-          <a:chOff x="0" y="0"/>
-          <a:chExt cx="0" cy="0"/>
-        </a:xfrm>
-      </p:grpSpPr>
-      <p:sp>
-        <p:nvSpPr>
-          <p:cNvPr id="2" name="Title 1"/>
-          <p:cNvSpPr>
-            <a:spLocks noGrp="1"/>
-          </p:cNvSpPr>
-          <p:nvPr>
-            <p:ph type="title"/>
-          </p:nvPr>
-        </p:nvSpPr>
-        <p:spPr/>
-        <p:txBody>
-          <a:bodyPr/>
-          <a:lstStyle/>
-          <a:p>
-            <a:r>
-              <a:rPr lang="en-US" dirty="0"/>
-              <a:t>Deception Detection</a:t>
-            </a:r>
-          </a:p>
-        </p:txBody>
-      </p:sp>
-      <p:sp>
-        <p:nvSpPr>
-          <p:cNvPr id="3" name="Content Placeholder 2"/>
-          <p:cNvSpPr>
-            <a:spLocks noGrp="1"/>
-          </p:cNvSpPr>
-          <p:nvPr>
-            <p:ph idx="1"/>
-          </p:nvPr>
-        </p:nvSpPr>
-        <p:spPr>
-          <a:xfrm>
-            <a:off x="1116013" y="1203672"/>
-            <a:ext cx="7559675" cy="4385568"/>
-          </a:xfrm>
-        </p:spPr>
-        <p:txBody>
-          <a:bodyPr/>
-          <a:lstStyle/>
-          <a:p>
-            <a:r>
-              <a:rPr lang="en-US" dirty="0"/>
-              <a:t>Variable Importance using Random Forests</a:t>
-            </a:r>
-          </a:p>
-          <a:p>
-            <a:endParaRPr lang="en-US" dirty="0"/>
-          </a:p>
-        </p:txBody>
-      </p:sp>
-      <p:sp>
-        <p:nvSpPr>
-          <p:cNvPr id="4" name="Date Placeholder 3"/>
-          <p:cNvSpPr>
-            <a:spLocks noGrp="1"/>
-          </p:cNvSpPr>
-          <p:nvPr>
-            <p:ph type="dt" sz="half" idx="10"/>
-          </p:nvPr>
-        </p:nvSpPr>
-        <p:spPr/>
-        <p:txBody>
-          <a:bodyPr/>
-          <a:lstStyle/>
-          <a:p>
-            <a:pPr>
-              <a:defRPr/>
-            </a:pPr>
-            <a:fld id="{B730D388-5B29-4126-AC54-A0FD22452F77}" type="datetime1">
-              <a:rPr lang="it-IT" altLang="it-IT" smtClean="0"/>
-              <a:pPr>
-                <a:defRPr/>
-              </a:pPr>
-              <a:t>07/01/2019</a:t>
-            </a:fld>
-            <a:endParaRPr lang="it-IT" altLang="it-IT"/>
-          </a:p>
-        </p:txBody>
-      </p:sp>
-      <p:sp>
-        <p:nvSpPr>
-          <p:cNvPr id="5" name="Footer Placeholder 4"/>
-          <p:cNvSpPr>
-            <a:spLocks noGrp="1"/>
-          </p:cNvSpPr>
-          <p:nvPr>
-            <p:ph type="ftr" sz="quarter" idx="11"/>
-          </p:nvPr>
-        </p:nvSpPr>
-        <p:spPr/>
-        <p:txBody>
-          <a:bodyPr/>
-          <a:lstStyle/>
-          <a:p>
-            <a:pPr>
-              <a:defRPr/>
-            </a:pPr>
-            <a:r>
-              <a:rPr lang="en-US" altLang="it-IT" dirty="0" smtClean="0"/>
-              <a:t>Deception Detection using Facial Action Units</a:t>
-            </a:r>
-            <a:endParaRPr lang="it-IT" altLang="it-IT" dirty="0"/>
-          </a:p>
-        </p:txBody>
-      </p:sp>
-      <p:sp>
-        <p:nvSpPr>
-          <p:cNvPr id="6" name="Slide Number Placeholder 5"/>
-          <p:cNvSpPr>
-            <a:spLocks noGrp="1"/>
-          </p:cNvSpPr>
-          <p:nvPr>
-            <p:ph type="sldNum" sz="quarter" idx="12"/>
-          </p:nvPr>
-        </p:nvSpPr>
-        <p:spPr/>
-        <p:txBody>
-          <a:bodyPr/>
-          <a:lstStyle/>
-          <a:p>
-            <a:pPr>
-              <a:defRPr/>
-            </a:pPr>
-            <a:r>
-              <a:rPr lang="it-IT" altLang="it-IT" smtClean="0"/>
-              <a:t>Pagina </a:t>
-            </a:r>
-            <a:fld id="{A5888ACF-FC31-4A35-9932-E1138572A9AA}" type="slidenum">
-              <a:rPr lang="it-IT" altLang="it-IT" smtClean="0"/>
-              <a:pPr>
-                <a:defRPr/>
-              </a:pPr>
-              <a:t>23</a:t>
+              <a:t>21</a:t>
             </a:fld>
             <a:endParaRPr lang="it-IT" altLang="it-IT"/>
           </a:p>
@@ -14633,6 +15536,418 @@
   <p:clrMapOvr>
     <a:masterClrMapping/>
   </p:clrMapOvr>
+  <mc:AlternateContent xmlns:mc="http://schemas.openxmlformats.org/markup-compatibility/2006">
+    <mc:Choice xmlns:p14="http://schemas.microsoft.com/office/powerpoint/2010/main" Requires="p14">
+      <p:transition spd="slow" p14:dur="2000"/>
+    </mc:Choice>
+    <mc:Fallback>
+      <p:transition spd="slow"/>
+    </mc:Fallback>
+  </mc:AlternateContent>
+  <p:timing>
+    <p:tnLst>
+      <p:par>
+        <p:cTn id="1" dur="indefinite" restart="never" nodeType="tmRoot"/>
+      </p:par>
+    </p:tnLst>
+  </p:timing>
+</p:sld>
+</file>
+
+<file path=ppt/slides/slide22.xml><?xml version="1.0" encoding="utf-8"?>
+<p:sld xmlns:a="http://schemas.openxmlformats.org/drawingml/2006/main" xmlns:r="http://schemas.openxmlformats.org/officeDocument/2006/relationships" xmlns:p="http://schemas.openxmlformats.org/presentationml/2006/main">
+  <p:cSld>
+    <p:spTree>
+      <p:nvGrpSpPr>
+        <p:cNvPr id="1" name=""/>
+        <p:cNvGrpSpPr/>
+        <p:nvPr/>
+      </p:nvGrpSpPr>
+      <p:grpSpPr>
+        <a:xfrm>
+          <a:off x="0" y="0"/>
+          <a:ext cx="0" cy="0"/>
+          <a:chOff x="0" y="0"/>
+          <a:chExt cx="0" cy="0"/>
+        </a:xfrm>
+      </p:grpSpPr>
+      <p:sp>
+        <p:nvSpPr>
+          <p:cNvPr id="2" name="Title 1"/>
+          <p:cNvSpPr>
+            <a:spLocks noGrp="1"/>
+          </p:cNvSpPr>
+          <p:nvPr>
+            <p:ph type="title"/>
+          </p:nvPr>
+        </p:nvSpPr>
+        <p:spPr/>
+        <p:txBody>
+          <a:bodyPr/>
+          <a:lstStyle/>
+          <a:p>
+            <a:r>
+              <a:rPr lang="en-US" dirty="0"/>
+              <a:t>Deception </a:t>
+            </a:r>
+            <a:r>
+              <a:rPr lang="en-US" dirty="0" smtClean="0"/>
+              <a:t>Detection Results</a:t>
+            </a:r>
+            <a:endParaRPr lang="en-US" dirty="0"/>
+          </a:p>
+        </p:txBody>
+      </p:sp>
+      <p:sp>
+        <p:nvSpPr>
+          <p:cNvPr id="3" name="Content Placeholder 2"/>
+          <p:cNvSpPr>
+            <a:spLocks noGrp="1"/>
+          </p:cNvSpPr>
+          <p:nvPr>
+            <p:ph idx="1"/>
+          </p:nvPr>
+        </p:nvSpPr>
+        <p:spPr>
+          <a:xfrm>
+            <a:off x="1116013" y="1203672"/>
+            <a:ext cx="7559675" cy="4385568"/>
+          </a:xfrm>
+        </p:spPr>
+        <p:txBody>
+          <a:bodyPr/>
+          <a:lstStyle/>
+          <a:p>
+            <a:r>
+              <a:rPr lang="en-US" dirty="0"/>
+              <a:t>Classification with Radial Basis </a:t>
+            </a:r>
+            <a:r>
+              <a:rPr lang="en-US" dirty="0" smtClean="0"/>
+              <a:t>SVM</a:t>
+            </a:r>
+            <a:endParaRPr lang="en-US" dirty="0"/>
+          </a:p>
+          <a:p>
+            <a:r>
+              <a:rPr lang="en-US" dirty="0"/>
+              <a:t>72% accuracy on the test set</a:t>
+            </a:r>
+          </a:p>
+          <a:p>
+            <a:endParaRPr lang="en-US" dirty="0"/>
+          </a:p>
+        </p:txBody>
+      </p:sp>
+      <p:sp>
+        <p:nvSpPr>
+          <p:cNvPr id="4" name="Date Placeholder 3"/>
+          <p:cNvSpPr>
+            <a:spLocks noGrp="1"/>
+          </p:cNvSpPr>
+          <p:nvPr>
+            <p:ph type="dt" sz="half" idx="10"/>
+          </p:nvPr>
+        </p:nvSpPr>
+        <p:spPr/>
+        <p:txBody>
+          <a:bodyPr/>
+          <a:lstStyle/>
+          <a:p>
+            <a:pPr>
+              <a:defRPr/>
+            </a:pPr>
+            <a:fld id="{B730D388-5B29-4126-AC54-A0FD22452F77}" type="datetime1">
+              <a:rPr lang="it-IT" altLang="it-IT" smtClean="0"/>
+              <a:pPr>
+                <a:defRPr/>
+              </a:pPr>
+              <a:t>07/01/19</a:t>
+            </a:fld>
+            <a:endParaRPr lang="it-IT" altLang="it-IT"/>
+          </a:p>
+        </p:txBody>
+      </p:sp>
+      <p:sp>
+        <p:nvSpPr>
+          <p:cNvPr id="5" name="Footer Placeholder 4"/>
+          <p:cNvSpPr>
+            <a:spLocks noGrp="1"/>
+          </p:cNvSpPr>
+          <p:nvPr>
+            <p:ph type="ftr" sz="quarter" idx="11"/>
+          </p:nvPr>
+        </p:nvSpPr>
+        <p:spPr/>
+        <p:txBody>
+          <a:bodyPr/>
+          <a:lstStyle/>
+          <a:p>
+            <a:pPr>
+              <a:defRPr/>
+            </a:pPr>
+            <a:r>
+              <a:rPr lang="en-US" altLang="it-IT" dirty="0" smtClean="0"/>
+              <a:t>Deception Detection using Facial Action Units</a:t>
+            </a:r>
+            <a:endParaRPr lang="it-IT" altLang="it-IT" dirty="0"/>
+          </a:p>
+        </p:txBody>
+      </p:sp>
+      <p:sp>
+        <p:nvSpPr>
+          <p:cNvPr id="6" name="Slide Number Placeholder 5"/>
+          <p:cNvSpPr>
+            <a:spLocks noGrp="1"/>
+          </p:cNvSpPr>
+          <p:nvPr>
+            <p:ph type="sldNum" sz="quarter" idx="12"/>
+          </p:nvPr>
+        </p:nvSpPr>
+        <p:spPr/>
+        <p:txBody>
+          <a:bodyPr/>
+          <a:lstStyle/>
+          <a:p>
+            <a:pPr>
+              <a:defRPr/>
+            </a:pPr>
+            <a:r>
+              <a:rPr lang="it-IT" altLang="it-IT" smtClean="0"/>
+              <a:t>Pagina </a:t>
+            </a:r>
+            <a:fld id="{A5888ACF-FC31-4A35-9932-E1138572A9AA}" type="slidenum">
+              <a:rPr lang="it-IT" altLang="it-IT" smtClean="0"/>
+              <a:pPr>
+                <a:defRPr/>
+              </a:pPr>
+              <a:t>22</a:t>
+            </a:fld>
+            <a:endParaRPr lang="it-IT" altLang="it-IT"/>
+          </a:p>
+        </p:txBody>
+      </p:sp>
+    </p:spTree>
+    <p:extLst>
+      <p:ext uri="{BB962C8B-B14F-4D97-AF65-F5344CB8AC3E}">
+        <p14:creationId xmlns:p14="http://schemas.microsoft.com/office/powerpoint/2010/main" val="2986061911"/>
+      </p:ext>
+    </p:extLst>
+  </p:cSld>
+  <p:clrMapOvr>
+    <a:masterClrMapping/>
+  </p:clrMapOvr>
+  <p:timing>
+    <p:tnLst>
+      <p:par>
+        <p:cTn id="1" dur="indefinite" restart="never" nodeType="tmRoot"/>
+      </p:par>
+    </p:tnLst>
+  </p:timing>
+</p:sld>
+</file>
+
+<file path=ppt/slides/slide23.xml><?xml version="1.0" encoding="utf-8"?>
+<p:sld xmlns:a="http://schemas.openxmlformats.org/drawingml/2006/main" xmlns:r="http://schemas.openxmlformats.org/officeDocument/2006/relationships" xmlns:p="http://schemas.openxmlformats.org/presentationml/2006/main">
+  <p:cSld>
+    <p:spTree>
+      <p:nvGrpSpPr>
+        <p:cNvPr id="1" name=""/>
+        <p:cNvGrpSpPr/>
+        <p:nvPr/>
+      </p:nvGrpSpPr>
+      <p:grpSpPr>
+        <a:xfrm>
+          <a:off x="0" y="0"/>
+          <a:ext cx="0" cy="0"/>
+          <a:chOff x="0" y="0"/>
+          <a:chExt cx="0" cy="0"/>
+        </a:xfrm>
+      </p:grpSpPr>
+      <p:sp>
+        <p:nvSpPr>
+          <p:cNvPr id="2" name="Title 1"/>
+          <p:cNvSpPr>
+            <a:spLocks noGrp="1"/>
+          </p:cNvSpPr>
+          <p:nvPr>
+            <p:ph type="title"/>
+          </p:nvPr>
+        </p:nvSpPr>
+        <p:spPr/>
+        <p:txBody>
+          <a:bodyPr/>
+          <a:lstStyle/>
+          <a:p>
+            <a:r>
+              <a:rPr lang="en-US" dirty="0" smtClean="0"/>
+              <a:t>Future Work</a:t>
+            </a:r>
+            <a:endParaRPr lang="en-US" dirty="0"/>
+          </a:p>
+        </p:txBody>
+      </p:sp>
+      <p:sp>
+        <p:nvSpPr>
+          <p:cNvPr id="3" name="Content Placeholder 2"/>
+          <p:cNvSpPr>
+            <a:spLocks noGrp="1"/>
+          </p:cNvSpPr>
+          <p:nvPr>
+            <p:ph idx="1"/>
+          </p:nvPr>
+        </p:nvSpPr>
+        <p:spPr>
+          <a:xfrm>
+            <a:off x="1116013" y="1203672"/>
+            <a:ext cx="7559675" cy="4385568"/>
+          </a:xfrm>
+        </p:spPr>
+        <p:txBody>
+          <a:bodyPr/>
+          <a:lstStyle/>
+          <a:p>
+            <a:r>
+              <a:rPr lang="en-US" dirty="0"/>
+              <a:t>Bigger dataset containing videos of better quality;</a:t>
+            </a:r>
+          </a:p>
+          <a:p>
+            <a:r>
+              <a:rPr lang="en-US" dirty="0"/>
+              <a:t>Temporal information for Action Units using </a:t>
+            </a:r>
+            <a:r>
+              <a:rPr lang="en-US" dirty="0" smtClean="0"/>
+              <a:t>LSTM;</a:t>
+            </a:r>
+          </a:p>
+          <a:p>
+            <a:r>
+              <a:rPr lang="en-US" dirty="0" smtClean="0"/>
+              <a:t>Analyze </a:t>
+            </a:r>
+            <a:r>
+              <a:rPr lang="en-US" dirty="0" smtClean="0"/>
+              <a:t>interactions;</a:t>
+            </a:r>
+            <a:endParaRPr lang="en-US" dirty="0"/>
+          </a:p>
+          <a:p>
+            <a:r>
+              <a:rPr lang="en-US" dirty="0"/>
+              <a:t>Multimodal approach (thermal, body, </a:t>
+            </a:r>
+            <a:r>
+              <a:rPr lang="en-US" dirty="0" smtClean="0"/>
+              <a:t>words</a:t>
+            </a:r>
+            <a:r>
+              <a:rPr lang="en-US" dirty="0" smtClean="0"/>
+              <a:t>);</a:t>
+            </a:r>
+            <a:endParaRPr lang="en-US" dirty="0" smtClean="0"/>
+          </a:p>
+        </p:txBody>
+      </p:sp>
+      <p:sp>
+        <p:nvSpPr>
+          <p:cNvPr id="4" name="Date Placeholder 3"/>
+          <p:cNvSpPr>
+            <a:spLocks noGrp="1"/>
+          </p:cNvSpPr>
+          <p:nvPr>
+            <p:ph type="dt" sz="half" idx="10"/>
+          </p:nvPr>
+        </p:nvSpPr>
+        <p:spPr/>
+        <p:txBody>
+          <a:bodyPr/>
+          <a:lstStyle/>
+          <a:p>
+            <a:pPr>
+              <a:defRPr/>
+            </a:pPr>
+            <a:fld id="{B730D388-5B29-4126-AC54-A0FD22452F77}" type="datetime1">
+              <a:rPr lang="it-IT" altLang="it-IT" smtClean="0"/>
+              <a:pPr>
+                <a:defRPr/>
+              </a:pPr>
+              <a:t>07/01/19</a:t>
+            </a:fld>
+            <a:endParaRPr lang="it-IT" altLang="it-IT"/>
+          </a:p>
+        </p:txBody>
+      </p:sp>
+      <p:sp>
+        <p:nvSpPr>
+          <p:cNvPr id="5" name="Footer Placeholder 4"/>
+          <p:cNvSpPr>
+            <a:spLocks noGrp="1"/>
+          </p:cNvSpPr>
+          <p:nvPr>
+            <p:ph type="ftr" sz="quarter" idx="11"/>
+          </p:nvPr>
+        </p:nvSpPr>
+        <p:spPr/>
+        <p:txBody>
+          <a:bodyPr/>
+          <a:lstStyle/>
+          <a:p>
+            <a:pPr>
+              <a:defRPr/>
+            </a:pPr>
+            <a:r>
+              <a:rPr lang="en-US" altLang="it-IT" dirty="0" smtClean="0"/>
+              <a:t>Deception Detection using Facial Action Units</a:t>
+            </a:r>
+            <a:endParaRPr lang="it-IT" altLang="it-IT" dirty="0"/>
+          </a:p>
+        </p:txBody>
+      </p:sp>
+      <p:sp>
+        <p:nvSpPr>
+          <p:cNvPr id="6" name="Slide Number Placeholder 5"/>
+          <p:cNvSpPr>
+            <a:spLocks noGrp="1"/>
+          </p:cNvSpPr>
+          <p:nvPr>
+            <p:ph type="sldNum" sz="quarter" idx="12"/>
+          </p:nvPr>
+        </p:nvSpPr>
+        <p:spPr/>
+        <p:txBody>
+          <a:bodyPr/>
+          <a:lstStyle/>
+          <a:p>
+            <a:pPr>
+              <a:defRPr/>
+            </a:pPr>
+            <a:r>
+              <a:rPr lang="it-IT" altLang="it-IT" smtClean="0"/>
+              <a:t>Pagina </a:t>
+            </a:r>
+            <a:fld id="{A5888ACF-FC31-4A35-9932-E1138572A9AA}" type="slidenum">
+              <a:rPr lang="it-IT" altLang="it-IT" smtClean="0"/>
+              <a:pPr>
+                <a:defRPr/>
+              </a:pPr>
+              <a:t>23</a:t>
+            </a:fld>
+            <a:endParaRPr lang="it-IT" altLang="it-IT"/>
+          </a:p>
+        </p:txBody>
+      </p:sp>
+    </p:spTree>
+    <p:extLst>
+      <p:ext uri="{BB962C8B-B14F-4D97-AF65-F5344CB8AC3E}">
+        <p14:creationId xmlns:p14="http://schemas.microsoft.com/office/powerpoint/2010/main" val="713683551"/>
+      </p:ext>
+    </p:extLst>
+  </p:cSld>
+  <p:clrMapOvr>
+    <a:masterClrMapping/>
+  </p:clrMapOvr>
   <p:timing>
     <p:tnLst>
       <p:par>
@@ -14662,69 +15977,6 @@
       </p:grpSpPr>
       <p:sp>
         <p:nvSpPr>
-          <p:cNvPr id="2" name="Title 1"/>
-          <p:cNvSpPr>
-            <a:spLocks noGrp="1"/>
-          </p:cNvSpPr>
-          <p:nvPr>
-            <p:ph type="title"/>
-          </p:nvPr>
-        </p:nvSpPr>
-        <p:spPr/>
-        <p:txBody>
-          <a:bodyPr/>
-          <a:lstStyle/>
-          <a:p>
-            <a:r>
-              <a:rPr lang="en-US" dirty="0"/>
-              <a:t>Deception </a:t>
-            </a:r>
-            <a:r>
-              <a:rPr lang="en-US" dirty="0" smtClean="0"/>
-              <a:t>Detection Results</a:t>
-            </a:r>
-            <a:endParaRPr lang="en-US" dirty="0"/>
-          </a:p>
-        </p:txBody>
-      </p:sp>
-      <p:sp>
-        <p:nvSpPr>
-          <p:cNvPr id="3" name="Content Placeholder 2"/>
-          <p:cNvSpPr>
-            <a:spLocks noGrp="1"/>
-          </p:cNvSpPr>
-          <p:nvPr>
-            <p:ph idx="1"/>
-          </p:nvPr>
-        </p:nvSpPr>
-        <p:spPr>
-          <a:xfrm>
-            <a:off x="1116013" y="1203672"/>
-            <a:ext cx="7559675" cy="4385568"/>
-          </a:xfrm>
-        </p:spPr>
-        <p:txBody>
-          <a:bodyPr/>
-          <a:lstStyle/>
-          <a:p>
-            <a:r>
-              <a:rPr lang="en-US" dirty="0"/>
-              <a:t>Classification with Radial Basis SVM</a:t>
-            </a:r>
-          </a:p>
-          <a:p>
-            <a:r>
-              <a:rPr lang="en-US" dirty="0"/>
-              <a:t>72% accuracy on the test set</a:t>
-            </a:r>
-          </a:p>
-          <a:p>
-            <a:endParaRPr lang="en-US" dirty="0"/>
-          </a:p>
-        </p:txBody>
-      </p:sp>
-      <p:sp>
-        <p:nvSpPr>
           <p:cNvPr id="4" name="Date Placeholder 3"/>
           <p:cNvSpPr>
             <a:spLocks noGrp="1"/>
@@ -14746,7 +15998,7 @@
               <a:pPr>
                 <a:defRPr/>
               </a:pPr>
-              <a:t>07/01/2019</a:t>
+              <a:t>07/01/19</a:t>
             </a:fld>
             <a:endParaRPr lang="it-IT" altLang="it-IT"/>
           </a:p>
@@ -14806,380 +16058,6 @@
                 <a:defRPr/>
               </a:pPr>
               <a:t>24</a:t>
-            </a:fld>
-            <a:endParaRPr lang="it-IT" altLang="it-IT"/>
-          </a:p>
-        </p:txBody>
-      </p:sp>
-      <p:pic>
-        <p:nvPicPr>
-          <p:cNvPr id="7" name="Picture 6"/>
-          <p:cNvPicPr>
-            <a:picLocks noChangeAspect="1"/>
-          </p:cNvPicPr>
-          <p:nvPr/>
-        </p:nvPicPr>
-        <p:blipFill>
-          <a:blip r:embed="rId3"/>
-          <a:stretch>
-            <a:fillRect/>
-          </a:stretch>
-        </p:blipFill>
-        <p:spPr>
-          <a:xfrm>
-            <a:off x="5652120" y="2636912"/>
-            <a:ext cx="2625080" cy="2614322"/>
-          </a:xfrm>
-          <a:prstGeom prst="rect">
-            <a:avLst/>
-          </a:prstGeom>
-        </p:spPr>
-      </p:pic>
-    </p:spTree>
-    <p:extLst>
-      <p:ext uri="{BB962C8B-B14F-4D97-AF65-F5344CB8AC3E}">
-        <p14:creationId xmlns:p14="http://schemas.microsoft.com/office/powerpoint/2010/main" val="2986061911"/>
-      </p:ext>
-    </p:extLst>
-  </p:cSld>
-  <p:clrMapOvr>
-    <a:masterClrMapping/>
-  </p:clrMapOvr>
-  <p:timing>
-    <p:tnLst>
-      <p:par>
-        <p:cTn id="1" dur="indefinite" restart="never" nodeType="tmRoot"/>
-      </p:par>
-    </p:tnLst>
-  </p:timing>
-</p:sld>
-</file>
-
-<file path=ppt/slides/slide25.xml><?xml version="1.0" encoding="utf-8"?>
-<p:sld xmlns:a="http://schemas.openxmlformats.org/drawingml/2006/main" xmlns:r="http://schemas.openxmlformats.org/officeDocument/2006/relationships" xmlns:p="http://schemas.openxmlformats.org/presentationml/2006/main">
-  <p:cSld>
-    <p:spTree>
-      <p:nvGrpSpPr>
-        <p:cNvPr id="1" name=""/>
-        <p:cNvGrpSpPr/>
-        <p:nvPr/>
-      </p:nvGrpSpPr>
-      <p:grpSpPr>
-        <a:xfrm>
-          <a:off x="0" y="0"/>
-          <a:ext cx="0" cy="0"/>
-          <a:chOff x="0" y="0"/>
-          <a:chExt cx="0" cy="0"/>
-        </a:xfrm>
-      </p:grpSpPr>
-      <p:sp>
-        <p:nvSpPr>
-          <p:cNvPr id="2" name="Title 1"/>
-          <p:cNvSpPr>
-            <a:spLocks noGrp="1"/>
-          </p:cNvSpPr>
-          <p:nvPr>
-            <p:ph type="title"/>
-          </p:nvPr>
-        </p:nvSpPr>
-        <p:spPr/>
-        <p:txBody>
-          <a:bodyPr/>
-          <a:lstStyle/>
-          <a:p>
-            <a:r>
-              <a:rPr lang="en-US" dirty="0" smtClean="0"/>
-              <a:t>Future Work</a:t>
-            </a:r>
-            <a:endParaRPr lang="en-US" dirty="0"/>
-          </a:p>
-        </p:txBody>
-      </p:sp>
-      <p:sp>
-        <p:nvSpPr>
-          <p:cNvPr id="3" name="Content Placeholder 2"/>
-          <p:cNvSpPr>
-            <a:spLocks noGrp="1"/>
-          </p:cNvSpPr>
-          <p:nvPr>
-            <p:ph idx="1"/>
-          </p:nvPr>
-        </p:nvSpPr>
-        <p:spPr>
-          <a:xfrm>
-            <a:off x="1116013" y="1203672"/>
-            <a:ext cx="7559675" cy="4385568"/>
-          </a:xfrm>
-        </p:spPr>
-        <p:txBody>
-          <a:bodyPr/>
-          <a:lstStyle/>
-          <a:p>
-            <a:r>
-              <a:rPr lang="en-US" dirty="0"/>
-              <a:t>Bigger dataset containing videos of better quality;</a:t>
-            </a:r>
-          </a:p>
-          <a:p>
-            <a:r>
-              <a:rPr lang="en-US" dirty="0"/>
-              <a:t>Temporal information for Action Units using </a:t>
-            </a:r>
-            <a:r>
-              <a:rPr lang="en-US" dirty="0" smtClean="0"/>
-              <a:t>LSTM;</a:t>
-            </a:r>
-            <a:endParaRPr lang="en-US" dirty="0"/>
-          </a:p>
-          <a:p>
-            <a:r>
-              <a:rPr lang="en-US" dirty="0"/>
-              <a:t>Extend extraction to more than one </a:t>
-            </a:r>
-            <a:r>
-              <a:rPr lang="en-US" dirty="0" smtClean="0"/>
-              <a:t>person;</a:t>
-            </a:r>
-            <a:endParaRPr lang="en-US" dirty="0"/>
-          </a:p>
-          <a:p>
-            <a:r>
-              <a:rPr lang="en-US" dirty="0"/>
-              <a:t>Analyze </a:t>
-            </a:r>
-            <a:r>
-              <a:rPr lang="en-US" dirty="0" smtClean="0"/>
-              <a:t>interactions;</a:t>
-            </a:r>
-            <a:endParaRPr lang="en-US" dirty="0"/>
-          </a:p>
-          <a:p>
-            <a:r>
-              <a:rPr lang="en-US" dirty="0"/>
-              <a:t>Multimodal approach (thermal, body, </a:t>
-            </a:r>
-            <a:r>
-              <a:rPr lang="en-US" dirty="0" smtClean="0"/>
-              <a:t>words);</a:t>
-            </a:r>
-          </a:p>
-          <a:p>
-            <a:r>
-              <a:rPr lang="en-US" dirty="0" smtClean="0"/>
-              <a:t>Implement heuristics based on psychological studies.</a:t>
-            </a:r>
-            <a:endParaRPr lang="en-US" dirty="0"/>
-          </a:p>
-        </p:txBody>
-      </p:sp>
-      <p:sp>
-        <p:nvSpPr>
-          <p:cNvPr id="4" name="Date Placeholder 3"/>
-          <p:cNvSpPr>
-            <a:spLocks noGrp="1"/>
-          </p:cNvSpPr>
-          <p:nvPr>
-            <p:ph type="dt" sz="half" idx="10"/>
-          </p:nvPr>
-        </p:nvSpPr>
-        <p:spPr/>
-        <p:txBody>
-          <a:bodyPr/>
-          <a:lstStyle/>
-          <a:p>
-            <a:pPr>
-              <a:defRPr/>
-            </a:pPr>
-            <a:fld id="{B730D388-5B29-4126-AC54-A0FD22452F77}" type="datetime1">
-              <a:rPr lang="it-IT" altLang="it-IT" smtClean="0"/>
-              <a:pPr>
-                <a:defRPr/>
-              </a:pPr>
-              <a:t>07/01/2019</a:t>
-            </a:fld>
-            <a:endParaRPr lang="it-IT" altLang="it-IT"/>
-          </a:p>
-        </p:txBody>
-      </p:sp>
-      <p:sp>
-        <p:nvSpPr>
-          <p:cNvPr id="5" name="Footer Placeholder 4"/>
-          <p:cNvSpPr>
-            <a:spLocks noGrp="1"/>
-          </p:cNvSpPr>
-          <p:nvPr>
-            <p:ph type="ftr" sz="quarter" idx="11"/>
-          </p:nvPr>
-        </p:nvSpPr>
-        <p:spPr/>
-        <p:txBody>
-          <a:bodyPr/>
-          <a:lstStyle/>
-          <a:p>
-            <a:pPr>
-              <a:defRPr/>
-            </a:pPr>
-            <a:r>
-              <a:rPr lang="en-US" altLang="it-IT" dirty="0" smtClean="0"/>
-              <a:t>Deception Detection using Facial Action Units</a:t>
-            </a:r>
-            <a:endParaRPr lang="it-IT" altLang="it-IT" dirty="0"/>
-          </a:p>
-        </p:txBody>
-      </p:sp>
-      <p:sp>
-        <p:nvSpPr>
-          <p:cNvPr id="6" name="Slide Number Placeholder 5"/>
-          <p:cNvSpPr>
-            <a:spLocks noGrp="1"/>
-          </p:cNvSpPr>
-          <p:nvPr>
-            <p:ph type="sldNum" sz="quarter" idx="12"/>
-          </p:nvPr>
-        </p:nvSpPr>
-        <p:spPr/>
-        <p:txBody>
-          <a:bodyPr/>
-          <a:lstStyle/>
-          <a:p>
-            <a:pPr>
-              <a:defRPr/>
-            </a:pPr>
-            <a:r>
-              <a:rPr lang="it-IT" altLang="it-IT" smtClean="0"/>
-              <a:t>Pagina </a:t>
-            </a:r>
-            <a:fld id="{A5888ACF-FC31-4A35-9932-E1138572A9AA}" type="slidenum">
-              <a:rPr lang="it-IT" altLang="it-IT" smtClean="0"/>
-              <a:pPr>
-                <a:defRPr/>
-              </a:pPr>
-              <a:t>25</a:t>
-            </a:fld>
-            <a:endParaRPr lang="it-IT" altLang="it-IT"/>
-          </a:p>
-        </p:txBody>
-      </p:sp>
-    </p:spTree>
-    <p:extLst>
-      <p:ext uri="{BB962C8B-B14F-4D97-AF65-F5344CB8AC3E}">
-        <p14:creationId xmlns:p14="http://schemas.microsoft.com/office/powerpoint/2010/main" val="713683551"/>
-      </p:ext>
-    </p:extLst>
-  </p:cSld>
-  <p:clrMapOvr>
-    <a:masterClrMapping/>
-  </p:clrMapOvr>
-  <p:timing>
-    <p:tnLst>
-      <p:par>
-        <p:cTn id="1" dur="indefinite" restart="never" nodeType="tmRoot"/>
-      </p:par>
-    </p:tnLst>
-  </p:timing>
-</p:sld>
-</file>
-
-<file path=ppt/slides/slide26.xml><?xml version="1.0" encoding="utf-8"?>
-<p:sld xmlns:a="http://schemas.openxmlformats.org/drawingml/2006/main" xmlns:r="http://schemas.openxmlformats.org/officeDocument/2006/relationships" xmlns:p="http://schemas.openxmlformats.org/presentationml/2006/main">
-  <p:cSld>
-    <p:spTree>
-      <p:nvGrpSpPr>
-        <p:cNvPr id="1" name=""/>
-        <p:cNvGrpSpPr/>
-        <p:nvPr/>
-      </p:nvGrpSpPr>
-      <p:grpSpPr>
-        <a:xfrm>
-          <a:off x="0" y="0"/>
-          <a:ext cx="0" cy="0"/>
-          <a:chOff x="0" y="0"/>
-          <a:chExt cx="0" cy="0"/>
-        </a:xfrm>
-      </p:grpSpPr>
-      <p:sp>
-        <p:nvSpPr>
-          <p:cNvPr id="4" name="Date Placeholder 3"/>
-          <p:cNvSpPr>
-            <a:spLocks noGrp="1"/>
-          </p:cNvSpPr>
-          <p:nvPr>
-            <p:ph type="dt" sz="half" idx="10"/>
-          </p:nvPr>
-        </p:nvSpPr>
-        <p:spPr/>
-        <p:txBody>
-          <a:bodyPr/>
-          <a:lstStyle/>
-          <a:p>
-            <a:pPr>
-              <a:defRPr/>
-            </a:pPr>
-            <a:fld id="{B730D388-5B29-4126-AC54-A0FD22452F77}" type="datetime1">
-              <a:rPr lang="it-IT" altLang="it-IT" smtClean="0"/>
-              <a:pPr>
-                <a:defRPr/>
-              </a:pPr>
-              <a:t>07/01/2019</a:t>
-            </a:fld>
-            <a:endParaRPr lang="it-IT" altLang="it-IT"/>
-          </a:p>
-        </p:txBody>
-      </p:sp>
-      <p:sp>
-        <p:nvSpPr>
-          <p:cNvPr id="5" name="Footer Placeholder 4"/>
-          <p:cNvSpPr>
-            <a:spLocks noGrp="1"/>
-          </p:cNvSpPr>
-          <p:nvPr>
-            <p:ph type="ftr" sz="quarter" idx="11"/>
-          </p:nvPr>
-        </p:nvSpPr>
-        <p:spPr/>
-        <p:txBody>
-          <a:bodyPr/>
-          <a:lstStyle/>
-          <a:p>
-            <a:pPr>
-              <a:defRPr/>
-            </a:pPr>
-            <a:r>
-              <a:rPr lang="en-US" altLang="it-IT" dirty="0" smtClean="0"/>
-              <a:t>Deception Detection using Facial Action Units</a:t>
-            </a:r>
-            <a:endParaRPr lang="it-IT" altLang="it-IT" dirty="0"/>
-          </a:p>
-        </p:txBody>
-      </p:sp>
-      <p:sp>
-        <p:nvSpPr>
-          <p:cNvPr id="6" name="Slide Number Placeholder 5"/>
-          <p:cNvSpPr>
-            <a:spLocks noGrp="1"/>
-          </p:cNvSpPr>
-          <p:nvPr>
-            <p:ph type="sldNum" sz="quarter" idx="12"/>
-          </p:nvPr>
-        </p:nvSpPr>
-        <p:spPr/>
-        <p:txBody>
-          <a:bodyPr/>
-          <a:lstStyle/>
-          <a:p>
-            <a:pPr>
-              <a:defRPr/>
-            </a:pPr>
-            <a:r>
-              <a:rPr lang="it-IT" altLang="it-IT" smtClean="0"/>
-              <a:t>Pagina </a:t>
-            </a:r>
-            <a:fld id="{A5888ACF-FC31-4A35-9932-E1138572A9AA}" type="slidenum">
-              <a:rPr lang="it-IT" altLang="it-IT" smtClean="0"/>
-              <a:pPr>
-                <a:defRPr/>
-              </a:pPr>
-              <a:t>26</a:t>
             </a:fld>
             <a:endParaRPr lang="it-IT" altLang="it-IT"/>
           </a:p>
@@ -15399,7 +16277,7 @@
 </p:sld>
 </file>
 
-<file path=ppt/slides/slide27.xml><?xml version="1.0" encoding="utf-8"?>
+<file path=ppt/slides/slide25.xml><?xml version="1.0" encoding="utf-8"?>
 <p:sld xmlns:a="http://schemas.openxmlformats.org/drawingml/2006/main" xmlns:r="http://schemas.openxmlformats.org/officeDocument/2006/relationships" xmlns:p="http://schemas.openxmlformats.org/presentationml/2006/main">
   <p:cSld>
     <p:spTree>
@@ -15463,7 +16341,7 @@
               <a:pPr>
                 <a:defRPr/>
               </a:pPr>
-              <a:t>07/01/2019</a:t>
+              <a:t>07/01/19</a:t>
             </a:fld>
             <a:endParaRPr lang="it-IT" altLang="it-IT"/>
           </a:p>
@@ -15522,7 +16400,7 @@
               <a:pPr>
                 <a:defRPr/>
               </a:pPr>
-              <a:t>27</a:t>
+              <a:t>25</a:t>
             </a:fld>
             <a:endParaRPr lang="it-IT" altLang="it-IT"/>
           </a:p>
@@ -15691,7 +16569,7 @@
               <a:pPr>
                 <a:defRPr/>
               </a:pPr>
-              <a:t>07/01/2019</a:t>
+              <a:t>07/01/19</a:t>
             </a:fld>
             <a:endParaRPr lang="it-IT" altLang="it-IT"/>
           </a:p>
@@ -15917,7 +16795,7 @@
               <a:pPr>
                 <a:defRPr/>
               </a:pPr>
-              <a:t>07/01/2019</a:t>
+              <a:t>07/01/19</a:t>
             </a:fld>
             <a:endParaRPr lang="it-IT" altLang="it-IT"/>
           </a:p>
@@ -16005,7 +16883,7 @@
         </p:blipFill>
         <p:spPr bwMode="auto">
           <a:xfrm>
-            <a:off x="2769307" y="3140968"/>
+            <a:off x="2771800" y="3140968"/>
             <a:ext cx="4253086" cy="2551853"/>
           </a:xfrm>
           <a:prstGeom prst="rect">
@@ -16104,16 +16982,30 @@
           <a:lstStyle/>
           <a:p>
             <a:r>
-              <a:rPr lang="en-US" dirty="0" smtClean="0"/>
-              <a:t>Psychological</a:t>
-            </a:r>
+              <a:rPr lang="en-US" dirty="0" err="1" smtClean="0"/>
+              <a:t>Pysiological</a:t>
+            </a:r>
+            <a:endParaRPr lang="en-US" dirty="0" smtClean="0"/>
           </a:p>
           <a:p>
             <a:pPr lvl="1"/>
             <a:r>
               <a:rPr lang="en-US" dirty="0" smtClean="0"/>
-              <a:t>Body language, micro-expressions, eye position;</a:t>
-            </a:r>
+              <a:t>Body language, </a:t>
+            </a:r>
+            <a:r>
+              <a:rPr lang="en-US" dirty="0" smtClean="0"/>
+              <a:t>gesture, </a:t>
+            </a:r>
+            <a:r>
+              <a:rPr lang="en-US" dirty="0" smtClean="0"/>
+              <a:t>eye </a:t>
+            </a:r>
+            <a:r>
+              <a:rPr lang="en-US" dirty="0" smtClean="0"/>
+              <a:t>position, expressions;</a:t>
+            </a:r>
+            <a:endParaRPr lang="en-US" dirty="0" smtClean="0"/>
           </a:p>
           <a:p>
             <a:r>
@@ -16138,14 +17030,27 @@
             <a:pPr lvl="1"/>
             <a:r>
               <a:rPr lang="en-US" dirty="0" smtClean="0"/>
-              <a:t>EEG, fMRI;</a:t>
-            </a:r>
-          </a:p>
-          <a:p>
+              <a:t>EEG, </a:t>
+            </a:r>
+            <a:r>
+              <a:rPr lang="en-US" dirty="0" smtClean="0"/>
+              <a:t>fMRI, </a:t>
+            </a:r>
+            <a:br>
+              <a:rPr lang="en-US" dirty="0" smtClean="0"/>
+            </a:br>
             <a:r>
               <a:rPr lang="en-US" dirty="0" smtClean="0"/>
               <a:t>Polygraph</a:t>
             </a:r>
+            <a:r>
+              <a:rPr lang="en-US" dirty="0"/>
+              <a:t>;</a:t>
+            </a:r>
+            <a:endParaRPr lang="en-US" dirty="0" smtClean="0"/>
+          </a:p>
+          <a:p>
+            <a:endParaRPr lang="en-US" dirty="0" smtClean="0"/>
           </a:p>
           <a:p>
             <a:pPr marL="0" indent="0">
@@ -16181,7 +17086,7 @@
               <a:pPr>
                 <a:defRPr/>
               </a:pPr>
-              <a:t>07/01/2019</a:t>
+              <a:t>07/01/19</a:t>
             </a:fld>
             <a:endParaRPr lang="it-IT" altLang="it-IT"/>
           </a:p>
@@ -16393,7 +17298,7 @@
               <a:pPr>
                 <a:defRPr/>
               </a:pPr>
-              <a:t>07/01/2019</a:t>
+              <a:t>07/01/19</a:t>
             </a:fld>
             <a:endParaRPr lang="it-IT" altLang="it-IT"/>
           </a:p>
@@ -16607,7 +17512,7 @@
               <a:pPr>
                 <a:defRPr/>
               </a:pPr>
-              <a:t>07/01/2019</a:t>
+              <a:t>07/01/19</a:t>
             </a:fld>
             <a:endParaRPr lang="it-IT" altLang="it-IT"/>
           </a:p>
@@ -16880,7 +17785,7 @@
               <a:pPr>
                 <a:defRPr/>
               </a:pPr>
-              <a:t>07/01/2019</a:t>
+              <a:t>07/01/19</a:t>
             </a:fld>
             <a:endParaRPr lang="it-IT" altLang="it-IT"/>
           </a:p>
@@ -17056,48 +17961,50 @@
           <a:lstStyle/>
           <a:p>
             <a:r>
-              <a:rPr lang="en-US" i="1" dirty="0"/>
-              <a:t>Model based </a:t>
-            </a:r>
-            <a:r>
-              <a:rPr lang="en-US" dirty="0" smtClean="0"/>
-              <a:t>approach models </a:t>
+              <a:rPr lang="en-US" dirty="0" smtClean="0"/>
+              <a:t>Convolutional </a:t>
             </a:r>
             <a:r>
               <a:rPr lang="en-US" dirty="0"/>
-              <a:t>both appearance and shape of facial landmarks explicitly with the </a:t>
-            </a:r>
-            <a:r>
-              <a:rPr lang="en-US" dirty="0" smtClean="0"/>
-              <a:t>latter constraining </a:t>
-            </a:r>
+              <a:t>Experts Constrained Local Model (CE-CLM) </a:t>
+            </a:r>
+          </a:p>
+          <a:p>
+            <a:pPr lvl="1"/>
             <a:r>
               <a:rPr lang="en-US" dirty="0"/>
-              <a:t>the search space and providing a form of </a:t>
-            </a:r>
-            <a:r>
-              <a:rPr lang="en-US" dirty="0" smtClean="0"/>
-              <a:t>regularization</a:t>
-            </a:r>
-          </a:p>
-          <a:p>
-            <a:r>
-              <a:rPr lang="en-US" dirty="0" smtClean="0"/>
-              <a:t>Two Phases:</a:t>
-            </a:r>
-          </a:p>
-          <a:p>
-            <a:pPr lvl="1"/>
-            <a:r>
-              <a:rPr lang="en-US" dirty="0" smtClean="0"/>
-              <a:t>Response map computation using Convolutional Experts Network</a:t>
-            </a:r>
-          </a:p>
-          <a:p>
-            <a:pPr lvl="1"/>
-            <a:r>
-              <a:rPr lang="en-US" dirty="0" smtClean="0"/>
-              <a:t>Shape parameter update</a:t>
+              <a:t>Convolutional Experts Network as local detector</a:t>
+            </a:r>
+          </a:p>
+          <a:p>
+            <a:pPr lvl="2"/>
+            <a:r>
+              <a:rPr lang="en-US" dirty="0" smtClean="0"/>
+              <a:t>Response </a:t>
+            </a:r>
+            <a:r>
+              <a:rPr lang="en-US" dirty="0"/>
+              <a:t>map to </a:t>
+            </a:r>
+            <a:r>
+              <a:rPr lang="en-US" dirty="0" smtClean="0"/>
+              <a:t>localize </a:t>
+            </a:r>
+            <a:r>
+              <a:rPr lang="en-US" dirty="0"/>
+              <a:t>individual </a:t>
+            </a:r>
+            <a:r>
+              <a:rPr lang="en-US" dirty="0" smtClean="0"/>
+              <a:t>landmarks in a ROI.</a:t>
+            </a:r>
+            <a:endParaRPr lang="en-US" dirty="0"/>
+          </a:p>
+          <a:p>
+            <a:pPr lvl="2"/>
+            <a:r>
+              <a:rPr lang="en-US" dirty="0"/>
+              <a:t>Individual landmark alignment is estimated independently of the position of other landmarks. </a:t>
             </a:r>
           </a:p>
         </p:txBody>
@@ -17125,7 +18032,7 @@
               <a:pPr>
                 <a:defRPr/>
               </a:pPr>
-              <a:t>07/01/2019</a:t>
+              <a:t>07/01/19</a:t>
             </a:fld>
             <a:endParaRPr lang="it-IT" altLang="it-IT"/>
           </a:p>
@@ -17206,8 +18113,8 @@
         </p:blipFill>
         <p:spPr>
           <a:xfrm>
-            <a:off x="2628528" y="4376564"/>
-            <a:ext cx="4534643" cy="1534247"/>
+            <a:off x="1547664" y="3501008"/>
+            <a:ext cx="6172010" cy="2088232"/>
           </a:xfrm>
           <a:prstGeom prst="rect">
             <a:avLst/>
@@ -17217,7 +18124,7 @@
     </p:spTree>
     <p:extLst>
       <p:ext uri="{BB962C8B-B14F-4D97-AF65-F5344CB8AC3E}">
-        <p14:creationId xmlns:p14="http://schemas.microsoft.com/office/powerpoint/2010/main" val="2006325038"/>
+        <p14:creationId xmlns:p14="http://schemas.microsoft.com/office/powerpoint/2010/main" val="3781537407"/>
       </p:ext>
     </p:extLst>
   </p:cSld>

--- a/Tesi Emanuele Orfanelli 1383726.pptx
+++ b/Tesi Emanuele Orfanelli 1383726.pptx
@@ -227,7 +227,7 @@
           <p:cNvPr id="3074" name="Rectangle 2">
             <a:extLst>
               <a:ext uri="{FF2B5EF4-FFF2-40B4-BE49-F238E27FC236}">
-                <a16:creationId xmlns:a16="http://schemas.microsoft.com/office/drawing/2014/main" id="{812E55EB-21FE-4355-BF4B-8CFDCE6A07DC}"/>
+                <a16:creationId xmlns:a16="http://schemas.microsoft.com/office/drawing/2014/main" xmlns="" id="{812E55EB-21FE-4355-BF4B-8CFDCE6A07DC}"/>
               </a:ext>
             </a:extLst>
           </p:cNvPr>
@@ -298,7 +298,7 @@
           <p:cNvPr id="3075" name="Rectangle 3">
             <a:extLst>
               <a:ext uri="{FF2B5EF4-FFF2-40B4-BE49-F238E27FC236}">
-                <a16:creationId xmlns:a16="http://schemas.microsoft.com/office/drawing/2014/main" id="{5884A3D8-82D8-406D-AE77-85A07DF4E1E2}"/>
+                <a16:creationId xmlns:a16="http://schemas.microsoft.com/office/drawing/2014/main" xmlns="" id="{5884A3D8-82D8-406D-AE77-85A07DF4E1E2}"/>
               </a:ext>
             </a:extLst>
           </p:cNvPr>
@@ -369,7 +369,7 @@
           <p:cNvPr id="3076" name="Rectangle 4">
             <a:extLst>
               <a:ext uri="{FF2B5EF4-FFF2-40B4-BE49-F238E27FC236}">
-                <a16:creationId xmlns:a16="http://schemas.microsoft.com/office/drawing/2014/main" id="{F7215AAB-996D-4F84-BDCB-BDD6EE316991}"/>
+                <a16:creationId xmlns:a16="http://schemas.microsoft.com/office/drawing/2014/main" xmlns="" id="{F7215AAB-996D-4F84-BDCB-BDD6EE316991}"/>
               </a:ext>
             </a:extLst>
           </p:cNvPr>
@@ -440,7 +440,7 @@
           <p:cNvPr id="3077" name="Rectangle 5">
             <a:extLst>
               <a:ext uri="{FF2B5EF4-FFF2-40B4-BE49-F238E27FC236}">
-                <a16:creationId xmlns:a16="http://schemas.microsoft.com/office/drawing/2014/main" id="{3146A847-D07C-492B-B675-ED550D9E6D9F}"/>
+                <a16:creationId xmlns:a16="http://schemas.microsoft.com/office/drawing/2014/main" xmlns="" id="{3146A847-D07C-492B-B675-ED550D9E6D9F}"/>
               </a:ext>
             </a:extLst>
           </p:cNvPr>
@@ -549,7 +549,7 @@
           <p:cNvPr id="5122" name="Rectangle 2">
             <a:extLst>
               <a:ext uri="{FF2B5EF4-FFF2-40B4-BE49-F238E27FC236}">
-                <a16:creationId xmlns:a16="http://schemas.microsoft.com/office/drawing/2014/main" id="{93C255EA-2895-4348-9711-EE4506355D4A}"/>
+                <a16:creationId xmlns:a16="http://schemas.microsoft.com/office/drawing/2014/main" xmlns="" id="{93C255EA-2895-4348-9711-EE4506355D4A}"/>
               </a:ext>
             </a:extLst>
           </p:cNvPr>
@@ -620,7 +620,7 @@
           <p:cNvPr id="5123" name="Rectangle 3">
             <a:extLst>
               <a:ext uri="{FF2B5EF4-FFF2-40B4-BE49-F238E27FC236}">
-                <a16:creationId xmlns:a16="http://schemas.microsoft.com/office/drawing/2014/main" id="{557E82AA-A9E2-41F7-AFDD-F694C689D5C5}"/>
+                <a16:creationId xmlns:a16="http://schemas.microsoft.com/office/drawing/2014/main" xmlns="" id="{557E82AA-A9E2-41F7-AFDD-F694C689D5C5}"/>
               </a:ext>
             </a:extLst>
           </p:cNvPr>
@@ -742,7 +742,7 @@
           <p:cNvPr id="5125" name="Rectangle 5">
             <a:extLst>
               <a:ext uri="{FF2B5EF4-FFF2-40B4-BE49-F238E27FC236}">
-                <a16:creationId xmlns:a16="http://schemas.microsoft.com/office/drawing/2014/main" id="{563E4E19-A835-4BA0-83E4-DD90A91F627E}"/>
+                <a16:creationId xmlns:a16="http://schemas.microsoft.com/office/drawing/2014/main" xmlns="" id="{563E4E19-A835-4BA0-83E4-DD90A91F627E}"/>
               </a:ext>
             </a:extLst>
           </p:cNvPr>
@@ -834,7 +834,7 @@
           <p:cNvPr id="5126" name="Rectangle 6">
             <a:extLst>
               <a:ext uri="{FF2B5EF4-FFF2-40B4-BE49-F238E27FC236}">
-                <a16:creationId xmlns:a16="http://schemas.microsoft.com/office/drawing/2014/main" id="{6C70CE83-D827-44F8-B24F-B034C73B6290}"/>
+                <a16:creationId xmlns:a16="http://schemas.microsoft.com/office/drawing/2014/main" xmlns="" id="{6C70CE83-D827-44F8-B24F-B034C73B6290}"/>
               </a:ext>
             </a:extLst>
           </p:cNvPr>
@@ -905,7 +905,7 @@
           <p:cNvPr id="5127" name="Rectangle 7">
             <a:extLst>
               <a:ext uri="{FF2B5EF4-FFF2-40B4-BE49-F238E27FC236}">
-                <a16:creationId xmlns:a16="http://schemas.microsoft.com/office/drawing/2014/main" id="{B42D10D8-7FB3-48EB-9933-A3246227371B}"/>
+                <a16:creationId xmlns:a16="http://schemas.microsoft.com/office/drawing/2014/main" xmlns="" id="{B42D10D8-7FB3-48EB-9933-A3246227371B}"/>
               </a:ext>
             </a:extLst>
           </p:cNvPr>
@@ -1317,18 +1317,30 @@
             </a:r>
             <a:r>
               <a:rPr lang="it-IT" altLang="it-IT" baseline="0" dirty="0" smtClean="0"/>
-              <a:t> diretto dal prof 5 per questo progetto di tesi. Tale lavoro riguarda un sistema di riconoscimento delle menzogne usando Action Unit facciali</a:t>
-            </a:r>
+              <a:t> diretto dal prof 5 per questo progetto di tesi. Tale lavoro riguarda un sistema di riconoscimento delle menzogne usando Action Unit facciali.</a:t>
+            </a:r>
+          </a:p>
+          <a:p>
+            <a:pPr eaLnBrk="1" hangingPunct="1"/>
             <a:r>
               <a:rPr lang="it-IT" altLang="it-IT" baseline="0" dirty="0" smtClean="0"/>
-              <a:t>.</a:t>
-            </a:r>
-          </a:p>
-          <a:p>
-            <a:pPr eaLnBrk="1" hangingPunct="1"/>
+              <a:t>Il lavoro che ho svolto riguarda un sistema di riconoscimento delle </a:t>
+            </a:r>
+            <a:r>
+              <a:rPr lang="it-IT" altLang="it-IT" baseline="0" smtClean="0"/>
+              <a:t>menzogne </a:t>
+            </a:r>
+            <a:r>
+              <a:rPr lang="it-IT" altLang="it-IT" baseline="0" smtClean="0"/>
+              <a:t>utilizzando </a:t>
+            </a:r>
             <a:r>
               <a:rPr lang="it-IT" altLang="it-IT" baseline="0" dirty="0" smtClean="0"/>
-              <a:t>Il lavoro che ho svolto riguarda un sistema di riconoscimento delle menzogne usando Action Unit facciali. Le AU sono dei piccoli movimenti dei muscoli facciali.</a:t>
+              <a:t>dei piccoli movimenti facciali, le Action Unit. </a:t>
+            </a:r>
+            <a:r>
+              <a:rPr lang="it-IT" altLang="it-IT" baseline="0" dirty="0" smtClean="0"/>
+              <a:t>Le AU sono dei piccoli movimenti dei muscoli facciali.</a:t>
             </a:r>
             <a:endParaRPr lang="it-IT" altLang="it-IT" dirty="0" smtClean="0"/>
           </a:p>
@@ -4062,11 +4074,7 @@
             </a:r>
             <a:r>
               <a:rPr lang="en-US" baseline="0" dirty="0" smtClean="0"/>
-              <a:t> </a:t>
-            </a:r>
-            <a:r>
-              <a:rPr lang="en-US" baseline="0" dirty="0" smtClean="0"/>
-              <a:t>vi </a:t>
+              <a:t> vi </a:t>
             </a:r>
             <a:r>
               <a:rPr lang="en-US" baseline="0" dirty="0" err="1" smtClean="0"/>
@@ -6863,19 +6871,7 @@
                 <a:ea typeface="ＭＳ Ｐゴシック" panose="020B0600070205080204" pitchFamily="34" charset="-128"/>
                 <a:cs typeface="+mn-cs"/>
               </a:rPr>
-              <a:t> </a:t>
-            </a:r>
-            <a:r>
-              <a:rPr lang="en-US" sz="1200" b="0" i="0" kern="1200" baseline="0" dirty="0" smtClean="0">
-                <a:solidFill>
-                  <a:schemeClr val="tx1"/>
-                </a:solidFill>
-                <a:effectLst/>
-                <a:latin typeface="Arial" panose="020B0604020202020204" pitchFamily="34" charset="0"/>
-                <a:ea typeface="ＭＳ Ｐゴシック" panose="020B0600070205080204" pitchFamily="34" charset="-128"/>
-                <a:cs typeface="+mn-cs"/>
-              </a:rPr>
-              <a:t>video</a:t>
+              <a:t> video</a:t>
             </a:r>
             <a:endParaRPr lang="en-US" sz="1200" b="0" i="0" kern="1200" dirty="0" smtClean="0">
               <a:solidFill>
@@ -7073,7 +7069,6 @@
               <a:rPr lang="en-US" baseline="0" dirty="0" smtClean="0"/>
               <a:t> CEN: </a:t>
             </a:r>
-            <a:endParaRPr lang="en-US" baseline="0" dirty="0" smtClean="0"/>
           </a:p>
           <a:p>
             <a:pPr marL="0" indent="0">
@@ -7086,11 +7081,7 @@
             </a:r>
             <a:r>
               <a:rPr lang="en-US" baseline="0" dirty="0" smtClean="0"/>
-              <a:t> </a:t>
-            </a:r>
-            <a:r>
-              <a:rPr lang="en-US" baseline="0" dirty="0" smtClean="0"/>
-              <a:t>in input </a:t>
+              <a:t> in input </a:t>
             </a:r>
             <a:r>
               <a:rPr lang="en-US" baseline="0" dirty="0" err="1" smtClean="0"/>
@@ -7281,6 +7272,9 @@
               <a:rPr lang="en-US" baseline="0" dirty="0" smtClean="0"/>
               <a:t> la forma)</a:t>
             </a:r>
+            <a:br>
+              <a:rPr lang="en-US" baseline="0" dirty="0" smtClean="0"/>
+            </a:br>
             <a:r>
               <a:rPr lang="en-US" baseline="0" dirty="0" smtClean="0"/>
               <a:t/>
@@ -7297,18 +7291,7 @@
             </a:br>
             <a:r>
               <a:rPr lang="en-US" baseline="0" dirty="0" smtClean="0"/>
-              <a:t/>
-            </a:r>
-            <a:br>
-              <a:rPr lang="en-US" baseline="0" dirty="0" smtClean="0"/>
-            </a:br>
-            <a:r>
-              <a:rPr lang="en-US" baseline="0" dirty="0" smtClean="0"/>
-              <a:t>COSA e’ UNA CEN? PERCHE’ LA USO</a:t>
-            </a:r>
-            <a:r>
-              <a:rPr lang="en-US" baseline="0" dirty="0" smtClean="0"/>
-              <a:t>?</a:t>
+              <a:t>COSA e’ UNA CEN? PERCHE’ LA USO?</a:t>
             </a:r>
           </a:p>
           <a:p>
@@ -7503,7 +7486,7 @@
           <p:cNvPr id="4" name="Rectangle 4">
             <a:extLst>
               <a:ext uri="{FF2B5EF4-FFF2-40B4-BE49-F238E27FC236}">
-                <a16:creationId xmlns:a16="http://schemas.microsoft.com/office/drawing/2014/main" id="{27C267A1-2AF1-4BAB-899A-BAEE6EA5E9F5}"/>
+                <a16:creationId xmlns:a16="http://schemas.microsoft.com/office/drawing/2014/main" xmlns="" id="{27C267A1-2AF1-4BAB-899A-BAEE6EA5E9F5}"/>
               </a:ext>
             </a:extLst>
           </p:cNvPr>
@@ -7533,7 +7516,7 @@
               <a:pPr>
                 <a:defRPr/>
               </a:pPr>
-              <a:t>08/01/2019</a:t>
+              <a:t>08/01/19</a:t>
             </a:fld>
             <a:endParaRPr lang="it-IT" altLang="it-IT"/>
           </a:p>
@@ -7544,7 +7527,7 @@
           <p:cNvPr id="5" name="Rectangle 5">
             <a:extLst>
               <a:ext uri="{FF2B5EF4-FFF2-40B4-BE49-F238E27FC236}">
-                <a16:creationId xmlns:a16="http://schemas.microsoft.com/office/drawing/2014/main" id="{93460F73-1466-40C4-8356-BFCECFE77ED3}"/>
+                <a16:creationId xmlns:a16="http://schemas.microsoft.com/office/drawing/2014/main" xmlns="" id="{93460F73-1466-40C4-8356-BFCECFE77ED3}"/>
               </a:ext>
             </a:extLst>
           </p:cNvPr>
@@ -7582,7 +7565,7 @@
           <p:cNvPr id="6" name="Rectangle 6">
             <a:extLst>
               <a:ext uri="{FF2B5EF4-FFF2-40B4-BE49-F238E27FC236}">
-                <a16:creationId xmlns:a16="http://schemas.microsoft.com/office/drawing/2014/main" id="{27D44E63-9809-41ED-A8C1-E987F5F91BE6}"/>
+                <a16:creationId xmlns:a16="http://schemas.microsoft.com/office/drawing/2014/main" xmlns="" id="{27D44E63-9809-41ED-A8C1-E987F5F91BE6}"/>
               </a:ext>
             </a:extLst>
           </p:cNvPr>
@@ -7730,7 +7713,7 @@
           <p:cNvPr id="4" name="Rectangle 4">
             <a:extLst>
               <a:ext uri="{FF2B5EF4-FFF2-40B4-BE49-F238E27FC236}">
-                <a16:creationId xmlns:a16="http://schemas.microsoft.com/office/drawing/2014/main" id="{27C267A1-2AF1-4BAB-899A-BAEE6EA5E9F5}"/>
+                <a16:creationId xmlns:a16="http://schemas.microsoft.com/office/drawing/2014/main" xmlns="" id="{27C267A1-2AF1-4BAB-899A-BAEE6EA5E9F5}"/>
               </a:ext>
             </a:extLst>
           </p:cNvPr>
@@ -7760,7 +7743,7 @@
               <a:pPr>
                 <a:defRPr/>
               </a:pPr>
-              <a:t>08/01/2019</a:t>
+              <a:t>08/01/19</a:t>
             </a:fld>
             <a:endParaRPr lang="it-IT" altLang="it-IT"/>
           </a:p>
@@ -7771,7 +7754,7 @@
           <p:cNvPr id="5" name="Rectangle 5">
             <a:extLst>
               <a:ext uri="{FF2B5EF4-FFF2-40B4-BE49-F238E27FC236}">
-                <a16:creationId xmlns:a16="http://schemas.microsoft.com/office/drawing/2014/main" id="{93460F73-1466-40C4-8356-BFCECFE77ED3}"/>
+                <a16:creationId xmlns:a16="http://schemas.microsoft.com/office/drawing/2014/main" xmlns="" id="{93460F73-1466-40C4-8356-BFCECFE77ED3}"/>
               </a:ext>
             </a:extLst>
           </p:cNvPr>
@@ -7809,7 +7792,7 @@
           <p:cNvPr id="6" name="Rectangle 6">
             <a:extLst>
               <a:ext uri="{FF2B5EF4-FFF2-40B4-BE49-F238E27FC236}">
-                <a16:creationId xmlns:a16="http://schemas.microsoft.com/office/drawing/2014/main" id="{27D44E63-9809-41ED-A8C1-E987F5F91BE6}"/>
+                <a16:creationId xmlns:a16="http://schemas.microsoft.com/office/drawing/2014/main" xmlns="" id="{27D44E63-9809-41ED-A8C1-E987F5F91BE6}"/>
               </a:ext>
             </a:extLst>
           </p:cNvPr>
@@ -7967,7 +7950,7 @@
           <p:cNvPr id="4" name="Rectangle 4">
             <a:extLst>
               <a:ext uri="{FF2B5EF4-FFF2-40B4-BE49-F238E27FC236}">
-                <a16:creationId xmlns:a16="http://schemas.microsoft.com/office/drawing/2014/main" id="{27C267A1-2AF1-4BAB-899A-BAEE6EA5E9F5}"/>
+                <a16:creationId xmlns:a16="http://schemas.microsoft.com/office/drawing/2014/main" xmlns="" id="{27C267A1-2AF1-4BAB-899A-BAEE6EA5E9F5}"/>
               </a:ext>
             </a:extLst>
           </p:cNvPr>
@@ -7997,7 +7980,7 @@
               <a:pPr>
                 <a:defRPr/>
               </a:pPr>
-              <a:t>08/01/2019</a:t>
+              <a:t>08/01/19</a:t>
             </a:fld>
             <a:endParaRPr lang="it-IT" altLang="it-IT"/>
           </a:p>
@@ -8008,7 +7991,7 @@
           <p:cNvPr id="5" name="Rectangle 5">
             <a:extLst>
               <a:ext uri="{FF2B5EF4-FFF2-40B4-BE49-F238E27FC236}">
-                <a16:creationId xmlns:a16="http://schemas.microsoft.com/office/drawing/2014/main" id="{93460F73-1466-40C4-8356-BFCECFE77ED3}"/>
+                <a16:creationId xmlns:a16="http://schemas.microsoft.com/office/drawing/2014/main" xmlns="" id="{93460F73-1466-40C4-8356-BFCECFE77ED3}"/>
               </a:ext>
             </a:extLst>
           </p:cNvPr>
@@ -8046,7 +8029,7 @@
           <p:cNvPr id="6" name="Rectangle 6">
             <a:extLst>
               <a:ext uri="{FF2B5EF4-FFF2-40B4-BE49-F238E27FC236}">
-                <a16:creationId xmlns:a16="http://schemas.microsoft.com/office/drawing/2014/main" id="{27D44E63-9809-41ED-A8C1-E987F5F91BE6}"/>
+                <a16:creationId xmlns:a16="http://schemas.microsoft.com/office/drawing/2014/main" xmlns="" id="{27D44E63-9809-41ED-A8C1-E987F5F91BE6}"/>
               </a:ext>
             </a:extLst>
           </p:cNvPr>
@@ -8260,7 +8243,7 @@
           <p:cNvPr id="5" name="Rectangle 4">
             <a:extLst>
               <a:ext uri="{FF2B5EF4-FFF2-40B4-BE49-F238E27FC236}">
-                <a16:creationId xmlns:a16="http://schemas.microsoft.com/office/drawing/2014/main" id="{27C267A1-2AF1-4BAB-899A-BAEE6EA5E9F5}"/>
+                <a16:creationId xmlns:a16="http://schemas.microsoft.com/office/drawing/2014/main" xmlns="" id="{27C267A1-2AF1-4BAB-899A-BAEE6EA5E9F5}"/>
               </a:ext>
             </a:extLst>
           </p:cNvPr>
@@ -8290,7 +8273,7 @@
               <a:pPr>
                 <a:defRPr/>
               </a:pPr>
-              <a:t>08/01/2019</a:t>
+              <a:t>08/01/19</a:t>
             </a:fld>
             <a:endParaRPr lang="it-IT" altLang="it-IT"/>
           </a:p>
@@ -8301,7 +8284,7 @@
           <p:cNvPr id="6" name="Rectangle 5">
             <a:extLst>
               <a:ext uri="{FF2B5EF4-FFF2-40B4-BE49-F238E27FC236}">
-                <a16:creationId xmlns:a16="http://schemas.microsoft.com/office/drawing/2014/main" id="{93460F73-1466-40C4-8356-BFCECFE77ED3}"/>
+                <a16:creationId xmlns:a16="http://schemas.microsoft.com/office/drawing/2014/main" xmlns="" id="{93460F73-1466-40C4-8356-BFCECFE77ED3}"/>
               </a:ext>
             </a:extLst>
           </p:cNvPr>
@@ -8339,7 +8322,7 @@
           <p:cNvPr id="7" name="Rectangle 6">
             <a:extLst>
               <a:ext uri="{FF2B5EF4-FFF2-40B4-BE49-F238E27FC236}">
-                <a16:creationId xmlns:a16="http://schemas.microsoft.com/office/drawing/2014/main" id="{27D44E63-9809-41ED-A8C1-E987F5F91BE6}"/>
+                <a16:creationId xmlns:a16="http://schemas.microsoft.com/office/drawing/2014/main" xmlns="" id="{27D44E63-9809-41ED-A8C1-E987F5F91BE6}"/>
               </a:ext>
             </a:extLst>
           </p:cNvPr>
@@ -8466,7 +8449,7 @@
           <p:cNvPr id="4" name="Rectangle 4">
             <a:extLst>
               <a:ext uri="{FF2B5EF4-FFF2-40B4-BE49-F238E27FC236}">
-                <a16:creationId xmlns:a16="http://schemas.microsoft.com/office/drawing/2014/main" id="{27C267A1-2AF1-4BAB-899A-BAEE6EA5E9F5}"/>
+                <a16:creationId xmlns:a16="http://schemas.microsoft.com/office/drawing/2014/main" xmlns="" id="{27C267A1-2AF1-4BAB-899A-BAEE6EA5E9F5}"/>
               </a:ext>
             </a:extLst>
           </p:cNvPr>
@@ -8496,7 +8479,7 @@
               <a:pPr>
                 <a:defRPr/>
               </a:pPr>
-              <a:t>08/01/2019</a:t>
+              <a:t>08/01/19</a:t>
             </a:fld>
             <a:endParaRPr lang="it-IT" altLang="it-IT"/>
           </a:p>
@@ -8507,7 +8490,7 @@
           <p:cNvPr id="5" name="Rectangle 5">
             <a:extLst>
               <a:ext uri="{FF2B5EF4-FFF2-40B4-BE49-F238E27FC236}">
-                <a16:creationId xmlns:a16="http://schemas.microsoft.com/office/drawing/2014/main" id="{93460F73-1466-40C4-8356-BFCECFE77ED3}"/>
+                <a16:creationId xmlns:a16="http://schemas.microsoft.com/office/drawing/2014/main" xmlns="" id="{93460F73-1466-40C4-8356-BFCECFE77ED3}"/>
               </a:ext>
             </a:extLst>
           </p:cNvPr>
@@ -8545,7 +8528,7 @@
           <p:cNvPr id="6" name="Rectangle 6">
             <a:extLst>
               <a:ext uri="{FF2B5EF4-FFF2-40B4-BE49-F238E27FC236}">
-                <a16:creationId xmlns:a16="http://schemas.microsoft.com/office/drawing/2014/main" id="{27D44E63-9809-41ED-A8C1-E987F5F91BE6}"/>
+                <a16:creationId xmlns:a16="http://schemas.microsoft.com/office/drawing/2014/main" xmlns="" id="{27D44E63-9809-41ED-A8C1-E987F5F91BE6}"/>
               </a:ext>
             </a:extLst>
           </p:cNvPr>
@@ -8672,7 +8655,7 @@
           <p:cNvPr id="4" name="Rectangle 4">
             <a:extLst>
               <a:ext uri="{FF2B5EF4-FFF2-40B4-BE49-F238E27FC236}">
-                <a16:creationId xmlns:a16="http://schemas.microsoft.com/office/drawing/2014/main" id="{27C267A1-2AF1-4BAB-899A-BAEE6EA5E9F5}"/>
+                <a16:creationId xmlns:a16="http://schemas.microsoft.com/office/drawing/2014/main" xmlns="" id="{27C267A1-2AF1-4BAB-899A-BAEE6EA5E9F5}"/>
               </a:ext>
             </a:extLst>
           </p:cNvPr>
@@ -8702,7 +8685,7 @@
               <a:pPr>
                 <a:defRPr/>
               </a:pPr>
-              <a:t>08/01/2019</a:t>
+              <a:t>08/01/19</a:t>
             </a:fld>
             <a:endParaRPr lang="it-IT" altLang="it-IT"/>
           </a:p>
@@ -8713,7 +8696,7 @@
           <p:cNvPr id="5" name="Rectangle 5">
             <a:extLst>
               <a:ext uri="{FF2B5EF4-FFF2-40B4-BE49-F238E27FC236}">
-                <a16:creationId xmlns:a16="http://schemas.microsoft.com/office/drawing/2014/main" id="{93460F73-1466-40C4-8356-BFCECFE77ED3}"/>
+                <a16:creationId xmlns:a16="http://schemas.microsoft.com/office/drawing/2014/main" xmlns="" id="{93460F73-1466-40C4-8356-BFCECFE77ED3}"/>
               </a:ext>
             </a:extLst>
           </p:cNvPr>
@@ -8751,7 +8734,7 @@
           <p:cNvPr id="6" name="Rectangle 6">
             <a:extLst>
               <a:ext uri="{FF2B5EF4-FFF2-40B4-BE49-F238E27FC236}">
-                <a16:creationId xmlns:a16="http://schemas.microsoft.com/office/drawing/2014/main" id="{27D44E63-9809-41ED-A8C1-E987F5F91BE6}"/>
+                <a16:creationId xmlns:a16="http://schemas.microsoft.com/office/drawing/2014/main" xmlns="" id="{27D44E63-9809-41ED-A8C1-E987F5F91BE6}"/>
               </a:ext>
             </a:extLst>
           </p:cNvPr>
@@ -8899,7 +8882,7 @@
           <p:cNvPr id="4" name="Rectangle 4">
             <a:extLst>
               <a:ext uri="{FF2B5EF4-FFF2-40B4-BE49-F238E27FC236}">
-                <a16:creationId xmlns:a16="http://schemas.microsoft.com/office/drawing/2014/main" id="{27C267A1-2AF1-4BAB-899A-BAEE6EA5E9F5}"/>
+                <a16:creationId xmlns:a16="http://schemas.microsoft.com/office/drawing/2014/main" xmlns="" id="{27C267A1-2AF1-4BAB-899A-BAEE6EA5E9F5}"/>
               </a:ext>
             </a:extLst>
           </p:cNvPr>
@@ -8929,7 +8912,7 @@
               <a:pPr>
                 <a:defRPr/>
               </a:pPr>
-              <a:t>08/01/2019</a:t>
+              <a:t>08/01/19</a:t>
             </a:fld>
             <a:endParaRPr lang="it-IT" altLang="it-IT"/>
           </a:p>
@@ -8940,7 +8923,7 @@
           <p:cNvPr id="5" name="Rectangle 5">
             <a:extLst>
               <a:ext uri="{FF2B5EF4-FFF2-40B4-BE49-F238E27FC236}">
-                <a16:creationId xmlns:a16="http://schemas.microsoft.com/office/drawing/2014/main" id="{93460F73-1466-40C4-8356-BFCECFE77ED3}"/>
+                <a16:creationId xmlns:a16="http://schemas.microsoft.com/office/drawing/2014/main" xmlns="" id="{93460F73-1466-40C4-8356-BFCECFE77ED3}"/>
               </a:ext>
             </a:extLst>
           </p:cNvPr>
@@ -8978,7 +8961,7 @@
           <p:cNvPr id="6" name="Rectangle 6">
             <a:extLst>
               <a:ext uri="{FF2B5EF4-FFF2-40B4-BE49-F238E27FC236}">
-                <a16:creationId xmlns:a16="http://schemas.microsoft.com/office/drawing/2014/main" id="{27D44E63-9809-41ED-A8C1-E987F5F91BE6}"/>
+                <a16:creationId xmlns:a16="http://schemas.microsoft.com/office/drawing/2014/main" xmlns="" id="{27D44E63-9809-41ED-A8C1-E987F5F91BE6}"/>
               </a:ext>
             </a:extLst>
           </p:cNvPr>
@@ -9149,7 +9132,7 @@
           <p:cNvPr id="4" name="Rectangle 4">
             <a:extLst>
               <a:ext uri="{FF2B5EF4-FFF2-40B4-BE49-F238E27FC236}">
-                <a16:creationId xmlns:a16="http://schemas.microsoft.com/office/drawing/2014/main" id="{27C267A1-2AF1-4BAB-899A-BAEE6EA5E9F5}"/>
+                <a16:creationId xmlns:a16="http://schemas.microsoft.com/office/drawing/2014/main" xmlns="" id="{27C267A1-2AF1-4BAB-899A-BAEE6EA5E9F5}"/>
               </a:ext>
             </a:extLst>
           </p:cNvPr>
@@ -9179,7 +9162,7 @@
               <a:pPr>
                 <a:defRPr/>
               </a:pPr>
-              <a:t>08/01/2019</a:t>
+              <a:t>08/01/19</a:t>
             </a:fld>
             <a:endParaRPr lang="it-IT" altLang="it-IT"/>
           </a:p>
@@ -9190,7 +9173,7 @@
           <p:cNvPr id="5" name="Rectangle 5">
             <a:extLst>
               <a:ext uri="{FF2B5EF4-FFF2-40B4-BE49-F238E27FC236}">
-                <a16:creationId xmlns:a16="http://schemas.microsoft.com/office/drawing/2014/main" id="{93460F73-1466-40C4-8356-BFCECFE77ED3}"/>
+                <a16:creationId xmlns:a16="http://schemas.microsoft.com/office/drawing/2014/main" xmlns="" id="{93460F73-1466-40C4-8356-BFCECFE77ED3}"/>
               </a:ext>
             </a:extLst>
           </p:cNvPr>
@@ -9228,7 +9211,7 @@
           <p:cNvPr id="6" name="Rectangle 6">
             <a:extLst>
               <a:ext uri="{FF2B5EF4-FFF2-40B4-BE49-F238E27FC236}">
-                <a16:creationId xmlns:a16="http://schemas.microsoft.com/office/drawing/2014/main" id="{27D44E63-9809-41ED-A8C1-E987F5F91BE6}"/>
+                <a16:creationId xmlns:a16="http://schemas.microsoft.com/office/drawing/2014/main" xmlns="" id="{27D44E63-9809-41ED-A8C1-E987F5F91BE6}"/>
               </a:ext>
             </a:extLst>
           </p:cNvPr>
@@ -9437,7 +9420,7 @@
           <p:cNvPr id="5" name="Rectangle 4">
             <a:extLst>
               <a:ext uri="{FF2B5EF4-FFF2-40B4-BE49-F238E27FC236}">
-                <a16:creationId xmlns:a16="http://schemas.microsoft.com/office/drawing/2014/main" id="{27C267A1-2AF1-4BAB-899A-BAEE6EA5E9F5}"/>
+                <a16:creationId xmlns:a16="http://schemas.microsoft.com/office/drawing/2014/main" xmlns="" id="{27C267A1-2AF1-4BAB-899A-BAEE6EA5E9F5}"/>
               </a:ext>
             </a:extLst>
           </p:cNvPr>
@@ -9467,7 +9450,7 @@
               <a:pPr>
                 <a:defRPr/>
               </a:pPr>
-              <a:t>08/01/2019</a:t>
+              <a:t>08/01/19</a:t>
             </a:fld>
             <a:endParaRPr lang="it-IT" altLang="it-IT"/>
           </a:p>
@@ -9478,7 +9461,7 @@
           <p:cNvPr id="6" name="Rectangle 5">
             <a:extLst>
               <a:ext uri="{FF2B5EF4-FFF2-40B4-BE49-F238E27FC236}">
-                <a16:creationId xmlns:a16="http://schemas.microsoft.com/office/drawing/2014/main" id="{93460F73-1466-40C4-8356-BFCECFE77ED3}"/>
+                <a16:creationId xmlns:a16="http://schemas.microsoft.com/office/drawing/2014/main" xmlns="" id="{93460F73-1466-40C4-8356-BFCECFE77ED3}"/>
               </a:ext>
             </a:extLst>
           </p:cNvPr>
@@ -9516,7 +9499,7 @@
           <p:cNvPr id="7" name="Rectangle 6">
             <a:extLst>
               <a:ext uri="{FF2B5EF4-FFF2-40B4-BE49-F238E27FC236}">
-                <a16:creationId xmlns:a16="http://schemas.microsoft.com/office/drawing/2014/main" id="{27D44E63-9809-41ED-A8C1-E987F5F91BE6}"/>
+                <a16:creationId xmlns:a16="http://schemas.microsoft.com/office/drawing/2014/main" xmlns="" id="{27D44E63-9809-41ED-A8C1-E987F5F91BE6}"/>
               </a:ext>
             </a:extLst>
           </p:cNvPr>
@@ -9860,7 +9843,7 @@
           <p:cNvPr id="7" name="Rectangle 4">
             <a:extLst>
               <a:ext uri="{FF2B5EF4-FFF2-40B4-BE49-F238E27FC236}">
-                <a16:creationId xmlns:a16="http://schemas.microsoft.com/office/drawing/2014/main" id="{27C267A1-2AF1-4BAB-899A-BAEE6EA5E9F5}"/>
+                <a16:creationId xmlns:a16="http://schemas.microsoft.com/office/drawing/2014/main" xmlns="" id="{27C267A1-2AF1-4BAB-899A-BAEE6EA5E9F5}"/>
               </a:ext>
             </a:extLst>
           </p:cNvPr>
@@ -9890,7 +9873,7 @@
               <a:pPr>
                 <a:defRPr/>
               </a:pPr>
-              <a:t>08/01/2019</a:t>
+              <a:t>08/01/19</a:t>
             </a:fld>
             <a:endParaRPr lang="it-IT" altLang="it-IT"/>
           </a:p>
@@ -9901,7 +9884,7 @@
           <p:cNvPr id="8" name="Rectangle 5">
             <a:extLst>
               <a:ext uri="{FF2B5EF4-FFF2-40B4-BE49-F238E27FC236}">
-                <a16:creationId xmlns:a16="http://schemas.microsoft.com/office/drawing/2014/main" id="{93460F73-1466-40C4-8356-BFCECFE77ED3}"/>
+                <a16:creationId xmlns:a16="http://schemas.microsoft.com/office/drawing/2014/main" xmlns="" id="{93460F73-1466-40C4-8356-BFCECFE77ED3}"/>
               </a:ext>
             </a:extLst>
           </p:cNvPr>
@@ -9939,7 +9922,7 @@
           <p:cNvPr id="9" name="Rectangle 6">
             <a:extLst>
               <a:ext uri="{FF2B5EF4-FFF2-40B4-BE49-F238E27FC236}">
-                <a16:creationId xmlns:a16="http://schemas.microsoft.com/office/drawing/2014/main" id="{27D44E63-9809-41ED-A8C1-E987F5F91BE6}"/>
+                <a16:creationId xmlns:a16="http://schemas.microsoft.com/office/drawing/2014/main" xmlns="" id="{27D44E63-9809-41ED-A8C1-E987F5F91BE6}"/>
               </a:ext>
             </a:extLst>
           </p:cNvPr>
@@ -10036,7 +10019,7 @@
           <p:cNvPr id="3" name="Rectangle 4">
             <a:extLst>
               <a:ext uri="{FF2B5EF4-FFF2-40B4-BE49-F238E27FC236}">
-                <a16:creationId xmlns:a16="http://schemas.microsoft.com/office/drawing/2014/main" id="{27C267A1-2AF1-4BAB-899A-BAEE6EA5E9F5}"/>
+                <a16:creationId xmlns:a16="http://schemas.microsoft.com/office/drawing/2014/main" xmlns="" id="{27C267A1-2AF1-4BAB-899A-BAEE6EA5E9F5}"/>
               </a:ext>
             </a:extLst>
           </p:cNvPr>
@@ -10066,7 +10049,7 @@
               <a:pPr>
                 <a:defRPr/>
               </a:pPr>
-              <a:t>08/01/2019</a:t>
+              <a:t>08/01/19</a:t>
             </a:fld>
             <a:endParaRPr lang="it-IT" altLang="it-IT"/>
           </a:p>
@@ -10077,7 +10060,7 @@
           <p:cNvPr id="4" name="Rectangle 5">
             <a:extLst>
               <a:ext uri="{FF2B5EF4-FFF2-40B4-BE49-F238E27FC236}">
-                <a16:creationId xmlns:a16="http://schemas.microsoft.com/office/drawing/2014/main" id="{93460F73-1466-40C4-8356-BFCECFE77ED3}"/>
+                <a16:creationId xmlns:a16="http://schemas.microsoft.com/office/drawing/2014/main" xmlns="" id="{93460F73-1466-40C4-8356-BFCECFE77ED3}"/>
               </a:ext>
             </a:extLst>
           </p:cNvPr>
@@ -10115,7 +10098,7 @@
           <p:cNvPr id="5" name="Rectangle 6">
             <a:extLst>
               <a:ext uri="{FF2B5EF4-FFF2-40B4-BE49-F238E27FC236}">
-                <a16:creationId xmlns:a16="http://schemas.microsoft.com/office/drawing/2014/main" id="{27D44E63-9809-41ED-A8C1-E987F5F91BE6}"/>
+                <a16:creationId xmlns:a16="http://schemas.microsoft.com/office/drawing/2014/main" xmlns="" id="{27D44E63-9809-41ED-A8C1-E987F5F91BE6}"/>
               </a:ext>
             </a:extLst>
           </p:cNvPr>
@@ -10190,7 +10173,7 @@
           <p:cNvPr id="2" name="Rectangle 4">
             <a:extLst>
               <a:ext uri="{FF2B5EF4-FFF2-40B4-BE49-F238E27FC236}">
-                <a16:creationId xmlns:a16="http://schemas.microsoft.com/office/drawing/2014/main" id="{27C267A1-2AF1-4BAB-899A-BAEE6EA5E9F5}"/>
+                <a16:creationId xmlns:a16="http://schemas.microsoft.com/office/drawing/2014/main" xmlns="" id="{27C267A1-2AF1-4BAB-899A-BAEE6EA5E9F5}"/>
               </a:ext>
             </a:extLst>
           </p:cNvPr>
@@ -10220,7 +10203,7 @@
               <a:pPr>
                 <a:defRPr/>
               </a:pPr>
-              <a:t>08/01/2019</a:t>
+              <a:t>08/01/19</a:t>
             </a:fld>
             <a:endParaRPr lang="it-IT" altLang="it-IT"/>
           </a:p>
@@ -10231,7 +10214,7 @@
           <p:cNvPr id="3" name="Rectangle 5">
             <a:extLst>
               <a:ext uri="{FF2B5EF4-FFF2-40B4-BE49-F238E27FC236}">
-                <a16:creationId xmlns:a16="http://schemas.microsoft.com/office/drawing/2014/main" id="{93460F73-1466-40C4-8356-BFCECFE77ED3}"/>
+                <a16:creationId xmlns:a16="http://schemas.microsoft.com/office/drawing/2014/main" xmlns="" id="{93460F73-1466-40C4-8356-BFCECFE77ED3}"/>
               </a:ext>
             </a:extLst>
           </p:cNvPr>
@@ -10269,7 +10252,7 @@
           <p:cNvPr id="4" name="Rectangle 6">
             <a:extLst>
               <a:ext uri="{FF2B5EF4-FFF2-40B4-BE49-F238E27FC236}">
-                <a16:creationId xmlns:a16="http://schemas.microsoft.com/office/drawing/2014/main" id="{27D44E63-9809-41ED-A8C1-E987F5F91BE6}"/>
+                <a16:creationId xmlns:a16="http://schemas.microsoft.com/office/drawing/2014/main" xmlns="" id="{27D44E63-9809-41ED-A8C1-E987F5F91BE6}"/>
               </a:ext>
             </a:extLst>
           </p:cNvPr>
@@ -10524,7 +10507,7 @@
           <p:cNvPr id="5" name="Rectangle 4">
             <a:extLst>
               <a:ext uri="{FF2B5EF4-FFF2-40B4-BE49-F238E27FC236}">
-                <a16:creationId xmlns:a16="http://schemas.microsoft.com/office/drawing/2014/main" id="{27C267A1-2AF1-4BAB-899A-BAEE6EA5E9F5}"/>
+                <a16:creationId xmlns:a16="http://schemas.microsoft.com/office/drawing/2014/main" xmlns="" id="{27C267A1-2AF1-4BAB-899A-BAEE6EA5E9F5}"/>
               </a:ext>
             </a:extLst>
           </p:cNvPr>
@@ -10554,7 +10537,7 @@
               <a:pPr>
                 <a:defRPr/>
               </a:pPr>
-              <a:t>08/01/2019</a:t>
+              <a:t>08/01/19</a:t>
             </a:fld>
             <a:endParaRPr lang="it-IT" altLang="it-IT"/>
           </a:p>
@@ -10565,7 +10548,7 @@
           <p:cNvPr id="6" name="Rectangle 5">
             <a:extLst>
               <a:ext uri="{FF2B5EF4-FFF2-40B4-BE49-F238E27FC236}">
-                <a16:creationId xmlns:a16="http://schemas.microsoft.com/office/drawing/2014/main" id="{93460F73-1466-40C4-8356-BFCECFE77ED3}"/>
+                <a16:creationId xmlns:a16="http://schemas.microsoft.com/office/drawing/2014/main" xmlns="" id="{93460F73-1466-40C4-8356-BFCECFE77ED3}"/>
               </a:ext>
             </a:extLst>
           </p:cNvPr>
@@ -10603,7 +10586,7 @@
           <p:cNvPr id="7" name="Rectangle 6">
             <a:extLst>
               <a:ext uri="{FF2B5EF4-FFF2-40B4-BE49-F238E27FC236}">
-                <a16:creationId xmlns:a16="http://schemas.microsoft.com/office/drawing/2014/main" id="{27D44E63-9809-41ED-A8C1-E987F5F91BE6}"/>
+                <a16:creationId xmlns:a16="http://schemas.microsoft.com/office/drawing/2014/main" xmlns="" id="{27D44E63-9809-41ED-A8C1-E987F5F91BE6}"/>
               </a:ext>
             </a:extLst>
           </p:cNvPr>
@@ -10836,7 +10819,7 @@
           <p:cNvPr id="5" name="Rectangle 4">
             <a:extLst>
               <a:ext uri="{FF2B5EF4-FFF2-40B4-BE49-F238E27FC236}">
-                <a16:creationId xmlns:a16="http://schemas.microsoft.com/office/drawing/2014/main" id="{27C267A1-2AF1-4BAB-899A-BAEE6EA5E9F5}"/>
+                <a16:creationId xmlns:a16="http://schemas.microsoft.com/office/drawing/2014/main" xmlns="" id="{27C267A1-2AF1-4BAB-899A-BAEE6EA5E9F5}"/>
               </a:ext>
             </a:extLst>
           </p:cNvPr>
@@ -10866,7 +10849,7 @@
               <a:pPr>
                 <a:defRPr/>
               </a:pPr>
-              <a:t>08/01/2019</a:t>
+              <a:t>08/01/19</a:t>
             </a:fld>
             <a:endParaRPr lang="it-IT" altLang="it-IT"/>
           </a:p>
@@ -10877,7 +10860,7 @@
           <p:cNvPr id="6" name="Rectangle 5">
             <a:extLst>
               <a:ext uri="{FF2B5EF4-FFF2-40B4-BE49-F238E27FC236}">
-                <a16:creationId xmlns:a16="http://schemas.microsoft.com/office/drawing/2014/main" id="{93460F73-1466-40C4-8356-BFCECFE77ED3}"/>
+                <a16:creationId xmlns:a16="http://schemas.microsoft.com/office/drawing/2014/main" xmlns="" id="{93460F73-1466-40C4-8356-BFCECFE77ED3}"/>
               </a:ext>
             </a:extLst>
           </p:cNvPr>
@@ -10915,7 +10898,7 @@
           <p:cNvPr id="7" name="Rectangle 6">
             <a:extLst>
               <a:ext uri="{FF2B5EF4-FFF2-40B4-BE49-F238E27FC236}">
-                <a16:creationId xmlns:a16="http://schemas.microsoft.com/office/drawing/2014/main" id="{27D44E63-9809-41ED-A8C1-E987F5F91BE6}"/>
+                <a16:creationId xmlns:a16="http://schemas.microsoft.com/office/drawing/2014/main" xmlns="" id="{27D44E63-9809-41ED-A8C1-E987F5F91BE6}"/>
               </a:ext>
             </a:extLst>
           </p:cNvPr>
@@ -11014,7 +10997,7 @@
             <p:cNvPr id="1032" name="Rectangle 13">
               <a:extLst>
                 <a:ext uri="{FF2B5EF4-FFF2-40B4-BE49-F238E27FC236}">
-                  <a16:creationId xmlns:a16="http://schemas.microsoft.com/office/drawing/2014/main" id="{33D257D8-5DC4-496A-B549-2D094B51090E}"/>
+                  <a16:creationId xmlns:a16="http://schemas.microsoft.com/office/drawing/2014/main" xmlns="" id="{33D257D8-5DC4-496A-B549-2D094B51090E}"/>
                 </a:ext>
               </a:extLst>
             </p:cNvPr>
@@ -11172,7 +11155,7 @@
             <p:cNvPr id="1033" name="Rectangle 14">
               <a:extLst>
                 <a:ext uri="{FF2B5EF4-FFF2-40B4-BE49-F238E27FC236}">
-                  <a16:creationId xmlns:a16="http://schemas.microsoft.com/office/drawing/2014/main" id="{F29AF15B-B57D-42E2-9922-6F933E212855}"/>
+                  <a16:creationId xmlns:a16="http://schemas.microsoft.com/office/drawing/2014/main" xmlns="" id="{F29AF15B-B57D-42E2-9922-6F933E212855}"/>
                 </a:ext>
               </a:extLst>
             </p:cNvPr>
@@ -11475,7 +11458,7 @@
           <p:cNvPr id="2" name="Rectangle 4">
             <a:extLst>
               <a:ext uri="{FF2B5EF4-FFF2-40B4-BE49-F238E27FC236}">
-                <a16:creationId xmlns:a16="http://schemas.microsoft.com/office/drawing/2014/main" id="{27C267A1-2AF1-4BAB-899A-BAEE6EA5E9F5}"/>
+                <a16:creationId xmlns:a16="http://schemas.microsoft.com/office/drawing/2014/main" xmlns="" id="{27C267A1-2AF1-4BAB-899A-BAEE6EA5E9F5}"/>
               </a:ext>
             </a:extLst>
           </p:cNvPr>
@@ -11538,7 +11521,7 @@
               <a:pPr>
                 <a:defRPr/>
               </a:pPr>
-              <a:t>08/01/2019</a:t>
+              <a:t>08/01/19</a:t>
             </a:fld>
             <a:endParaRPr lang="it-IT" altLang="it-IT"/>
           </a:p>
@@ -11549,7 +11532,7 @@
           <p:cNvPr id="1029" name="Rectangle 5">
             <a:extLst>
               <a:ext uri="{FF2B5EF4-FFF2-40B4-BE49-F238E27FC236}">
-                <a16:creationId xmlns:a16="http://schemas.microsoft.com/office/drawing/2014/main" id="{93460F73-1466-40C4-8356-BFCECFE77ED3}"/>
+                <a16:creationId xmlns:a16="http://schemas.microsoft.com/office/drawing/2014/main" xmlns="" id="{93460F73-1466-40C4-8356-BFCECFE77ED3}"/>
               </a:ext>
             </a:extLst>
           </p:cNvPr>
@@ -11620,7 +11603,7 @@
           <p:cNvPr id="1030" name="Rectangle 6">
             <a:extLst>
               <a:ext uri="{FF2B5EF4-FFF2-40B4-BE49-F238E27FC236}">
-                <a16:creationId xmlns:a16="http://schemas.microsoft.com/office/drawing/2014/main" id="{27D44E63-9809-41ED-A8C1-E987F5F91BE6}"/>
+                <a16:creationId xmlns:a16="http://schemas.microsoft.com/office/drawing/2014/main" xmlns="" id="{27D44E63-9809-41ED-A8C1-E987F5F91BE6}"/>
               </a:ext>
             </a:extLst>
           </p:cNvPr>
@@ -12743,11 +12726,7 @@
             <a:pPr lvl="2"/>
             <a:r>
               <a:rPr lang="en-US" dirty="0" smtClean="0"/>
-              <a:t>Control </a:t>
-            </a:r>
-            <a:r>
-              <a:rPr lang="en-US" dirty="0" smtClean="0"/>
-              <a:t>the landmark locations and to regularize the shape.</a:t>
+              <a:t>Control the landmark locations and to regularize the shape.</a:t>
             </a:r>
           </a:p>
         </p:txBody>
@@ -12775,7 +12754,7 @@
               <a:pPr>
                 <a:defRPr/>
               </a:pPr>
-              <a:t>08/01/2019</a:t>
+              <a:t>08/01/19</a:t>
             </a:fld>
             <a:endParaRPr lang="it-IT" altLang="it-IT"/>
           </a:p>
@@ -13068,7 +13047,6 @@
               <a:rPr lang="en-US" dirty="0" smtClean="0"/>
               <a:t> un convex hull.</a:t>
             </a:r>
-            <a:endParaRPr lang="en-US" dirty="0" smtClean="0"/>
           </a:p>
           <a:p>
             <a:r>
@@ -13114,7 +13092,7 @@
               <a:pPr>
                 <a:defRPr/>
               </a:pPr>
-              <a:t>08/01/2019</a:t>
+              <a:t>08/01/19</a:t>
             </a:fld>
             <a:endParaRPr lang="it-IT" altLang="it-IT" dirty="0"/>
           </a:p>
@@ -13271,7 +13249,6 @@
               <a:rPr lang="en-US" dirty="0"/>
               <a:t> feature</a:t>
             </a:r>
-            <a:endParaRPr lang="en-US" dirty="0"/>
           </a:p>
         </p:txBody>
       </p:sp>
@@ -13311,11 +13288,7 @@
             <a:pPr lvl="1"/>
             <a:r>
               <a:rPr lang="en-US" dirty="0" smtClean="0"/>
-              <a:t>PCA </a:t>
-            </a:r>
-            <a:r>
-              <a:rPr lang="en-US" dirty="0" smtClean="0"/>
-              <a:t>per un </a:t>
+              <a:t>PCA per un </a:t>
             </a:r>
             <a:r>
               <a:rPr lang="en-US" dirty="0" err="1" smtClean="0"/>
@@ -13323,11 +13296,7 @@
             </a:r>
             <a:r>
               <a:rPr lang="en-US" dirty="0" smtClean="0"/>
-              <a:t> di 1379 </a:t>
-            </a:r>
-            <a:r>
-              <a:rPr lang="en-US" dirty="0" smtClean="0"/>
-              <a:t>features.</a:t>
+              <a:t> di 1379 features.</a:t>
             </a:r>
           </a:p>
           <a:p>
@@ -13340,11 +13309,7 @@
             <a:pPr lvl="1"/>
             <a:r>
               <a:rPr lang="en-US" dirty="0" smtClean="0"/>
-              <a:t>Vector </a:t>
-            </a:r>
-            <a:r>
-              <a:rPr lang="en-US" dirty="0" smtClean="0"/>
-              <a:t>di </a:t>
+              <a:t>Vector di </a:t>
             </a:r>
             <a:r>
               <a:rPr lang="en-US" dirty="0" err="1" smtClean="0"/>
@@ -13402,7 +13367,6 @@
               <a:rPr lang="en-US" dirty="0" smtClean="0"/>
               <a:t> del Constrained Local Model.</a:t>
             </a:r>
-            <a:endParaRPr lang="en-US" dirty="0" smtClean="0"/>
           </a:p>
           <a:p>
             <a:r>
@@ -13415,11 +13379,7 @@
             </a:r>
             <a:r>
               <a:rPr lang="is-IS" dirty="0" smtClean="0"/>
-              <a:t>1606 features </a:t>
-            </a:r>
-            <a:r>
-              <a:rPr lang="is-IS" dirty="0" smtClean="0"/>
-              <a:t>che definiscono la faccia.</a:t>
+              <a:t>1606 features che definiscono la faccia.</a:t>
             </a:r>
             <a:endParaRPr lang="en-US" dirty="0"/>
           </a:p>
@@ -13448,7 +13408,7 @@
               <a:pPr>
                 <a:defRPr/>
               </a:pPr>
-              <a:t>08/01/2019</a:t>
+              <a:t>08/01/19</a:t>
             </a:fld>
             <a:endParaRPr lang="it-IT" altLang="it-IT"/>
           </a:p>
@@ -13625,7 +13585,6 @@
               <a:rPr lang="en-US" dirty="0" smtClean="0"/>
               <a:t> Action Units:</a:t>
             </a:r>
-            <a:endParaRPr lang="en-US" dirty="0" smtClean="0"/>
           </a:p>
           <a:p>
             <a:pPr lvl="1"/>
@@ -13674,11 +13633,7 @@
             </a:r>
             <a:r>
               <a:rPr lang="en-US" dirty="0" smtClean="0"/>
-              <a:t> AU </a:t>
-            </a:r>
-            <a:r>
-              <a:rPr lang="en-US" dirty="0" smtClean="0"/>
-              <a:t>Support </a:t>
+              <a:t> AU Support </a:t>
             </a:r>
             <a:r>
               <a:rPr lang="en-US" dirty="0"/>
@@ -13718,7 +13673,7 @@
               <a:pPr>
                 <a:defRPr/>
               </a:pPr>
-              <a:t>08/01/2019</a:t>
+              <a:t>08/01/19</a:t>
             </a:fld>
             <a:endParaRPr lang="it-IT" altLang="it-IT"/>
           </a:p>
@@ -13893,7 +13848,7 @@
               <a:pPr>
                 <a:defRPr/>
               </a:pPr>
-              <a:t>08/01/2019</a:t>
+              <a:t>08/01/19</a:t>
             </a:fld>
             <a:endParaRPr lang="it-IT" altLang="it-IT"/>
           </a:p>
@@ -14123,7 +14078,7 @@
               <a:pPr>
                 <a:defRPr/>
               </a:pPr>
-              <a:t>08/01/2019</a:t>
+              <a:t>08/01/19</a:t>
             </a:fld>
             <a:endParaRPr lang="it-IT" altLang="it-IT"/>
           </a:p>
@@ -14369,7 +14324,7 @@
               <a:pPr>
                 <a:defRPr/>
               </a:pPr>
-              <a:t>08/01/2019</a:t>
+              <a:t>08/01/19</a:t>
             </a:fld>
             <a:endParaRPr lang="it-IT" altLang="it-IT"/>
           </a:p>
@@ -14603,7 +14558,7 @@
               <a:pPr>
                 <a:defRPr/>
               </a:pPr>
-              <a:t>08/01/2019</a:t>
+              <a:t>08/01/19</a:t>
             </a:fld>
             <a:endParaRPr lang="it-IT" altLang="it-IT"/>
           </a:p>
@@ -14829,7 +14784,7 @@
               <a:pPr>
                 <a:defRPr/>
               </a:pPr>
-              <a:t>08/01/2019</a:t>
+              <a:t>08/01/19</a:t>
             </a:fld>
             <a:endParaRPr lang="it-IT" altLang="it-IT"/>
           </a:p>
@@ -14934,11 +14889,11 @@
   <p:clrMapOvr>
     <a:masterClrMapping/>
   </p:clrMapOvr>
-  <mc:AlternateContent xmlns:mc="http://schemas.openxmlformats.org/markup-compatibility/2006" xmlns:p14="http://schemas.microsoft.com/office/powerpoint/2010/main">
-    <mc:Choice Requires="p14">
+  <mc:AlternateContent xmlns:mc="http://schemas.openxmlformats.org/markup-compatibility/2006">
+    <mc:Choice xmlns:p14="http://schemas.microsoft.com/office/powerpoint/2010/main" Requires="p14">
       <p:transition spd="slow" p14:dur="2000"/>
     </mc:Choice>
-    <mc:Fallback xmlns="">
+    <mc:Fallback>
       <p:transition spd="slow"/>
     </mc:Fallback>
   </mc:AlternateContent>
@@ -15187,7 +15142,7 @@
               <a:pPr>
                 <a:defRPr/>
               </a:pPr>
-              <a:t>08/01/2019</a:t>
+              <a:t>08/01/19</a:t>
             </a:fld>
             <a:endParaRPr lang="it-IT" altLang="it-IT"/>
           </a:p>
@@ -15383,7 +15338,6 @@
               <a:rPr lang="en-US" dirty="0" smtClean="0"/>
               <a:t>;</a:t>
             </a:r>
-            <a:endParaRPr lang="en-US" dirty="0" smtClean="0"/>
           </a:p>
           <a:p>
             <a:r>
@@ -15402,7 +15356,6 @@
               <a:rPr lang="en-US" dirty="0" smtClean="0"/>
               <a:t>;</a:t>
             </a:r>
-            <a:endParaRPr lang="en-US" dirty="0" smtClean="0"/>
           </a:p>
           <a:p>
             <a:r>
@@ -15421,7 +15374,6 @@
               <a:rPr lang="en-US" dirty="0" smtClean="0"/>
               <a:t>;</a:t>
             </a:r>
-            <a:endParaRPr lang="en-US" dirty="0" smtClean="0"/>
           </a:p>
           <a:p>
             <a:r>
@@ -15440,7 +15392,6 @@
               <a:rPr lang="en-US" dirty="0" smtClean="0"/>
               <a:t>;</a:t>
             </a:r>
-            <a:endParaRPr lang="en-US" dirty="0" smtClean="0"/>
           </a:p>
           <a:p>
             <a:r>
@@ -15459,7 +15410,6 @@
               <a:rPr lang="en-US" dirty="0" smtClean="0"/>
               <a:t>.</a:t>
             </a:r>
-            <a:endParaRPr lang="en-US" dirty="0" smtClean="0"/>
           </a:p>
           <a:p>
             <a:endParaRPr lang="en-US" dirty="0"/>
@@ -15489,7 +15439,7 @@
               <a:pPr>
                 <a:defRPr/>
               </a:pPr>
-              <a:t>08/01/2019</a:t>
+              <a:t>08/01/19</a:t>
             </a:fld>
             <a:endParaRPr lang="it-IT" altLang="it-IT" dirty="0"/>
           </a:p>
@@ -15731,7 +15681,7 @@
               <a:pPr>
                 <a:defRPr/>
               </a:pPr>
-              <a:t>08/01/2019</a:t>
+              <a:t>08/01/19</a:t>
             </a:fld>
             <a:endParaRPr lang="it-IT" altLang="it-IT"/>
           </a:p>
@@ -15830,11 +15780,11 @@
   <p:clrMapOvr>
     <a:masterClrMapping/>
   </p:clrMapOvr>
-  <mc:AlternateContent xmlns:mc="http://schemas.openxmlformats.org/markup-compatibility/2006" xmlns:p14="http://schemas.microsoft.com/office/powerpoint/2010/main">
-    <mc:Choice Requires="p14">
+  <mc:AlternateContent xmlns:mc="http://schemas.openxmlformats.org/markup-compatibility/2006">
+    <mc:Choice xmlns:p14="http://schemas.microsoft.com/office/powerpoint/2010/main" Requires="p14">
       <p:transition spd="slow" p14:dur="2000"/>
     </mc:Choice>
-    <mc:Fallback xmlns="">
+    <mc:Fallback>
       <p:transition spd="slow"/>
     </mc:Fallback>
   </mc:AlternateContent>
@@ -15940,7 +15890,7 @@
               <a:pPr>
                 <a:defRPr/>
               </a:pPr>
-              <a:t>08/01/2019</a:t>
+              <a:t>08/01/19</a:t>
             </a:fld>
             <a:endParaRPr lang="it-IT" altLang="it-IT"/>
           </a:p>
@@ -16045,11 +15995,11 @@
   <p:clrMapOvr>
     <a:masterClrMapping/>
   </p:clrMapOvr>
-  <mc:AlternateContent xmlns:mc="http://schemas.openxmlformats.org/markup-compatibility/2006" xmlns:p14="http://schemas.microsoft.com/office/powerpoint/2010/main">
-    <mc:Choice Requires="p14">
+  <mc:AlternateContent xmlns:mc="http://schemas.openxmlformats.org/markup-compatibility/2006">
+    <mc:Choice xmlns:p14="http://schemas.microsoft.com/office/powerpoint/2010/main" Requires="p14">
       <p:transition spd="slow" p14:dur="2000"/>
     </mc:Choice>
-    <mc:Fallback xmlns="">
+    <mc:Fallback>
       <p:transition spd="slow"/>
     </mc:Fallback>
   </mc:AlternateContent>
@@ -16171,7 +16121,7 @@
               <a:pPr>
                 <a:defRPr/>
               </a:pPr>
-              <a:t>08/01/2019</a:t>
+              <a:t>08/01/19</a:t>
             </a:fld>
             <a:endParaRPr lang="it-IT" altLang="it-IT"/>
           </a:p>
@@ -16373,7 +16323,7 @@
               <a:pPr>
                 <a:defRPr/>
               </a:pPr>
-              <a:t>08/01/2019</a:t>
+              <a:t>08/01/19</a:t>
             </a:fld>
             <a:endParaRPr lang="it-IT" altLang="it-IT"/>
           </a:p>
@@ -16498,7 +16448,7 @@
               <a:pPr>
                 <a:defRPr/>
               </a:pPr>
-              <a:t>08/01/2019</a:t>
+              <a:t>08/01/19</a:t>
             </a:fld>
             <a:endParaRPr lang="it-IT" altLang="it-IT"/>
           </a:p>
@@ -16841,7 +16791,7 @@
               <a:pPr>
                 <a:defRPr/>
               </a:pPr>
-              <a:t>08/01/2019</a:t>
+              <a:t>08/01/19</a:t>
             </a:fld>
             <a:endParaRPr lang="it-IT" altLang="it-IT"/>
           </a:p>
@@ -17103,7 +17053,6 @@
               <a:rPr lang="en-US" dirty="0" smtClean="0"/>
               <a:t>’.</a:t>
             </a:r>
-            <a:endParaRPr lang="en-US" dirty="0" smtClean="0"/>
           </a:p>
           <a:p>
             <a:pPr lvl="1"/>
@@ -17194,7 +17143,7 @@
               <a:pPr>
                 <a:defRPr/>
               </a:pPr>
-              <a:t>08/01/2019</a:t>
+              <a:t>08/01/19</a:t>
             </a:fld>
             <a:endParaRPr lang="it-IT" altLang="it-IT"/>
           </a:p>
@@ -17435,7 +17384,6 @@
               <a:rPr lang="en-US" dirty="0" smtClean="0"/>
               <a:t>;</a:t>
             </a:r>
-            <a:endParaRPr lang="en-US" dirty="0" smtClean="0"/>
           </a:p>
           <a:p>
             <a:r>
@@ -17462,7 +17410,6 @@
               <a:rPr lang="en-US" dirty="0" smtClean="0"/>
               <a:t>.</a:t>
             </a:r>
-            <a:endParaRPr lang="en-US" dirty="0" smtClean="0"/>
           </a:p>
           <a:p>
             <a:endParaRPr lang="en-US" dirty="0"/>
@@ -17492,7 +17439,7 @@
               <a:pPr>
                 <a:defRPr/>
               </a:pPr>
-              <a:t>08/01/2019</a:t>
+              <a:t>08/01/19</a:t>
             </a:fld>
             <a:endParaRPr lang="it-IT" altLang="it-IT"/>
           </a:p>
@@ -17758,7 +17705,6 @@
               <a:rPr lang="en-US" dirty="0" smtClean="0"/>
               <a:t>;</a:t>
             </a:r>
-            <a:endParaRPr lang="en-US" dirty="0" smtClean="0"/>
           </a:p>
           <a:p>
             <a:r>
@@ -17803,7 +17749,6 @@
               <a:rPr lang="en-US" dirty="0" smtClean="0"/>
               <a:t>;</a:t>
             </a:r>
-            <a:endParaRPr lang="en-US" dirty="0" smtClean="0"/>
           </a:p>
           <a:p>
             <a:r>
@@ -17826,7 +17771,6 @@
               <a:rPr lang="en-US" dirty="0" smtClean="0"/>
               <a:t>…</a:t>
             </a:r>
-            <a:endParaRPr lang="en-US" dirty="0" smtClean="0"/>
           </a:p>
           <a:p>
             <a:endParaRPr lang="en-US" dirty="0" smtClean="0"/>
@@ -17865,7 +17809,7 @@
               <a:pPr>
                 <a:defRPr/>
               </a:pPr>
-              <a:t>08/01/2019</a:t>
+              <a:t>08/01/19</a:t>
             </a:fld>
             <a:endParaRPr lang="it-IT" altLang="it-IT" dirty="0"/>
           </a:p>
@@ -18236,7 +18180,7 @@
               <a:pPr>
                 <a:defRPr/>
               </a:pPr>
-              <a:t>08/01/2019</a:t>
+              <a:t>08/01/19</a:t>
             </a:fld>
             <a:endParaRPr lang="it-IT" altLang="it-IT"/>
           </a:p>
@@ -18435,7 +18379,6 @@
               <a:rPr lang="en-US" dirty="0" smtClean="0"/>
               <a:t>’.</a:t>
             </a:r>
-            <a:endParaRPr lang="en-US" dirty="0" smtClean="0"/>
           </a:p>
           <a:p>
             <a:r>
@@ -18512,7 +18455,7 @@
               <a:pPr>
                 <a:defRPr/>
               </a:pPr>
-              <a:t>08/01/2019</a:t>
+              <a:t>08/01/19</a:t>
             </a:fld>
             <a:endParaRPr lang="it-IT" altLang="it-IT"/>
           </a:p>
@@ -18744,7 +18687,6 @@
               <a:rPr lang="en-US" dirty="0" smtClean="0"/>
               <a:t>;</a:t>
             </a:r>
-            <a:endParaRPr lang="en-US" dirty="0" smtClean="0"/>
           </a:p>
           <a:p>
             <a:pPr marL="457200" indent="-457200">
@@ -18767,7 +18709,6 @@
               <a:rPr lang="en-US" dirty="0" smtClean="0"/>
               <a:t>;</a:t>
             </a:r>
-            <a:endParaRPr lang="en-US" dirty="0" smtClean="0"/>
           </a:p>
           <a:p>
             <a:pPr marL="457200" indent="-457200">
@@ -18790,7 +18731,6 @@
               <a:rPr lang="en-US" dirty="0" smtClean="0"/>
               <a:t> feature;</a:t>
             </a:r>
-            <a:endParaRPr lang="en-US" dirty="0" smtClean="0"/>
           </a:p>
           <a:p>
             <a:pPr marL="457200" indent="-457200">
@@ -18813,7 +18753,6 @@
               <a:rPr lang="en-US" dirty="0" smtClean="0"/>
               <a:t> AU;</a:t>
             </a:r>
-            <a:endParaRPr lang="en-US" dirty="0" smtClean="0"/>
           </a:p>
           <a:p>
             <a:pPr marL="457200" indent="-457200">
@@ -18836,7 +18775,6 @@
               <a:rPr lang="en-US" dirty="0" smtClean="0"/>
               <a:t> SVM;</a:t>
             </a:r>
-            <a:endParaRPr lang="en-US" dirty="0" smtClean="0"/>
           </a:p>
           <a:p>
             <a:endParaRPr lang="en-US" dirty="0"/>
@@ -18866,7 +18804,7 @@
               <a:pPr>
                 <a:defRPr/>
               </a:pPr>
-              <a:t>08/01/2019</a:t>
+              <a:t>08/01/19</a:t>
             </a:fld>
             <a:endParaRPr lang="it-IT" altLang="it-IT"/>
           </a:p>
@@ -19217,7 +19155,7 @@
               <a:pPr>
                 <a:defRPr/>
               </a:pPr>
-              <a:t>08/01/2019</a:t>
+              <a:t>08/01/19</a:t>
             </a:fld>
             <a:endParaRPr lang="it-IT" altLang="it-IT"/>
           </a:p>
